--- a/wd/Documentation/MIALab presentation.pptx
+++ b/wd/Documentation/MIALab presentation.pptx
@@ -5,14 +5,14 @@
     <p:sldMasterId id="2147483648" r:id="rId1"/>
   </p:sldMasterIdLst>
   <p:notesMasterIdLst>
-    <p:notesMasterId r:id="rId17"/>
+    <p:notesMasterId r:id="rId20"/>
   </p:notesMasterIdLst>
   <p:sldIdLst>
     <p:sldId id="256" r:id="rId2"/>
     <p:sldId id="293" r:id="rId3"/>
     <p:sldId id="280" r:id="rId4"/>
-    <p:sldId id="281" r:id="rId5"/>
-    <p:sldId id="282" r:id="rId6"/>
+    <p:sldId id="295" r:id="rId5"/>
+    <p:sldId id="296" r:id="rId6"/>
     <p:sldId id="284" r:id="rId7"/>
     <p:sldId id="285" r:id="rId8"/>
     <p:sldId id="291" r:id="rId9"/>
@@ -22,7 +22,10 @@
     <p:sldId id="286" r:id="rId13"/>
     <p:sldId id="289" r:id="rId14"/>
     <p:sldId id="269" r:id="rId15"/>
-    <p:sldId id="283" r:id="rId16"/>
+    <p:sldId id="294" r:id="rId16"/>
+    <p:sldId id="281" r:id="rId17"/>
+    <p:sldId id="282" r:id="rId18"/>
+    <p:sldId id="283" r:id="rId19"/>
   </p:sldIdLst>
   <p:sldSz cx="9144000" cy="6858000" type="screen4x3"/>
   <p:notesSz cx="6858000" cy="9144000"/>
@@ -206,7 +209,7 @@
           <a:p>
             <a:fld id="{40E058F6-0855-4F41-9DFF-011A60BFA8DD}" type="datetimeFigureOut">
               <a:rPr lang="de-CH" smtClean="0"/>
-              <a:t>16.12.2017</a:t>
+              <a:t>18.12.2017</a:t>
             </a:fld>
             <a:endParaRPr lang="de-CH"/>
           </a:p>
@@ -1101,6 +1104,375 @@
 </p:notes>
 </file>
 
+<file path=ppt/notesSlides/notesSlide16.xml><?xml version="1.0" encoding="utf-8"?>
+<p:notes xmlns:a="http://schemas.openxmlformats.org/drawingml/2006/main" xmlns:r="http://schemas.openxmlformats.org/officeDocument/2006/relationships" xmlns:p="http://schemas.openxmlformats.org/presentationml/2006/main">
+  <p:cSld>
+    <p:spTree>
+      <p:nvGrpSpPr>
+        <p:cNvPr id="1" name=""/>
+        <p:cNvGrpSpPr/>
+        <p:nvPr/>
+      </p:nvGrpSpPr>
+      <p:grpSpPr>
+        <a:xfrm>
+          <a:off x="0" y="0"/>
+          <a:ext cx="0" cy="0"/>
+          <a:chOff x="0" y="0"/>
+          <a:chExt cx="0" cy="0"/>
+        </a:xfrm>
+      </p:grpSpPr>
+      <p:sp>
+        <p:nvSpPr>
+          <p:cNvPr id="2" name="Folienbildplatzhalter 1"/>
+          <p:cNvSpPr>
+            <a:spLocks noGrp="1" noRot="1" noChangeAspect="1"/>
+          </p:cNvSpPr>
+          <p:nvPr>
+            <p:ph type="sldImg"/>
+          </p:nvPr>
+        </p:nvSpPr>
+        <p:spPr/>
+      </p:sp>
+      <p:sp>
+        <p:nvSpPr>
+          <p:cNvPr id="3" name="Notizenplatzhalter 2"/>
+          <p:cNvSpPr>
+            <a:spLocks noGrp="1"/>
+          </p:cNvSpPr>
+          <p:nvPr>
+            <p:ph type="body" idx="1"/>
+          </p:nvPr>
+        </p:nvSpPr>
+        <p:spPr/>
+        <p:txBody>
+          <a:bodyPr/>
+          <a:lstStyle/>
+          <a:p>
+            <a:pPr marL="0" marR="0" indent="0" algn="l" defTabSz="914400" rtl="0" eaLnBrk="1" fontAlgn="auto" latinLnBrk="0" hangingPunct="1">
+              <a:lnSpc>
+                <a:spcPct val="100000"/>
+              </a:lnSpc>
+              <a:spcBef>
+                <a:spcPts val="0"/>
+              </a:spcBef>
+              <a:spcAft>
+                <a:spcPts val="0"/>
+              </a:spcAft>
+              <a:buClrTx/>
+              <a:buSzTx/>
+              <a:buFontTx/>
+              <a:buNone/>
+              <a:tabLst/>
+              <a:defRPr/>
+            </a:pPr>
+            <a:endParaRPr lang="de-CH" dirty="0" smtClean="0"/>
+          </a:p>
+          <a:p>
+            <a:pPr marL="0" marR="0" indent="0" algn="l" defTabSz="914400" rtl="0" eaLnBrk="1" fontAlgn="auto" latinLnBrk="0" hangingPunct="1">
+              <a:lnSpc>
+                <a:spcPct val="100000"/>
+              </a:lnSpc>
+              <a:spcBef>
+                <a:spcPts val="0"/>
+              </a:spcBef>
+              <a:spcAft>
+                <a:spcPts val="0"/>
+              </a:spcAft>
+              <a:buClrTx/>
+              <a:buSzTx/>
+              <a:buFontTx/>
+              <a:buNone/>
+              <a:tabLst/>
+              <a:defRPr/>
+            </a:pPr>
+            <a:endParaRPr lang="en-GB" sz="1200" dirty="0" smtClean="0">
+              <a:sym typeface="Wingdings" pitchFamily="2" charset="2"/>
+            </a:endParaRPr>
+          </a:p>
+        </p:txBody>
+      </p:sp>
+      <p:sp>
+        <p:nvSpPr>
+          <p:cNvPr id="4" name="Foliennummernplatzhalter 3"/>
+          <p:cNvSpPr>
+            <a:spLocks noGrp="1"/>
+          </p:cNvSpPr>
+          <p:nvPr>
+            <p:ph type="sldNum" sz="quarter" idx="10"/>
+          </p:nvPr>
+        </p:nvSpPr>
+        <p:spPr/>
+        <p:txBody>
+          <a:bodyPr/>
+          <a:lstStyle/>
+          <a:p>
+            <a:fld id="{450B6DA4-0CC3-4F7F-9271-3ABC483B3DCA}" type="slidenum">
+              <a:rPr lang="de-CH" smtClean="0"/>
+              <a:t>16</a:t>
+            </a:fld>
+            <a:endParaRPr lang="de-CH"/>
+          </a:p>
+        </p:txBody>
+      </p:sp>
+    </p:spTree>
+    <p:extLst>
+      <p:ext uri="{BB962C8B-B14F-4D97-AF65-F5344CB8AC3E}">
+        <p14:creationId xmlns:p14="http://schemas.microsoft.com/office/powerpoint/2010/main" val="3988226841"/>
+      </p:ext>
+    </p:extLst>
+  </p:cSld>
+  <p:clrMapOvr>
+    <a:masterClrMapping/>
+  </p:clrMapOvr>
+</p:notes>
+</file>
+
+<file path=ppt/notesSlides/notesSlide17.xml><?xml version="1.0" encoding="utf-8"?>
+<p:notes xmlns:a="http://schemas.openxmlformats.org/drawingml/2006/main" xmlns:r="http://schemas.openxmlformats.org/officeDocument/2006/relationships" xmlns:p="http://schemas.openxmlformats.org/presentationml/2006/main">
+  <p:cSld>
+    <p:spTree>
+      <p:nvGrpSpPr>
+        <p:cNvPr id="1" name=""/>
+        <p:cNvGrpSpPr/>
+        <p:nvPr/>
+      </p:nvGrpSpPr>
+      <p:grpSpPr>
+        <a:xfrm>
+          <a:off x="0" y="0"/>
+          <a:ext cx="0" cy="0"/>
+          <a:chOff x="0" y="0"/>
+          <a:chExt cx="0" cy="0"/>
+        </a:xfrm>
+      </p:grpSpPr>
+      <p:sp>
+        <p:nvSpPr>
+          <p:cNvPr id="2" name="Folienbildplatzhalter 1"/>
+          <p:cNvSpPr>
+            <a:spLocks noGrp="1" noRot="1" noChangeAspect="1"/>
+          </p:cNvSpPr>
+          <p:nvPr>
+            <p:ph type="sldImg"/>
+          </p:nvPr>
+        </p:nvSpPr>
+        <p:spPr/>
+      </p:sp>
+      <p:sp>
+        <p:nvSpPr>
+          <p:cNvPr id="3" name="Notizenplatzhalter 2"/>
+          <p:cNvSpPr>
+            <a:spLocks noGrp="1"/>
+          </p:cNvSpPr>
+          <p:nvPr>
+            <p:ph type="body" idx="1"/>
+          </p:nvPr>
+        </p:nvSpPr>
+        <p:spPr/>
+        <p:txBody>
+          <a:bodyPr/>
+          <a:lstStyle/>
+          <a:p>
+            <a:pPr marL="0" marR="0" indent="0" algn="l" defTabSz="914400" rtl="0" eaLnBrk="1" fontAlgn="auto" latinLnBrk="0" hangingPunct="1">
+              <a:lnSpc>
+                <a:spcPct val="100000"/>
+              </a:lnSpc>
+              <a:spcBef>
+                <a:spcPts val="0"/>
+              </a:spcBef>
+              <a:spcAft>
+                <a:spcPts val="0"/>
+              </a:spcAft>
+              <a:buClrTx/>
+              <a:buSzTx/>
+              <a:buFontTx/>
+              <a:buNone/>
+              <a:tabLst/>
+              <a:defRPr/>
+            </a:pPr>
+            <a:endParaRPr lang="de-CH" dirty="0" smtClean="0"/>
+          </a:p>
+          <a:p>
+            <a:pPr marL="0" marR="0" indent="0" algn="l" defTabSz="914400" rtl="0" eaLnBrk="1" fontAlgn="auto" latinLnBrk="0" hangingPunct="1">
+              <a:lnSpc>
+                <a:spcPct val="100000"/>
+              </a:lnSpc>
+              <a:spcBef>
+                <a:spcPts val="0"/>
+              </a:spcBef>
+              <a:spcAft>
+                <a:spcPts val="0"/>
+              </a:spcAft>
+              <a:buClrTx/>
+              <a:buSzTx/>
+              <a:buFontTx/>
+              <a:buNone/>
+              <a:tabLst/>
+              <a:defRPr/>
+            </a:pPr>
+            <a:endParaRPr lang="en-GB" sz="1200" dirty="0" smtClean="0">
+              <a:sym typeface="Wingdings" pitchFamily="2" charset="2"/>
+            </a:endParaRPr>
+          </a:p>
+        </p:txBody>
+      </p:sp>
+      <p:sp>
+        <p:nvSpPr>
+          <p:cNvPr id="4" name="Foliennummernplatzhalter 3"/>
+          <p:cNvSpPr>
+            <a:spLocks noGrp="1"/>
+          </p:cNvSpPr>
+          <p:nvPr>
+            <p:ph type="sldNum" sz="quarter" idx="10"/>
+          </p:nvPr>
+        </p:nvSpPr>
+        <p:spPr/>
+        <p:txBody>
+          <a:bodyPr/>
+          <a:lstStyle/>
+          <a:p>
+            <a:fld id="{450B6DA4-0CC3-4F7F-9271-3ABC483B3DCA}" type="slidenum">
+              <a:rPr lang="de-CH" smtClean="0"/>
+              <a:t>17</a:t>
+            </a:fld>
+            <a:endParaRPr lang="de-CH"/>
+          </a:p>
+        </p:txBody>
+      </p:sp>
+    </p:spTree>
+    <p:extLst>
+      <p:ext uri="{BB962C8B-B14F-4D97-AF65-F5344CB8AC3E}">
+        <p14:creationId xmlns:p14="http://schemas.microsoft.com/office/powerpoint/2010/main" val="3988226841"/>
+      </p:ext>
+    </p:extLst>
+  </p:cSld>
+  <p:clrMapOvr>
+    <a:masterClrMapping/>
+  </p:clrMapOvr>
+</p:notes>
+</file>
+
+<file path=ppt/notesSlides/notesSlide18.xml><?xml version="1.0" encoding="utf-8"?>
+<p:notes xmlns:a="http://schemas.openxmlformats.org/drawingml/2006/main" xmlns:r="http://schemas.openxmlformats.org/officeDocument/2006/relationships" xmlns:p="http://schemas.openxmlformats.org/presentationml/2006/main">
+  <p:cSld>
+    <p:spTree>
+      <p:nvGrpSpPr>
+        <p:cNvPr id="1" name=""/>
+        <p:cNvGrpSpPr/>
+        <p:nvPr/>
+      </p:nvGrpSpPr>
+      <p:grpSpPr>
+        <a:xfrm>
+          <a:off x="0" y="0"/>
+          <a:ext cx="0" cy="0"/>
+          <a:chOff x="0" y="0"/>
+          <a:chExt cx="0" cy="0"/>
+        </a:xfrm>
+      </p:grpSpPr>
+      <p:sp>
+        <p:nvSpPr>
+          <p:cNvPr id="2" name="Folienbildplatzhalter 1"/>
+          <p:cNvSpPr>
+            <a:spLocks noGrp="1" noRot="1" noChangeAspect="1"/>
+          </p:cNvSpPr>
+          <p:nvPr>
+            <p:ph type="sldImg"/>
+          </p:nvPr>
+        </p:nvSpPr>
+        <p:spPr/>
+      </p:sp>
+      <p:sp>
+        <p:nvSpPr>
+          <p:cNvPr id="3" name="Notizenplatzhalter 2"/>
+          <p:cNvSpPr>
+            <a:spLocks noGrp="1"/>
+          </p:cNvSpPr>
+          <p:nvPr>
+            <p:ph type="body" idx="1"/>
+          </p:nvPr>
+        </p:nvSpPr>
+        <p:spPr/>
+        <p:txBody>
+          <a:bodyPr/>
+          <a:lstStyle/>
+          <a:p>
+            <a:pPr marL="0" marR="0" indent="0" algn="l" defTabSz="914400" rtl="0" eaLnBrk="1" fontAlgn="auto" latinLnBrk="0" hangingPunct="1">
+              <a:lnSpc>
+                <a:spcPct val="100000"/>
+              </a:lnSpc>
+              <a:spcBef>
+                <a:spcPts val="0"/>
+              </a:spcBef>
+              <a:spcAft>
+                <a:spcPts val="0"/>
+              </a:spcAft>
+              <a:buClrTx/>
+              <a:buSzTx/>
+              <a:buFontTx/>
+              <a:buNone/>
+              <a:tabLst/>
+              <a:defRPr/>
+            </a:pPr>
+            <a:endParaRPr lang="de-CH" dirty="0" smtClean="0"/>
+          </a:p>
+          <a:p>
+            <a:pPr marL="0" marR="0" indent="0" algn="l" defTabSz="914400" rtl="0" eaLnBrk="1" fontAlgn="auto" latinLnBrk="0" hangingPunct="1">
+              <a:lnSpc>
+                <a:spcPct val="100000"/>
+              </a:lnSpc>
+              <a:spcBef>
+                <a:spcPts val="0"/>
+              </a:spcBef>
+              <a:spcAft>
+                <a:spcPts val="0"/>
+              </a:spcAft>
+              <a:buClrTx/>
+              <a:buSzTx/>
+              <a:buFontTx/>
+              <a:buNone/>
+              <a:tabLst/>
+              <a:defRPr/>
+            </a:pPr>
+            <a:endParaRPr lang="en-GB" sz="1200" dirty="0" smtClean="0">
+              <a:sym typeface="Wingdings" pitchFamily="2" charset="2"/>
+            </a:endParaRPr>
+          </a:p>
+        </p:txBody>
+      </p:sp>
+      <p:sp>
+        <p:nvSpPr>
+          <p:cNvPr id="4" name="Foliennummernplatzhalter 3"/>
+          <p:cNvSpPr>
+            <a:spLocks noGrp="1"/>
+          </p:cNvSpPr>
+          <p:nvPr>
+            <p:ph type="sldNum" sz="quarter" idx="10"/>
+          </p:nvPr>
+        </p:nvSpPr>
+        <p:spPr/>
+        <p:txBody>
+          <a:bodyPr/>
+          <a:lstStyle/>
+          <a:p>
+            <a:fld id="{450B6DA4-0CC3-4F7F-9271-3ABC483B3DCA}" type="slidenum">
+              <a:rPr lang="de-CH" smtClean="0"/>
+              <a:t>18</a:t>
+            </a:fld>
+            <a:endParaRPr lang="de-CH"/>
+          </a:p>
+        </p:txBody>
+      </p:sp>
+    </p:spTree>
+    <p:extLst>
+      <p:ext uri="{BB962C8B-B14F-4D97-AF65-F5344CB8AC3E}">
+        <p14:creationId xmlns:p14="http://schemas.microsoft.com/office/powerpoint/2010/main" val="3988226841"/>
+      </p:ext>
+    </p:extLst>
+  </p:cSld>
+  <p:clrMapOvr>
+    <a:masterClrMapping/>
+  </p:clrMapOvr>
+</p:notes>
+</file>
+
 <file path=ppt/notesSlides/notesSlide2.xml><?xml version="1.0" encoding="utf-8"?>
 <p:notes xmlns:a="http://schemas.openxmlformats.org/drawingml/2006/main" xmlns:r="http://schemas.openxmlformats.org/officeDocument/2006/relationships" xmlns:p="http://schemas.openxmlformats.org/presentationml/2006/main">
   <p:cSld>
@@ -1514,46 +1886,7 @@
           <a:bodyPr/>
           <a:lstStyle/>
           <a:p>
-            <a:pPr marL="0" marR="0" indent="0" algn="l" defTabSz="914400" rtl="0" eaLnBrk="1" fontAlgn="auto" latinLnBrk="0" hangingPunct="1">
-              <a:lnSpc>
-                <a:spcPct val="100000"/>
-              </a:lnSpc>
-              <a:spcBef>
-                <a:spcPts val="0"/>
-              </a:spcBef>
-              <a:spcAft>
-                <a:spcPts val="0"/>
-              </a:spcAft>
-              <a:buClrTx/>
-              <a:buSzTx/>
-              <a:buFontTx/>
-              <a:buNone/>
-              <a:tabLst/>
-              <a:defRPr/>
-            </a:pPr>
-            <a:endParaRPr lang="de-CH" dirty="0" smtClean="0"/>
-          </a:p>
-          <a:p>
-            <a:pPr marL="0" marR="0" indent="0" algn="l" defTabSz="914400" rtl="0" eaLnBrk="1" fontAlgn="auto" latinLnBrk="0" hangingPunct="1">
-              <a:lnSpc>
-                <a:spcPct val="100000"/>
-              </a:lnSpc>
-              <a:spcBef>
-                <a:spcPts val="0"/>
-              </a:spcBef>
-              <a:spcAft>
-                <a:spcPts val="0"/>
-              </a:spcAft>
-              <a:buClrTx/>
-              <a:buSzTx/>
-              <a:buFontTx/>
-              <a:buNone/>
-              <a:tabLst/>
-              <a:defRPr/>
-            </a:pPr>
-            <a:endParaRPr lang="en-GB" sz="1200" dirty="0" smtClean="0">
-              <a:sym typeface="Wingdings" pitchFamily="2" charset="2"/>
-            </a:endParaRPr>
+            <a:endParaRPr lang="de-CH" dirty="0"/>
           </a:p>
         </p:txBody>
       </p:sp>
@@ -1583,7 +1916,7 @@
     </p:spTree>
     <p:extLst>
       <p:ext uri="{BB962C8B-B14F-4D97-AF65-F5344CB8AC3E}">
-        <p14:creationId xmlns:p14="http://schemas.microsoft.com/office/powerpoint/2010/main" val="3988226841"/>
+        <p14:creationId xmlns:p14="http://schemas.microsoft.com/office/powerpoint/2010/main" val="1761958236"/>
       </p:ext>
     </p:extLst>
   </p:cSld>
@@ -1760,7 +2093,45 @@
           <a:bodyPr/>
           <a:lstStyle/>
           <a:p>
-            <a:endParaRPr lang="de-CH" dirty="0"/>
+            <a:r>
+              <a:rPr lang="en-GB" noProof="0" dirty="0" smtClean="0"/>
+              <a:t>- Number of histogram bins</a:t>
+            </a:r>
+          </a:p>
+          <a:p>
+            <a:r>
+              <a:rPr lang="en-GB" noProof="0" dirty="0" smtClean="0"/>
+              <a:t>- Learning rate</a:t>
+            </a:r>
+          </a:p>
+          <a:p>
+            <a:r>
+              <a:rPr lang="en-GB" noProof="0" dirty="0" smtClean="0"/>
+              <a:t>- Step size</a:t>
+            </a:r>
+          </a:p>
+          <a:p>
+            <a:r>
+              <a:rPr lang="en-GB" noProof="0" dirty="0" smtClean="0"/>
+              <a:t>- Number of iteration</a:t>
+            </a:r>
+          </a:p>
+          <a:p>
+            <a:r>
+              <a:rPr lang="en-GB" noProof="0" dirty="0" smtClean="0"/>
+              <a:t>- Shrinking factor</a:t>
+            </a:r>
+          </a:p>
+          <a:p>
+            <a:r>
+              <a:rPr lang="en-GB" noProof="0" dirty="0" smtClean="0"/>
+              <a:t>- Smoothing</a:t>
+            </a:r>
+            <a:r>
+              <a:rPr lang="en-GB" baseline="0" noProof="0" dirty="0" smtClean="0"/>
+              <a:t> sigma</a:t>
+            </a:r>
+            <a:endParaRPr lang="en-GB" noProof="0" dirty="0"/>
           </a:p>
         </p:txBody>
       </p:sp>
@@ -2149,7 +2520,7 @@
           <a:p>
             <a:fld id="{A03FC283-BAF9-4C86-9590-3AD6D7A3D912}" type="datetimeFigureOut">
               <a:rPr lang="de-CH" smtClean="0"/>
-              <a:t>16.12.2017</a:t>
+              <a:t>18.12.2017</a:t>
             </a:fld>
             <a:endParaRPr lang="de-CH"/>
           </a:p>
@@ -2319,7 +2690,7 @@
           <a:p>
             <a:fld id="{A03FC283-BAF9-4C86-9590-3AD6D7A3D912}" type="datetimeFigureOut">
               <a:rPr lang="de-CH" smtClean="0"/>
-              <a:t>16.12.2017</a:t>
+              <a:t>18.12.2017</a:t>
             </a:fld>
             <a:endParaRPr lang="de-CH"/>
           </a:p>
@@ -2499,7 +2870,7 @@
           <a:p>
             <a:fld id="{A03FC283-BAF9-4C86-9590-3AD6D7A3D912}" type="datetimeFigureOut">
               <a:rPr lang="de-CH" smtClean="0"/>
-              <a:t>16.12.2017</a:t>
+              <a:t>18.12.2017</a:t>
             </a:fld>
             <a:endParaRPr lang="de-CH"/>
           </a:p>
@@ -2669,7 +3040,7 @@
           <a:p>
             <a:fld id="{A03FC283-BAF9-4C86-9590-3AD6D7A3D912}" type="datetimeFigureOut">
               <a:rPr lang="de-CH" smtClean="0"/>
-              <a:t>16.12.2017</a:t>
+              <a:t>18.12.2017</a:t>
             </a:fld>
             <a:endParaRPr lang="de-CH"/>
           </a:p>
@@ -2915,7 +3286,7 @@
           <a:p>
             <a:fld id="{A03FC283-BAF9-4C86-9590-3AD6D7A3D912}" type="datetimeFigureOut">
               <a:rPr lang="de-CH" smtClean="0"/>
-              <a:t>16.12.2017</a:t>
+              <a:t>18.12.2017</a:t>
             </a:fld>
             <a:endParaRPr lang="de-CH"/>
           </a:p>
@@ -3203,7 +3574,7 @@
           <a:p>
             <a:fld id="{A03FC283-BAF9-4C86-9590-3AD6D7A3D912}" type="datetimeFigureOut">
               <a:rPr lang="de-CH" smtClean="0"/>
-              <a:t>16.12.2017</a:t>
+              <a:t>18.12.2017</a:t>
             </a:fld>
             <a:endParaRPr lang="de-CH"/>
           </a:p>
@@ -3625,7 +3996,7 @@
           <a:p>
             <a:fld id="{A03FC283-BAF9-4C86-9590-3AD6D7A3D912}" type="datetimeFigureOut">
               <a:rPr lang="de-CH" smtClean="0"/>
-              <a:t>16.12.2017</a:t>
+              <a:t>18.12.2017</a:t>
             </a:fld>
             <a:endParaRPr lang="de-CH"/>
           </a:p>
@@ -3743,7 +4114,7 @@
           <a:p>
             <a:fld id="{A03FC283-BAF9-4C86-9590-3AD6D7A3D912}" type="datetimeFigureOut">
               <a:rPr lang="de-CH" smtClean="0"/>
-              <a:t>16.12.2017</a:t>
+              <a:t>18.12.2017</a:t>
             </a:fld>
             <a:endParaRPr lang="de-CH"/>
           </a:p>
@@ -3838,7 +4209,7 @@
           <a:p>
             <a:fld id="{A03FC283-BAF9-4C86-9590-3AD6D7A3D912}" type="datetimeFigureOut">
               <a:rPr lang="de-CH" smtClean="0"/>
-              <a:t>16.12.2017</a:t>
+              <a:t>18.12.2017</a:t>
             </a:fld>
             <a:endParaRPr lang="de-CH"/>
           </a:p>
@@ -4115,7 +4486,7 @@
           <a:p>
             <a:fld id="{A03FC283-BAF9-4C86-9590-3AD6D7A3D912}" type="datetimeFigureOut">
               <a:rPr lang="de-CH" smtClean="0"/>
-              <a:t>16.12.2017</a:t>
+              <a:t>18.12.2017</a:t>
             </a:fld>
             <a:endParaRPr lang="de-CH"/>
           </a:p>
@@ -4368,7 +4739,7 @@
           <a:p>
             <a:fld id="{A03FC283-BAF9-4C86-9590-3AD6D7A3D912}" type="datetimeFigureOut">
               <a:rPr lang="de-CH" smtClean="0"/>
-              <a:t>16.12.2017</a:t>
+              <a:t>18.12.2017</a:t>
             </a:fld>
             <a:endParaRPr lang="de-CH"/>
           </a:p>
@@ -4581,7 +4952,7 @@
           <a:p>
             <a:fld id="{A03FC283-BAF9-4C86-9590-3AD6D7A3D912}" type="datetimeFigureOut">
               <a:rPr lang="de-CH" smtClean="0"/>
-              <a:t>16.12.2017</a:t>
+              <a:t>18.12.2017</a:t>
             </a:fld>
             <a:endParaRPr lang="de-CH"/>
           </a:p>
@@ -5415,13 +5786,13 @@
         </p:spPr>
         <p:txBody>
           <a:bodyPr>
-            <a:normAutofit/>
+            <a:normAutofit fontScale="90000"/>
           </a:bodyPr>
           <a:lstStyle/>
           <a:p>
             <a:pPr algn="l"/>
             <a:r>
-              <a:rPr lang="en-US" sz="3600" dirty="0" smtClean="0">
+              <a:rPr lang="en-US" sz="3600" dirty="0" err="1" smtClean="0">
                 <a:solidFill>
                   <a:schemeClr val="tx2">
                     <a:lumMod val="40000"/>
@@ -5431,7 +5802,20 @@
                 <a:latin typeface="Courier New" pitchFamily="49" charset="0"/>
                 <a:cs typeface="Courier New" pitchFamily="49" charset="0"/>
               </a:rPr>
-              <a:t>Methods - Bspline</a:t>
+              <a:t>BSpline</a:t>
+            </a:r>
+            <a:r>
+              <a:rPr lang="en-US" sz="3600" dirty="0" smtClean="0">
+                <a:solidFill>
+                  <a:schemeClr val="tx2">
+                    <a:lumMod val="40000"/>
+                    <a:lumOff val="60000"/>
+                  </a:schemeClr>
+                </a:solidFill>
+                <a:latin typeface="Courier New" pitchFamily="49" charset="0"/>
+                <a:cs typeface="Courier New" pitchFamily="49" charset="0"/>
+              </a:rPr>
+              <a:t> Registration</a:t>
             </a:r>
             <a:endParaRPr lang="en-GB" sz="3600" dirty="0">
               <a:solidFill>
@@ -6507,7 +6891,7 @@
                 <a:latin typeface="Courier New" pitchFamily="49" charset="0"/>
                 <a:cs typeface="Courier New" pitchFamily="49" charset="0"/>
               </a:rPr>
-              <a:t>Simpleitk</a:t>
+              <a:t>SimpleITK</a:t>
             </a:r>
             <a:r>
               <a:rPr lang="de-DE" dirty="0" smtClean="0">
@@ -6658,7 +7042,7 @@
         </p:spPr>
         <p:txBody>
           <a:bodyPr>
-            <a:normAutofit fontScale="90000"/>
+            <a:normAutofit/>
           </a:bodyPr>
           <a:lstStyle/>
           <a:p>
@@ -6674,10 +7058,10 @@
                 <a:latin typeface="Courier New" pitchFamily="49" charset="0"/>
                 <a:cs typeface="Courier New" pitchFamily="49" charset="0"/>
               </a:rPr>
-              <a:t>Result 2 – </a:t>
-            </a:r>
-            <a:r>
-              <a:rPr lang="en-US" sz="3100" dirty="0" smtClean="0">
+              <a:t>Result </a:t>
+            </a:r>
+            <a:r>
+              <a:rPr lang="en-US" sz="3600" dirty="0" smtClean="0">
                 <a:solidFill>
                   <a:schemeClr val="tx2">
                     <a:lumMod val="40000"/>
@@ -6687,20 +7071,7 @@
                 <a:latin typeface="Courier New" pitchFamily="49" charset="0"/>
                 <a:cs typeface="Courier New" pitchFamily="49" charset="0"/>
               </a:rPr>
-              <a:t>Affine/ </a:t>
-            </a:r>
-            <a:r>
-              <a:rPr lang="en-US" sz="3100" dirty="0" smtClean="0">
-                <a:solidFill>
-                  <a:schemeClr val="tx2">
-                    <a:lumMod val="40000"/>
-                    <a:lumOff val="60000"/>
-                  </a:schemeClr>
-                </a:solidFill>
-                <a:latin typeface="Courier New" pitchFamily="49" charset="0"/>
-                <a:cs typeface="Courier New" pitchFamily="49" charset="0"/>
-              </a:rPr>
-              <a:t>Bspline</a:t>
+              <a:t>2</a:t>
             </a:r>
             <a:endParaRPr lang="en-GB" sz="3100" dirty="0">
               <a:solidFill>
@@ -6816,7 +7187,7 @@
       </p:cxnSp>
       <p:pic>
         <p:nvPicPr>
-          <p:cNvPr id="6149" name="Picture 5"/>
+          <p:cNvPr id="2050" name="Picture 2"/>
           <p:cNvPicPr>
             <a:picLocks noChangeAspect="1" noChangeArrowheads="1"/>
           </p:cNvPicPr>
@@ -6825,18 +7196,30 @@
         <p:blipFill rotWithShape="1">
           <a:blip r:embed="rId4">
             <a:extLst>
+              <a:ext uri="{BEBA8EAE-BF5A-486C-A8C5-ECC9F3942E4B}">
+                <a14:imgProps xmlns:a14="http://schemas.microsoft.com/office/drawing/2010/main">
+                  <a14:imgLayer r:embed="rId5">
+                    <a14:imgEffect>
+                      <a14:sharpenSoften amount="50000"/>
+                    </a14:imgEffect>
+                    <a14:imgEffect>
+                      <a14:brightnessContrast bright="20000" contrast="-40000"/>
+                    </a14:imgEffect>
+                  </a14:imgLayer>
+                </a14:imgProps>
+              </a:ext>
               <a:ext uri="{28A0092B-C50C-407E-A947-70E740481C1C}">
                 <a14:useLocalDpi xmlns:a14="http://schemas.microsoft.com/office/drawing/2010/main" val="0"/>
               </a:ext>
             </a:extLst>
           </a:blip>
-          <a:srcRect t="3933"/>
+          <a:srcRect l="1170" t="6061"/>
           <a:stretch/>
         </p:blipFill>
         <p:spPr bwMode="auto">
           <a:xfrm>
-            <a:off x="395536" y="1878731"/>
-            <a:ext cx="7056784" cy="4070549"/>
+            <a:off x="395537" y="2162174"/>
+            <a:ext cx="5760640" cy="4089995"/>
           </a:xfrm>
           <a:prstGeom prst="rect">
             <a:avLst/>
@@ -6876,6 +7259,87 @@
           </a:extLst>
         </p:spPr>
       </p:pic>
+      <p:sp>
+        <p:nvSpPr>
+          <p:cNvPr id="10" name="Rectangle 9"/>
+          <p:cNvSpPr>
+            <a:spLocks noChangeArrowheads="1"/>
+          </p:cNvSpPr>
+          <p:nvPr/>
+        </p:nvSpPr>
+        <p:spPr bwMode="auto">
+          <a:xfrm>
+            <a:off x="395536" y="1638325"/>
+            <a:ext cx="6624736" cy="400110"/>
+          </a:xfrm>
+          <a:prstGeom prst="rect">
+            <a:avLst/>
+          </a:prstGeom>
+          <a:solidFill>
+            <a:srgbClr val="FFFFFF"/>
+          </a:solidFill>
+          <a:ln w="9525">
+            <a:solidFill>
+              <a:schemeClr val="bg1"/>
+            </a:solidFill>
+            <a:miter lim="800000"/>
+            <a:headEnd/>
+            <a:tailEnd/>
+          </a:ln>
+          <a:effectLst/>
+          <a:extLst>
+            <a:ext uri="{AF507438-7753-43E0-B8FC-AC1667EBCBE1}">
+              <a14:hiddenEffects xmlns:a14="http://schemas.microsoft.com/office/drawing/2010/main">
+                <a:effectLst>
+                  <a:outerShdw dist="35921" dir="2700000" algn="ctr" rotWithShape="0">
+                    <a:schemeClr val="bg2"/>
+                  </a:outerShdw>
+                </a:effectLst>
+              </a14:hiddenEffects>
+            </a:ext>
+          </a:extLst>
+        </p:spPr>
+        <p:txBody>
+          <a:bodyPr vert="horz" wrap="square" lIns="91440" tIns="45720" rIns="91440" bIns="45720" numCol="1" anchor="ctr" anchorCtr="0" compatLnSpc="1">
+            <a:prstTxWarp prst="textNoShape">
+              <a:avLst/>
+            </a:prstTxWarp>
+            <a:spAutoFit/>
+          </a:bodyPr>
+          <a:lstStyle/>
+          <a:p>
+            <a:pPr lvl="0" fontAlgn="base">
+              <a:spcBef>
+                <a:spcPct val="0"/>
+              </a:spcBef>
+              <a:spcAft>
+                <a:spcPct val="0"/>
+              </a:spcAft>
+            </a:pPr>
+            <a:r>
+              <a:rPr lang="de-DE" sz="2000" dirty="0" smtClean="0">
+                <a:solidFill>
+                  <a:srgbClr val="000000"/>
+                </a:solidFill>
+                <a:latin typeface="Courier New" pitchFamily="49" charset="0"/>
+                <a:cs typeface="Courier New" pitchFamily="49" charset="0"/>
+              </a:rPr>
+              <a:t>Pseudocode for optimization</a:t>
+            </a:r>
+            <a:endParaRPr kumimoji="0" lang="de-DE" sz="2000" b="0" i="0" u="none" strike="noStrike" cap="none" normalizeH="0" baseline="0" dirty="0" smtClean="0">
+              <a:ln>
+                <a:noFill/>
+              </a:ln>
+              <a:solidFill>
+                <a:srgbClr val="000000"/>
+              </a:solidFill>
+              <a:effectLst/>
+              <a:latin typeface="Courier New" pitchFamily="49" charset="0"/>
+              <a:cs typeface="Courier New" pitchFamily="49" charset="0"/>
+            </a:endParaRPr>
+          </a:p>
+        </p:txBody>
+      </p:sp>
     </p:spTree>
     <p:extLst>
       <p:ext uri="{BB962C8B-B14F-4D97-AF65-F5344CB8AC3E}">
@@ -6889,9 +7353,83 @@
   <p:timing>
     <p:tnLst>
       <p:par>
-        <p:cTn id="1" dur="indefinite" restart="never" nodeType="tmRoot"/>
+        <p:cTn id="1" dur="indefinite" restart="never" nodeType="tmRoot">
+          <p:childTnLst>
+            <p:seq concurrent="1" nextAc="seek">
+              <p:cTn id="2" dur="indefinite" nodeType="mainSeq">
+                <p:childTnLst>
+                  <p:par>
+                    <p:cTn id="3" fill="hold">
+                      <p:stCondLst>
+                        <p:cond delay="indefinite"/>
+                        <p:cond evt="onBegin" delay="0">
+                          <p:tn val="2"/>
+                        </p:cond>
+                      </p:stCondLst>
+                      <p:childTnLst>
+                        <p:par>
+                          <p:cTn id="4" fill="hold">
+                            <p:stCondLst>
+                              <p:cond delay="0"/>
+                            </p:stCondLst>
+                            <p:childTnLst>
+                              <p:par>
+                                <p:cTn id="5" presetID="1" presetClass="entr" presetSubtype="0" fill="hold" grpId="0" nodeType="withEffect">
+                                  <p:stCondLst>
+                                    <p:cond delay="0"/>
+                                  </p:stCondLst>
+                                  <p:childTnLst>
+                                    <p:set>
+                                      <p:cBhvr>
+                                        <p:cTn id="6" dur="1" fill="hold">
+                                          <p:stCondLst>
+                                            <p:cond delay="0"/>
+                                          </p:stCondLst>
+                                        </p:cTn>
+                                        <p:tgtEl>
+                                          <p:spTgt spid="10"/>
+                                        </p:tgtEl>
+                                        <p:attrNameLst>
+                                          <p:attrName>style.visibility</p:attrName>
+                                        </p:attrNameLst>
+                                      </p:cBhvr>
+                                      <p:to>
+                                        <p:strVal val="visible"/>
+                                      </p:to>
+                                    </p:set>
+                                  </p:childTnLst>
+                                </p:cTn>
+                              </p:par>
+                            </p:childTnLst>
+                          </p:cTn>
+                        </p:par>
+                      </p:childTnLst>
+                    </p:cTn>
+                  </p:par>
+                </p:childTnLst>
+              </p:cTn>
+              <p:prevCondLst>
+                <p:cond evt="onPrev" delay="0">
+                  <p:tgtEl>
+                    <p:sldTgt/>
+                  </p:tgtEl>
+                </p:cond>
+              </p:prevCondLst>
+              <p:nextCondLst>
+                <p:cond evt="onNext" delay="0">
+                  <p:tgtEl>
+                    <p:sldTgt/>
+                  </p:tgtEl>
+                </p:cond>
+              </p:nextCondLst>
+            </p:seq>
+          </p:childTnLst>
+        </p:cTn>
       </p:par>
     </p:tnLst>
+    <p:bldLst>
+      <p:bldP spid="10" grpId="0" animBg="1"/>
+    </p:bldLst>
   </p:timing>
 </p:sld>
 </file>
@@ -7011,10 +7549,10 @@
                 <a:latin typeface="Courier New" pitchFamily="49" charset="0"/>
                 <a:cs typeface="Courier New" pitchFamily="49" charset="0"/>
               </a:rPr>
-              <a:t>Result 2 – </a:t>
-            </a:r>
-            <a:r>
-              <a:rPr lang="en-US" sz="2800" dirty="0">
+              <a:t>Result </a:t>
+            </a:r>
+            <a:r>
+              <a:rPr lang="en-US" sz="3200" dirty="0" smtClean="0">
                 <a:solidFill>
                   <a:srgbClr val="1F497D">
                     <a:lumMod val="40000"/>
@@ -7024,7 +7562,7 @@
                 <a:latin typeface="Courier New" pitchFamily="49" charset="0"/>
                 <a:cs typeface="Courier New" pitchFamily="49" charset="0"/>
               </a:rPr>
-              <a:t>Affine/ Bspline</a:t>
+              <a:t>2</a:t>
             </a:r>
             <a:endParaRPr lang="en-GB" sz="3600" dirty="0">
               <a:solidFill>
@@ -7489,14 +8027,7 @@
                 <a:latin typeface="Courier New" pitchFamily="49" charset="0"/>
                 <a:cs typeface="Courier New" pitchFamily="49" charset="0"/>
               </a:rPr>
-              <a:t>Ventricles	</a:t>
-            </a:r>
-            <a:r>
-              <a:rPr lang="de-CH" sz="1400" dirty="0" smtClean="0">
-                <a:latin typeface="Courier New" pitchFamily="49" charset="0"/>
-                <a:cs typeface="Courier New" pitchFamily="49" charset="0"/>
-              </a:rPr>
-              <a:t>0.33</a:t>
+              <a:t>Ventricles	0.33</a:t>
             </a:r>
           </a:p>
           <a:p>
@@ -7631,14 +8162,7 @@
                 <a:latin typeface="Courier New" pitchFamily="49" charset="0"/>
                 <a:cs typeface="Courier New" pitchFamily="49" charset="0"/>
               </a:rPr>
-              <a:t>White </a:t>
-            </a:r>
-            <a:r>
-              <a:rPr lang="de-CH" sz="1400" dirty="0" smtClean="0">
-                <a:latin typeface="Courier New" pitchFamily="49" charset="0"/>
-                <a:cs typeface="Courier New" pitchFamily="49" charset="0"/>
-              </a:rPr>
-              <a:t>matter  0.62</a:t>
+              <a:t>White matter  0.62</a:t>
             </a:r>
             <a:endParaRPr lang="de-DE" sz="1400" dirty="0" smtClean="0">
               <a:solidFill>
@@ -7832,14 +8356,7 @@
                 <a:latin typeface="Courier New" pitchFamily="49" charset="0"/>
                 <a:cs typeface="Courier New" pitchFamily="49" charset="0"/>
               </a:rPr>
-              <a:t>White </a:t>
-            </a:r>
-            <a:r>
-              <a:rPr lang="de-CH" sz="1400" dirty="0" smtClean="0">
-                <a:latin typeface="Courier New" pitchFamily="49" charset="0"/>
-                <a:cs typeface="Courier New" pitchFamily="49" charset="0"/>
-              </a:rPr>
-              <a:t>matter  0.64</a:t>
+              <a:t>White matter  0.64</a:t>
             </a:r>
             <a:endParaRPr lang="de-DE" sz="1400" dirty="0" smtClean="0">
               <a:solidFill>
@@ -8428,8 +8945,8 @@
         </p:nvSpPr>
         <p:spPr>
           <a:xfrm>
-            <a:off x="539552" y="1979548"/>
-            <a:ext cx="596638" cy="615553"/>
+            <a:off x="413495" y="1989073"/>
+            <a:ext cx="8064896" cy="2862322"/>
           </a:xfrm>
           <a:prstGeom prst="rect">
             <a:avLst/>
@@ -8437,7 +8954,7 @@
           <a:noFill/>
         </p:spPr>
         <p:txBody>
-          <a:bodyPr wrap="none" rtlCol="0">
+          <a:bodyPr wrap="square" rtlCol="0">
             <a:spAutoFit/>
           </a:bodyPr>
           <a:lstStyle/>
@@ -8451,8 +8968,120 @@
                 <a:latin typeface="Courier New" pitchFamily="49" charset="0"/>
                 <a:cs typeface="Courier New" pitchFamily="49" charset="0"/>
               </a:rPr>
-              <a:t>…</a:t>
-            </a:r>
+              <a:t>SimpleItk is a powerful toolkit</a:t>
+            </a:r>
+          </a:p>
+          <a:p>
+            <a:pPr marL="742950" lvl="1" indent="-285750">
+              <a:buFont typeface="Arial" pitchFamily="34" charset="0"/>
+              <a:buChar char="•"/>
+            </a:pPr>
+            <a:r>
+              <a:rPr lang="en-GB" sz="1600" dirty="0">
+                <a:latin typeface="Courier New" pitchFamily="49" charset="0"/>
+                <a:cs typeface="Courier New" pitchFamily="49" charset="0"/>
+              </a:rPr>
+              <a:t>c</a:t>
+            </a:r>
+            <a:r>
+              <a:rPr lang="en-GB" sz="1600" dirty="0" smtClean="0">
+                <a:latin typeface="Courier New" pitchFamily="49" charset="0"/>
+                <a:cs typeface="Courier New" pitchFamily="49" charset="0"/>
+              </a:rPr>
+              <a:t>ontains lots of implemented functions for registration</a:t>
+            </a:r>
+          </a:p>
+          <a:p>
+            <a:pPr marL="742950" lvl="1" indent="-285750">
+              <a:buFont typeface="Arial" pitchFamily="34" charset="0"/>
+              <a:buChar char="•"/>
+            </a:pPr>
+            <a:endParaRPr lang="en-GB" sz="1600" dirty="0" smtClean="0">
+              <a:latin typeface="Courier New" pitchFamily="49" charset="0"/>
+              <a:cs typeface="Courier New" pitchFamily="49" charset="0"/>
+            </a:endParaRPr>
+          </a:p>
+          <a:p>
+            <a:pPr marL="285750" indent="-285750">
+              <a:buFont typeface="Arial" pitchFamily="34" charset="0"/>
+              <a:buChar char="•"/>
+            </a:pPr>
+            <a:r>
+              <a:rPr lang="en-GB" sz="1600" dirty="0" smtClean="0">
+                <a:latin typeface="Courier New" pitchFamily="49" charset="0"/>
+                <a:cs typeface="Courier New" pitchFamily="49" charset="0"/>
+              </a:rPr>
+              <a:t>Limited results for affine transformations</a:t>
+            </a:r>
+          </a:p>
+          <a:p>
+            <a:pPr marL="285750" indent="-285750">
+              <a:buFont typeface="Arial" pitchFamily="34" charset="0"/>
+              <a:buChar char="•"/>
+            </a:pPr>
+            <a:endParaRPr lang="en-GB" sz="1600" dirty="0" smtClean="0">
+              <a:latin typeface="Courier New" pitchFamily="49" charset="0"/>
+              <a:cs typeface="Courier New" pitchFamily="49" charset="0"/>
+            </a:endParaRPr>
+          </a:p>
+          <a:p>
+            <a:pPr marL="285750" indent="-285750">
+              <a:buFont typeface="Arial" pitchFamily="34" charset="0"/>
+              <a:buChar char="•"/>
+            </a:pPr>
+            <a:r>
+              <a:rPr lang="en-GB" sz="1600" dirty="0" smtClean="0">
+                <a:latin typeface="Courier New" pitchFamily="49" charset="0"/>
+                <a:cs typeface="Courier New" pitchFamily="49" charset="0"/>
+              </a:rPr>
+              <a:t>BSpline transformation seem to be very </a:t>
+            </a:r>
+            <a:r>
+              <a:rPr lang="en-US" sz="1600" dirty="0" smtClean="0">
+                <a:latin typeface="Courier New" pitchFamily="49" charset="0"/>
+                <a:cs typeface="Courier New" pitchFamily="49" charset="0"/>
+              </a:rPr>
+              <a:t>promising</a:t>
+            </a:r>
+            <a:r>
+              <a:rPr lang="en-GB" sz="1600" dirty="0" smtClean="0">
+                <a:latin typeface="Courier New" pitchFamily="49" charset="0"/>
+                <a:cs typeface="Courier New" pitchFamily="49" charset="0"/>
+              </a:rPr>
+              <a:t>	</a:t>
+            </a:r>
+          </a:p>
+          <a:p>
+            <a:pPr marL="742950" lvl="1" indent="-285750">
+              <a:buFont typeface="Arial" pitchFamily="34" charset="0"/>
+              <a:buChar char="•"/>
+            </a:pPr>
+            <a:r>
+              <a:rPr lang="en-GB" sz="1600" dirty="0" smtClean="0">
+                <a:latin typeface="Courier New" pitchFamily="49" charset="0"/>
+                <a:cs typeface="Courier New" pitchFamily="49" charset="0"/>
+              </a:rPr>
+              <a:t>Locally better results (ventricles, bulks in skull)</a:t>
+            </a:r>
+          </a:p>
+          <a:p>
+            <a:pPr marL="742950" lvl="1" indent="-285750">
+              <a:buFont typeface="Arial" pitchFamily="34" charset="0"/>
+              <a:buChar char="•"/>
+            </a:pPr>
+            <a:r>
+              <a:rPr lang="en-GB" sz="1600" dirty="0" smtClean="0">
+                <a:latin typeface="Courier New" pitchFamily="49" charset="0"/>
+                <a:cs typeface="Courier New" pitchFamily="49" charset="0"/>
+              </a:rPr>
+              <a:t>However, there are difficulties in choosing right parameters.</a:t>
+            </a:r>
+            <a:endParaRPr lang="en-GB" sz="1600" dirty="0" smtClean="0">
+              <a:latin typeface="Courier New" pitchFamily="49" charset="0"/>
+              <a:cs typeface="Courier New" pitchFamily="49" charset="0"/>
+            </a:endParaRPr>
+          </a:p>
+          <a:p>
             <a:endParaRPr lang="en-GB" dirty="0" smtClean="0">
               <a:latin typeface="Courier New" pitchFamily="49" charset="0"/>
               <a:cs typeface="Courier New" pitchFamily="49" charset="0"/>
@@ -8774,7 +9403,7 @@
         <p:spPr>
           <a:xfrm>
             <a:off x="539552" y="1979548"/>
-            <a:ext cx="2077813" cy="615553"/>
+            <a:ext cx="4104456" cy="615553"/>
           </a:xfrm>
           <a:prstGeom prst="rect">
             <a:avLst/>
@@ -8782,7 +9411,7 @@
           <a:noFill/>
         </p:spPr>
         <p:txBody>
-          <a:bodyPr wrap="none" rtlCol="0">
+          <a:bodyPr wrap="square" rtlCol="0">
             <a:spAutoFit/>
           </a:bodyPr>
           <a:lstStyle/>
@@ -8929,26 +9558,67 @@
         <p:spPr>
           <a:xfrm>
             <a:off x="395536" y="432537"/>
-            <a:ext cx="5544616" cy="1080120"/>
+            <a:ext cx="6552728" cy="1080120"/>
           </a:xfrm>
         </p:spPr>
         <p:txBody>
           <a:bodyPr>
-            <a:normAutofit/>
+            <a:normAutofit fontScale="90000"/>
           </a:bodyPr>
           <a:lstStyle/>
           <a:p>
             <a:pPr algn="l"/>
             <a:r>
-              <a:rPr lang="en-GB" sz="3600" dirty="0" smtClean="0">
+              <a:rPr lang="en-GB" sz="3600" dirty="0">
                 <a:solidFill>
                   <a:schemeClr val="tx2">
                     <a:lumMod val="40000"/>
                     <a:lumOff val="60000"/>
                   </a:schemeClr>
                 </a:solidFill>
-              </a:rPr>
-              <a:t>Methods</a:t>
+                <a:latin typeface="Courier New" pitchFamily="49" charset="0"/>
+                <a:cs typeface="Courier New" pitchFamily="49" charset="0"/>
+              </a:rPr>
+              <a:t>Introduction:</a:t>
+            </a:r>
+            <a:r>
+              <a:rPr lang="en-GB" sz="1800" dirty="0">
+                <a:solidFill>
+                  <a:schemeClr val="tx2">
+                    <a:lumMod val="40000"/>
+                    <a:lumOff val="60000"/>
+                  </a:schemeClr>
+                </a:solidFill>
+                <a:latin typeface="Courier New" pitchFamily="49" charset="0"/>
+                <a:cs typeface="Courier New" pitchFamily="49" charset="0"/>
+              </a:rPr>
+              <a:t> </a:t>
+            </a:r>
+            <a:r>
+              <a:rPr lang="en-GB" sz="3200" dirty="0" smtClean="0">
+                <a:solidFill>
+                  <a:schemeClr val="tx2">
+                    <a:lumMod val="40000"/>
+                    <a:lumOff val="60000"/>
+                  </a:schemeClr>
+                </a:solidFill>
+                <a:latin typeface="Courier New" pitchFamily="49" charset="0"/>
+                <a:cs typeface="Courier New" pitchFamily="49" charset="0"/>
+              </a:rPr>
+              <a:t>Registration </a:t>
+            </a:r>
+            <a:r>
+              <a:rPr lang="en-GB" sz="3200" dirty="0">
+                <a:solidFill>
+                  <a:schemeClr val="tx2">
+                    <a:lumMod val="40000"/>
+                    <a:lumOff val="60000"/>
+                  </a:schemeClr>
+                </a:solidFill>
+                <a:latin typeface="Courier New" pitchFamily="49" charset="0"/>
+                <a:cs typeface="Courier New" pitchFamily="49" charset="0"/>
+              </a:rPr>
+              <a:t>Pipeline</a:t>
             </a:r>
             <a:endParaRPr lang="en-GB" sz="2400" dirty="0">
               <a:solidFill>
@@ -8957,6 +9627,8 @@
                   <a:lumOff val="60000"/>
                 </a:schemeClr>
               </a:solidFill>
+              <a:latin typeface="Courier New" pitchFamily="49" charset="0"/>
+              <a:cs typeface="Courier New" pitchFamily="49" charset="0"/>
             </a:endParaRPr>
           </a:p>
         </p:txBody>
@@ -9017,6 +9689,3725 @@
             <a:fld id="{841A4BCE-EAB7-4290-86BB-EAC0469B1D48}" type="slidenum">
               <a:rPr lang="de-CH" smtClean="0"/>
               <a:t>15</a:t>
+            </a:fld>
+            <a:endParaRPr lang="de-CH" dirty="0"/>
+          </a:p>
+        </p:txBody>
+      </p:sp>
+      <p:cxnSp>
+        <p:nvCxnSpPr>
+          <p:cNvPr id="20" name="Gerade Verbindung 19"/>
+          <p:cNvCxnSpPr/>
+          <p:nvPr/>
+        </p:nvCxnSpPr>
+        <p:spPr>
+          <a:xfrm>
+            <a:off x="395536" y="1512657"/>
+            <a:ext cx="8208912" cy="0"/>
+          </a:xfrm>
+          <a:prstGeom prst="line">
+            <a:avLst/>
+          </a:prstGeom>
+          <a:ln w="38100">
+            <a:solidFill>
+              <a:schemeClr val="tx2">
+                <a:lumMod val="20000"/>
+                <a:lumOff val="80000"/>
+              </a:schemeClr>
+            </a:solidFill>
+          </a:ln>
+        </p:spPr>
+        <p:style>
+          <a:lnRef idx="1">
+            <a:schemeClr val="accent1"/>
+          </a:lnRef>
+          <a:fillRef idx="0">
+            <a:schemeClr val="accent1"/>
+          </a:fillRef>
+          <a:effectRef idx="0">
+            <a:schemeClr val="accent1"/>
+          </a:effectRef>
+          <a:fontRef idx="minor">
+            <a:schemeClr val="tx1"/>
+          </a:fontRef>
+        </p:style>
+      </p:cxnSp>
+      <p:pic>
+        <p:nvPicPr>
+          <p:cNvPr id="19" name="Picture 4"/>
+          <p:cNvPicPr>
+            <a:picLocks noChangeAspect="1" noChangeArrowheads="1"/>
+          </p:cNvPicPr>
+          <p:nvPr/>
+        </p:nvPicPr>
+        <p:blipFill rotWithShape="1">
+          <a:blip r:embed="rId4" cstate="print">
+            <a:extLst>
+              <a:ext uri="{BEBA8EAE-BF5A-486C-A8C5-ECC9F3942E4B}">
+                <a14:imgProps xmlns:a14="http://schemas.microsoft.com/office/drawing/2010/main">
+                  <a14:imgLayer r:embed="rId5">
+                    <a14:imgEffect>
+                      <a14:brightnessContrast bright="40000" contrast="-40000"/>
+                    </a14:imgEffect>
+                  </a14:imgLayer>
+                </a14:imgProps>
+              </a:ext>
+              <a:ext uri="{28A0092B-C50C-407E-A947-70E740481C1C}">
+                <a14:useLocalDpi xmlns:a14="http://schemas.microsoft.com/office/drawing/2010/main" val="0"/>
+              </a:ext>
+            </a:extLst>
+          </a:blip>
+          <a:srcRect r="2553"/>
+          <a:stretch/>
+        </p:blipFill>
+        <p:spPr bwMode="auto">
+          <a:xfrm>
+            <a:off x="899592" y="2052074"/>
+            <a:ext cx="1154360" cy="1152000"/>
+          </a:xfrm>
+          <a:prstGeom prst="rect">
+            <a:avLst/>
+          </a:prstGeom>
+          <a:noFill/>
+          <a:ln>
+            <a:noFill/>
+          </a:ln>
+          <a:effectLst/>
+          <a:extLst>
+            <a:ext uri="{909E8E84-426E-40DD-AFC4-6F175D3DCCD1}">
+              <a14:hiddenFill xmlns:a14="http://schemas.microsoft.com/office/drawing/2010/main">
+                <a:solidFill>
+                  <a:schemeClr val="accent1"/>
+                </a:solidFill>
+              </a14:hiddenFill>
+            </a:ext>
+            <a:ext uri="{91240B29-F687-4F45-9708-019B960494DF}">
+              <a14:hiddenLine xmlns:a14="http://schemas.microsoft.com/office/drawing/2010/main" w="9525">
+                <a:solidFill>
+                  <a:schemeClr val="tx1"/>
+                </a:solidFill>
+                <a:miter lim="800000"/>
+                <a:headEnd/>
+                <a:tailEnd/>
+              </a14:hiddenLine>
+            </a:ext>
+            <a:ext uri="{AF507438-7753-43E0-B8FC-AC1667EBCBE1}">
+              <a14:hiddenEffects xmlns:a14="http://schemas.microsoft.com/office/drawing/2010/main">
+                <a:effectLst>
+                  <a:outerShdw dist="35921" dir="2700000" algn="ctr" rotWithShape="0">
+                    <a:schemeClr val="bg2"/>
+                  </a:outerShdw>
+                </a:effectLst>
+              </a14:hiddenEffects>
+            </a:ext>
+          </a:extLst>
+        </p:spPr>
+      </p:pic>
+      <p:pic>
+        <p:nvPicPr>
+          <p:cNvPr id="21" name="Picture 5"/>
+          <p:cNvPicPr>
+            <a:picLocks noChangeAspect="1" noChangeArrowheads="1"/>
+          </p:cNvPicPr>
+          <p:nvPr/>
+        </p:nvPicPr>
+        <p:blipFill>
+          <a:blip r:embed="rId6" cstate="print">
+            <a:extLst>
+              <a:ext uri="{28A0092B-C50C-407E-A947-70E740481C1C}">
+                <a14:useLocalDpi xmlns:a14="http://schemas.microsoft.com/office/drawing/2010/main" val="0"/>
+              </a:ext>
+            </a:extLst>
+          </a:blip>
+          <a:srcRect/>
+          <a:stretch>
+            <a:fillRect/>
+          </a:stretch>
+        </p:blipFill>
+        <p:spPr bwMode="auto">
+          <a:xfrm>
+            <a:off x="2444677" y="2052074"/>
+            <a:ext cx="1170345" cy="1152000"/>
+          </a:xfrm>
+          <a:prstGeom prst="rect">
+            <a:avLst/>
+          </a:prstGeom>
+          <a:noFill/>
+          <a:ln>
+            <a:noFill/>
+          </a:ln>
+          <a:effectLst/>
+          <a:extLst>
+            <a:ext uri="{909E8E84-426E-40DD-AFC4-6F175D3DCCD1}">
+              <a14:hiddenFill xmlns:a14="http://schemas.microsoft.com/office/drawing/2010/main">
+                <a:solidFill>
+                  <a:schemeClr val="accent1"/>
+                </a:solidFill>
+              </a14:hiddenFill>
+            </a:ext>
+            <a:ext uri="{91240B29-F687-4F45-9708-019B960494DF}">
+              <a14:hiddenLine xmlns:a14="http://schemas.microsoft.com/office/drawing/2010/main" w="9525">
+                <a:solidFill>
+                  <a:schemeClr val="tx1"/>
+                </a:solidFill>
+                <a:miter lim="800000"/>
+                <a:headEnd/>
+                <a:tailEnd/>
+              </a14:hiddenLine>
+            </a:ext>
+            <a:ext uri="{AF507438-7753-43E0-B8FC-AC1667EBCBE1}">
+              <a14:hiddenEffects xmlns:a14="http://schemas.microsoft.com/office/drawing/2010/main">
+                <a:effectLst>
+                  <a:outerShdw dist="35921" dir="2700000" algn="ctr" rotWithShape="0">
+                    <a:schemeClr val="bg2"/>
+                  </a:outerShdw>
+                </a:effectLst>
+              </a14:hiddenEffects>
+            </a:ext>
+          </a:extLst>
+        </p:spPr>
+      </p:pic>
+      <p:sp>
+        <p:nvSpPr>
+          <p:cNvPr id="22" name="Textfeld 21"/>
+          <p:cNvSpPr txBox="1"/>
+          <p:nvPr/>
+        </p:nvSpPr>
+        <p:spPr>
+          <a:xfrm>
+            <a:off x="1095704" y="1340768"/>
+            <a:ext cx="2036135" cy="584775"/>
+          </a:xfrm>
+          <a:prstGeom prst="rect">
+            <a:avLst/>
+          </a:prstGeom>
+          <a:noFill/>
+        </p:spPr>
+        <p:txBody>
+          <a:bodyPr wrap="none" rtlCol="0">
+            <a:spAutoFit/>
+          </a:bodyPr>
+          <a:lstStyle/>
+          <a:p>
+            <a:pPr algn="ctr"/>
+            <a:endParaRPr lang="en-GB" sz="1600" dirty="0" smtClean="0">
+              <a:solidFill>
+                <a:srgbClr val="000000"/>
+              </a:solidFill>
+              <a:latin typeface="Courier New" pitchFamily="49" charset="0"/>
+              <a:cs typeface="Courier New" pitchFamily="49" charset="0"/>
+            </a:endParaRPr>
+          </a:p>
+          <a:p>
+            <a:pPr algn="ctr"/>
+            <a:r>
+              <a:rPr lang="en-GB" sz="1600" dirty="0" smtClean="0">
+                <a:solidFill>
+                  <a:srgbClr val="000000"/>
+                </a:solidFill>
+                <a:latin typeface="Courier New" pitchFamily="49" charset="0"/>
+                <a:cs typeface="Courier New" pitchFamily="49" charset="0"/>
+              </a:rPr>
+              <a:t>1. r</a:t>
+            </a:r>
+            <a:r>
+              <a:rPr lang="en-GB" sz="1600" dirty="0" smtClean="0">
+                <a:solidFill>
+                  <a:srgbClr val="000000"/>
+                </a:solidFill>
+                <a:latin typeface="Courier New" pitchFamily="49" charset="0"/>
+                <a:cs typeface="Courier New" pitchFamily="49" charset="0"/>
+              </a:rPr>
+              <a:t>egistration</a:t>
+            </a:r>
+            <a:endParaRPr lang="en-GB" sz="1100" dirty="0">
+              <a:solidFill>
+                <a:srgbClr val="000000"/>
+              </a:solidFill>
+              <a:latin typeface="Courier New" pitchFamily="49" charset="0"/>
+              <a:cs typeface="Courier New" pitchFamily="49" charset="0"/>
+            </a:endParaRPr>
+          </a:p>
+        </p:txBody>
+      </p:sp>
+      <p:sp>
+        <p:nvSpPr>
+          <p:cNvPr id="5" name="Textfeld 4"/>
+          <p:cNvSpPr txBox="1"/>
+          <p:nvPr/>
+        </p:nvSpPr>
+        <p:spPr>
+          <a:xfrm>
+            <a:off x="809385" y="3328394"/>
+            <a:ext cx="1151277" cy="307777"/>
+          </a:xfrm>
+          <a:prstGeom prst="rect">
+            <a:avLst/>
+          </a:prstGeom>
+          <a:noFill/>
+        </p:spPr>
+        <p:txBody>
+          <a:bodyPr wrap="none" rtlCol="0">
+            <a:spAutoFit/>
+          </a:bodyPr>
+          <a:lstStyle/>
+          <a:p>
+            <a:r>
+              <a:rPr lang="en-GB" sz="1400" dirty="0" smtClean="0">
+                <a:latin typeface="Courier New" pitchFamily="49" charset="0"/>
+                <a:cs typeface="Courier New" pitchFamily="49" charset="0"/>
+              </a:rPr>
+              <a:t>T1_native</a:t>
+            </a:r>
+            <a:endParaRPr lang="en-GB" sz="1600" dirty="0">
+              <a:latin typeface="Courier New" pitchFamily="49" charset="0"/>
+              <a:cs typeface="Courier New" pitchFamily="49" charset="0"/>
+            </a:endParaRPr>
+          </a:p>
+        </p:txBody>
+      </p:sp>
+      <p:sp>
+        <p:nvSpPr>
+          <p:cNvPr id="34" name="Textfeld 33"/>
+          <p:cNvSpPr txBox="1"/>
+          <p:nvPr/>
+        </p:nvSpPr>
+        <p:spPr>
+          <a:xfrm>
+            <a:off x="2355725" y="3341615"/>
+            <a:ext cx="829073" cy="307777"/>
+          </a:xfrm>
+          <a:prstGeom prst="rect">
+            <a:avLst/>
+          </a:prstGeom>
+          <a:noFill/>
+        </p:spPr>
+        <p:txBody>
+          <a:bodyPr wrap="none" rtlCol="0">
+            <a:spAutoFit/>
+          </a:bodyPr>
+          <a:lstStyle/>
+          <a:p>
+            <a:r>
+              <a:rPr lang="en-GB" sz="1400" dirty="0" smtClean="0">
+                <a:latin typeface="Courier New" pitchFamily="49" charset="0"/>
+                <a:cs typeface="Courier New" pitchFamily="49" charset="0"/>
+              </a:rPr>
+              <a:t>T1_mni</a:t>
+            </a:r>
+            <a:endParaRPr lang="en-GB" sz="1600" dirty="0">
+              <a:latin typeface="Courier New" pitchFamily="49" charset="0"/>
+              <a:cs typeface="Courier New" pitchFamily="49" charset="0"/>
+            </a:endParaRPr>
+          </a:p>
+        </p:txBody>
+      </p:sp>
+      <p:pic>
+        <p:nvPicPr>
+          <p:cNvPr id="48" name="Picture 6"/>
+          <p:cNvPicPr>
+            <a:picLocks noChangeAspect="1" noChangeArrowheads="1"/>
+          </p:cNvPicPr>
+          <p:nvPr/>
+        </p:nvPicPr>
+        <p:blipFill rotWithShape="1">
+          <a:blip r:embed="rId7" cstate="print">
+            <a:extLst>
+              <a:ext uri="{28A0092B-C50C-407E-A947-70E740481C1C}">
+                <a14:useLocalDpi xmlns:a14="http://schemas.microsoft.com/office/drawing/2010/main" val="0"/>
+              </a:ext>
+            </a:extLst>
+          </a:blip>
+          <a:srcRect l="2661" t="2776"/>
+          <a:stretch/>
+        </p:blipFill>
+        <p:spPr bwMode="auto">
+          <a:xfrm>
+            <a:off x="5220072" y="2083507"/>
+            <a:ext cx="1179068" cy="1152000"/>
+          </a:xfrm>
+          <a:prstGeom prst="rect">
+            <a:avLst/>
+          </a:prstGeom>
+          <a:noFill/>
+          <a:ln>
+            <a:noFill/>
+          </a:ln>
+          <a:effectLst/>
+          <a:extLst>
+            <a:ext uri="{909E8E84-426E-40DD-AFC4-6F175D3DCCD1}">
+              <a14:hiddenFill xmlns:a14="http://schemas.microsoft.com/office/drawing/2010/main">
+                <a:solidFill>
+                  <a:schemeClr val="accent1"/>
+                </a:solidFill>
+              </a14:hiddenFill>
+            </a:ext>
+            <a:ext uri="{91240B29-F687-4F45-9708-019B960494DF}">
+              <a14:hiddenLine xmlns:a14="http://schemas.microsoft.com/office/drawing/2010/main" w="9525">
+                <a:solidFill>
+                  <a:schemeClr val="tx1"/>
+                </a:solidFill>
+                <a:miter lim="800000"/>
+                <a:headEnd/>
+                <a:tailEnd/>
+              </a14:hiddenLine>
+            </a:ext>
+            <a:ext uri="{AF507438-7753-43E0-B8FC-AC1667EBCBE1}">
+              <a14:hiddenEffects xmlns:a14="http://schemas.microsoft.com/office/drawing/2010/main">
+                <a:effectLst>
+                  <a:outerShdw dist="35921" dir="2700000" algn="ctr" rotWithShape="0">
+                    <a:schemeClr val="bg2"/>
+                  </a:outerShdw>
+                </a:effectLst>
+              </a14:hiddenEffects>
+            </a:ext>
+          </a:extLst>
+        </p:spPr>
+      </p:pic>
+      <p:pic>
+        <p:nvPicPr>
+          <p:cNvPr id="49" name="Picture 7"/>
+          <p:cNvPicPr>
+            <a:picLocks noChangeAspect="1" noChangeArrowheads="1"/>
+          </p:cNvPicPr>
+          <p:nvPr/>
+        </p:nvPicPr>
+        <p:blipFill>
+          <a:blip r:embed="rId8" cstate="print">
+            <a:extLst>
+              <a:ext uri="{28A0092B-C50C-407E-A947-70E740481C1C}">
+                <a14:useLocalDpi xmlns:a14="http://schemas.microsoft.com/office/drawing/2010/main" val="0"/>
+              </a:ext>
+            </a:extLst>
+          </a:blip>
+          <a:srcRect/>
+          <a:stretch>
+            <a:fillRect/>
+          </a:stretch>
+        </p:blipFill>
+        <p:spPr bwMode="auto">
+          <a:xfrm>
+            <a:off x="7019772" y="2067111"/>
+            <a:ext cx="1159336" cy="1152000"/>
+          </a:xfrm>
+          <a:prstGeom prst="rect">
+            <a:avLst/>
+          </a:prstGeom>
+          <a:noFill/>
+          <a:ln>
+            <a:noFill/>
+          </a:ln>
+          <a:effectLst/>
+          <a:extLst>
+            <a:ext uri="{909E8E84-426E-40DD-AFC4-6F175D3DCCD1}">
+              <a14:hiddenFill xmlns:a14="http://schemas.microsoft.com/office/drawing/2010/main">
+                <a:solidFill>
+                  <a:schemeClr val="accent1"/>
+                </a:solidFill>
+              </a14:hiddenFill>
+            </a:ext>
+            <a:ext uri="{91240B29-F687-4F45-9708-019B960494DF}">
+              <a14:hiddenLine xmlns:a14="http://schemas.microsoft.com/office/drawing/2010/main" w="9525">
+                <a:solidFill>
+                  <a:schemeClr val="tx1"/>
+                </a:solidFill>
+                <a:miter lim="800000"/>
+                <a:headEnd/>
+                <a:tailEnd/>
+              </a14:hiddenLine>
+            </a:ext>
+            <a:ext uri="{AF507438-7753-43E0-B8FC-AC1667EBCBE1}">
+              <a14:hiddenEffects xmlns:a14="http://schemas.microsoft.com/office/drawing/2010/main">
+                <a:effectLst>
+                  <a:outerShdw dist="35921" dir="2700000" algn="ctr" rotWithShape="0">
+                    <a:schemeClr val="bg2"/>
+                  </a:outerShdw>
+                </a:effectLst>
+              </a14:hiddenEffects>
+            </a:ext>
+          </a:extLst>
+        </p:spPr>
+      </p:pic>
+      <p:sp>
+        <p:nvSpPr>
+          <p:cNvPr id="52" name="Textfeld 51"/>
+          <p:cNvSpPr txBox="1"/>
+          <p:nvPr/>
+        </p:nvSpPr>
+        <p:spPr>
+          <a:xfrm>
+            <a:off x="5119118" y="3347593"/>
+            <a:ext cx="936475" cy="523220"/>
+          </a:xfrm>
+          <a:prstGeom prst="rect">
+            <a:avLst/>
+          </a:prstGeom>
+          <a:noFill/>
+        </p:spPr>
+        <p:txBody>
+          <a:bodyPr wrap="none" rtlCol="0">
+            <a:spAutoFit/>
+          </a:bodyPr>
+          <a:lstStyle/>
+          <a:p>
+            <a:r>
+              <a:rPr lang="en-GB" sz="1400" dirty="0" smtClean="0">
+                <a:latin typeface="Courier New" pitchFamily="49" charset="0"/>
+                <a:cs typeface="Courier New" pitchFamily="49" charset="0"/>
+              </a:rPr>
+              <a:t>labels</a:t>
+            </a:r>
+            <a:r>
+              <a:rPr lang="en-GB" sz="1400" dirty="0" smtClean="0">
+                <a:latin typeface="Courier New" pitchFamily="49" charset="0"/>
+                <a:cs typeface="Courier New" pitchFamily="49" charset="0"/>
+              </a:rPr>
+              <a:t>_</a:t>
+            </a:r>
+          </a:p>
+          <a:p>
+            <a:r>
+              <a:rPr lang="en-GB" sz="1400" dirty="0" smtClean="0">
+                <a:latin typeface="Courier New" pitchFamily="49" charset="0"/>
+                <a:cs typeface="Courier New" pitchFamily="49" charset="0"/>
+              </a:rPr>
+              <a:t>native</a:t>
+            </a:r>
+            <a:endParaRPr lang="en-GB" sz="1600" dirty="0">
+              <a:latin typeface="Courier New" pitchFamily="49" charset="0"/>
+              <a:cs typeface="Courier New" pitchFamily="49" charset="0"/>
+            </a:endParaRPr>
+          </a:p>
+        </p:txBody>
+      </p:sp>
+      <p:sp>
+        <p:nvSpPr>
+          <p:cNvPr id="53" name="Textfeld 52"/>
+          <p:cNvSpPr txBox="1"/>
+          <p:nvPr/>
+        </p:nvSpPr>
+        <p:spPr>
+          <a:xfrm>
+            <a:off x="780810" y="5740831"/>
+            <a:ext cx="1151277" cy="523220"/>
+          </a:xfrm>
+          <a:prstGeom prst="rect">
+            <a:avLst/>
+          </a:prstGeom>
+          <a:noFill/>
+        </p:spPr>
+        <p:txBody>
+          <a:bodyPr wrap="none" rtlCol="0">
+            <a:spAutoFit/>
+          </a:bodyPr>
+          <a:lstStyle/>
+          <a:p>
+            <a:r>
+              <a:rPr lang="en-GB" sz="1400" dirty="0" smtClean="0">
+                <a:latin typeface="Courier New" pitchFamily="49" charset="0"/>
+                <a:cs typeface="Courier New" pitchFamily="49" charset="0"/>
+              </a:rPr>
+              <a:t>labels</a:t>
+            </a:r>
+            <a:r>
+              <a:rPr lang="en-GB" sz="1400" dirty="0" smtClean="0">
+                <a:latin typeface="Courier New" pitchFamily="49" charset="0"/>
+                <a:cs typeface="Courier New" pitchFamily="49" charset="0"/>
+              </a:rPr>
+              <a:t>_</a:t>
+            </a:r>
+          </a:p>
+          <a:p>
+            <a:r>
+              <a:rPr lang="en-GB" sz="1400" dirty="0" smtClean="0">
+                <a:latin typeface="Courier New" pitchFamily="49" charset="0"/>
+                <a:cs typeface="Courier New" pitchFamily="49" charset="0"/>
+              </a:rPr>
+              <a:t>registerd</a:t>
+            </a:r>
+            <a:endParaRPr lang="en-GB" sz="1600" dirty="0">
+              <a:latin typeface="Courier New" pitchFamily="49" charset="0"/>
+              <a:cs typeface="Courier New" pitchFamily="49" charset="0"/>
+            </a:endParaRPr>
+          </a:p>
+        </p:txBody>
+      </p:sp>
+      <p:sp>
+        <p:nvSpPr>
+          <p:cNvPr id="56" name="Textfeld 55"/>
+          <p:cNvSpPr txBox="1"/>
+          <p:nvPr/>
+        </p:nvSpPr>
+        <p:spPr>
+          <a:xfrm>
+            <a:off x="5590741" y="1344212"/>
+            <a:ext cx="2282997" cy="584775"/>
+          </a:xfrm>
+          <a:prstGeom prst="rect">
+            <a:avLst/>
+          </a:prstGeom>
+          <a:noFill/>
+        </p:spPr>
+        <p:txBody>
+          <a:bodyPr wrap="none" rtlCol="0">
+            <a:spAutoFit/>
+          </a:bodyPr>
+          <a:lstStyle/>
+          <a:p>
+            <a:pPr algn="ctr"/>
+            <a:endParaRPr lang="en-GB" sz="1600" dirty="0" smtClean="0">
+              <a:solidFill>
+                <a:srgbClr val="000000"/>
+              </a:solidFill>
+              <a:latin typeface="Courier New" pitchFamily="49" charset="0"/>
+              <a:cs typeface="Courier New" pitchFamily="49" charset="0"/>
+            </a:endParaRPr>
+          </a:p>
+          <a:p>
+            <a:pPr algn="ctr"/>
+            <a:r>
+              <a:rPr lang="en-GB" sz="1600" dirty="0" smtClean="0">
+                <a:solidFill>
+                  <a:srgbClr val="000000"/>
+                </a:solidFill>
+                <a:latin typeface="Courier New" pitchFamily="49" charset="0"/>
+                <a:cs typeface="Courier New" pitchFamily="49" charset="0"/>
+              </a:rPr>
+              <a:t>2. t</a:t>
+            </a:r>
+            <a:r>
+              <a:rPr lang="en-GB" sz="1600" dirty="0" smtClean="0">
+                <a:solidFill>
+                  <a:srgbClr val="000000"/>
+                </a:solidFill>
+                <a:latin typeface="Courier New" pitchFamily="49" charset="0"/>
+                <a:cs typeface="Courier New" pitchFamily="49" charset="0"/>
+              </a:rPr>
+              <a:t>ransformation</a:t>
+            </a:r>
+            <a:endParaRPr lang="en-GB" sz="1100" dirty="0">
+              <a:solidFill>
+                <a:srgbClr val="000000"/>
+              </a:solidFill>
+              <a:latin typeface="Courier New" pitchFamily="49" charset="0"/>
+              <a:cs typeface="Courier New" pitchFamily="49" charset="0"/>
+            </a:endParaRPr>
+          </a:p>
+        </p:txBody>
+      </p:sp>
+      <p:pic>
+        <p:nvPicPr>
+          <p:cNvPr id="61" name="Picture 7"/>
+          <p:cNvPicPr>
+            <a:picLocks noChangeAspect="1" noChangeArrowheads="1"/>
+          </p:cNvPicPr>
+          <p:nvPr/>
+        </p:nvPicPr>
+        <p:blipFill>
+          <a:blip r:embed="rId8" cstate="print">
+            <a:extLst>
+              <a:ext uri="{28A0092B-C50C-407E-A947-70E740481C1C}">
+                <a14:useLocalDpi xmlns:a14="http://schemas.microsoft.com/office/drawing/2010/main" val="0"/>
+              </a:ext>
+            </a:extLst>
+          </a:blip>
+          <a:srcRect/>
+          <a:stretch>
+            <a:fillRect/>
+          </a:stretch>
+        </p:blipFill>
+        <p:spPr bwMode="auto">
+          <a:xfrm>
+            <a:off x="894616" y="4473504"/>
+            <a:ext cx="1159336" cy="1152000"/>
+          </a:xfrm>
+          <a:prstGeom prst="rect">
+            <a:avLst/>
+          </a:prstGeom>
+          <a:noFill/>
+          <a:ln>
+            <a:noFill/>
+          </a:ln>
+          <a:effectLst/>
+          <a:extLst>
+            <a:ext uri="{909E8E84-426E-40DD-AFC4-6F175D3DCCD1}">
+              <a14:hiddenFill xmlns:a14="http://schemas.microsoft.com/office/drawing/2010/main">
+                <a:solidFill>
+                  <a:schemeClr val="accent1"/>
+                </a:solidFill>
+              </a14:hiddenFill>
+            </a:ext>
+            <a:ext uri="{91240B29-F687-4F45-9708-019B960494DF}">
+              <a14:hiddenLine xmlns:a14="http://schemas.microsoft.com/office/drawing/2010/main" w="9525">
+                <a:solidFill>
+                  <a:schemeClr val="tx1"/>
+                </a:solidFill>
+                <a:miter lim="800000"/>
+                <a:headEnd/>
+                <a:tailEnd/>
+              </a14:hiddenLine>
+            </a:ext>
+            <a:ext uri="{AF507438-7753-43E0-B8FC-AC1667EBCBE1}">
+              <a14:hiddenEffects xmlns:a14="http://schemas.microsoft.com/office/drawing/2010/main">
+                <a:effectLst>
+                  <a:outerShdw dist="35921" dir="2700000" algn="ctr" rotWithShape="0">
+                    <a:schemeClr val="bg2"/>
+                  </a:outerShdw>
+                </a:effectLst>
+              </a14:hiddenEffects>
+            </a:ext>
+          </a:extLst>
+        </p:spPr>
+      </p:pic>
+      <p:pic>
+        <p:nvPicPr>
+          <p:cNvPr id="62" name="Picture 7"/>
+          <p:cNvPicPr>
+            <a:picLocks noChangeAspect="1" noChangeArrowheads="1"/>
+          </p:cNvPicPr>
+          <p:nvPr/>
+        </p:nvPicPr>
+        <p:blipFill>
+          <a:blip r:embed="rId8" cstate="print">
+            <a:extLst>
+              <a:ext uri="{28A0092B-C50C-407E-A947-70E740481C1C}">
+                <a14:useLocalDpi xmlns:a14="http://schemas.microsoft.com/office/drawing/2010/main" val="0"/>
+              </a:ext>
+            </a:extLst>
+          </a:blip>
+          <a:srcRect/>
+          <a:stretch>
+            <a:fillRect/>
+          </a:stretch>
+        </p:blipFill>
+        <p:spPr bwMode="auto">
+          <a:xfrm>
+            <a:off x="2395599" y="4471197"/>
+            <a:ext cx="1159336" cy="1152000"/>
+          </a:xfrm>
+          <a:prstGeom prst="rect">
+            <a:avLst/>
+          </a:prstGeom>
+          <a:noFill/>
+          <a:ln>
+            <a:noFill/>
+          </a:ln>
+          <a:effectLst/>
+          <a:extLst>
+            <a:ext uri="{909E8E84-426E-40DD-AFC4-6F175D3DCCD1}">
+              <a14:hiddenFill xmlns:a14="http://schemas.microsoft.com/office/drawing/2010/main">
+                <a:solidFill>
+                  <a:schemeClr val="accent1"/>
+                </a:solidFill>
+              </a14:hiddenFill>
+            </a:ext>
+            <a:ext uri="{91240B29-F687-4F45-9708-019B960494DF}">
+              <a14:hiddenLine xmlns:a14="http://schemas.microsoft.com/office/drawing/2010/main" w="9525">
+                <a:solidFill>
+                  <a:schemeClr val="tx1"/>
+                </a:solidFill>
+                <a:miter lim="800000"/>
+                <a:headEnd/>
+                <a:tailEnd/>
+              </a14:hiddenLine>
+            </a:ext>
+            <a:ext uri="{AF507438-7753-43E0-B8FC-AC1667EBCBE1}">
+              <a14:hiddenEffects xmlns:a14="http://schemas.microsoft.com/office/drawing/2010/main">
+                <a:effectLst>
+                  <a:outerShdw dist="35921" dir="2700000" algn="ctr" rotWithShape="0">
+                    <a:schemeClr val="bg2"/>
+                  </a:outerShdw>
+                </a:effectLst>
+              </a14:hiddenEffects>
+            </a:ext>
+          </a:extLst>
+        </p:spPr>
+      </p:pic>
+      <p:sp>
+        <p:nvSpPr>
+          <p:cNvPr id="63" name="Textfeld 62"/>
+          <p:cNvSpPr txBox="1"/>
+          <p:nvPr/>
+        </p:nvSpPr>
+        <p:spPr>
+          <a:xfrm>
+            <a:off x="2306432" y="5750936"/>
+            <a:ext cx="1043876" cy="523220"/>
+          </a:xfrm>
+          <a:prstGeom prst="rect">
+            <a:avLst/>
+          </a:prstGeom>
+          <a:noFill/>
+        </p:spPr>
+        <p:txBody>
+          <a:bodyPr wrap="none" rtlCol="0">
+            <a:spAutoFit/>
+          </a:bodyPr>
+          <a:lstStyle/>
+          <a:p>
+            <a:r>
+              <a:rPr lang="en-GB" sz="1400" dirty="0" smtClean="0">
+                <a:latin typeface="Courier New" pitchFamily="49" charset="0"/>
+                <a:cs typeface="Courier New" pitchFamily="49" charset="0"/>
+              </a:rPr>
+              <a:t>labels</a:t>
+            </a:r>
+            <a:r>
+              <a:rPr lang="en-GB" sz="1400" dirty="0" smtClean="0">
+                <a:latin typeface="Courier New" pitchFamily="49" charset="0"/>
+                <a:cs typeface="Courier New" pitchFamily="49" charset="0"/>
+              </a:rPr>
+              <a:t>_</a:t>
+            </a:r>
+          </a:p>
+          <a:p>
+            <a:r>
+              <a:rPr lang="en-GB" sz="1400" dirty="0" smtClean="0">
+                <a:latin typeface="Courier New" pitchFamily="49" charset="0"/>
+                <a:cs typeface="Courier New" pitchFamily="49" charset="0"/>
+              </a:rPr>
+              <a:t>mniatlas</a:t>
+            </a:r>
+            <a:endParaRPr lang="en-GB" sz="1400" dirty="0" smtClean="0">
+              <a:latin typeface="Courier New" pitchFamily="49" charset="0"/>
+              <a:cs typeface="Courier New" pitchFamily="49" charset="0"/>
+            </a:endParaRPr>
+          </a:p>
+        </p:txBody>
+      </p:sp>
+      <p:sp>
+        <p:nvSpPr>
+          <p:cNvPr id="64" name="Textfeld 63"/>
+          <p:cNvSpPr txBox="1"/>
+          <p:nvPr/>
+        </p:nvSpPr>
+        <p:spPr>
+          <a:xfrm>
+            <a:off x="1219135" y="4062814"/>
+            <a:ext cx="1789272" cy="338554"/>
+          </a:xfrm>
+          <a:prstGeom prst="rect">
+            <a:avLst/>
+          </a:prstGeom>
+          <a:noFill/>
+        </p:spPr>
+        <p:txBody>
+          <a:bodyPr wrap="none" rtlCol="0">
+            <a:spAutoFit/>
+          </a:bodyPr>
+          <a:lstStyle/>
+          <a:p>
+            <a:pPr algn="ctr"/>
+            <a:r>
+              <a:rPr lang="en-GB" sz="1600" dirty="0" smtClean="0">
+                <a:solidFill>
+                  <a:srgbClr val="000000"/>
+                </a:solidFill>
+                <a:latin typeface="Courier New" pitchFamily="49" charset="0"/>
+                <a:cs typeface="Courier New" pitchFamily="49" charset="0"/>
+              </a:rPr>
+              <a:t>3. evaluation</a:t>
+            </a:r>
+            <a:endParaRPr lang="en-GB" sz="1100" dirty="0">
+              <a:solidFill>
+                <a:srgbClr val="000000"/>
+              </a:solidFill>
+              <a:latin typeface="Courier New" pitchFamily="49" charset="0"/>
+              <a:cs typeface="Courier New" pitchFamily="49" charset="0"/>
+            </a:endParaRPr>
+          </a:p>
+        </p:txBody>
+      </p:sp>
+      <p:sp>
+        <p:nvSpPr>
+          <p:cNvPr id="71" name="Textfeld 70"/>
+          <p:cNvSpPr txBox="1"/>
+          <p:nvPr/>
+        </p:nvSpPr>
+        <p:spPr>
+          <a:xfrm>
+            <a:off x="6924522" y="3359400"/>
+            <a:ext cx="1151277" cy="523220"/>
+          </a:xfrm>
+          <a:prstGeom prst="rect">
+            <a:avLst/>
+          </a:prstGeom>
+          <a:noFill/>
+        </p:spPr>
+        <p:txBody>
+          <a:bodyPr wrap="none" rtlCol="0">
+            <a:spAutoFit/>
+          </a:bodyPr>
+          <a:lstStyle/>
+          <a:p>
+            <a:r>
+              <a:rPr lang="en-GB" sz="1400" dirty="0" smtClean="0">
+                <a:latin typeface="Courier New" pitchFamily="49" charset="0"/>
+                <a:cs typeface="Courier New" pitchFamily="49" charset="0"/>
+              </a:rPr>
+              <a:t>Labels_</a:t>
+            </a:r>
+          </a:p>
+          <a:p>
+            <a:r>
+              <a:rPr lang="en-GB" sz="1400" dirty="0" smtClean="0">
+                <a:latin typeface="Courier New" pitchFamily="49" charset="0"/>
+                <a:cs typeface="Courier New" pitchFamily="49" charset="0"/>
+              </a:rPr>
+              <a:t>registerd</a:t>
+            </a:r>
+            <a:endParaRPr lang="en-GB" sz="1600" dirty="0">
+              <a:latin typeface="Courier New" pitchFamily="49" charset="0"/>
+              <a:cs typeface="Courier New" pitchFamily="49" charset="0"/>
+            </a:endParaRPr>
+          </a:p>
+        </p:txBody>
+      </p:sp>
+      <p:sp>
+        <p:nvSpPr>
+          <p:cNvPr id="74" name="Textfeld 73"/>
+          <p:cNvSpPr txBox="1"/>
+          <p:nvPr/>
+        </p:nvSpPr>
+        <p:spPr>
+          <a:xfrm>
+            <a:off x="6444208" y="2083507"/>
+            <a:ext cx="596638" cy="261610"/>
+          </a:xfrm>
+          <a:prstGeom prst="rect">
+            <a:avLst/>
+          </a:prstGeom>
+          <a:noFill/>
+        </p:spPr>
+        <p:txBody>
+          <a:bodyPr wrap="none" rtlCol="0">
+            <a:spAutoFit/>
+          </a:bodyPr>
+          <a:lstStyle/>
+          <a:p>
+            <a:r>
+              <a:rPr lang="en-GB" sz="1100" b="1" dirty="0" smtClean="0">
+                <a:latin typeface="Courier New" pitchFamily="49" charset="0"/>
+                <a:cs typeface="Courier New" pitchFamily="49" charset="0"/>
+              </a:rPr>
+              <a:t>T</a:t>
+            </a:r>
+            <a:r>
+              <a:rPr lang="en-GB" sz="700" b="1" dirty="0" smtClean="0">
+                <a:latin typeface="Courier New" pitchFamily="49" charset="0"/>
+                <a:cs typeface="Courier New" pitchFamily="49" charset="0"/>
+              </a:rPr>
+              <a:t>Affine</a:t>
+            </a:r>
+            <a:endParaRPr lang="en-GB" sz="800" b="1" dirty="0">
+              <a:latin typeface="Courier New" pitchFamily="49" charset="0"/>
+              <a:cs typeface="Courier New" pitchFamily="49" charset="0"/>
+            </a:endParaRPr>
+          </a:p>
+        </p:txBody>
+      </p:sp>
+      <p:sp>
+        <p:nvSpPr>
+          <p:cNvPr id="79" name="Nach unten gekrümmter Pfeil 78"/>
+          <p:cNvSpPr/>
+          <p:nvPr/>
+        </p:nvSpPr>
+        <p:spPr>
+          <a:xfrm>
+            <a:off x="6564091" y="2345117"/>
+            <a:ext cx="336298" cy="144016"/>
+          </a:xfrm>
+          <a:prstGeom prst="curvedDownArrow">
+            <a:avLst/>
+          </a:prstGeom>
+          <a:solidFill>
+            <a:schemeClr val="tx1"/>
+          </a:solidFill>
+          <a:ln>
+            <a:solidFill>
+              <a:schemeClr val="tx1"/>
+            </a:solidFill>
+          </a:ln>
+        </p:spPr>
+        <p:style>
+          <a:lnRef idx="2">
+            <a:schemeClr val="accent1">
+              <a:shade val="50000"/>
+            </a:schemeClr>
+          </a:lnRef>
+          <a:fillRef idx="1">
+            <a:schemeClr val="accent1"/>
+          </a:fillRef>
+          <a:effectRef idx="0">
+            <a:schemeClr val="accent1"/>
+          </a:effectRef>
+          <a:fontRef idx="minor">
+            <a:schemeClr val="lt1"/>
+          </a:fontRef>
+        </p:style>
+        <p:txBody>
+          <a:bodyPr rtlCol="0" anchor="ctr"/>
+          <a:lstStyle/>
+          <a:p>
+            <a:pPr algn="ctr"/>
+            <a:endParaRPr lang="en-GB">
+              <a:solidFill>
+                <a:schemeClr val="tx1"/>
+              </a:solidFill>
+            </a:endParaRPr>
+          </a:p>
+        </p:txBody>
+      </p:sp>
+      <p:sp>
+        <p:nvSpPr>
+          <p:cNvPr id="81" name="Textfeld 80"/>
+          <p:cNvSpPr txBox="1"/>
+          <p:nvPr/>
+        </p:nvSpPr>
+        <p:spPr>
+          <a:xfrm>
+            <a:off x="3554935" y="3670977"/>
+            <a:ext cx="596638" cy="261610"/>
+          </a:xfrm>
+          <a:prstGeom prst="rect">
+            <a:avLst/>
+          </a:prstGeom>
+          <a:noFill/>
+        </p:spPr>
+        <p:txBody>
+          <a:bodyPr wrap="none" rtlCol="0">
+            <a:spAutoFit/>
+          </a:bodyPr>
+          <a:lstStyle/>
+          <a:p>
+            <a:r>
+              <a:rPr lang="en-GB" sz="1100" b="1" dirty="0" smtClean="0">
+                <a:latin typeface="Courier New" pitchFamily="49" charset="0"/>
+                <a:cs typeface="Courier New" pitchFamily="49" charset="0"/>
+              </a:rPr>
+              <a:t>T</a:t>
+            </a:r>
+            <a:r>
+              <a:rPr lang="en-GB" sz="700" b="1" dirty="0" smtClean="0">
+                <a:latin typeface="Courier New" pitchFamily="49" charset="0"/>
+                <a:cs typeface="Courier New" pitchFamily="49" charset="0"/>
+              </a:rPr>
+              <a:t>Affine</a:t>
+            </a:r>
+            <a:endParaRPr lang="en-GB" sz="800" b="1" dirty="0">
+              <a:latin typeface="Courier New" pitchFamily="49" charset="0"/>
+              <a:cs typeface="Courier New" pitchFamily="49" charset="0"/>
+            </a:endParaRPr>
+          </a:p>
+        </p:txBody>
+      </p:sp>
+      <p:sp>
+        <p:nvSpPr>
+          <p:cNvPr id="84" name="Rectangle 9"/>
+          <p:cNvSpPr>
+            <a:spLocks noChangeArrowheads="1"/>
+          </p:cNvSpPr>
+          <p:nvPr/>
+        </p:nvSpPr>
+        <p:spPr bwMode="auto">
+          <a:xfrm>
+            <a:off x="4435848" y="4970042"/>
+            <a:ext cx="722389" cy="338554"/>
+          </a:xfrm>
+          <a:prstGeom prst="rect">
+            <a:avLst/>
+          </a:prstGeom>
+          <a:solidFill>
+            <a:srgbClr val="FFFFFF"/>
+          </a:solidFill>
+          <a:ln w="9525">
+            <a:noFill/>
+            <a:miter lim="800000"/>
+            <a:headEnd/>
+            <a:tailEnd/>
+          </a:ln>
+          <a:effectLst/>
+          <a:extLst>
+            <a:ext uri="{AF507438-7753-43E0-B8FC-AC1667EBCBE1}">
+              <a14:hiddenEffects xmlns:a14="http://schemas.microsoft.com/office/drawing/2010/main">
+                <a:effectLst>
+                  <a:outerShdw dist="35921" dir="2700000" algn="ctr" rotWithShape="0">
+                    <a:schemeClr val="bg2"/>
+                  </a:outerShdw>
+                </a:effectLst>
+              </a14:hiddenEffects>
+            </a:ext>
+          </a:extLst>
+        </p:spPr>
+        <p:txBody>
+          <a:bodyPr vert="horz" wrap="square" lIns="91440" tIns="45720" rIns="91440" bIns="45720" numCol="1" anchor="ctr" anchorCtr="0" compatLnSpc="1">
+            <a:prstTxWarp prst="textNoShape">
+              <a:avLst/>
+            </a:prstTxWarp>
+            <a:spAutoFit/>
+          </a:bodyPr>
+          <a:lstStyle/>
+          <a:p>
+            <a:pPr marL="0" marR="0" lvl="0" indent="0" algn="l" defTabSz="914400" rtl="0" eaLnBrk="1" fontAlgn="base" latinLnBrk="0" hangingPunct="1">
+              <a:lnSpc>
+                <a:spcPct val="100000"/>
+              </a:lnSpc>
+              <a:spcBef>
+                <a:spcPct val="0"/>
+              </a:spcBef>
+              <a:spcAft>
+                <a:spcPct val="0"/>
+              </a:spcAft>
+              <a:buClrTx/>
+              <a:buSzTx/>
+              <a:buFontTx/>
+              <a:buNone/>
+              <a:tabLst/>
+            </a:pPr>
+            <a:r>
+              <a:rPr kumimoji="0" lang="en-GB" sz="1600" b="0" i="0" u="none" strike="noStrike" cap="none" normalizeH="0" baseline="0" dirty="0" smtClean="0">
+                <a:ln>
+                  <a:noFill/>
+                </a:ln>
+                <a:solidFill>
+                  <a:srgbClr val="000000"/>
+                </a:solidFill>
+                <a:effectLst/>
+                <a:latin typeface="Courier New" pitchFamily="49" charset="0"/>
+                <a:cs typeface="Courier New" pitchFamily="49" charset="0"/>
+              </a:rPr>
+              <a:t>Dice</a:t>
+            </a:r>
+            <a:endParaRPr kumimoji="0" lang="de-DE" sz="1600" b="0" i="0" u="none" strike="noStrike" cap="none" normalizeH="0" baseline="0" dirty="0" smtClean="0">
+              <a:ln>
+                <a:noFill/>
+              </a:ln>
+              <a:solidFill>
+                <a:srgbClr val="000000"/>
+              </a:solidFill>
+              <a:effectLst/>
+              <a:latin typeface="Courier New" pitchFamily="49" charset="0"/>
+              <a:cs typeface="Courier New" pitchFamily="49" charset="0"/>
+            </a:endParaRPr>
+          </a:p>
+        </p:txBody>
+      </p:sp>
+      <p:sp>
+        <p:nvSpPr>
+          <p:cNvPr id="85" name="Pfeil nach rechts 84"/>
+          <p:cNvSpPr/>
+          <p:nvPr/>
+        </p:nvSpPr>
+        <p:spPr>
+          <a:xfrm>
+            <a:off x="3851920" y="5101361"/>
+            <a:ext cx="563413" cy="75915"/>
+          </a:xfrm>
+          <a:prstGeom prst="rightArrow">
+            <a:avLst>
+              <a:gd name="adj1" fmla="val 50000"/>
+              <a:gd name="adj2" fmla="val 89429"/>
+            </a:avLst>
+          </a:prstGeom>
+          <a:solidFill>
+            <a:schemeClr val="tx1"/>
+          </a:solidFill>
+          <a:ln>
+            <a:noFill/>
+          </a:ln>
+        </p:spPr>
+        <p:style>
+          <a:lnRef idx="2">
+            <a:schemeClr val="dk1">
+              <a:shade val="50000"/>
+            </a:schemeClr>
+          </a:lnRef>
+          <a:fillRef idx="1">
+            <a:schemeClr val="dk1"/>
+          </a:fillRef>
+          <a:effectRef idx="0">
+            <a:schemeClr val="dk1"/>
+          </a:effectRef>
+          <a:fontRef idx="minor">
+            <a:schemeClr val="lt1"/>
+          </a:fontRef>
+        </p:style>
+        <p:txBody>
+          <a:bodyPr rtlCol="0" anchor="ctr"/>
+          <a:lstStyle/>
+          <a:p>
+            <a:pPr algn="ctr"/>
+            <a:endParaRPr lang="en-GB"/>
+          </a:p>
+        </p:txBody>
+      </p:sp>
+    </p:spTree>
+    <p:extLst>
+      <p:ext uri="{BB962C8B-B14F-4D97-AF65-F5344CB8AC3E}">
+        <p14:creationId xmlns:p14="http://schemas.microsoft.com/office/powerpoint/2010/main" val="3374770955"/>
+      </p:ext>
+    </p:extLst>
+  </p:cSld>
+  <p:clrMapOvr>
+    <a:masterClrMapping/>
+  </p:clrMapOvr>
+  <mc:AlternateContent xmlns:mc="http://schemas.openxmlformats.org/markup-compatibility/2006">
+    <mc:Choice xmlns:p14="http://schemas.microsoft.com/office/powerpoint/2010/main" Requires="p14">
+      <p:transition spd="slow" p14:dur="2000"/>
+    </mc:Choice>
+    <mc:Fallback>
+      <p:transition spd="slow"/>
+    </mc:Fallback>
+  </mc:AlternateContent>
+  <p:timing>
+    <p:tnLst>
+      <p:par>
+        <p:cTn id="1" dur="indefinite" restart="never" nodeType="tmRoot">
+          <p:childTnLst>
+            <p:seq concurrent="1" nextAc="seek">
+              <p:cTn id="2" dur="indefinite" nodeType="mainSeq">
+                <p:childTnLst>
+                  <p:par>
+                    <p:cTn id="3" fill="hold">
+                      <p:stCondLst>
+                        <p:cond delay="indefinite"/>
+                      </p:stCondLst>
+                      <p:childTnLst>
+                        <p:par>
+                          <p:cTn id="4" fill="hold">
+                            <p:stCondLst>
+                              <p:cond delay="0"/>
+                            </p:stCondLst>
+                            <p:childTnLst>
+                              <p:par>
+                                <p:cTn id="5" presetID="1" presetClass="entr" presetSubtype="0" fill="hold" nodeType="clickEffect">
+                                  <p:stCondLst>
+                                    <p:cond delay="0"/>
+                                  </p:stCondLst>
+                                  <p:childTnLst>
+                                    <p:set>
+                                      <p:cBhvr>
+                                        <p:cTn id="6" dur="1" fill="hold">
+                                          <p:stCondLst>
+                                            <p:cond delay="0"/>
+                                          </p:stCondLst>
+                                        </p:cTn>
+                                        <p:tgtEl>
+                                          <p:spTgt spid="48"/>
+                                        </p:tgtEl>
+                                        <p:attrNameLst>
+                                          <p:attrName>style.visibility</p:attrName>
+                                        </p:attrNameLst>
+                                      </p:cBhvr>
+                                      <p:to>
+                                        <p:strVal val="visible"/>
+                                      </p:to>
+                                    </p:set>
+                                  </p:childTnLst>
+                                </p:cTn>
+                              </p:par>
+                              <p:par>
+                                <p:cTn id="7" presetID="1" presetClass="entr" presetSubtype="0" fill="hold" nodeType="withEffect">
+                                  <p:stCondLst>
+                                    <p:cond delay="0"/>
+                                  </p:stCondLst>
+                                  <p:childTnLst>
+                                    <p:set>
+                                      <p:cBhvr>
+                                        <p:cTn id="8" dur="1" fill="hold">
+                                          <p:stCondLst>
+                                            <p:cond delay="0"/>
+                                          </p:stCondLst>
+                                        </p:cTn>
+                                        <p:tgtEl>
+                                          <p:spTgt spid="49"/>
+                                        </p:tgtEl>
+                                        <p:attrNameLst>
+                                          <p:attrName>style.visibility</p:attrName>
+                                        </p:attrNameLst>
+                                      </p:cBhvr>
+                                      <p:to>
+                                        <p:strVal val="visible"/>
+                                      </p:to>
+                                    </p:set>
+                                  </p:childTnLst>
+                                </p:cTn>
+                              </p:par>
+                              <p:par>
+                                <p:cTn id="9" presetID="1" presetClass="entr" presetSubtype="0" fill="hold" grpId="0" nodeType="withEffect">
+                                  <p:stCondLst>
+                                    <p:cond delay="0"/>
+                                  </p:stCondLst>
+                                  <p:childTnLst>
+                                    <p:set>
+                                      <p:cBhvr>
+                                        <p:cTn id="10" dur="1" fill="hold">
+                                          <p:stCondLst>
+                                            <p:cond delay="0"/>
+                                          </p:stCondLst>
+                                        </p:cTn>
+                                        <p:tgtEl>
+                                          <p:spTgt spid="52"/>
+                                        </p:tgtEl>
+                                        <p:attrNameLst>
+                                          <p:attrName>style.visibility</p:attrName>
+                                        </p:attrNameLst>
+                                      </p:cBhvr>
+                                      <p:to>
+                                        <p:strVal val="visible"/>
+                                      </p:to>
+                                    </p:set>
+                                  </p:childTnLst>
+                                </p:cTn>
+                              </p:par>
+                              <p:par>
+                                <p:cTn id="11" presetID="1" presetClass="entr" presetSubtype="0" fill="hold" grpId="0" nodeType="withEffect">
+                                  <p:stCondLst>
+                                    <p:cond delay="0"/>
+                                  </p:stCondLst>
+                                  <p:childTnLst>
+                                    <p:set>
+                                      <p:cBhvr>
+                                        <p:cTn id="12" dur="1" fill="hold">
+                                          <p:stCondLst>
+                                            <p:cond delay="0"/>
+                                          </p:stCondLst>
+                                        </p:cTn>
+                                        <p:tgtEl>
+                                          <p:spTgt spid="53"/>
+                                        </p:tgtEl>
+                                        <p:attrNameLst>
+                                          <p:attrName>style.visibility</p:attrName>
+                                        </p:attrNameLst>
+                                      </p:cBhvr>
+                                      <p:to>
+                                        <p:strVal val="visible"/>
+                                      </p:to>
+                                    </p:set>
+                                  </p:childTnLst>
+                                </p:cTn>
+                              </p:par>
+                              <p:par>
+                                <p:cTn id="13" presetID="1" presetClass="entr" presetSubtype="0" fill="hold" grpId="0" nodeType="withEffect">
+                                  <p:stCondLst>
+                                    <p:cond delay="0"/>
+                                  </p:stCondLst>
+                                  <p:childTnLst>
+                                    <p:set>
+                                      <p:cBhvr>
+                                        <p:cTn id="14" dur="1" fill="hold">
+                                          <p:stCondLst>
+                                            <p:cond delay="0"/>
+                                          </p:stCondLst>
+                                        </p:cTn>
+                                        <p:tgtEl>
+                                          <p:spTgt spid="71"/>
+                                        </p:tgtEl>
+                                        <p:attrNameLst>
+                                          <p:attrName>style.visibility</p:attrName>
+                                        </p:attrNameLst>
+                                      </p:cBhvr>
+                                      <p:to>
+                                        <p:strVal val="visible"/>
+                                      </p:to>
+                                    </p:set>
+                                  </p:childTnLst>
+                                </p:cTn>
+                              </p:par>
+                            </p:childTnLst>
+                          </p:cTn>
+                        </p:par>
+                      </p:childTnLst>
+                    </p:cTn>
+                  </p:par>
+                </p:childTnLst>
+              </p:cTn>
+              <p:prevCondLst>
+                <p:cond evt="onPrev" delay="0">
+                  <p:tgtEl>
+                    <p:sldTgt/>
+                  </p:tgtEl>
+                </p:cond>
+              </p:prevCondLst>
+              <p:nextCondLst>
+                <p:cond evt="onNext" delay="0">
+                  <p:tgtEl>
+                    <p:sldTgt/>
+                  </p:tgtEl>
+                </p:cond>
+              </p:nextCondLst>
+            </p:seq>
+          </p:childTnLst>
+        </p:cTn>
+      </p:par>
+    </p:tnLst>
+    <p:bldLst>
+      <p:bldP spid="52" grpId="0"/>
+      <p:bldP spid="53" grpId="0"/>
+      <p:bldP spid="71" grpId="0"/>
+    </p:bldLst>
+  </p:timing>
+</p:sld>
+</file>
+
+<file path=ppt/slides/slide16.xml><?xml version="1.0" encoding="utf-8"?>
+<p:sld xmlns:a="http://schemas.openxmlformats.org/drawingml/2006/main" xmlns:r="http://schemas.openxmlformats.org/officeDocument/2006/relationships" xmlns:p="http://schemas.openxmlformats.org/presentationml/2006/main" show="0">
+  <p:cSld>
+    <p:spTree>
+      <p:nvGrpSpPr>
+        <p:cNvPr id="1" name=""/>
+        <p:cNvGrpSpPr/>
+        <p:nvPr/>
+      </p:nvGrpSpPr>
+      <p:grpSpPr>
+        <a:xfrm>
+          <a:off x="0" y="0"/>
+          <a:ext cx="0" cy="0"/>
+          <a:chOff x="0" y="0"/>
+          <a:chExt cx="0" cy="0"/>
+        </a:xfrm>
+      </p:grpSpPr>
+      <p:pic>
+        <p:nvPicPr>
+          <p:cNvPr id="1026" name="Picture 2"/>
+          <p:cNvPicPr>
+            <a:picLocks noChangeAspect="1" noChangeArrowheads="1"/>
+          </p:cNvPicPr>
+          <p:nvPr/>
+        </p:nvPicPr>
+        <p:blipFill>
+          <a:blip r:embed="rId3">
+            <a:extLst>
+              <a:ext uri="{28A0092B-C50C-407E-A947-70E740481C1C}">
+                <a14:useLocalDpi xmlns:a14="http://schemas.microsoft.com/office/drawing/2010/main" val="0"/>
+              </a:ext>
+            </a:extLst>
+          </a:blip>
+          <a:srcRect/>
+          <a:stretch>
+            <a:fillRect/>
+          </a:stretch>
+        </p:blipFill>
+        <p:spPr bwMode="auto">
+          <a:xfrm>
+            <a:off x="7452320" y="116632"/>
+            <a:ext cx="1504950" cy="1352550"/>
+          </a:xfrm>
+          <a:prstGeom prst="rect">
+            <a:avLst/>
+          </a:prstGeom>
+          <a:noFill/>
+          <a:ln>
+            <a:noFill/>
+          </a:ln>
+          <a:effectLst/>
+          <a:extLst>
+            <a:ext uri="{909E8E84-426E-40DD-AFC4-6F175D3DCCD1}">
+              <a14:hiddenFill xmlns:a14="http://schemas.microsoft.com/office/drawing/2010/main">
+                <a:solidFill>
+                  <a:schemeClr val="accent1"/>
+                </a:solidFill>
+              </a14:hiddenFill>
+            </a:ext>
+            <a:ext uri="{91240B29-F687-4F45-9708-019B960494DF}">
+              <a14:hiddenLine xmlns:a14="http://schemas.microsoft.com/office/drawing/2010/main" w="9525">
+                <a:solidFill>
+                  <a:schemeClr val="tx1"/>
+                </a:solidFill>
+                <a:miter lim="800000"/>
+                <a:headEnd/>
+                <a:tailEnd/>
+              </a14:hiddenLine>
+            </a:ext>
+            <a:ext uri="{AF507438-7753-43E0-B8FC-AC1667EBCBE1}">
+              <a14:hiddenEffects xmlns:a14="http://schemas.microsoft.com/office/drawing/2010/main">
+                <a:effectLst>
+                  <a:outerShdw dist="35921" dir="2700000" algn="ctr" rotWithShape="0">
+                    <a:schemeClr val="bg2"/>
+                  </a:outerShdw>
+                </a:effectLst>
+              </a14:hiddenEffects>
+            </a:ext>
+          </a:extLst>
+        </p:spPr>
+      </p:pic>
+      <p:sp>
+        <p:nvSpPr>
+          <p:cNvPr id="4" name="Titel 3"/>
+          <p:cNvSpPr>
+            <a:spLocks noGrp="1"/>
+          </p:cNvSpPr>
+          <p:nvPr>
+            <p:ph type="ctrTitle"/>
+          </p:nvPr>
+        </p:nvSpPr>
+        <p:spPr>
+          <a:xfrm>
+            <a:off x="395536" y="432537"/>
+            <a:ext cx="6552728" cy="1080120"/>
+          </a:xfrm>
+        </p:spPr>
+        <p:txBody>
+          <a:bodyPr>
+            <a:normAutofit/>
+          </a:bodyPr>
+          <a:lstStyle/>
+          <a:p>
+            <a:pPr algn="l"/>
+            <a:r>
+              <a:rPr lang="en-GB" sz="3600" dirty="0" smtClean="0">
+                <a:solidFill>
+                  <a:schemeClr val="tx2">
+                    <a:lumMod val="40000"/>
+                    <a:lumOff val="60000"/>
+                  </a:schemeClr>
+                </a:solidFill>
+                <a:latin typeface="Courier New" pitchFamily="49" charset="0"/>
+                <a:cs typeface="Courier New" pitchFamily="49" charset="0"/>
+              </a:rPr>
+              <a:t>Introduction - sequence</a:t>
+            </a:r>
+            <a:endParaRPr lang="en-GB" sz="2400" dirty="0">
+              <a:solidFill>
+                <a:schemeClr val="tx2">
+                  <a:lumMod val="40000"/>
+                  <a:lumOff val="60000"/>
+                </a:schemeClr>
+              </a:solidFill>
+              <a:latin typeface="Courier New" pitchFamily="49" charset="0"/>
+              <a:cs typeface="Courier New" pitchFamily="49" charset="0"/>
+            </a:endParaRPr>
+          </a:p>
+        </p:txBody>
+      </p:sp>
+      <p:cxnSp>
+        <p:nvCxnSpPr>
+          <p:cNvPr id="13" name="Gerade Verbindung 12"/>
+          <p:cNvCxnSpPr/>
+          <p:nvPr/>
+        </p:nvCxnSpPr>
+        <p:spPr>
+          <a:xfrm>
+            <a:off x="395536" y="6381328"/>
+            <a:ext cx="8280920" cy="0"/>
+          </a:xfrm>
+          <a:prstGeom prst="line">
+            <a:avLst/>
+          </a:prstGeom>
+          <a:ln w="38100">
+            <a:solidFill>
+              <a:schemeClr val="tx2">
+                <a:lumMod val="20000"/>
+                <a:lumOff val="80000"/>
+              </a:schemeClr>
+            </a:solidFill>
+          </a:ln>
+        </p:spPr>
+        <p:style>
+          <a:lnRef idx="1">
+            <a:schemeClr val="accent1"/>
+          </a:lnRef>
+          <a:fillRef idx="0">
+            <a:schemeClr val="accent1"/>
+          </a:fillRef>
+          <a:effectRef idx="0">
+            <a:schemeClr val="accent1"/>
+          </a:effectRef>
+          <a:fontRef idx="minor">
+            <a:schemeClr val="tx1"/>
+          </a:fontRef>
+        </p:style>
+      </p:cxnSp>
+      <p:sp>
+        <p:nvSpPr>
+          <p:cNvPr id="12" name="Foliennummernplatzhalter 11"/>
+          <p:cNvSpPr>
+            <a:spLocks noGrp="1"/>
+          </p:cNvSpPr>
+          <p:nvPr>
+            <p:ph type="sldNum" sz="quarter" idx="12"/>
+          </p:nvPr>
+        </p:nvSpPr>
+        <p:spPr/>
+        <p:txBody>
+          <a:bodyPr/>
+          <a:lstStyle/>
+          <a:p>
+            <a:fld id="{841A4BCE-EAB7-4290-86BB-EAC0469B1D48}" type="slidenum">
+              <a:rPr lang="de-CH" smtClean="0"/>
+              <a:t>16</a:t>
+            </a:fld>
+            <a:endParaRPr lang="de-CH" dirty="0"/>
+          </a:p>
+        </p:txBody>
+      </p:sp>
+      <p:cxnSp>
+        <p:nvCxnSpPr>
+          <p:cNvPr id="20" name="Gerade Verbindung 19"/>
+          <p:cNvCxnSpPr/>
+          <p:nvPr/>
+        </p:nvCxnSpPr>
+        <p:spPr>
+          <a:xfrm>
+            <a:off x="395536" y="1512657"/>
+            <a:ext cx="8208912" cy="0"/>
+          </a:xfrm>
+          <a:prstGeom prst="line">
+            <a:avLst/>
+          </a:prstGeom>
+          <a:ln w="38100">
+            <a:solidFill>
+              <a:schemeClr val="tx2">
+                <a:lumMod val="20000"/>
+                <a:lumOff val="80000"/>
+              </a:schemeClr>
+            </a:solidFill>
+          </a:ln>
+        </p:spPr>
+        <p:style>
+          <a:lnRef idx="1">
+            <a:schemeClr val="accent1"/>
+          </a:lnRef>
+          <a:fillRef idx="0">
+            <a:schemeClr val="accent1"/>
+          </a:fillRef>
+          <a:effectRef idx="0">
+            <a:schemeClr val="accent1"/>
+          </a:effectRef>
+          <a:fontRef idx="minor">
+            <a:schemeClr val="tx1"/>
+          </a:fontRef>
+        </p:style>
+      </p:cxnSp>
+      <p:pic>
+        <p:nvPicPr>
+          <p:cNvPr id="19" name="Picture 4"/>
+          <p:cNvPicPr>
+            <a:picLocks noChangeAspect="1" noChangeArrowheads="1"/>
+          </p:cNvPicPr>
+          <p:nvPr/>
+        </p:nvPicPr>
+        <p:blipFill rotWithShape="1">
+          <a:blip r:embed="rId4" cstate="print">
+            <a:extLst>
+              <a:ext uri="{BEBA8EAE-BF5A-486C-A8C5-ECC9F3942E4B}">
+                <a14:imgProps xmlns:a14="http://schemas.microsoft.com/office/drawing/2010/main">
+                  <a14:imgLayer r:embed="rId5">
+                    <a14:imgEffect>
+                      <a14:brightnessContrast bright="40000" contrast="-40000"/>
+                    </a14:imgEffect>
+                  </a14:imgLayer>
+                </a14:imgProps>
+              </a:ext>
+              <a:ext uri="{28A0092B-C50C-407E-A947-70E740481C1C}">
+                <a14:useLocalDpi xmlns:a14="http://schemas.microsoft.com/office/drawing/2010/main" val="0"/>
+              </a:ext>
+            </a:extLst>
+          </a:blip>
+          <a:srcRect r="2553"/>
+          <a:stretch/>
+        </p:blipFill>
+        <p:spPr bwMode="auto">
+          <a:xfrm>
+            <a:off x="1069088" y="2204044"/>
+            <a:ext cx="1154360" cy="1152000"/>
+          </a:xfrm>
+          <a:prstGeom prst="rect">
+            <a:avLst/>
+          </a:prstGeom>
+          <a:noFill/>
+          <a:ln>
+            <a:noFill/>
+          </a:ln>
+          <a:effectLst/>
+          <a:extLst>
+            <a:ext uri="{909E8E84-426E-40DD-AFC4-6F175D3DCCD1}">
+              <a14:hiddenFill xmlns:a14="http://schemas.microsoft.com/office/drawing/2010/main">
+                <a:solidFill>
+                  <a:schemeClr val="accent1"/>
+                </a:solidFill>
+              </a14:hiddenFill>
+            </a:ext>
+            <a:ext uri="{91240B29-F687-4F45-9708-019B960494DF}">
+              <a14:hiddenLine xmlns:a14="http://schemas.microsoft.com/office/drawing/2010/main" w="9525">
+                <a:solidFill>
+                  <a:schemeClr val="tx1"/>
+                </a:solidFill>
+                <a:miter lim="800000"/>
+                <a:headEnd/>
+                <a:tailEnd/>
+              </a14:hiddenLine>
+            </a:ext>
+            <a:ext uri="{AF507438-7753-43E0-B8FC-AC1667EBCBE1}">
+              <a14:hiddenEffects xmlns:a14="http://schemas.microsoft.com/office/drawing/2010/main">
+                <a:effectLst>
+                  <a:outerShdw dist="35921" dir="2700000" algn="ctr" rotWithShape="0">
+                    <a:schemeClr val="bg2"/>
+                  </a:outerShdw>
+                </a:effectLst>
+              </a14:hiddenEffects>
+            </a:ext>
+          </a:extLst>
+        </p:spPr>
+      </p:pic>
+      <p:pic>
+        <p:nvPicPr>
+          <p:cNvPr id="21" name="Picture 5"/>
+          <p:cNvPicPr>
+            <a:picLocks noChangeAspect="1" noChangeArrowheads="1"/>
+          </p:cNvPicPr>
+          <p:nvPr/>
+        </p:nvPicPr>
+        <p:blipFill>
+          <a:blip r:embed="rId6" cstate="print">
+            <a:extLst>
+              <a:ext uri="{28A0092B-C50C-407E-A947-70E740481C1C}">
+                <a14:useLocalDpi xmlns:a14="http://schemas.microsoft.com/office/drawing/2010/main" val="0"/>
+              </a:ext>
+            </a:extLst>
+          </a:blip>
+          <a:srcRect/>
+          <a:stretch>
+            <a:fillRect/>
+          </a:stretch>
+        </p:blipFill>
+        <p:spPr bwMode="auto">
+          <a:xfrm>
+            <a:off x="4067389" y="2204864"/>
+            <a:ext cx="1170345" cy="1152000"/>
+          </a:xfrm>
+          <a:prstGeom prst="rect">
+            <a:avLst/>
+          </a:prstGeom>
+          <a:noFill/>
+          <a:ln>
+            <a:noFill/>
+          </a:ln>
+          <a:effectLst/>
+          <a:extLst>
+            <a:ext uri="{909E8E84-426E-40DD-AFC4-6F175D3DCCD1}">
+              <a14:hiddenFill xmlns:a14="http://schemas.microsoft.com/office/drawing/2010/main">
+                <a:solidFill>
+                  <a:schemeClr val="accent1"/>
+                </a:solidFill>
+              </a14:hiddenFill>
+            </a:ext>
+            <a:ext uri="{91240B29-F687-4F45-9708-019B960494DF}">
+              <a14:hiddenLine xmlns:a14="http://schemas.microsoft.com/office/drawing/2010/main" w="9525">
+                <a:solidFill>
+                  <a:schemeClr val="tx1"/>
+                </a:solidFill>
+                <a:miter lim="800000"/>
+                <a:headEnd/>
+                <a:tailEnd/>
+              </a14:hiddenLine>
+            </a:ext>
+            <a:ext uri="{AF507438-7753-43E0-B8FC-AC1667EBCBE1}">
+              <a14:hiddenEffects xmlns:a14="http://schemas.microsoft.com/office/drawing/2010/main">
+                <a:effectLst>
+                  <a:outerShdw dist="35921" dir="2700000" algn="ctr" rotWithShape="0">
+                    <a:schemeClr val="bg2"/>
+                  </a:outerShdw>
+                </a:effectLst>
+              </a14:hiddenEffects>
+            </a:ext>
+          </a:extLst>
+        </p:spPr>
+      </p:pic>
+      <p:sp>
+        <p:nvSpPr>
+          <p:cNvPr id="22" name="Textfeld 21"/>
+          <p:cNvSpPr txBox="1"/>
+          <p:nvPr/>
+        </p:nvSpPr>
+        <p:spPr>
+          <a:xfrm>
+            <a:off x="2301520" y="2078029"/>
+            <a:ext cx="1665841" cy="584775"/>
+          </a:xfrm>
+          <a:prstGeom prst="rect">
+            <a:avLst/>
+          </a:prstGeom>
+          <a:noFill/>
+        </p:spPr>
+        <p:txBody>
+          <a:bodyPr wrap="none" rtlCol="0">
+            <a:spAutoFit/>
+          </a:bodyPr>
+          <a:lstStyle/>
+          <a:p>
+            <a:pPr algn="ctr"/>
+            <a:endParaRPr lang="en-GB" sz="1600" dirty="0" smtClean="0">
+              <a:solidFill>
+                <a:srgbClr val="000000"/>
+              </a:solidFill>
+              <a:latin typeface="Courier New" pitchFamily="49" charset="0"/>
+              <a:cs typeface="Courier New" pitchFamily="49" charset="0"/>
+            </a:endParaRPr>
+          </a:p>
+          <a:p>
+            <a:pPr algn="ctr"/>
+            <a:r>
+              <a:rPr lang="en-GB" sz="1600" dirty="0" smtClean="0">
+                <a:solidFill>
+                  <a:srgbClr val="000000"/>
+                </a:solidFill>
+                <a:latin typeface="Courier New" pitchFamily="49" charset="0"/>
+                <a:cs typeface="Courier New" pitchFamily="49" charset="0"/>
+              </a:rPr>
+              <a:t>Registration</a:t>
+            </a:r>
+            <a:endParaRPr lang="en-GB" sz="1100" dirty="0">
+              <a:solidFill>
+                <a:srgbClr val="000000"/>
+              </a:solidFill>
+              <a:latin typeface="Courier New" pitchFamily="49" charset="0"/>
+              <a:cs typeface="Courier New" pitchFamily="49" charset="0"/>
+            </a:endParaRPr>
+          </a:p>
+        </p:txBody>
+      </p:sp>
+      <p:pic>
+        <p:nvPicPr>
+          <p:cNvPr id="23" name="Picture 6"/>
+          <p:cNvPicPr>
+            <a:picLocks noChangeAspect="1" noChangeArrowheads="1"/>
+          </p:cNvPicPr>
+          <p:nvPr/>
+        </p:nvPicPr>
+        <p:blipFill rotWithShape="1">
+          <a:blip r:embed="rId7" cstate="print">
+            <a:extLst>
+              <a:ext uri="{28A0092B-C50C-407E-A947-70E740481C1C}">
+                <a14:useLocalDpi xmlns:a14="http://schemas.microsoft.com/office/drawing/2010/main" val="0"/>
+              </a:ext>
+            </a:extLst>
+          </a:blip>
+          <a:srcRect l="2661" t="2776"/>
+          <a:stretch/>
+        </p:blipFill>
+        <p:spPr bwMode="auto">
+          <a:xfrm>
+            <a:off x="1075287" y="4485508"/>
+            <a:ext cx="1179068" cy="1152000"/>
+          </a:xfrm>
+          <a:prstGeom prst="rect">
+            <a:avLst/>
+          </a:prstGeom>
+          <a:noFill/>
+          <a:ln>
+            <a:noFill/>
+          </a:ln>
+          <a:effectLst/>
+          <a:extLst>
+            <a:ext uri="{909E8E84-426E-40DD-AFC4-6F175D3DCCD1}">
+              <a14:hiddenFill xmlns:a14="http://schemas.microsoft.com/office/drawing/2010/main">
+                <a:solidFill>
+                  <a:schemeClr val="accent1"/>
+                </a:solidFill>
+              </a14:hiddenFill>
+            </a:ext>
+            <a:ext uri="{91240B29-F687-4F45-9708-019B960494DF}">
+              <a14:hiddenLine xmlns:a14="http://schemas.microsoft.com/office/drawing/2010/main" w="9525">
+                <a:solidFill>
+                  <a:schemeClr val="tx1"/>
+                </a:solidFill>
+                <a:miter lim="800000"/>
+                <a:headEnd/>
+                <a:tailEnd/>
+              </a14:hiddenLine>
+            </a:ext>
+            <a:ext uri="{AF507438-7753-43E0-B8FC-AC1667EBCBE1}">
+              <a14:hiddenEffects xmlns:a14="http://schemas.microsoft.com/office/drawing/2010/main">
+                <a:effectLst>
+                  <a:outerShdw dist="35921" dir="2700000" algn="ctr" rotWithShape="0">
+                    <a:schemeClr val="bg2"/>
+                  </a:outerShdw>
+                </a:effectLst>
+              </a14:hiddenEffects>
+            </a:ext>
+          </a:extLst>
+        </p:spPr>
+      </p:pic>
+      <p:pic>
+        <p:nvPicPr>
+          <p:cNvPr id="24" name="Picture 7"/>
+          <p:cNvPicPr>
+            <a:picLocks noChangeAspect="1" noChangeArrowheads="1"/>
+          </p:cNvPicPr>
+          <p:nvPr/>
+        </p:nvPicPr>
+        <p:blipFill>
+          <a:blip r:embed="rId8" cstate="print">
+            <a:extLst>
+              <a:ext uri="{28A0092B-C50C-407E-A947-70E740481C1C}">
+                <a14:useLocalDpi xmlns:a14="http://schemas.microsoft.com/office/drawing/2010/main" val="0"/>
+              </a:ext>
+            </a:extLst>
+          </a:blip>
+          <a:srcRect/>
+          <a:stretch>
+            <a:fillRect/>
+          </a:stretch>
+        </p:blipFill>
+        <p:spPr bwMode="auto">
+          <a:xfrm>
+            <a:off x="4063973" y="4485508"/>
+            <a:ext cx="1159336" cy="1152000"/>
+          </a:xfrm>
+          <a:prstGeom prst="rect">
+            <a:avLst/>
+          </a:prstGeom>
+          <a:noFill/>
+          <a:ln>
+            <a:noFill/>
+          </a:ln>
+          <a:effectLst/>
+          <a:extLst>
+            <a:ext uri="{909E8E84-426E-40DD-AFC4-6F175D3DCCD1}">
+              <a14:hiddenFill xmlns:a14="http://schemas.microsoft.com/office/drawing/2010/main">
+                <a:solidFill>
+                  <a:schemeClr val="accent1"/>
+                </a:solidFill>
+              </a14:hiddenFill>
+            </a:ext>
+            <a:ext uri="{91240B29-F687-4F45-9708-019B960494DF}">
+              <a14:hiddenLine xmlns:a14="http://schemas.microsoft.com/office/drawing/2010/main" w="9525">
+                <a:solidFill>
+                  <a:schemeClr val="tx1"/>
+                </a:solidFill>
+                <a:miter lim="800000"/>
+                <a:headEnd/>
+                <a:tailEnd/>
+              </a14:hiddenLine>
+            </a:ext>
+            <a:ext uri="{AF507438-7753-43E0-B8FC-AC1667EBCBE1}">
+              <a14:hiddenEffects xmlns:a14="http://schemas.microsoft.com/office/drawing/2010/main">
+                <a:effectLst>
+                  <a:outerShdw dist="35921" dir="2700000" algn="ctr" rotWithShape="0">
+                    <a:schemeClr val="bg2"/>
+                  </a:outerShdw>
+                </a:effectLst>
+              </a14:hiddenEffects>
+            </a:ext>
+          </a:extLst>
+        </p:spPr>
+      </p:pic>
+      <p:cxnSp>
+        <p:nvCxnSpPr>
+          <p:cNvPr id="28" name="Gerade Verbindung mit Pfeil 27"/>
+          <p:cNvCxnSpPr/>
+          <p:nvPr/>
+        </p:nvCxnSpPr>
+        <p:spPr>
+          <a:xfrm>
+            <a:off x="2366426" y="5083519"/>
+            <a:ext cx="1537076" cy="0"/>
+          </a:xfrm>
+          <a:prstGeom prst="straightConnector1">
+            <a:avLst/>
+          </a:prstGeom>
+          <a:ln w="28575">
+            <a:solidFill>
+              <a:schemeClr val="tx1"/>
+            </a:solidFill>
+            <a:tailEnd type="arrow"/>
+          </a:ln>
+        </p:spPr>
+        <p:style>
+          <a:lnRef idx="1">
+            <a:schemeClr val="accent1"/>
+          </a:lnRef>
+          <a:fillRef idx="0">
+            <a:schemeClr val="accent1"/>
+          </a:fillRef>
+          <a:effectRef idx="0">
+            <a:schemeClr val="accent1"/>
+          </a:effectRef>
+          <a:fontRef idx="minor">
+            <a:schemeClr val="tx1"/>
+          </a:fontRef>
+        </p:style>
+      </p:cxnSp>
+      <p:sp>
+        <p:nvSpPr>
+          <p:cNvPr id="33" name="Textfeld 32"/>
+          <p:cNvSpPr txBox="1"/>
+          <p:nvPr/>
+        </p:nvSpPr>
+        <p:spPr>
+          <a:xfrm>
+            <a:off x="2656308" y="4514083"/>
+            <a:ext cx="926857" cy="461665"/>
+          </a:xfrm>
+          <a:prstGeom prst="rect">
+            <a:avLst/>
+          </a:prstGeom>
+          <a:noFill/>
+        </p:spPr>
+        <p:txBody>
+          <a:bodyPr wrap="none" rtlCol="0">
+            <a:spAutoFit/>
+          </a:bodyPr>
+          <a:lstStyle/>
+          <a:p>
+            <a:r>
+              <a:rPr lang="en-GB" sz="2400" dirty="0">
+                <a:solidFill>
+                  <a:srgbClr val="000000"/>
+                </a:solidFill>
+                <a:latin typeface="Courier New" pitchFamily="49" charset="0"/>
+                <a:cs typeface="Courier New" pitchFamily="49" charset="0"/>
+              </a:rPr>
+              <a:t>T</a:t>
+            </a:r>
+            <a:r>
+              <a:rPr lang="en-GB" sz="1200" dirty="0">
+                <a:solidFill>
+                  <a:srgbClr val="000000"/>
+                </a:solidFill>
+                <a:latin typeface="Courier New" pitchFamily="49" charset="0"/>
+                <a:cs typeface="Courier New" pitchFamily="49" charset="0"/>
+              </a:rPr>
+              <a:t>Affine</a:t>
+            </a:r>
+          </a:p>
+        </p:txBody>
+      </p:sp>
+      <p:sp>
+        <p:nvSpPr>
+          <p:cNvPr id="5" name="Textfeld 4"/>
+          <p:cNvSpPr txBox="1"/>
+          <p:nvPr/>
+        </p:nvSpPr>
+        <p:spPr>
+          <a:xfrm>
+            <a:off x="967463" y="3451789"/>
+            <a:ext cx="1295547" cy="338554"/>
+          </a:xfrm>
+          <a:prstGeom prst="rect">
+            <a:avLst/>
+          </a:prstGeom>
+          <a:noFill/>
+        </p:spPr>
+        <p:txBody>
+          <a:bodyPr wrap="none" rtlCol="0">
+            <a:spAutoFit/>
+          </a:bodyPr>
+          <a:lstStyle/>
+          <a:p>
+            <a:r>
+              <a:rPr lang="en-GB" sz="1600" dirty="0" smtClean="0">
+                <a:latin typeface="Courier New" pitchFamily="49" charset="0"/>
+                <a:cs typeface="Courier New" pitchFamily="49" charset="0"/>
+              </a:rPr>
+              <a:t>T1_native</a:t>
+            </a:r>
+            <a:endParaRPr lang="en-GB" dirty="0">
+              <a:latin typeface="Courier New" pitchFamily="49" charset="0"/>
+              <a:cs typeface="Courier New" pitchFamily="49" charset="0"/>
+            </a:endParaRPr>
+          </a:p>
+        </p:txBody>
+      </p:sp>
+      <p:sp>
+        <p:nvSpPr>
+          <p:cNvPr id="34" name="Textfeld 33"/>
+          <p:cNvSpPr txBox="1"/>
+          <p:nvPr/>
+        </p:nvSpPr>
+        <p:spPr>
+          <a:xfrm>
+            <a:off x="4067389" y="3458625"/>
+            <a:ext cx="925253" cy="338554"/>
+          </a:xfrm>
+          <a:prstGeom prst="rect">
+            <a:avLst/>
+          </a:prstGeom>
+          <a:noFill/>
+        </p:spPr>
+        <p:txBody>
+          <a:bodyPr wrap="none" rtlCol="0">
+            <a:spAutoFit/>
+          </a:bodyPr>
+          <a:lstStyle/>
+          <a:p>
+            <a:r>
+              <a:rPr lang="en-GB" sz="1600" dirty="0" smtClean="0">
+                <a:latin typeface="Courier New" pitchFamily="49" charset="0"/>
+                <a:cs typeface="Courier New" pitchFamily="49" charset="0"/>
+              </a:rPr>
+              <a:t>T1_mni</a:t>
+            </a:r>
+            <a:endParaRPr lang="en-GB" dirty="0">
+              <a:latin typeface="Courier New" pitchFamily="49" charset="0"/>
+              <a:cs typeface="Courier New" pitchFamily="49" charset="0"/>
+            </a:endParaRPr>
+          </a:p>
+        </p:txBody>
+      </p:sp>
+      <p:sp>
+        <p:nvSpPr>
+          <p:cNvPr id="35" name="Textfeld 34"/>
+          <p:cNvSpPr txBox="1"/>
+          <p:nvPr/>
+        </p:nvSpPr>
+        <p:spPr>
+          <a:xfrm>
+            <a:off x="967462" y="5708781"/>
+            <a:ext cx="1280415" cy="338554"/>
+          </a:xfrm>
+          <a:prstGeom prst="rect">
+            <a:avLst/>
+          </a:prstGeom>
+          <a:noFill/>
+        </p:spPr>
+        <p:txBody>
+          <a:bodyPr wrap="none" rtlCol="0">
+            <a:spAutoFit/>
+          </a:bodyPr>
+          <a:lstStyle/>
+          <a:p>
+            <a:r>
+              <a:rPr lang="en-GB" sz="1600" dirty="0" smtClean="0"/>
+              <a:t>labels_native</a:t>
+            </a:r>
+            <a:endParaRPr lang="en-GB" dirty="0"/>
+          </a:p>
+        </p:txBody>
+      </p:sp>
+      <p:sp>
+        <p:nvSpPr>
+          <p:cNvPr id="38" name="Textfeld 37"/>
+          <p:cNvSpPr txBox="1"/>
+          <p:nvPr/>
+        </p:nvSpPr>
+        <p:spPr>
+          <a:xfrm>
+            <a:off x="6800793" y="2612289"/>
+            <a:ext cx="926857" cy="461665"/>
+          </a:xfrm>
+          <a:prstGeom prst="rect">
+            <a:avLst/>
+          </a:prstGeom>
+          <a:noFill/>
+        </p:spPr>
+        <p:txBody>
+          <a:bodyPr wrap="none" rtlCol="0">
+            <a:spAutoFit/>
+          </a:bodyPr>
+          <a:lstStyle/>
+          <a:p>
+            <a:r>
+              <a:rPr lang="en-GB" sz="2400" dirty="0">
+                <a:solidFill>
+                  <a:srgbClr val="000000"/>
+                </a:solidFill>
+                <a:latin typeface="Courier New" pitchFamily="49" charset="0"/>
+                <a:cs typeface="Courier New" pitchFamily="49" charset="0"/>
+              </a:rPr>
+              <a:t>T</a:t>
+            </a:r>
+            <a:r>
+              <a:rPr lang="en-GB" sz="1200" dirty="0">
+                <a:solidFill>
+                  <a:srgbClr val="000000"/>
+                </a:solidFill>
+                <a:latin typeface="Courier New" pitchFamily="49" charset="0"/>
+                <a:cs typeface="Courier New" pitchFamily="49" charset="0"/>
+              </a:rPr>
+              <a:t>Affine</a:t>
+            </a:r>
+          </a:p>
+        </p:txBody>
+      </p:sp>
+      <p:sp>
+        <p:nvSpPr>
+          <p:cNvPr id="7" name="Pfeil nach rechts 6"/>
+          <p:cNvSpPr/>
+          <p:nvPr/>
+        </p:nvSpPr>
+        <p:spPr>
+          <a:xfrm>
+            <a:off x="5908061" y="2813246"/>
+            <a:ext cx="626127" cy="151830"/>
+          </a:xfrm>
+          <a:prstGeom prst="rightArrow">
+            <a:avLst>
+              <a:gd name="adj1" fmla="val 50000"/>
+              <a:gd name="adj2" fmla="val 89429"/>
+            </a:avLst>
+          </a:prstGeom>
+          <a:solidFill>
+            <a:schemeClr val="tx1"/>
+          </a:solidFill>
+        </p:spPr>
+        <p:style>
+          <a:lnRef idx="2">
+            <a:schemeClr val="dk1">
+              <a:shade val="50000"/>
+            </a:schemeClr>
+          </a:lnRef>
+          <a:fillRef idx="1">
+            <a:schemeClr val="dk1"/>
+          </a:fillRef>
+          <a:effectRef idx="0">
+            <a:schemeClr val="dk1"/>
+          </a:effectRef>
+          <a:fontRef idx="minor">
+            <a:schemeClr val="lt1"/>
+          </a:fontRef>
+        </p:style>
+        <p:txBody>
+          <a:bodyPr rtlCol="0" anchor="ctr"/>
+          <a:lstStyle/>
+          <a:p>
+            <a:pPr algn="ctr"/>
+            <a:endParaRPr lang="en-GB"/>
+          </a:p>
+        </p:txBody>
+      </p:sp>
+      <p:sp>
+        <p:nvSpPr>
+          <p:cNvPr id="42" name="Pfeil nach rechts 41"/>
+          <p:cNvSpPr/>
+          <p:nvPr/>
+        </p:nvSpPr>
+        <p:spPr>
+          <a:xfrm>
+            <a:off x="5867844" y="5008728"/>
+            <a:ext cx="626127" cy="151830"/>
+          </a:xfrm>
+          <a:prstGeom prst="rightArrow">
+            <a:avLst>
+              <a:gd name="adj1" fmla="val 50000"/>
+              <a:gd name="adj2" fmla="val 89429"/>
+            </a:avLst>
+          </a:prstGeom>
+          <a:solidFill>
+            <a:schemeClr val="tx1"/>
+          </a:solidFill>
+        </p:spPr>
+        <p:style>
+          <a:lnRef idx="2">
+            <a:schemeClr val="dk1">
+              <a:shade val="50000"/>
+            </a:schemeClr>
+          </a:lnRef>
+          <a:fillRef idx="1">
+            <a:schemeClr val="dk1"/>
+          </a:fillRef>
+          <a:effectRef idx="0">
+            <a:schemeClr val="dk1"/>
+          </a:effectRef>
+          <a:fontRef idx="minor">
+            <a:schemeClr val="lt1"/>
+          </a:fontRef>
+        </p:style>
+        <p:txBody>
+          <a:bodyPr rtlCol="0" anchor="ctr"/>
+          <a:lstStyle/>
+          <a:p>
+            <a:pPr algn="ctr"/>
+            <a:endParaRPr lang="en-GB"/>
+          </a:p>
+        </p:txBody>
+      </p:sp>
+      <p:sp>
+        <p:nvSpPr>
+          <p:cNvPr id="43" name="Textfeld 42"/>
+          <p:cNvSpPr txBox="1"/>
+          <p:nvPr/>
+        </p:nvSpPr>
+        <p:spPr>
+          <a:xfrm>
+            <a:off x="3965411" y="5718306"/>
+            <a:ext cx="2159566" cy="338554"/>
+          </a:xfrm>
+          <a:prstGeom prst="rect">
+            <a:avLst/>
+          </a:prstGeom>
+          <a:noFill/>
+        </p:spPr>
+        <p:txBody>
+          <a:bodyPr wrap="none" rtlCol="0">
+            <a:spAutoFit/>
+          </a:bodyPr>
+          <a:lstStyle/>
+          <a:p>
+            <a:r>
+              <a:rPr lang="en-GB" sz="1600" dirty="0" smtClean="0">
+                <a:latin typeface="Courier New" pitchFamily="49" charset="0"/>
+                <a:cs typeface="Courier New" pitchFamily="49" charset="0"/>
+              </a:rPr>
+              <a:t>labels_registerd</a:t>
+            </a:r>
+            <a:endParaRPr lang="en-GB" dirty="0">
+              <a:latin typeface="Courier New" pitchFamily="49" charset="0"/>
+              <a:cs typeface="Courier New" pitchFamily="49" charset="0"/>
+            </a:endParaRPr>
+          </a:p>
+        </p:txBody>
+      </p:sp>
+      <p:sp>
+        <p:nvSpPr>
+          <p:cNvPr id="44" name="Textfeld 43"/>
+          <p:cNvSpPr txBox="1"/>
+          <p:nvPr/>
+        </p:nvSpPr>
+        <p:spPr>
+          <a:xfrm>
+            <a:off x="6744842" y="4915366"/>
+            <a:ext cx="2159566" cy="338554"/>
+          </a:xfrm>
+          <a:prstGeom prst="rect">
+            <a:avLst/>
+          </a:prstGeom>
+          <a:noFill/>
+        </p:spPr>
+        <p:txBody>
+          <a:bodyPr wrap="none" rtlCol="0">
+            <a:spAutoFit/>
+          </a:bodyPr>
+          <a:lstStyle/>
+          <a:p>
+            <a:r>
+              <a:rPr lang="en-GB" sz="1600" dirty="0" smtClean="0">
+                <a:latin typeface="Courier New" pitchFamily="49" charset="0"/>
+                <a:cs typeface="Courier New" pitchFamily="49" charset="0"/>
+              </a:rPr>
+              <a:t>labels_registerd</a:t>
+            </a:r>
+            <a:endParaRPr lang="en-GB" dirty="0">
+              <a:latin typeface="Courier New" pitchFamily="49" charset="0"/>
+              <a:cs typeface="Courier New" pitchFamily="49" charset="0"/>
+            </a:endParaRPr>
+          </a:p>
+        </p:txBody>
+      </p:sp>
+      <p:cxnSp>
+        <p:nvCxnSpPr>
+          <p:cNvPr id="25" name="Gerade Verbindung mit Pfeil 24"/>
+          <p:cNvCxnSpPr/>
+          <p:nvPr/>
+        </p:nvCxnSpPr>
+        <p:spPr>
+          <a:xfrm>
+            <a:off x="2314986" y="2883836"/>
+            <a:ext cx="1679000" cy="0"/>
+          </a:xfrm>
+          <a:prstGeom prst="straightConnector1">
+            <a:avLst/>
+          </a:prstGeom>
+          <a:ln w="28575">
+            <a:solidFill>
+              <a:schemeClr val="tx1"/>
+            </a:solidFill>
+            <a:headEnd type="arrow"/>
+            <a:tailEnd type="arrow"/>
+          </a:ln>
+        </p:spPr>
+        <p:style>
+          <a:lnRef idx="1">
+            <a:schemeClr val="accent1"/>
+          </a:lnRef>
+          <a:fillRef idx="0">
+            <a:schemeClr val="accent1"/>
+          </a:fillRef>
+          <a:effectRef idx="0">
+            <a:schemeClr val="accent1"/>
+          </a:effectRef>
+          <a:fontRef idx="minor">
+            <a:schemeClr val="tx1"/>
+          </a:fontRef>
+        </p:style>
+      </p:cxnSp>
+      <p:cxnSp>
+        <p:nvCxnSpPr>
+          <p:cNvPr id="8" name="Gerade Verbindung 7"/>
+          <p:cNvCxnSpPr/>
+          <p:nvPr/>
+        </p:nvCxnSpPr>
+        <p:spPr>
+          <a:xfrm>
+            <a:off x="1069088" y="1772816"/>
+            <a:ext cx="0" cy="4392488"/>
+          </a:xfrm>
+          <a:prstGeom prst="line">
+            <a:avLst/>
+          </a:prstGeom>
+        </p:spPr>
+        <p:style>
+          <a:lnRef idx="1">
+            <a:schemeClr val="accent1"/>
+          </a:lnRef>
+          <a:fillRef idx="0">
+            <a:schemeClr val="accent1"/>
+          </a:fillRef>
+          <a:effectRef idx="0">
+            <a:schemeClr val="accent1"/>
+          </a:effectRef>
+          <a:fontRef idx="minor">
+            <a:schemeClr val="tx1"/>
+          </a:fontRef>
+        </p:style>
+      </p:cxnSp>
+      <p:cxnSp>
+        <p:nvCxnSpPr>
+          <p:cNvPr id="29" name="Gerade Verbindung 28"/>
+          <p:cNvCxnSpPr/>
+          <p:nvPr/>
+        </p:nvCxnSpPr>
+        <p:spPr>
+          <a:xfrm>
+            <a:off x="4067389" y="1772816"/>
+            <a:ext cx="0" cy="4392488"/>
+          </a:xfrm>
+          <a:prstGeom prst="line">
+            <a:avLst/>
+          </a:prstGeom>
+        </p:spPr>
+        <p:style>
+          <a:lnRef idx="1">
+            <a:schemeClr val="accent1"/>
+          </a:lnRef>
+          <a:fillRef idx="0">
+            <a:schemeClr val="accent1"/>
+          </a:fillRef>
+          <a:effectRef idx="0">
+            <a:schemeClr val="accent1"/>
+          </a:effectRef>
+          <a:fontRef idx="minor">
+            <a:schemeClr val="tx1"/>
+          </a:fontRef>
+        </p:style>
+      </p:cxnSp>
+      <p:cxnSp>
+        <p:nvCxnSpPr>
+          <p:cNvPr id="10" name="Gerade Verbindung 9"/>
+          <p:cNvCxnSpPr/>
+          <p:nvPr/>
+        </p:nvCxnSpPr>
+        <p:spPr>
+          <a:xfrm>
+            <a:off x="589831" y="1512657"/>
+            <a:ext cx="6696744" cy="21783"/>
+          </a:xfrm>
+          <a:prstGeom prst="line">
+            <a:avLst/>
+          </a:prstGeom>
+        </p:spPr>
+        <p:style>
+          <a:lnRef idx="1">
+            <a:schemeClr val="accent1"/>
+          </a:lnRef>
+          <a:fillRef idx="0">
+            <a:schemeClr val="accent1"/>
+          </a:fillRef>
+          <a:effectRef idx="0">
+            <a:schemeClr val="accent1"/>
+          </a:effectRef>
+          <a:fontRef idx="minor">
+            <a:schemeClr val="tx1"/>
+          </a:fontRef>
+        </p:style>
+      </p:cxnSp>
+      <p:cxnSp>
+        <p:nvCxnSpPr>
+          <p:cNvPr id="31" name="Gerade Verbindung 30"/>
+          <p:cNvCxnSpPr/>
+          <p:nvPr/>
+        </p:nvCxnSpPr>
+        <p:spPr>
+          <a:xfrm>
+            <a:off x="618989" y="2188642"/>
+            <a:ext cx="6696744" cy="21783"/>
+          </a:xfrm>
+          <a:prstGeom prst="line">
+            <a:avLst/>
+          </a:prstGeom>
+        </p:spPr>
+        <p:style>
+          <a:lnRef idx="1">
+            <a:schemeClr val="accent1"/>
+          </a:lnRef>
+          <a:fillRef idx="0">
+            <a:schemeClr val="accent1"/>
+          </a:fillRef>
+          <a:effectRef idx="0">
+            <a:schemeClr val="accent1"/>
+          </a:effectRef>
+          <a:fontRef idx="minor">
+            <a:schemeClr val="tx1"/>
+          </a:fontRef>
+        </p:style>
+      </p:cxnSp>
+      <p:cxnSp>
+        <p:nvCxnSpPr>
+          <p:cNvPr id="36" name="Gerade Verbindung 35"/>
+          <p:cNvCxnSpPr/>
+          <p:nvPr/>
+        </p:nvCxnSpPr>
+        <p:spPr>
+          <a:xfrm>
+            <a:off x="555130" y="4474616"/>
+            <a:ext cx="6696744" cy="21783"/>
+          </a:xfrm>
+          <a:prstGeom prst="line">
+            <a:avLst/>
+          </a:prstGeom>
+        </p:spPr>
+        <p:style>
+          <a:lnRef idx="1">
+            <a:schemeClr val="accent1"/>
+          </a:lnRef>
+          <a:fillRef idx="0">
+            <a:schemeClr val="accent1"/>
+          </a:fillRef>
+          <a:effectRef idx="0">
+            <a:schemeClr val="accent1"/>
+          </a:effectRef>
+          <a:fontRef idx="minor">
+            <a:schemeClr val="tx1"/>
+          </a:fontRef>
+        </p:style>
+      </p:cxnSp>
+      <p:cxnSp>
+        <p:nvCxnSpPr>
+          <p:cNvPr id="37" name="Gerade Verbindung 36"/>
+          <p:cNvCxnSpPr/>
+          <p:nvPr/>
+        </p:nvCxnSpPr>
+        <p:spPr>
+          <a:xfrm>
+            <a:off x="645614" y="3680146"/>
+            <a:ext cx="6696744" cy="21783"/>
+          </a:xfrm>
+          <a:prstGeom prst="line">
+            <a:avLst/>
+          </a:prstGeom>
+        </p:spPr>
+        <p:style>
+          <a:lnRef idx="1">
+            <a:schemeClr val="accent1"/>
+          </a:lnRef>
+          <a:fillRef idx="0">
+            <a:schemeClr val="accent1"/>
+          </a:fillRef>
+          <a:effectRef idx="0">
+            <a:schemeClr val="accent1"/>
+          </a:effectRef>
+          <a:fontRef idx="minor">
+            <a:schemeClr val="tx1"/>
+          </a:fontRef>
+        </p:style>
+      </p:cxnSp>
+      <p:cxnSp>
+        <p:nvCxnSpPr>
+          <p:cNvPr id="39" name="Gerade Verbindung 38"/>
+          <p:cNvCxnSpPr/>
+          <p:nvPr/>
+        </p:nvCxnSpPr>
+        <p:spPr>
+          <a:xfrm>
+            <a:off x="715601" y="5949280"/>
+            <a:ext cx="6696744" cy="21783"/>
+          </a:xfrm>
+          <a:prstGeom prst="line">
+            <a:avLst/>
+          </a:prstGeom>
+        </p:spPr>
+        <p:style>
+          <a:lnRef idx="1">
+            <a:schemeClr val="accent1"/>
+          </a:lnRef>
+          <a:fillRef idx="0">
+            <a:schemeClr val="accent1"/>
+          </a:fillRef>
+          <a:effectRef idx="0">
+            <a:schemeClr val="accent1"/>
+          </a:effectRef>
+          <a:fontRef idx="minor">
+            <a:schemeClr val="tx1"/>
+          </a:fontRef>
+        </p:style>
+      </p:cxnSp>
+    </p:spTree>
+    <p:extLst>
+      <p:ext uri="{BB962C8B-B14F-4D97-AF65-F5344CB8AC3E}">
+        <p14:creationId xmlns:p14="http://schemas.microsoft.com/office/powerpoint/2010/main" val="1047289988"/>
+      </p:ext>
+    </p:extLst>
+  </p:cSld>
+  <p:clrMapOvr>
+    <a:masterClrMapping/>
+  </p:clrMapOvr>
+  <mc:AlternateContent xmlns:mc="http://schemas.openxmlformats.org/markup-compatibility/2006">
+    <mc:Choice xmlns:p14="http://schemas.microsoft.com/office/powerpoint/2010/main" Requires="p14">
+      <p:transition spd="slow" p14:dur="2000"/>
+    </mc:Choice>
+    <mc:Fallback>
+      <p:transition spd="slow"/>
+    </mc:Fallback>
+  </mc:AlternateContent>
+  <p:timing>
+    <p:tnLst>
+      <p:par>
+        <p:cTn id="1" dur="indefinite" restart="never" nodeType="tmRoot">
+          <p:childTnLst>
+            <p:seq concurrent="1" nextAc="seek">
+              <p:cTn id="2" dur="indefinite" nodeType="mainSeq">
+                <p:childTnLst>
+                  <p:par>
+                    <p:cTn id="3" fill="hold">
+                      <p:stCondLst>
+                        <p:cond delay="indefinite"/>
+                      </p:stCondLst>
+                      <p:childTnLst>
+                        <p:par>
+                          <p:cTn id="4" fill="hold">
+                            <p:stCondLst>
+                              <p:cond delay="0"/>
+                            </p:stCondLst>
+                            <p:childTnLst>
+                              <p:par>
+                                <p:cTn id="5" presetID="1" presetClass="entr" presetSubtype="0" fill="hold" nodeType="clickEffect">
+                                  <p:stCondLst>
+                                    <p:cond delay="0"/>
+                                  </p:stCondLst>
+                                  <p:childTnLst>
+                                    <p:set>
+                                      <p:cBhvr>
+                                        <p:cTn id="6" dur="1" fill="hold">
+                                          <p:stCondLst>
+                                            <p:cond delay="0"/>
+                                          </p:stCondLst>
+                                        </p:cTn>
+                                        <p:tgtEl>
+                                          <p:spTgt spid="23"/>
+                                        </p:tgtEl>
+                                        <p:attrNameLst>
+                                          <p:attrName>style.visibility</p:attrName>
+                                        </p:attrNameLst>
+                                      </p:cBhvr>
+                                      <p:to>
+                                        <p:strVal val="visible"/>
+                                      </p:to>
+                                    </p:set>
+                                  </p:childTnLst>
+                                </p:cTn>
+                              </p:par>
+                              <p:par>
+                                <p:cTn id="7" presetID="1" presetClass="entr" presetSubtype="0" fill="hold" nodeType="withEffect">
+                                  <p:stCondLst>
+                                    <p:cond delay="0"/>
+                                  </p:stCondLst>
+                                  <p:childTnLst>
+                                    <p:set>
+                                      <p:cBhvr>
+                                        <p:cTn id="8" dur="1" fill="hold">
+                                          <p:stCondLst>
+                                            <p:cond delay="0"/>
+                                          </p:stCondLst>
+                                        </p:cTn>
+                                        <p:tgtEl>
+                                          <p:spTgt spid="24"/>
+                                        </p:tgtEl>
+                                        <p:attrNameLst>
+                                          <p:attrName>style.visibility</p:attrName>
+                                        </p:attrNameLst>
+                                      </p:cBhvr>
+                                      <p:to>
+                                        <p:strVal val="visible"/>
+                                      </p:to>
+                                    </p:set>
+                                  </p:childTnLst>
+                                </p:cTn>
+                              </p:par>
+                              <p:par>
+                                <p:cTn id="9" presetID="1" presetClass="entr" presetSubtype="0" fill="hold" nodeType="withEffect">
+                                  <p:stCondLst>
+                                    <p:cond delay="0"/>
+                                  </p:stCondLst>
+                                  <p:childTnLst>
+                                    <p:set>
+                                      <p:cBhvr>
+                                        <p:cTn id="10" dur="1" fill="hold">
+                                          <p:stCondLst>
+                                            <p:cond delay="0"/>
+                                          </p:stCondLst>
+                                        </p:cTn>
+                                        <p:tgtEl>
+                                          <p:spTgt spid="28"/>
+                                        </p:tgtEl>
+                                        <p:attrNameLst>
+                                          <p:attrName>style.visibility</p:attrName>
+                                        </p:attrNameLst>
+                                      </p:cBhvr>
+                                      <p:to>
+                                        <p:strVal val="visible"/>
+                                      </p:to>
+                                    </p:set>
+                                  </p:childTnLst>
+                                </p:cTn>
+                              </p:par>
+                              <p:par>
+                                <p:cTn id="11" presetID="1" presetClass="entr" presetSubtype="0" fill="hold" grpId="0" nodeType="withEffect">
+                                  <p:stCondLst>
+                                    <p:cond delay="0"/>
+                                  </p:stCondLst>
+                                  <p:childTnLst>
+                                    <p:set>
+                                      <p:cBhvr>
+                                        <p:cTn id="12" dur="1" fill="hold">
+                                          <p:stCondLst>
+                                            <p:cond delay="0"/>
+                                          </p:stCondLst>
+                                        </p:cTn>
+                                        <p:tgtEl>
+                                          <p:spTgt spid="33"/>
+                                        </p:tgtEl>
+                                        <p:attrNameLst>
+                                          <p:attrName>style.visibility</p:attrName>
+                                        </p:attrNameLst>
+                                      </p:cBhvr>
+                                      <p:to>
+                                        <p:strVal val="visible"/>
+                                      </p:to>
+                                    </p:set>
+                                  </p:childTnLst>
+                                </p:cTn>
+                              </p:par>
+                              <p:par>
+                                <p:cTn id="13" presetID="1" presetClass="entr" presetSubtype="0" fill="hold" grpId="0" nodeType="withEffect">
+                                  <p:stCondLst>
+                                    <p:cond delay="0"/>
+                                  </p:stCondLst>
+                                  <p:childTnLst>
+                                    <p:set>
+                                      <p:cBhvr>
+                                        <p:cTn id="14" dur="1" fill="hold">
+                                          <p:stCondLst>
+                                            <p:cond delay="0"/>
+                                          </p:stCondLst>
+                                        </p:cTn>
+                                        <p:tgtEl>
+                                          <p:spTgt spid="35"/>
+                                        </p:tgtEl>
+                                        <p:attrNameLst>
+                                          <p:attrName>style.visibility</p:attrName>
+                                        </p:attrNameLst>
+                                      </p:cBhvr>
+                                      <p:to>
+                                        <p:strVal val="visible"/>
+                                      </p:to>
+                                    </p:set>
+                                  </p:childTnLst>
+                                </p:cTn>
+                              </p:par>
+                              <p:par>
+                                <p:cTn id="15" presetID="1" presetClass="entr" presetSubtype="0" fill="hold" grpId="0" nodeType="withEffect">
+                                  <p:stCondLst>
+                                    <p:cond delay="0"/>
+                                  </p:stCondLst>
+                                  <p:childTnLst>
+                                    <p:set>
+                                      <p:cBhvr>
+                                        <p:cTn id="16" dur="1" fill="hold">
+                                          <p:stCondLst>
+                                            <p:cond delay="0"/>
+                                          </p:stCondLst>
+                                        </p:cTn>
+                                        <p:tgtEl>
+                                          <p:spTgt spid="42"/>
+                                        </p:tgtEl>
+                                        <p:attrNameLst>
+                                          <p:attrName>style.visibility</p:attrName>
+                                        </p:attrNameLst>
+                                      </p:cBhvr>
+                                      <p:to>
+                                        <p:strVal val="visible"/>
+                                      </p:to>
+                                    </p:set>
+                                  </p:childTnLst>
+                                </p:cTn>
+                              </p:par>
+                              <p:par>
+                                <p:cTn id="17" presetID="1" presetClass="entr" presetSubtype="0" fill="hold" grpId="0" nodeType="withEffect">
+                                  <p:stCondLst>
+                                    <p:cond delay="0"/>
+                                  </p:stCondLst>
+                                  <p:childTnLst>
+                                    <p:set>
+                                      <p:cBhvr>
+                                        <p:cTn id="18" dur="1" fill="hold">
+                                          <p:stCondLst>
+                                            <p:cond delay="0"/>
+                                          </p:stCondLst>
+                                        </p:cTn>
+                                        <p:tgtEl>
+                                          <p:spTgt spid="43"/>
+                                        </p:tgtEl>
+                                        <p:attrNameLst>
+                                          <p:attrName>style.visibility</p:attrName>
+                                        </p:attrNameLst>
+                                      </p:cBhvr>
+                                      <p:to>
+                                        <p:strVal val="visible"/>
+                                      </p:to>
+                                    </p:set>
+                                  </p:childTnLst>
+                                </p:cTn>
+                              </p:par>
+                              <p:par>
+                                <p:cTn id="19" presetID="1" presetClass="entr" presetSubtype="0" fill="hold" grpId="0" nodeType="withEffect">
+                                  <p:stCondLst>
+                                    <p:cond delay="0"/>
+                                  </p:stCondLst>
+                                  <p:childTnLst>
+                                    <p:set>
+                                      <p:cBhvr>
+                                        <p:cTn id="20" dur="1" fill="hold">
+                                          <p:stCondLst>
+                                            <p:cond delay="0"/>
+                                          </p:stCondLst>
+                                        </p:cTn>
+                                        <p:tgtEl>
+                                          <p:spTgt spid="44"/>
+                                        </p:tgtEl>
+                                        <p:attrNameLst>
+                                          <p:attrName>style.visibility</p:attrName>
+                                        </p:attrNameLst>
+                                      </p:cBhvr>
+                                      <p:to>
+                                        <p:strVal val="visible"/>
+                                      </p:to>
+                                    </p:set>
+                                  </p:childTnLst>
+                                </p:cTn>
+                              </p:par>
+                            </p:childTnLst>
+                          </p:cTn>
+                        </p:par>
+                      </p:childTnLst>
+                    </p:cTn>
+                  </p:par>
+                </p:childTnLst>
+              </p:cTn>
+              <p:prevCondLst>
+                <p:cond evt="onPrev" delay="0">
+                  <p:tgtEl>
+                    <p:sldTgt/>
+                  </p:tgtEl>
+                </p:cond>
+              </p:prevCondLst>
+              <p:nextCondLst>
+                <p:cond evt="onNext" delay="0">
+                  <p:tgtEl>
+                    <p:sldTgt/>
+                  </p:tgtEl>
+                </p:cond>
+              </p:nextCondLst>
+            </p:seq>
+          </p:childTnLst>
+        </p:cTn>
+      </p:par>
+    </p:tnLst>
+    <p:bldLst>
+      <p:bldP spid="33" grpId="0"/>
+      <p:bldP spid="35" grpId="0"/>
+      <p:bldP spid="42" grpId="0" animBg="1"/>
+      <p:bldP spid="43" grpId="0"/>
+      <p:bldP spid="44" grpId="0"/>
+    </p:bldLst>
+  </p:timing>
+</p:sld>
+</file>
+
+<file path=ppt/slides/slide17.xml><?xml version="1.0" encoding="utf-8"?>
+<p:sld xmlns:a="http://schemas.openxmlformats.org/drawingml/2006/main" xmlns:r="http://schemas.openxmlformats.org/officeDocument/2006/relationships" xmlns:p="http://schemas.openxmlformats.org/presentationml/2006/main" show="0">
+  <p:cSld>
+    <p:spTree>
+      <p:nvGrpSpPr>
+        <p:cNvPr id="1" name=""/>
+        <p:cNvGrpSpPr/>
+        <p:nvPr/>
+      </p:nvGrpSpPr>
+      <p:grpSpPr>
+        <a:xfrm>
+          <a:off x="0" y="0"/>
+          <a:ext cx="0" cy="0"/>
+          <a:chOff x="0" y="0"/>
+          <a:chExt cx="0" cy="0"/>
+        </a:xfrm>
+      </p:grpSpPr>
+      <p:pic>
+        <p:nvPicPr>
+          <p:cNvPr id="1026" name="Picture 2"/>
+          <p:cNvPicPr>
+            <a:picLocks noChangeAspect="1" noChangeArrowheads="1"/>
+          </p:cNvPicPr>
+          <p:nvPr/>
+        </p:nvPicPr>
+        <p:blipFill>
+          <a:blip r:embed="rId3">
+            <a:extLst>
+              <a:ext uri="{28A0092B-C50C-407E-A947-70E740481C1C}">
+                <a14:useLocalDpi xmlns:a14="http://schemas.microsoft.com/office/drawing/2010/main" val="0"/>
+              </a:ext>
+            </a:extLst>
+          </a:blip>
+          <a:srcRect/>
+          <a:stretch>
+            <a:fillRect/>
+          </a:stretch>
+        </p:blipFill>
+        <p:spPr bwMode="auto">
+          <a:xfrm>
+            <a:off x="7452320" y="116632"/>
+            <a:ext cx="1504950" cy="1352550"/>
+          </a:xfrm>
+          <a:prstGeom prst="rect">
+            <a:avLst/>
+          </a:prstGeom>
+          <a:noFill/>
+          <a:ln>
+            <a:noFill/>
+          </a:ln>
+          <a:effectLst/>
+          <a:extLst>
+            <a:ext uri="{909E8E84-426E-40DD-AFC4-6F175D3DCCD1}">
+              <a14:hiddenFill xmlns:a14="http://schemas.microsoft.com/office/drawing/2010/main">
+                <a:solidFill>
+                  <a:schemeClr val="accent1"/>
+                </a:solidFill>
+              </a14:hiddenFill>
+            </a:ext>
+            <a:ext uri="{91240B29-F687-4F45-9708-019B960494DF}">
+              <a14:hiddenLine xmlns:a14="http://schemas.microsoft.com/office/drawing/2010/main" w="9525">
+                <a:solidFill>
+                  <a:schemeClr val="tx1"/>
+                </a:solidFill>
+                <a:miter lim="800000"/>
+                <a:headEnd/>
+                <a:tailEnd/>
+              </a14:hiddenLine>
+            </a:ext>
+            <a:ext uri="{AF507438-7753-43E0-B8FC-AC1667EBCBE1}">
+              <a14:hiddenEffects xmlns:a14="http://schemas.microsoft.com/office/drawing/2010/main">
+                <a:effectLst>
+                  <a:outerShdw dist="35921" dir="2700000" algn="ctr" rotWithShape="0">
+                    <a:schemeClr val="bg2"/>
+                  </a:outerShdw>
+                </a:effectLst>
+              </a14:hiddenEffects>
+            </a:ext>
+          </a:extLst>
+        </p:spPr>
+      </p:pic>
+      <p:sp>
+        <p:nvSpPr>
+          <p:cNvPr id="4" name="Titel 3"/>
+          <p:cNvSpPr>
+            <a:spLocks noGrp="1"/>
+          </p:cNvSpPr>
+          <p:nvPr>
+            <p:ph type="ctrTitle"/>
+          </p:nvPr>
+        </p:nvSpPr>
+        <p:spPr>
+          <a:xfrm>
+            <a:off x="395536" y="432537"/>
+            <a:ext cx="6552728" cy="1080120"/>
+          </a:xfrm>
+        </p:spPr>
+        <p:txBody>
+          <a:bodyPr>
+            <a:normAutofit fontScale="90000"/>
+          </a:bodyPr>
+          <a:lstStyle/>
+          <a:p>
+            <a:pPr algn="l"/>
+            <a:r>
+              <a:rPr lang="en-GB" sz="3600" dirty="0" smtClean="0">
+                <a:solidFill>
+                  <a:schemeClr val="tx2">
+                    <a:lumMod val="40000"/>
+                    <a:lumOff val="60000"/>
+                  </a:schemeClr>
+                </a:solidFill>
+                <a:latin typeface="Courier New" pitchFamily="49" charset="0"/>
+                <a:cs typeface="Courier New" pitchFamily="49" charset="0"/>
+              </a:rPr>
+              <a:t>Introduction - evaluation</a:t>
+            </a:r>
+            <a:endParaRPr lang="en-GB" sz="2400" dirty="0">
+              <a:solidFill>
+                <a:schemeClr val="tx2">
+                  <a:lumMod val="40000"/>
+                  <a:lumOff val="60000"/>
+                </a:schemeClr>
+              </a:solidFill>
+              <a:latin typeface="Courier New" pitchFamily="49" charset="0"/>
+              <a:cs typeface="Courier New" pitchFamily="49" charset="0"/>
+            </a:endParaRPr>
+          </a:p>
+        </p:txBody>
+      </p:sp>
+      <p:cxnSp>
+        <p:nvCxnSpPr>
+          <p:cNvPr id="13" name="Gerade Verbindung 12"/>
+          <p:cNvCxnSpPr/>
+          <p:nvPr/>
+        </p:nvCxnSpPr>
+        <p:spPr>
+          <a:xfrm>
+            <a:off x="395536" y="6381328"/>
+            <a:ext cx="8280920" cy="0"/>
+          </a:xfrm>
+          <a:prstGeom prst="line">
+            <a:avLst/>
+          </a:prstGeom>
+          <a:ln w="38100">
+            <a:solidFill>
+              <a:schemeClr val="tx2">
+                <a:lumMod val="20000"/>
+                <a:lumOff val="80000"/>
+              </a:schemeClr>
+            </a:solidFill>
+          </a:ln>
+        </p:spPr>
+        <p:style>
+          <a:lnRef idx="1">
+            <a:schemeClr val="accent1"/>
+          </a:lnRef>
+          <a:fillRef idx="0">
+            <a:schemeClr val="accent1"/>
+          </a:fillRef>
+          <a:effectRef idx="0">
+            <a:schemeClr val="accent1"/>
+          </a:effectRef>
+          <a:fontRef idx="minor">
+            <a:schemeClr val="tx1"/>
+          </a:fontRef>
+        </p:style>
+      </p:cxnSp>
+      <p:sp>
+        <p:nvSpPr>
+          <p:cNvPr id="12" name="Foliennummernplatzhalter 11"/>
+          <p:cNvSpPr>
+            <a:spLocks noGrp="1"/>
+          </p:cNvSpPr>
+          <p:nvPr>
+            <p:ph type="sldNum" sz="quarter" idx="12"/>
+          </p:nvPr>
+        </p:nvSpPr>
+        <p:spPr/>
+        <p:txBody>
+          <a:bodyPr/>
+          <a:lstStyle/>
+          <a:p>
+            <a:fld id="{841A4BCE-EAB7-4290-86BB-EAC0469B1D48}" type="slidenum">
+              <a:rPr lang="de-CH" smtClean="0"/>
+              <a:t>17</a:t>
+            </a:fld>
+            <a:endParaRPr lang="de-CH"/>
+          </a:p>
+        </p:txBody>
+      </p:sp>
+      <p:cxnSp>
+        <p:nvCxnSpPr>
+          <p:cNvPr id="20" name="Gerade Verbindung 19"/>
+          <p:cNvCxnSpPr/>
+          <p:nvPr/>
+        </p:nvCxnSpPr>
+        <p:spPr>
+          <a:xfrm>
+            <a:off x="395536" y="1512657"/>
+            <a:ext cx="8208912" cy="0"/>
+          </a:xfrm>
+          <a:prstGeom prst="line">
+            <a:avLst/>
+          </a:prstGeom>
+          <a:ln w="38100">
+            <a:solidFill>
+              <a:schemeClr val="tx2">
+                <a:lumMod val="20000"/>
+                <a:lumOff val="80000"/>
+              </a:schemeClr>
+            </a:solidFill>
+          </a:ln>
+        </p:spPr>
+        <p:style>
+          <a:lnRef idx="1">
+            <a:schemeClr val="accent1"/>
+          </a:lnRef>
+          <a:fillRef idx="0">
+            <a:schemeClr val="accent1"/>
+          </a:fillRef>
+          <a:effectRef idx="0">
+            <a:schemeClr val="accent1"/>
+          </a:effectRef>
+          <a:fontRef idx="minor">
+            <a:schemeClr val="tx1"/>
+          </a:fontRef>
+        </p:style>
+      </p:cxnSp>
+      <p:sp>
+        <p:nvSpPr>
+          <p:cNvPr id="31" name="Rectangle 9"/>
+          <p:cNvSpPr>
+            <a:spLocks noChangeArrowheads="1"/>
+          </p:cNvSpPr>
+          <p:nvPr/>
+        </p:nvSpPr>
+        <p:spPr bwMode="auto">
+          <a:xfrm>
+            <a:off x="6140397" y="3441110"/>
+            <a:ext cx="2623845" cy="338554"/>
+          </a:xfrm>
+          <a:prstGeom prst="rect">
+            <a:avLst/>
+          </a:prstGeom>
+          <a:solidFill>
+            <a:srgbClr val="FFFFFF"/>
+          </a:solidFill>
+          <a:ln w="9525">
+            <a:solidFill>
+              <a:schemeClr val="bg1"/>
+            </a:solidFill>
+            <a:miter lim="800000"/>
+            <a:headEnd/>
+            <a:tailEnd/>
+          </a:ln>
+          <a:effectLst/>
+          <a:extLst>
+            <a:ext uri="{AF507438-7753-43E0-B8FC-AC1667EBCBE1}">
+              <a14:hiddenEffects xmlns:a14="http://schemas.microsoft.com/office/drawing/2010/main">
+                <a:effectLst>
+                  <a:outerShdw dist="35921" dir="2700000" algn="ctr" rotWithShape="0">
+                    <a:schemeClr val="bg2"/>
+                  </a:outerShdw>
+                </a:effectLst>
+              </a14:hiddenEffects>
+            </a:ext>
+          </a:extLst>
+        </p:spPr>
+        <p:txBody>
+          <a:bodyPr vert="horz" wrap="square" lIns="91440" tIns="45720" rIns="91440" bIns="45720" numCol="1" anchor="ctr" anchorCtr="0" compatLnSpc="1">
+            <a:prstTxWarp prst="textNoShape">
+              <a:avLst/>
+            </a:prstTxWarp>
+            <a:spAutoFit/>
+          </a:bodyPr>
+          <a:lstStyle/>
+          <a:p>
+            <a:pPr marL="0" marR="0" lvl="0" indent="0" algn="l" defTabSz="914400" rtl="0" eaLnBrk="1" fontAlgn="base" latinLnBrk="0" hangingPunct="1">
+              <a:lnSpc>
+                <a:spcPct val="100000"/>
+              </a:lnSpc>
+              <a:spcBef>
+                <a:spcPct val="0"/>
+              </a:spcBef>
+              <a:spcAft>
+                <a:spcPct val="0"/>
+              </a:spcAft>
+              <a:buClrTx/>
+              <a:buSzTx/>
+              <a:buFontTx/>
+              <a:buNone/>
+              <a:tabLst/>
+            </a:pPr>
+            <a:r>
+              <a:rPr kumimoji="0" lang="en-GB" sz="1600" b="0" i="0" u="none" strike="noStrike" cap="none" normalizeH="0" baseline="0" dirty="0" smtClean="0">
+                <a:ln>
+                  <a:noFill/>
+                </a:ln>
+                <a:solidFill>
+                  <a:srgbClr val="000000"/>
+                </a:solidFill>
+                <a:effectLst/>
+                <a:latin typeface="Courier New" pitchFamily="49" charset="0"/>
+                <a:cs typeface="Courier New" pitchFamily="49" charset="0"/>
+              </a:rPr>
+              <a:t>Dice</a:t>
+            </a:r>
+            <a:r>
+              <a:rPr kumimoji="0" lang="de-DE" sz="1600" b="0" i="0" u="none" strike="noStrike" cap="none" normalizeH="0" baseline="0" dirty="0" smtClean="0">
+                <a:ln>
+                  <a:noFill/>
+                </a:ln>
+                <a:solidFill>
+                  <a:srgbClr val="000000"/>
+                </a:solidFill>
+                <a:effectLst/>
+                <a:latin typeface="Courier New" pitchFamily="49" charset="0"/>
+                <a:cs typeface="Courier New" pitchFamily="49" charset="0"/>
+              </a:rPr>
+              <a:t> </a:t>
+            </a:r>
+            <a:r>
+              <a:rPr kumimoji="0" lang="en-GB" sz="1600" b="0" i="0" u="none" strike="noStrike" cap="none" normalizeH="0" baseline="0" dirty="0" smtClean="0">
+                <a:ln>
+                  <a:noFill/>
+                </a:ln>
+                <a:solidFill>
+                  <a:srgbClr val="000000"/>
+                </a:solidFill>
+                <a:effectLst/>
+                <a:latin typeface="Courier New" pitchFamily="49" charset="0"/>
+                <a:cs typeface="Courier New" pitchFamily="49" charset="0"/>
+              </a:rPr>
+              <a:t>coefficients</a:t>
+            </a:r>
+            <a:endParaRPr kumimoji="0" lang="de-DE" sz="1600" b="0" i="0" u="none" strike="noStrike" cap="none" normalizeH="0" baseline="0" dirty="0" smtClean="0">
+              <a:ln>
+                <a:noFill/>
+              </a:ln>
+              <a:solidFill>
+                <a:srgbClr val="000000"/>
+              </a:solidFill>
+              <a:effectLst/>
+              <a:latin typeface="Courier New" pitchFamily="49" charset="0"/>
+              <a:cs typeface="Courier New" pitchFamily="49" charset="0"/>
+            </a:endParaRPr>
+          </a:p>
+        </p:txBody>
+      </p:sp>
+      <p:pic>
+        <p:nvPicPr>
+          <p:cNvPr id="25" name="Picture 7"/>
+          <p:cNvPicPr>
+            <a:picLocks noChangeAspect="1" noChangeArrowheads="1"/>
+          </p:cNvPicPr>
+          <p:nvPr/>
+        </p:nvPicPr>
+        <p:blipFill>
+          <a:blip r:embed="rId4" cstate="print">
+            <a:extLst>
+              <a:ext uri="{28A0092B-C50C-407E-A947-70E740481C1C}">
+                <a14:useLocalDpi xmlns:a14="http://schemas.microsoft.com/office/drawing/2010/main" val="0"/>
+              </a:ext>
+            </a:extLst>
+          </a:blip>
+          <a:srcRect/>
+          <a:stretch>
+            <a:fillRect/>
+          </a:stretch>
+        </p:blipFill>
+        <p:spPr bwMode="auto">
+          <a:xfrm>
+            <a:off x="769554" y="2996996"/>
+            <a:ext cx="1159336" cy="1152000"/>
+          </a:xfrm>
+          <a:prstGeom prst="rect">
+            <a:avLst/>
+          </a:prstGeom>
+          <a:noFill/>
+          <a:ln>
+            <a:noFill/>
+          </a:ln>
+          <a:effectLst/>
+          <a:extLst>
+            <a:ext uri="{909E8E84-426E-40DD-AFC4-6F175D3DCCD1}">
+              <a14:hiddenFill xmlns:a14="http://schemas.microsoft.com/office/drawing/2010/main">
+                <a:solidFill>
+                  <a:schemeClr val="accent1"/>
+                </a:solidFill>
+              </a14:hiddenFill>
+            </a:ext>
+            <a:ext uri="{91240B29-F687-4F45-9708-019B960494DF}">
+              <a14:hiddenLine xmlns:a14="http://schemas.microsoft.com/office/drawing/2010/main" w="9525">
+                <a:solidFill>
+                  <a:schemeClr val="tx1"/>
+                </a:solidFill>
+                <a:miter lim="800000"/>
+                <a:headEnd/>
+                <a:tailEnd/>
+              </a14:hiddenLine>
+            </a:ext>
+            <a:ext uri="{AF507438-7753-43E0-B8FC-AC1667EBCBE1}">
+              <a14:hiddenEffects xmlns:a14="http://schemas.microsoft.com/office/drawing/2010/main">
+                <a:effectLst>
+                  <a:outerShdw dist="35921" dir="2700000" algn="ctr" rotWithShape="0">
+                    <a:schemeClr val="bg2"/>
+                  </a:outerShdw>
+                </a:effectLst>
+              </a14:hiddenEffects>
+            </a:ext>
+          </a:extLst>
+        </p:spPr>
+      </p:pic>
+      <p:sp>
+        <p:nvSpPr>
+          <p:cNvPr id="32" name="Textfeld 31"/>
+          <p:cNvSpPr txBox="1"/>
+          <p:nvPr/>
+        </p:nvSpPr>
+        <p:spPr>
+          <a:xfrm>
+            <a:off x="592630" y="4210744"/>
+            <a:ext cx="1506759" cy="338554"/>
+          </a:xfrm>
+          <a:prstGeom prst="rect">
+            <a:avLst/>
+          </a:prstGeom>
+          <a:noFill/>
+        </p:spPr>
+        <p:txBody>
+          <a:bodyPr wrap="none" rtlCol="0">
+            <a:spAutoFit/>
+          </a:bodyPr>
+          <a:lstStyle/>
+          <a:p>
+            <a:r>
+              <a:rPr lang="en-GB" sz="1600" dirty="0" smtClean="0"/>
+              <a:t>labels_registerd</a:t>
+            </a:r>
+            <a:endParaRPr lang="en-GB" dirty="0"/>
+          </a:p>
+        </p:txBody>
+      </p:sp>
+      <p:pic>
+        <p:nvPicPr>
+          <p:cNvPr id="36" name="Picture 7"/>
+          <p:cNvPicPr>
+            <a:picLocks noChangeAspect="1" noChangeArrowheads="1"/>
+          </p:cNvPicPr>
+          <p:nvPr/>
+        </p:nvPicPr>
+        <p:blipFill>
+          <a:blip r:embed="rId4" cstate="print">
+            <a:extLst>
+              <a:ext uri="{28A0092B-C50C-407E-A947-70E740481C1C}">
+                <a14:useLocalDpi xmlns:a14="http://schemas.microsoft.com/office/drawing/2010/main" val="0"/>
+              </a:ext>
+            </a:extLst>
+          </a:blip>
+          <a:srcRect/>
+          <a:stretch>
+            <a:fillRect/>
+          </a:stretch>
+        </p:blipFill>
+        <p:spPr bwMode="auto">
+          <a:xfrm>
+            <a:off x="3672157" y="2996952"/>
+            <a:ext cx="1159336" cy="1152000"/>
+          </a:xfrm>
+          <a:prstGeom prst="rect">
+            <a:avLst/>
+          </a:prstGeom>
+          <a:noFill/>
+          <a:ln>
+            <a:noFill/>
+          </a:ln>
+          <a:effectLst/>
+          <a:extLst>
+            <a:ext uri="{909E8E84-426E-40DD-AFC4-6F175D3DCCD1}">
+              <a14:hiddenFill xmlns:a14="http://schemas.microsoft.com/office/drawing/2010/main">
+                <a:solidFill>
+                  <a:schemeClr val="accent1"/>
+                </a:solidFill>
+              </a14:hiddenFill>
+            </a:ext>
+            <a:ext uri="{91240B29-F687-4F45-9708-019B960494DF}">
+              <a14:hiddenLine xmlns:a14="http://schemas.microsoft.com/office/drawing/2010/main" w="9525">
+                <a:solidFill>
+                  <a:schemeClr val="tx1"/>
+                </a:solidFill>
+                <a:miter lim="800000"/>
+                <a:headEnd/>
+                <a:tailEnd/>
+              </a14:hiddenLine>
+            </a:ext>
+            <a:ext uri="{AF507438-7753-43E0-B8FC-AC1667EBCBE1}">
+              <a14:hiddenEffects xmlns:a14="http://schemas.microsoft.com/office/drawing/2010/main">
+                <a:effectLst>
+                  <a:outerShdw dist="35921" dir="2700000" algn="ctr" rotWithShape="0">
+                    <a:schemeClr val="bg2"/>
+                  </a:outerShdw>
+                </a:effectLst>
+              </a14:hiddenEffects>
+            </a:ext>
+          </a:extLst>
+        </p:spPr>
+      </p:pic>
+      <p:sp>
+        <p:nvSpPr>
+          <p:cNvPr id="37" name="Textfeld 36"/>
+          <p:cNvSpPr txBox="1"/>
+          <p:nvPr/>
+        </p:nvSpPr>
+        <p:spPr>
+          <a:xfrm>
+            <a:off x="3514443" y="4210744"/>
+            <a:ext cx="1553310" cy="584775"/>
+          </a:xfrm>
+          <a:prstGeom prst="rect">
+            <a:avLst/>
+          </a:prstGeom>
+          <a:noFill/>
+        </p:spPr>
+        <p:txBody>
+          <a:bodyPr wrap="none" rtlCol="0">
+            <a:spAutoFit/>
+          </a:bodyPr>
+          <a:lstStyle/>
+          <a:p>
+            <a:r>
+              <a:rPr lang="en-GB" sz="1600" dirty="0" smtClean="0"/>
+              <a:t>labels_mniatlas/</a:t>
+            </a:r>
+          </a:p>
+          <a:p>
+            <a:r>
+              <a:rPr lang="en-GB" sz="1600" dirty="0"/>
+              <a:t>g</a:t>
+            </a:r>
+            <a:r>
+              <a:rPr lang="en-GB" sz="1600" dirty="0" smtClean="0"/>
+              <a:t>round truth</a:t>
+            </a:r>
+            <a:endParaRPr lang="en-GB" dirty="0"/>
+          </a:p>
+        </p:txBody>
+      </p:sp>
+      <p:sp>
+        <p:nvSpPr>
+          <p:cNvPr id="38" name="Textfeld 37"/>
+          <p:cNvSpPr txBox="1"/>
+          <p:nvPr/>
+        </p:nvSpPr>
+        <p:spPr>
+          <a:xfrm>
+            <a:off x="2184458" y="3013417"/>
+            <a:ext cx="1295547" cy="338554"/>
+          </a:xfrm>
+          <a:prstGeom prst="rect">
+            <a:avLst/>
+          </a:prstGeom>
+          <a:noFill/>
+        </p:spPr>
+        <p:txBody>
+          <a:bodyPr wrap="none" rtlCol="0">
+            <a:spAutoFit/>
+          </a:bodyPr>
+          <a:lstStyle/>
+          <a:p>
+            <a:pPr algn="ctr"/>
+            <a:r>
+              <a:rPr lang="en-GB" sz="1600" dirty="0" smtClean="0">
+                <a:solidFill>
+                  <a:srgbClr val="000000"/>
+                </a:solidFill>
+                <a:latin typeface="Courier New" pitchFamily="49" charset="0"/>
+                <a:cs typeface="Courier New" pitchFamily="49" charset="0"/>
+              </a:rPr>
+              <a:t>Evaluator</a:t>
+            </a:r>
+            <a:endParaRPr lang="en-GB" sz="1100" dirty="0">
+              <a:solidFill>
+                <a:srgbClr val="000000"/>
+              </a:solidFill>
+              <a:latin typeface="Courier New" pitchFamily="49" charset="0"/>
+              <a:cs typeface="Courier New" pitchFamily="49" charset="0"/>
+            </a:endParaRPr>
+          </a:p>
+        </p:txBody>
+      </p:sp>
+      <p:cxnSp>
+        <p:nvCxnSpPr>
+          <p:cNvPr id="3" name="Gerade Verbindung mit Pfeil 2"/>
+          <p:cNvCxnSpPr/>
+          <p:nvPr/>
+        </p:nvCxnSpPr>
+        <p:spPr>
+          <a:xfrm>
+            <a:off x="2195736" y="3610387"/>
+            <a:ext cx="1222505" cy="0"/>
+          </a:xfrm>
+          <a:prstGeom prst="straightConnector1">
+            <a:avLst/>
+          </a:prstGeom>
+          <a:ln w="28575">
+            <a:solidFill>
+              <a:schemeClr val="tx1"/>
+            </a:solidFill>
+            <a:headEnd type="arrow"/>
+            <a:tailEnd type="arrow"/>
+          </a:ln>
+        </p:spPr>
+        <p:style>
+          <a:lnRef idx="1">
+            <a:schemeClr val="accent1"/>
+          </a:lnRef>
+          <a:fillRef idx="0">
+            <a:schemeClr val="accent1"/>
+          </a:fillRef>
+          <a:effectRef idx="0">
+            <a:schemeClr val="accent1"/>
+          </a:effectRef>
+          <a:fontRef idx="minor">
+            <a:schemeClr val="tx1"/>
+          </a:fontRef>
+        </p:style>
+      </p:cxnSp>
+      <p:sp>
+        <p:nvSpPr>
+          <p:cNvPr id="39" name="Pfeil nach rechts 38"/>
+          <p:cNvSpPr/>
+          <p:nvPr/>
+        </p:nvSpPr>
+        <p:spPr>
+          <a:xfrm>
+            <a:off x="5242017" y="3534472"/>
+            <a:ext cx="626127" cy="151830"/>
+          </a:xfrm>
+          <a:prstGeom prst="rightArrow">
+            <a:avLst>
+              <a:gd name="adj1" fmla="val 50000"/>
+              <a:gd name="adj2" fmla="val 89429"/>
+            </a:avLst>
+          </a:prstGeom>
+          <a:solidFill>
+            <a:schemeClr val="tx1"/>
+          </a:solidFill>
+        </p:spPr>
+        <p:style>
+          <a:lnRef idx="2">
+            <a:schemeClr val="dk1">
+              <a:shade val="50000"/>
+            </a:schemeClr>
+          </a:lnRef>
+          <a:fillRef idx="1">
+            <a:schemeClr val="dk1"/>
+          </a:fillRef>
+          <a:effectRef idx="0">
+            <a:schemeClr val="dk1"/>
+          </a:effectRef>
+          <a:fontRef idx="minor">
+            <a:schemeClr val="lt1"/>
+          </a:fontRef>
+        </p:style>
+        <p:txBody>
+          <a:bodyPr rtlCol="0" anchor="ctr"/>
+          <a:lstStyle/>
+          <a:p>
+            <a:pPr algn="ctr"/>
+            <a:endParaRPr lang="en-GB"/>
+          </a:p>
+        </p:txBody>
+      </p:sp>
+    </p:spTree>
+    <p:extLst>
+      <p:ext uri="{BB962C8B-B14F-4D97-AF65-F5344CB8AC3E}">
+        <p14:creationId xmlns:p14="http://schemas.microsoft.com/office/powerpoint/2010/main" val="2475656273"/>
+      </p:ext>
+    </p:extLst>
+  </p:cSld>
+  <p:clrMapOvr>
+    <a:masterClrMapping/>
+  </p:clrMapOvr>
+  <mc:AlternateContent xmlns:mc="http://schemas.openxmlformats.org/markup-compatibility/2006">
+    <mc:Choice xmlns:p14="http://schemas.microsoft.com/office/powerpoint/2010/main" Requires="p14">
+      <p:transition spd="slow" p14:dur="2000"/>
+    </mc:Choice>
+    <mc:Fallback>
+      <p:transition spd="slow"/>
+    </mc:Fallback>
+  </mc:AlternateContent>
+  <p:timing>
+    <p:tnLst>
+      <p:par>
+        <p:cTn id="1" dur="indefinite" restart="never" nodeType="tmRoot"/>
+      </p:par>
+    </p:tnLst>
+  </p:timing>
+</p:sld>
+</file>
+
+<file path=ppt/slides/slide18.xml><?xml version="1.0" encoding="utf-8"?>
+<p:sld xmlns:a="http://schemas.openxmlformats.org/drawingml/2006/main" xmlns:r="http://schemas.openxmlformats.org/officeDocument/2006/relationships" xmlns:p="http://schemas.openxmlformats.org/presentationml/2006/main" show="0">
+  <p:cSld>
+    <p:spTree>
+      <p:nvGrpSpPr>
+        <p:cNvPr id="1" name=""/>
+        <p:cNvGrpSpPr/>
+        <p:nvPr/>
+      </p:nvGrpSpPr>
+      <p:grpSpPr>
+        <a:xfrm>
+          <a:off x="0" y="0"/>
+          <a:ext cx="0" cy="0"/>
+          <a:chOff x="0" y="0"/>
+          <a:chExt cx="0" cy="0"/>
+        </a:xfrm>
+      </p:grpSpPr>
+      <p:pic>
+        <p:nvPicPr>
+          <p:cNvPr id="1026" name="Picture 2"/>
+          <p:cNvPicPr>
+            <a:picLocks noChangeAspect="1" noChangeArrowheads="1"/>
+          </p:cNvPicPr>
+          <p:nvPr/>
+        </p:nvPicPr>
+        <p:blipFill>
+          <a:blip r:embed="rId3">
+            <a:extLst>
+              <a:ext uri="{28A0092B-C50C-407E-A947-70E740481C1C}">
+                <a14:useLocalDpi xmlns:a14="http://schemas.microsoft.com/office/drawing/2010/main" val="0"/>
+              </a:ext>
+            </a:extLst>
+          </a:blip>
+          <a:srcRect/>
+          <a:stretch>
+            <a:fillRect/>
+          </a:stretch>
+        </p:blipFill>
+        <p:spPr bwMode="auto">
+          <a:xfrm>
+            <a:off x="7452320" y="116632"/>
+            <a:ext cx="1504950" cy="1352550"/>
+          </a:xfrm>
+          <a:prstGeom prst="rect">
+            <a:avLst/>
+          </a:prstGeom>
+          <a:noFill/>
+          <a:ln>
+            <a:noFill/>
+          </a:ln>
+          <a:effectLst/>
+          <a:extLst>
+            <a:ext uri="{909E8E84-426E-40DD-AFC4-6F175D3DCCD1}">
+              <a14:hiddenFill xmlns:a14="http://schemas.microsoft.com/office/drawing/2010/main">
+                <a:solidFill>
+                  <a:schemeClr val="accent1"/>
+                </a:solidFill>
+              </a14:hiddenFill>
+            </a:ext>
+            <a:ext uri="{91240B29-F687-4F45-9708-019B960494DF}">
+              <a14:hiddenLine xmlns:a14="http://schemas.microsoft.com/office/drawing/2010/main" w="9525">
+                <a:solidFill>
+                  <a:schemeClr val="tx1"/>
+                </a:solidFill>
+                <a:miter lim="800000"/>
+                <a:headEnd/>
+                <a:tailEnd/>
+              </a14:hiddenLine>
+            </a:ext>
+            <a:ext uri="{AF507438-7753-43E0-B8FC-AC1667EBCBE1}">
+              <a14:hiddenEffects xmlns:a14="http://schemas.microsoft.com/office/drawing/2010/main">
+                <a:effectLst>
+                  <a:outerShdw dist="35921" dir="2700000" algn="ctr" rotWithShape="0">
+                    <a:schemeClr val="bg2"/>
+                  </a:outerShdw>
+                </a:effectLst>
+              </a14:hiddenEffects>
+            </a:ext>
+          </a:extLst>
+        </p:spPr>
+      </p:pic>
+      <p:sp>
+        <p:nvSpPr>
+          <p:cNvPr id="4" name="Titel 3"/>
+          <p:cNvSpPr>
+            <a:spLocks noGrp="1"/>
+          </p:cNvSpPr>
+          <p:nvPr>
+            <p:ph type="ctrTitle"/>
+          </p:nvPr>
+        </p:nvSpPr>
+        <p:spPr>
+          <a:xfrm>
+            <a:off x="395536" y="432537"/>
+            <a:ext cx="5544616" cy="1080120"/>
+          </a:xfrm>
+        </p:spPr>
+        <p:txBody>
+          <a:bodyPr>
+            <a:normAutofit/>
+          </a:bodyPr>
+          <a:lstStyle/>
+          <a:p>
+            <a:pPr algn="l"/>
+            <a:r>
+              <a:rPr lang="en-GB" sz="3600" dirty="0" smtClean="0">
+                <a:solidFill>
+                  <a:schemeClr val="tx2">
+                    <a:lumMod val="40000"/>
+                    <a:lumOff val="60000"/>
+                  </a:schemeClr>
+                </a:solidFill>
+              </a:rPr>
+              <a:t>Methods</a:t>
+            </a:r>
+            <a:endParaRPr lang="en-GB" sz="2400" dirty="0">
+              <a:solidFill>
+                <a:schemeClr val="tx2">
+                  <a:lumMod val="40000"/>
+                  <a:lumOff val="60000"/>
+                </a:schemeClr>
+              </a:solidFill>
+            </a:endParaRPr>
+          </a:p>
+        </p:txBody>
+      </p:sp>
+      <p:cxnSp>
+        <p:nvCxnSpPr>
+          <p:cNvPr id="13" name="Gerade Verbindung 12"/>
+          <p:cNvCxnSpPr/>
+          <p:nvPr/>
+        </p:nvCxnSpPr>
+        <p:spPr>
+          <a:xfrm>
+            <a:off x="395536" y="6381328"/>
+            <a:ext cx="8280920" cy="0"/>
+          </a:xfrm>
+          <a:prstGeom prst="line">
+            <a:avLst/>
+          </a:prstGeom>
+          <a:ln w="38100">
+            <a:solidFill>
+              <a:schemeClr val="tx2">
+                <a:lumMod val="20000"/>
+                <a:lumOff val="80000"/>
+              </a:schemeClr>
+            </a:solidFill>
+          </a:ln>
+        </p:spPr>
+        <p:style>
+          <a:lnRef idx="1">
+            <a:schemeClr val="accent1"/>
+          </a:lnRef>
+          <a:fillRef idx="0">
+            <a:schemeClr val="accent1"/>
+          </a:fillRef>
+          <a:effectRef idx="0">
+            <a:schemeClr val="accent1"/>
+          </a:effectRef>
+          <a:fontRef idx="minor">
+            <a:schemeClr val="tx1"/>
+          </a:fontRef>
+        </p:style>
+      </p:cxnSp>
+      <p:sp>
+        <p:nvSpPr>
+          <p:cNvPr id="12" name="Foliennummernplatzhalter 11"/>
+          <p:cNvSpPr>
+            <a:spLocks noGrp="1"/>
+          </p:cNvSpPr>
+          <p:nvPr>
+            <p:ph type="sldNum" sz="quarter" idx="12"/>
+          </p:nvPr>
+        </p:nvSpPr>
+        <p:spPr/>
+        <p:txBody>
+          <a:bodyPr/>
+          <a:lstStyle/>
+          <a:p>
+            <a:fld id="{841A4BCE-EAB7-4290-86BB-EAC0469B1D48}" type="slidenum">
+              <a:rPr lang="de-CH" smtClean="0"/>
+              <a:t>18</a:t>
             </a:fld>
             <a:endParaRPr lang="de-CH" dirty="0"/>
           </a:p>
@@ -11501,7 +15892,7 @@
         <p:spPr>
           <a:xfrm>
             <a:off x="539552" y="1979548"/>
-            <a:ext cx="4003873" cy="3046988"/>
+            <a:ext cx="4003873" cy="4154984"/>
           </a:xfrm>
           <a:prstGeom prst="rect">
             <a:avLst/>
@@ -11559,8 +15950,12 @@
                 <a:latin typeface="Courier New" pitchFamily="49" charset="0"/>
                 <a:cs typeface="Courier New" pitchFamily="49" charset="0"/>
               </a:rPr>
-              <a:t>Method</a:t>
-            </a:r>
+              <a:t>Methods</a:t>
+            </a:r>
+            <a:endParaRPr lang="en-GB" dirty="0" smtClean="0">
+              <a:latin typeface="Courier New" pitchFamily="49" charset="0"/>
+              <a:cs typeface="Courier New" pitchFamily="49" charset="0"/>
+            </a:endParaRPr>
           </a:p>
           <a:p>
             <a:pPr marL="742950" lvl="1" indent="-285750">
@@ -11611,11 +16006,18 @@
               <a:buChar char="•"/>
             </a:pPr>
             <a:r>
+              <a:rPr lang="en-GB" dirty="0" err="1" smtClean="0">
+                <a:latin typeface="Courier New" pitchFamily="49" charset="0"/>
+                <a:cs typeface="Courier New" pitchFamily="49" charset="0"/>
+              </a:rPr>
+              <a:t>Bspline</a:t>
+            </a:r>
+            <a:r>
               <a:rPr lang="en-GB" dirty="0" smtClean="0">
                 <a:latin typeface="Courier New" pitchFamily="49" charset="0"/>
                 <a:cs typeface="Courier New" pitchFamily="49" charset="0"/>
               </a:rPr>
-              <a:t>Bspline Transformation</a:t>
+              <a:t> Transformation</a:t>
             </a:r>
           </a:p>
           <a:p>
@@ -11628,8 +16030,12 @@
                 <a:latin typeface="Courier New" pitchFamily="49" charset="0"/>
                 <a:cs typeface="Courier New" pitchFamily="49" charset="0"/>
               </a:rPr>
-              <a:t>Method</a:t>
-            </a:r>
+              <a:t>Methods</a:t>
+            </a:r>
+            <a:endParaRPr lang="en-GB" dirty="0" smtClean="0">
+              <a:latin typeface="Courier New" pitchFamily="49" charset="0"/>
+              <a:cs typeface="Courier New" pitchFamily="49" charset="0"/>
+            </a:endParaRPr>
           </a:p>
           <a:p>
             <a:pPr marL="742950" lvl="1" indent="-285750">
@@ -11641,7 +16047,60 @@
                 <a:latin typeface="Courier New" pitchFamily="49" charset="0"/>
                 <a:cs typeface="Courier New" pitchFamily="49" charset="0"/>
               </a:rPr>
-              <a:t>Result 2</a:t>
+              <a:t>Result </a:t>
+            </a:r>
+            <a:r>
+              <a:rPr lang="en-GB" dirty="0" smtClean="0">
+                <a:latin typeface="Courier New" pitchFamily="49" charset="0"/>
+                <a:cs typeface="Courier New" pitchFamily="49" charset="0"/>
+              </a:rPr>
+              <a:t>2</a:t>
+            </a:r>
+          </a:p>
+          <a:p>
+            <a:pPr marL="742950" lvl="1" indent="-285750">
+              <a:buFont typeface="Arial" pitchFamily="34" charset="0"/>
+              <a:buChar char="•"/>
+            </a:pPr>
+            <a:endParaRPr lang="en-GB" dirty="0">
+              <a:latin typeface="Courier New" pitchFamily="49" charset="0"/>
+              <a:cs typeface="Courier New" pitchFamily="49" charset="0"/>
+            </a:endParaRPr>
+          </a:p>
+          <a:p>
+            <a:pPr marL="285750" indent="-285750">
+              <a:buFont typeface="Arial" pitchFamily="34" charset="0"/>
+              <a:buChar char="•"/>
+            </a:pPr>
+            <a:r>
+              <a:rPr lang="en-GB" dirty="0" smtClean="0">
+                <a:latin typeface="Courier New" pitchFamily="49" charset="0"/>
+                <a:cs typeface="Courier New" pitchFamily="49" charset="0"/>
+              </a:rPr>
+              <a:t>Conclusions</a:t>
+            </a:r>
+          </a:p>
+          <a:p>
+            <a:pPr marL="285750" indent="-285750">
+              <a:buFont typeface="Arial" pitchFamily="34" charset="0"/>
+              <a:buChar char="•"/>
+            </a:pPr>
+            <a:endParaRPr lang="en-GB" dirty="0" smtClean="0">
+              <a:latin typeface="Courier New" pitchFamily="49" charset="0"/>
+              <a:cs typeface="Courier New" pitchFamily="49" charset="0"/>
+            </a:endParaRPr>
+          </a:p>
+          <a:p>
+            <a:pPr marL="285750" indent="-285750">
+              <a:buFont typeface="Arial" pitchFamily="34" charset="0"/>
+              <a:buChar char="•"/>
+            </a:pPr>
+            <a:r>
+              <a:rPr lang="en-GB" dirty="0" smtClean="0">
+                <a:latin typeface="Courier New" pitchFamily="49" charset="0"/>
+                <a:cs typeface="Courier New" pitchFamily="49" charset="0"/>
+              </a:rPr>
+              <a:t>Outlook</a:t>
             </a:r>
             <a:endParaRPr lang="en-GB" dirty="0">
               <a:latin typeface="Courier New" pitchFamily="49" charset="0"/>
@@ -11774,7 +16233,7 @@
         <p:spPr>
           <a:xfrm>
             <a:off x="395536" y="432537"/>
-            <a:ext cx="5544616" cy="1080120"/>
+            <a:ext cx="6552728" cy="1080120"/>
           </a:xfrm>
         </p:spPr>
         <p:txBody>
@@ -11795,9 +16254,9 @@
                 <a:latin typeface="Courier New" pitchFamily="49" charset="0"/>
                 <a:cs typeface="Courier New" pitchFamily="49" charset="0"/>
               </a:rPr>
-              <a:t>Introduction</a:t>
-            </a:r>
-            <a:endParaRPr lang="en-GB" sz="2400" dirty="0">
+              <a:t>MIA Pipeline</a:t>
+            </a:r>
+            <a:endParaRPr lang="en-GB" sz="1400" dirty="0">
               <a:solidFill>
                 <a:schemeClr val="tx2">
                   <a:lumMod val="40000"/>
@@ -11930,7 +16389,7 @@
         </p:blipFill>
         <p:spPr bwMode="auto">
           <a:xfrm>
-            <a:off x="585457" y="3209025"/>
+            <a:off x="251520" y="3209025"/>
             <a:ext cx="7901078" cy="2084541"/>
           </a:xfrm>
           <a:prstGeom prst="rect">
@@ -11994,7 +16453,7 @@
         </p:blipFill>
         <p:spPr bwMode="auto">
           <a:xfrm>
-            <a:off x="754737" y="4780359"/>
+            <a:off x="420800" y="4780359"/>
             <a:ext cx="1170579" cy="1152000"/>
           </a:xfrm>
           <a:prstGeom prst="rect">
@@ -12043,8 +16502,8 @@
         </p:nvSpPr>
         <p:spPr>
           <a:xfrm>
-            <a:off x="2179432" y="5259287"/>
-            <a:ext cx="1048685" cy="338554"/>
+            <a:off x="1845495" y="5259287"/>
+            <a:ext cx="925253" cy="338554"/>
           </a:xfrm>
           <a:prstGeom prst="rect">
             <a:avLst/>
@@ -12062,7 +16521,7 @@
                 <a:latin typeface="Courier New" pitchFamily="49" charset="0"/>
                 <a:cs typeface="Courier New" pitchFamily="49" charset="0"/>
               </a:rPr>
-              <a:t>AtlasT1</a:t>
+              <a:t>T1_mni</a:t>
             </a:r>
             <a:endParaRPr lang="en-GB" dirty="0">
               <a:latin typeface="Courier New" pitchFamily="49" charset="0"/>
@@ -12082,6 +16541,15 @@
         <p:blipFill rotWithShape="1">
           <a:blip r:embed="rId6" cstate="print">
             <a:extLst>
+              <a:ext uri="{BEBA8EAE-BF5A-486C-A8C5-ECC9F3942E4B}">
+                <a14:imgProps xmlns:a14="http://schemas.microsoft.com/office/drawing/2010/main">
+                  <a14:imgLayer r:embed="rId7">
+                    <a14:imgEffect>
+                      <a14:brightnessContrast bright="40000" contrast="-40000"/>
+                    </a14:imgEffect>
+                  </a14:imgLayer>
+                </a14:imgProps>
+              </a:ext>
               <a:ext uri="{28A0092B-C50C-407E-A947-70E740481C1C}">
                 <a14:useLocalDpi xmlns:a14="http://schemas.microsoft.com/office/drawing/2010/main" val="0"/>
               </a:ext>
@@ -12092,7 +16560,7 @@
         </p:blipFill>
         <p:spPr bwMode="auto">
           <a:xfrm>
-            <a:off x="746051" y="1840200"/>
+            <a:off x="412114" y="1840200"/>
             <a:ext cx="1154360" cy="1152000"/>
           </a:xfrm>
           <a:prstGeom prst="rect">
@@ -12141,8 +16609,8 @@
         </p:nvSpPr>
         <p:spPr>
           <a:xfrm>
-            <a:off x="2178316" y="2246923"/>
-            <a:ext cx="554960" cy="338554"/>
+            <a:off x="1844379" y="2246923"/>
+            <a:ext cx="1295547" cy="338554"/>
           </a:xfrm>
           <a:prstGeom prst="rect">
             <a:avLst/>
@@ -12160,7 +16628,7 @@
                 <a:latin typeface="Courier New" pitchFamily="49" charset="0"/>
                 <a:cs typeface="Courier New" pitchFamily="49" charset="0"/>
               </a:rPr>
-              <a:t>T1w</a:t>
+              <a:t>T1_native</a:t>
             </a:r>
             <a:endParaRPr lang="en-GB" dirty="0">
               <a:latin typeface="Courier New" pitchFamily="49" charset="0"/>
@@ -12177,7 +16645,7 @@
         </p:nvSpPr>
         <p:spPr>
           <a:xfrm>
-            <a:off x="1187624" y="3209025"/>
+            <a:off x="853687" y="3209025"/>
             <a:ext cx="360040" cy="363991"/>
           </a:xfrm>
           <a:prstGeom prst="rect">
@@ -12213,7 +16681,7 @@
           <a:lstStyle/>
           <a:p>
             <a:pPr algn="ctr"/>
-            <a:endParaRPr lang="en-GB"/>
+            <a:endParaRPr lang="en-GB" sz="2000"/>
           </a:p>
         </p:txBody>
       </p:sp>
@@ -12225,13 +16693,13 @@
         </p:nvCxnSpPr>
         <p:spPr>
           <a:xfrm>
-            <a:off x="1323231" y="3101210"/>
+            <a:off x="989294" y="3101210"/>
             <a:ext cx="0" cy="387077"/>
           </a:xfrm>
           <a:prstGeom prst="straightConnector1">
             <a:avLst/>
           </a:prstGeom>
-          <a:ln w="28575">
+          <a:ln w="12700">
             <a:solidFill>
               <a:schemeClr val="tx1"/>
             </a:solidFill>
@@ -12261,7 +16729,7 @@
         </p:nvSpPr>
         <p:spPr>
           <a:xfrm>
-            <a:off x="1187624" y="4299040"/>
+            <a:off x="853687" y="4299040"/>
             <a:ext cx="360040" cy="363991"/>
           </a:xfrm>
           <a:prstGeom prst="rect">
@@ -12309,13 +16777,13 @@
         </p:nvCxnSpPr>
         <p:spPr>
           <a:xfrm flipV="1">
-            <a:off x="1323231" y="4225645"/>
+            <a:off x="989294" y="4225645"/>
             <a:ext cx="1" cy="355483"/>
           </a:xfrm>
           <a:prstGeom prst="straightConnector1">
             <a:avLst/>
           </a:prstGeom>
-          <a:ln w="28575">
+          <a:ln w="12700">
             <a:solidFill>
               <a:schemeClr val="tx1"/>
             </a:solidFill>
@@ -12374,6 +16842,90 @@
           <a:chExt cx="0" cy="0"/>
         </a:xfrm>
       </p:grpSpPr>
+      <p:cxnSp>
+        <p:nvCxnSpPr>
+          <p:cNvPr id="106" name="Gerade Verbindung mit Pfeil 105"/>
+          <p:cNvCxnSpPr/>
+          <p:nvPr/>
+        </p:nvCxnSpPr>
+        <p:spPr>
+          <a:xfrm>
+            <a:off x="6003388" y="3191847"/>
+            <a:ext cx="0" cy="363991"/>
+          </a:xfrm>
+          <a:prstGeom prst="straightConnector1">
+            <a:avLst/>
+          </a:prstGeom>
+          <a:ln>
+            <a:solidFill>
+              <a:schemeClr val="tx1"/>
+            </a:solidFill>
+            <a:tailEnd type="arrow"/>
+          </a:ln>
+        </p:spPr>
+        <p:style>
+          <a:lnRef idx="1">
+            <a:schemeClr val="accent1"/>
+          </a:lnRef>
+          <a:fillRef idx="0">
+            <a:schemeClr val="accent1"/>
+          </a:fillRef>
+          <a:effectRef idx="0">
+            <a:schemeClr val="accent1"/>
+          </a:effectRef>
+          <a:fontRef idx="minor">
+            <a:schemeClr val="tx1"/>
+          </a:fontRef>
+        </p:style>
+      </p:cxnSp>
+      <p:sp>
+        <p:nvSpPr>
+          <p:cNvPr id="92" name="Rechteck 91"/>
+          <p:cNvSpPr/>
+          <p:nvPr/>
+        </p:nvSpPr>
+        <p:spPr>
+          <a:xfrm>
+            <a:off x="3348463" y="4445703"/>
+            <a:ext cx="360040" cy="363991"/>
+          </a:xfrm>
+          <a:prstGeom prst="rect">
+            <a:avLst/>
+          </a:prstGeom>
+          <a:solidFill>
+            <a:schemeClr val="bg1"/>
+          </a:solidFill>
+          <a:ln>
+            <a:solidFill>
+              <a:schemeClr val="bg1"/>
+            </a:solidFill>
+          </a:ln>
+        </p:spPr>
+        <p:style>
+          <a:lnRef idx="2">
+            <a:schemeClr val="accent1">
+              <a:shade val="50000"/>
+            </a:schemeClr>
+          </a:lnRef>
+          <a:fillRef idx="1">
+            <a:schemeClr val="accent1"/>
+          </a:fillRef>
+          <a:effectRef idx="0">
+            <a:schemeClr val="accent1"/>
+          </a:effectRef>
+          <a:fontRef idx="minor">
+            <a:schemeClr val="lt1"/>
+          </a:fontRef>
+        </p:style>
+        <p:txBody>
+          <a:bodyPr rtlCol="0" anchor="ctr"/>
+          <a:lstStyle/>
+          <a:p>
+            <a:pPr algn="ctr"/>
+            <a:endParaRPr lang="en-GB"/>
+          </a:p>
+        </p:txBody>
+      </p:sp>
       <p:pic>
         <p:nvPicPr>
           <p:cNvPr id="1026" name="Picture 2"/>
@@ -12472,9 +17024,9 @@
                 <a:latin typeface="Courier New" pitchFamily="49" charset="0"/>
                 <a:cs typeface="Courier New" pitchFamily="49" charset="0"/>
               </a:rPr>
-              <a:t>Introduction - sequence</a:t>
-            </a:r>
-            <a:endParaRPr lang="en-GB" sz="2400" dirty="0">
+              <a:t>Registration Pipeline</a:t>
+            </a:r>
+            <a:endParaRPr lang="en-GB" sz="1400" dirty="0">
               <a:solidFill>
                 <a:schemeClr val="tx2">
                   <a:lumMod val="40000"/>
@@ -12544,7 +17096,7 @@
               <a:rPr lang="de-CH" smtClean="0"/>
               <a:t>4</a:t>
             </a:fld>
-            <a:endParaRPr lang="de-CH" dirty="0"/>
+            <a:endParaRPr lang="de-CH"/>
           </a:p>
         </p:txBody>
       </p:sp>
@@ -12588,13 +17140,13 @@
       </p:cxnSp>
       <p:pic>
         <p:nvPicPr>
-          <p:cNvPr id="19" name="Picture 4"/>
+          <p:cNvPr id="5123" name="Picture 3"/>
           <p:cNvPicPr>
             <a:picLocks noChangeAspect="1" noChangeArrowheads="1"/>
           </p:cNvPicPr>
           <p:nvPr/>
         </p:nvPicPr>
-        <p:blipFill rotWithShape="1">
+        <p:blipFill>
           <a:blip r:embed="rId4" cstate="print">
             <a:extLst>
               <a:ext uri="{28A0092B-C50C-407E-A947-70E740481C1C}">
@@ -12602,13 +17154,15 @@
               </a:ext>
             </a:extLst>
           </a:blip>
-          <a:srcRect r="2553"/>
-          <a:stretch/>
+          <a:srcRect/>
+          <a:stretch>
+            <a:fillRect/>
+          </a:stretch>
         </p:blipFill>
         <p:spPr bwMode="auto">
           <a:xfrm>
-            <a:off x="1069088" y="2204044"/>
-            <a:ext cx="1154360" cy="1152000"/>
+            <a:off x="396748" y="4775212"/>
+            <a:ext cx="1097417" cy="1080000"/>
           </a:xfrm>
           <a:prstGeom prst="rect">
             <a:avLst/>
@@ -12648,31 +17202,74 @@
           </a:extLst>
         </p:spPr>
       </p:pic>
+      <p:sp>
+        <p:nvSpPr>
+          <p:cNvPr id="11" name="Textfeld 10"/>
+          <p:cNvSpPr txBox="1"/>
+          <p:nvPr/>
+        </p:nvSpPr>
+        <p:spPr>
+          <a:xfrm>
+            <a:off x="300976" y="5927333"/>
+            <a:ext cx="925253" cy="338554"/>
+          </a:xfrm>
+          <a:prstGeom prst="rect">
+            <a:avLst/>
+          </a:prstGeom>
+          <a:noFill/>
+        </p:spPr>
+        <p:txBody>
+          <a:bodyPr wrap="none" rtlCol="0">
+            <a:spAutoFit/>
+          </a:bodyPr>
+          <a:lstStyle/>
+          <a:p>
+            <a:r>
+              <a:rPr lang="en-GB" sz="1600" dirty="0" smtClean="0">
+                <a:latin typeface="Courier New" pitchFamily="49" charset="0"/>
+                <a:cs typeface="Courier New" pitchFamily="49" charset="0"/>
+              </a:rPr>
+              <a:t>T1_mni</a:t>
+            </a:r>
+            <a:endParaRPr lang="en-GB" dirty="0">
+              <a:latin typeface="Courier New" pitchFamily="49" charset="0"/>
+              <a:cs typeface="Courier New" pitchFamily="49" charset="0"/>
+            </a:endParaRPr>
+          </a:p>
+        </p:txBody>
+      </p:sp>
       <p:pic>
         <p:nvPicPr>
-          <p:cNvPr id="21" name="Picture 5"/>
+          <p:cNvPr id="15" name="Picture 4"/>
           <p:cNvPicPr>
             <a:picLocks noChangeAspect="1" noChangeArrowheads="1"/>
           </p:cNvPicPr>
           <p:nvPr/>
         </p:nvPicPr>
-        <p:blipFill>
+        <p:blipFill rotWithShape="1">
           <a:blip r:embed="rId5" cstate="print">
             <a:extLst>
+              <a:ext uri="{BEBA8EAE-BF5A-486C-A8C5-ECC9F3942E4B}">
+                <a14:imgProps xmlns:a14="http://schemas.microsoft.com/office/drawing/2010/main">
+                  <a14:imgLayer r:embed="rId6">
+                    <a14:imgEffect>
+                      <a14:brightnessContrast bright="40000" contrast="-40000"/>
+                    </a14:imgEffect>
+                  </a14:imgLayer>
+                </a14:imgProps>
+              </a:ext>
               <a:ext uri="{28A0092B-C50C-407E-A947-70E740481C1C}">
                 <a14:useLocalDpi xmlns:a14="http://schemas.microsoft.com/office/drawing/2010/main" val="0"/>
               </a:ext>
             </a:extLst>
           </a:blip>
-          <a:srcRect/>
-          <a:stretch>
-            <a:fillRect/>
-          </a:stretch>
+          <a:srcRect r="2553"/>
+          <a:stretch/>
         </p:blipFill>
         <p:spPr bwMode="auto">
           <a:xfrm>
-            <a:off x="4067389" y="2225827"/>
-            <a:ext cx="1170345" cy="1152000"/>
+            <a:off x="414012" y="1719053"/>
+            <a:ext cx="1082212" cy="1080000"/>
           </a:xfrm>
           <a:prstGeom prst="rect">
             <a:avLst/>
@@ -12714,14 +17311,14 @@
       </p:pic>
       <p:sp>
         <p:nvSpPr>
-          <p:cNvPr id="22" name="Textfeld 21"/>
+          <p:cNvPr id="16" name="Textfeld 15"/>
           <p:cNvSpPr txBox="1"/>
           <p:nvPr/>
         </p:nvSpPr>
         <p:spPr>
           <a:xfrm>
-            <a:off x="2314986" y="2078029"/>
-            <a:ext cx="1665841" cy="584775"/>
+            <a:off x="302442" y="2854147"/>
+            <a:ext cx="1295547" cy="338554"/>
           </a:xfrm>
           <a:prstGeom prst="rect">
             <a:avLst/>
@@ -12734,50 +17331,296 @@
           </a:bodyPr>
           <a:lstStyle/>
           <a:p>
-            <a:pPr algn="ctr"/>
             <a:r>
               <a:rPr lang="en-GB" sz="1600" dirty="0" smtClean="0">
-                <a:solidFill>
-                  <a:srgbClr val="000000"/>
-                </a:solidFill>
-                <a:latin typeface="Courier New" pitchFamily="49" charset="0"/>
-                <a:cs typeface="Courier New" pitchFamily="49" charset="0"/>
-              </a:rPr>
-              <a:t>Affine</a:t>
-            </a:r>
-          </a:p>
-          <a:p>
-            <a:pPr algn="ctr"/>
-            <a:r>
-              <a:rPr lang="en-GB" sz="1600" dirty="0" smtClean="0">
-                <a:solidFill>
-                  <a:srgbClr val="000000"/>
-                </a:solidFill>
-                <a:latin typeface="Courier New" pitchFamily="49" charset="0"/>
-                <a:cs typeface="Courier New" pitchFamily="49" charset="0"/>
-              </a:rPr>
-              <a:t>Registration</a:t>
-            </a:r>
-            <a:endParaRPr lang="en-GB" sz="1100" dirty="0">
-              <a:solidFill>
-                <a:srgbClr val="000000"/>
-              </a:solidFill>
+                <a:latin typeface="Courier New" pitchFamily="49" charset="0"/>
+                <a:cs typeface="Courier New" pitchFamily="49" charset="0"/>
+              </a:rPr>
+              <a:t>T1_native</a:t>
+            </a:r>
+            <a:endParaRPr lang="en-GB" dirty="0">
               <a:latin typeface="Courier New" pitchFamily="49" charset="0"/>
               <a:cs typeface="Courier New" pitchFamily="49" charset="0"/>
             </a:endParaRPr>
           </a:p>
         </p:txBody>
       </p:sp>
+      <p:sp>
+        <p:nvSpPr>
+          <p:cNvPr id="2" name="Rechteck 1"/>
+          <p:cNvSpPr/>
+          <p:nvPr/>
+        </p:nvSpPr>
+        <p:spPr>
+          <a:xfrm>
+            <a:off x="775201" y="3300950"/>
+            <a:ext cx="360040" cy="363991"/>
+          </a:xfrm>
+          <a:prstGeom prst="rect">
+            <a:avLst/>
+          </a:prstGeom>
+          <a:solidFill>
+            <a:schemeClr val="bg1"/>
+          </a:solidFill>
+          <a:ln>
+            <a:solidFill>
+              <a:schemeClr val="bg1"/>
+            </a:solidFill>
+          </a:ln>
+        </p:spPr>
+        <p:style>
+          <a:lnRef idx="2">
+            <a:schemeClr val="accent1">
+              <a:shade val="50000"/>
+            </a:schemeClr>
+          </a:lnRef>
+          <a:fillRef idx="1">
+            <a:schemeClr val="accent1"/>
+          </a:fillRef>
+          <a:effectRef idx="0">
+            <a:schemeClr val="accent1"/>
+          </a:effectRef>
+          <a:fontRef idx="minor">
+            <a:schemeClr val="lt1"/>
+          </a:fontRef>
+        </p:style>
+        <p:txBody>
+          <a:bodyPr rtlCol="0" anchor="ctr"/>
+          <a:lstStyle/>
+          <a:p>
+            <a:pPr algn="ctr"/>
+            <a:endParaRPr lang="en-GB"/>
+          </a:p>
+        </p:txBody>
+      </p:sp>
+      <p:sp>
+        <p:nvSpPr>
+          <p:cNvPr id="18" name="Abgerundetes Rechteck 17"/>
+          <p:cNvSpPr/>
+          <p:nvPr/>
+        </p:nvSpPr>
+        <p:spPr>
+          <a:xfrm>
+            <a:off x="270029" y="3736949"/>
+            <a:ext cx="1423579" cy="360040"/>
+          </a:xfrm>
+          <a:prstGeom prst="roundRect">
+            <a:avLst/>
+          </a:prstGeom>
+          <a:noFill/>
+          <a:ln w="19050">
+            <a:solidFill>
+              <a:schemeClr val="tx1"/>
+            </a:solidFill>
+          </a:ln>
+        </p:spPr>
+        <p:style>
+          <a:lnRef idx="2">
+            <a:schemeClr val="accent1">
+              <a:shade val="50000"/>
+            </a:schemeClr>
+          </a:lnRef>
+          <a:fillRef idx="1">
+            <a:schemeClr val="accent1"/>
+          </a:fillRef>
+          <a:effectRef idx="0">
+            <a:schemeClr val="accent1"/>
+          </a:effectRef>
+          <a:fontRef idx="minor">
+            <a:schemeClr val="lt1"/>
+          </a:fontRef>
+        </p:style>
+        <p:txBody>
+          <a:bodyPr rtlCol="0" anchor="ctr"/>
+          <a:lstStyle/>
+          <a:p>
+            <a:pPr algn="ctr"/>
+            <a:endParaRPr lang="en-GB"/>
+          </a:p>
+        </p:txBody>
+      </p:sp>
+      <p:sp>
+        <p:nvSpPr>
+          <p:cNvPr id="5" name="Textfeld 4"/>
+          <p:cNvSpPr txBox="1"/>
+          <p:nvPr/>
+        </p:nvSpPr>
+        <p:spPr>
+          <a:xfrm>
+            <a:off x="452686" y="3767079"/>
+            <a:ext cx="1063112" cy="307777"/>
+          </a:xfrm>
+          <a:prstGeom prst="rect">
+            <a:avLst/>
+          </a:prstGeom>
+          <a:noFill/>
+        </p:spPr>
+        <p:txBody>
+          <a:bodyPr wrap="none" rtlCol="0">
+            <a:spAutoFit/>
+          </a:bodyPr>
+          <a:lstStyle/>
+          <a:p>
+            <a:r>
+              <a:rPr lang="en-GB" sz="1400" dirty="0">
+                <a:latin typeface="Times New Roman" pitchFamily="18" charset="0"/>
+                <a:cs typeface="Times New Roman" pitchFamily="18" charset="0"/>
+              </a:rPr>
+              <a:t>R</a:t>
+            </a:r>
+            <a:r>
+              <a:rPr lang="en-GB" sz="1400" dirty="0" smtClean="0">
+                <a:latin typeface="Times New Roman" pitchFamily="18" charset="0"/>
+                <a:cs typeface="Times New Roman" pitchFamily="18" charset="0"/>
+              </a:rPr>
+              <a:t>egistration</a:t>
+            </a:r>
+            <a:endParaRPr lang="en-GB" sz="1100" dirty="0">
+              <a:latin typeface="Times New Roman" pitchFamily="18" charset="0"/>
+              <a:cs typeface="Times New Roman" pitchFamily="18" charset="0"/>
+            </a:endParaRPr>
+          </a:p>
+        </p:txBody>
+      </p:sp>
+      <p:sp>
+        <p:nvSpPr>
+          <p:cNvPr id="38" name="Textfeld 37"/>
+          <p:cNvSpPr txBox="1"/>
+          <p:nvPr/>
+        </p:nvSpPr>
+        <p:spPr>
+          <a:xfrm>
+            <a:off x="2881908" y="3725862"/>
+            <a:ext cx="1294072" cy="307777"/>
+          </a:xfrm>
+          <a:prstGeom prst="rect">
+            <a:avLst/>
+          </a:prstGeom>
+          <a:noFill/>
+        </p:spPr>
+        <p:txBody>
+          <a:bodyPr wrap="none" rtlCol="0">
+            <a:spAutoFit/>
+          </a:bodyPr>
+          <a:lstStyle/>
+          <a:p>
+            <a:r>
+              <a:rPr lang="en-GB" sz="1400" dirty="0">
+                <a:latin typeface="Times New Roman" pitchFamily="18" charset="0"/>
+                <a:cs typeface="Times New Roman" pitchFamily="18" charset="0"/>
+              </a:rPr>
+              <a:t>T</a:t>
+            </a:r>
+            <a:r>
+              <a:rPr lang="en-GB" sz="1400" dirty="0" smtClean="0">
+                <a:latin typeface="Times New Roman" pitchFamily="18" charset="0"/>
+                <a:cs typeface="Times New Roman" pitchFamily="18" charset="0"/>
+              </a:rPr>
+              <a:t>ransformation</a:t>
+            </a:r>
+            <a:endParaRPr lang="en-GB" sz="1100" dirty="0">
+              <a:latin typeface="Times New Roman" pitchFamily="18" charset="0"/>
+              <a:cs typeface="Times New Roman" pitchFamily="18" charset="0"/>
+            </a:endParaRPr>
+          </a:p>
+        </p:txBody>
+      </p:sp>
+      <p:sp>
+        <p:nvSpPr>
+          <p:cNvPr id="40" name="Textfeld 39"/>
+          <p:cNvSpPr txBox="1"/>
+          <p:nvPr/>
+        </p:nvSpPr>
+        <p:spPr>
+          <a:xfrm>
+            <a:off x="5534671" y="3744912"/>
+            <a:ext cx="962123" cy="307777"/>
+          </a:xfrm>
+          <a:prstGeom prst="rect">
+            <a:avLst/>
+          </a:prstGeom>
+          <a:noFill/>
+        </p:spPr>
+        <p:txBody>
+          <a:bodyPr wrap="none" rtlCol="0">
+            <a:spAutoFit/>
+          </a:bodyPr>
+          <a:lstStyle/>
+          <a:p>
+            <a:r>
+              <a:rPr lang="en-GB" sz="1400" dirty="0">
+                <a:latin typeface="Times New Roman" pitchFamily="18" charset="0"/>
+                <a:cs typeface="Times New Roman" pitchFamily="18" charset="0"/>
+              </a:rPr>
+              <a:t>E</a:t>
+            </a:r>
+            <a:r>
+              <a:rPr lang="en-GB" sz="1400" dirty="0" smtClean="0">
+                <a:latin typeface="Times New Roman" pitchFamily="18" charset="0"/>
+                <a:cs typeface="Times New Roman" pitchFamily="18" charset="0"/>
+              </a:rPr>
+              <a:t>valuation</a:t>
+            </a:r>
+            <a:endParaRPr lang="en-GB" sz="1100" dirty="0">
+              <a:latin typeface="Times New Roman" pitchFamily="18" charset="0"/>
+              <a:cs typeface="Times New Roman" pitchFamily="18" charset="0"/>
+            </a:endParaRPr>
+          </a:p>
+        </p:txBody>
+      </p:sp>
+      <p:sp>
+        <p:nvSpPr>
+          <p:cNvPr id="42" name="Textfeld 41"/>
+          <p:cNvSpPr txBox="1"/>
+          <p:nvPr/>
+        </p:nvSpPr>
+        <p:spPr>
+          <a:xfrm>
+            <a:off x="1835696" y="3385567"/>
+            <a:ext cx="705642" cy="307777"/>
+          </a:xfrm>
+          <a:prstGeom prst="rect">
+            <a:avLst/>
+          </a:prstGeom>
+          <a:noFill/>
+        </p:spPr>
+        <p:txBody>
+          <a:bodyPr wrap="none" rtlCol="0">
+            <a:spAutoFit/>
+          </a:bodyPr>
+          <a:lstStyle/>
+          <a:p>
+            <a:r>
+              <a:rPr lang="en-GB" sz="1400" b="1" dirty="0" smtClean="0">
+                <a:latin typeface="Courier New" pitchFamily="49" charset="0"/>
+                <a:cs typeface="Courier New" pitchFamily="49" charset="0"/>
+              </a:rPr>
+              <a:t>T</a:t>
+            </a:r>
+            <a:r>
+              <a:rPr lang="en-GB" sz="900" b="1" dirty="0" smtClean="0">
+                <a:latin typeface="Courier New" pitchFamily="49" charset="0"/>
+                <a:cs typeface="Courier New" pitchFamily="49" charset="0"/>
+              </a:rPr>
+              <a:t>Affine</a:t>
+            </a:r>
+            <a:endParaRPr lang="en-GB" sz="800" b="1" dirty="0">
+              <a:latin typeface="Courier New" pitchFamily="49" charset="0"/>
+              <a:cs typeface="Courier New" pitchFamily="49" charset="0"/>
+            </a:endParaRPr>
+          </a:p>
+        </p:txBody>
+      </p:sp>
       <p:pic>
         <p:nvPicPr>
-          <p:cNvPr id="23" name="Picture 6"/>
+          <p:cNvPr id="43" name="Picture 6"/>
           <p:cNvPicPr>
             <a:picLocks noChangeAspect="1" noChangeArrowheads="1"/>
           </p:cNvPicPr>
           <p:nvPr/>
         </p:nvPicPr>
         <p:blipFill rotWithShape="1">
-          <a:blip r:embed="rId6" cstate="print">
+          <a:blip r:embed="rId7" cstate="print">
             <a:extLst>
               <a:ext uri="{28A0092B-C50C-407E-A947-70E740481C1C}">
                 <a14:useLocalDpi xmlns:a14="http://schemas.microsoft.com/office/drawing/2010/main" val="0"/>
@@ -12789,8 +17632,8 @@
         </p:blipFill>
         <p:spPr bwMode="auto">
           <a:xfrm>
-            <a:off x="1018137" y="4485508"/>
-            <a:ext cx="1179068" cy="1152000"/>
+            <a:off x="2966048" y="1720725"/>
+            <a:ext cx="1105376" cy="1080000"/>
           </a:xfrm>
           <a:prstGeom prst="rect">
             <a:avLst/>
@@ -12830,16 +17673,52 @@
           </a:extLst>
         </p:spPr>
       </p:pic>
+      <p:sp>
+        <p:nvSpPr>
+          <p:cNvPr id="44" name="Textfeld 43"/>
+          <p:cNvSpPr txBox="1"/>
+          <p:nvPr/>
+        </p:nvSpPr>
+        <p:spPr>
+          <a:xfrm>
+            <a:off x="2875043" y="2861133"/>
+            <a:ext cx="1580882" cy="307777"/>
+          </a:xfrm>
+          <a:prstGeom prst="rect">
+            <a:avLst/>
+          </a:prstGeom>
+          <a:noFill/>
+        </p:spPr>
+        <p:txBody>
+          <a:bodyPr wrap="none" rtlCol="0">
+            <a:spAutoFit/>
+          </a:bodyPr>
+          <a:lstStyle/>
+          <a:p>
+            <a:r>
+              <a:rPr lang="en-GB" sz="1400" dirty="0" smtClean="0">
+                <a:latin typeface="Courier New" pitchFamily="49" charset="0"/>
+                <a:cs typeface="Courier New" pitchFamily="49" charset="0"/>
+              </a:rPr>
+              <a:t>labels_native</a:t>
+            </a:r>
+            <a:endParaRPr lang="en-GB" sz="1600" dirty="0">
+              <a:latin typeface="Courier New" pitchFamily="49" charset="0"/>
+              <a:cs typeface="Courier New" pitchFamily="49" charset="0"/>
+            </a:endParaRPr>
+          </a:p>
+        </p:txBody>
+      </p:sp>
       <p:pic>
         <p:nvPicPr>
-          <p:cNvPr id="24" name="Picture 7"/>
+          <p:cNvPr id="45" name="Picture 7"/>
           <p:cNvPicPr>
             <a:picLocks noChangeAspect="1" noChangeArrowheads="1"/>
           </p:cNvPicPr>
           <p:nvPr/>
         </p:nvPicPr>
         <p:blipFill>
-          <a:blip r:embed="rId7" cstate="print">
+          <a:blip r:embed="rId8" cstate="print">
             <a:extLst>
               <a:ext uri="{28A0092B-C50C-407E-A947-70E740481C1C}">
                 <a14:useLocalDpi xmlns:a14="http://schemas.microsoft.com/office/drawing/2010/main" val="0"/>
@@ -12853,8 +17732,8 @@
         </p:blipFill>
         <p:spPr bwMode="auto">
           <a:xfrm>
-            <a:off x="4054448" y="4485508"/>
-            <a:ext cx="1159336" cy="1152000"/>
+            <a:off x="2969030" y="4787045"/>
+            <a:ext cx="1086878" cy="1080000"/>
           </a:xfrm>
           <a:prstGeom prst="rect">
             <a:avLst/>
@@ -12894,21 +17773,479 @@
           </a:extLst>
         </p:spPr>
       </p:pic>
+      <p:sp>
+        <p:nvSpPr>
+          <p:cNvPr id="46" name="Textfeld 45"/>
+          <p:cNvSpPr txBox="1"/>
+          <p:nvPr/>
+        </p:nvSpPr>
+        <p:spPr>
+          <a:xfrm>
+            <a:off x="2875414" y="5929005"/>
+            <a:ext cx="1903085" cy="307777"/>
+          </a:xfrm>
+          <a:prstGeom prst="rect">
+            <a:avLst/>
+          </a:prstGeom>
+          <a:noFill/>
+        </p:spPr>
+        <p:txBody>
+          <a:bodyPr wrap="none" rtlCol="0">
+            <a:spAutoFit/>
+          </a:bodyPr>
+          <a:lstStyle/>
+          <a:p>
+            <a:r>
+              <a:rPr lang="en-GB" sz="1400" dirty="0" smtClean="0">
+                <a:latin typeface="Courier New" pitchFamily="49" charset="0"/>
+                <a:cs typeface="Courier New" pitchFamily="49" charset="0"/>
+              </a:rPr>
+              <a:t>Labels_registerd</a:t>
+            </a:r>
+            <a:endParaRPr lang="en-GB" sz="1600" dirty="0">
+              <a:latin typeface="Courier New" pitchFamily="49" charset="0"/>
+              <a:cs typeface="Courier New" pitchFamily="49" charset="0"/>
+            </a:endParaRPr>
+          </a:p>
+        </p:txBody>
+      </p:sp>
+      <p:sp>
+        <p:nvSpPr>
+          <p:cNvPr id="47" name="Textfeld 46"/>
+          <p:cNvSpPr txBox="1"/>
+          <p:nvPr/>
+        </p:nvSpPr>
+        <p:spPr>
+          <a:xfrm>
+            <a:off x="5328904" y="2872853"/>
+            <a:ext cx="1903085" cy="307777"/>
+          </a:xfrm>
+          <a:prstGeom prst="rect">
+            <a:avLst/>
+          </a:prstGeom>
+          <a:noFill/>
+        </p:spPr>
+        <p:txBody>
+          <a:bodyPr wrap="none" rtlCol="0">
+            <a:spAutoFit/>
+          </a:bodyPr>
+          <a:lstStyle/>
+          <a:p>
+            <a:r>
+              <a:rPr lang="en-GB" sz="1400" dirty="0" smtClean="0">
+                <a:latin typeface="Courier New" pitchFamily="49" charset="0"/>
+                <a:cs typeface="Courier New" pitchFamily="49" charset="0"/>
+              </a:rPr>
+              <a:t>labels_registerd</a:t>
+            </a:r>
+            <a:endParaRPr lang="en-GB" sz="1600" dirty="0">
+              <a:latin typeface="Courier New" pitchFamily="49" charset="0"/>
+              <a:cs typeface="Courier New" pitchFamily="49" charset="0"/>
+            </a:endParaRPr>
+          </a:p>
+        </p:txBody>
+      </p:sp>
+      <p:pic>
+        <p:nvPicPr>
+          <p:cNvPr id="48" name="Picture 7"/>
+          <p:cNvPicPr>
+            <a:picLocks noChangeAspect="1" noChangeArrowheads="1"/>
+          </p:cNvPicPr>
+          <p:nvPr/>
+        </p:nvPicPr>
+        <p:blipFill>
+          <a:blip r:embed="rId8" cstate="print">
+            <a:extLst>
+              <a:ext uri="{28A0092B-C50C-407E-A947-70E740481C1C}">
+                <a14:useLocalDpi xmlns:a14="http://schemas.microsoft.com/office/drawing/2010/main" val="0"/>
+              </a:ext>
+            </a:extLst>
+          </a:blip>
+          <a:srcRect/>
+          <a:stretch>
+            <a:fillRect/>
+          </a:stretch>
+        </p:blipFill>
+        <p:spPr bwMode="auto">
+          <a:xfrm>
+            <a:off x="5442711" y="1720725"/>
+            <a:ext cx="1086878" cy="1080000"/>
+          </a:xfrm>
+          <a:prstGeom prst="rect">
+            <a:avLst/>
+          </a:prstGeom>
+          <a:noFill/>
+          <a:ln>
+            <a:noFill/>
+          </a:ln>
+          <a:effectLst/>
+          <a:extLst>
+            <a:ext uri="{909E8E84-426E-40DD-AFC4-6F175D3DCCD1}">
+              <a14:hiddenFill xmlns:a14="http://schemas.microsoft.com/office/drawing/2010/main">
+                <a:solidFill>
+                  <a:schemeClr val="accent1"/>
+                </a:solidFill>
+              </a14:hiddenFill>
+            </a:ext>
+            <a:ext uri="{91240B29-F687-4F45-9708-019B960494DF}">
+              <a14:hiddenLine xmlns:a14="http://schemas.microsoft.com/office/drawing/2010/main" w="9525">
+                <a:solidFill>
+                  <a:schemeClr val="tx1"/>
+                </a:solidFill>
+                <a:miter lim="800000"/>
+                <a:headEnd/>
+                <a:tailEnd/>
+              </a14:hiddenLine>
+            </a:ext>
+            <a:ext uri="{AF507438-7753-43E0-B8FC-AC1667EBCBE1}">
+              <a14:hiddenEffects xmlns:a14="http://schemas.microsoft.com/office/drawing/2010/main">
+                <a:effectLst>
+                  <a:outerShdw dist="35921" dir="2700000" algn="ctr" rotWithShape="0">
+                    <a:schemeClr val="bg2"/>
+                  </a:outerShdw>
+                </a:effectLst>
+              </a14:hiddenEffects>
+            </a:ext>
+          </a:extLst>
+        </p:spPr>
+      </p:pic>
+      <p:pic>
+        <p:nvPicPr>
+          <p:cNvPr id="49" name="Picture 7"/>
+          <p:cNvPicPr>
+            <a:picLocks noChangeAspect="1" noChangeArrowheads="1"/>
+          </p:cNvPicPr>
+          <p:nvPr/>
+        </p:nvPicPr>
+        <p:blipFill>
+          <a:blip r:embed="rId8" cstate="print">
+            <a:extLst>
+              <a:ext uri="{28A0092B-C50C-407E-A947-70E740481C1C}">
+                <a14:useLocalDpi xmlns:a14="http://schemas.microsoft.com/office/drawing/2010/main" val="0"/>
+              </a:ext>
+            </a:extLst>
+          </a:blip>
+          <a:srcRect/>
+          <a:stretch>
+            <a:fillRect/>
+          </a:stretch>
+        </p:blipFill>
+        <p:spPr bwMode="auto">
+          <a:xfrm>
+            <a:off x="5447847" y="4787045"/>
+            <a:ext cx="1086878" cy="1080000"/>
+          </a:xfrm>
+          <a:prstGeom prst="rect">
+            <a:avLst/>
+          </a:prstGeom>
+          <a:noFill/>
+          <a:ln>
+            <a:noFill/>
+          </a:ln>
+          <a:effectLst/>
+          <a:extLst>
+            <a:ext uri="{909E8E84-426E-40DD-AFC4-6F175D3DCCD1}">
+              <a14:hiddenFill xmlns:a14="http://schemas.microsoft.com/office/drawing/2010/main">
+                <a:solidFill>
+                  <a:schemeClr val="accent1"/>
+                </a:solidFill>
+              </a14:hiddenFill>
+            </a:ext>
+            <a:ext uri="{91240B29-F687-4F45-9708-019B960494DF}">
+              <a14:hiddenLine xmlns:a14="http://schemas.microsoft.com/office/drawing/2010/main" w="9525">
+                <a:solidFill>
+                  <a:schemeClr val="tx1"/>
+                </a:solidFill>
+                <a:miter lim="800000"/>
+                <a:headEnd/>
+                <a:tailEnd/>
+              </a14:hiddenLine>
+            </a:ext>
+            <a:ext uri="{AF507438-7753-43E0-B8FC-AC1667EBCBE1}">
+              <a14:hiddenEffects xmlns:a14="http://schemas.microsoft.com/office/drawing/2010/main">
+                <a:effectLst>
+                  <a:outerShdw dist="35921" dir="2700000" algn="ctr" rotWithShape="0">
+                    <a:schemeClr val="bg2"/>
+                  </a:outerShdw>
+                </a:effectLst>
+              </a14:hiddenEffects>
+            </a:ext>
+          </a:extLst>
+        </p:spPr>
+      </p:pic>
+      <p:sp>
+        <p:nvSpPr>
+          <p:cNvPr id="50" name="Textfeld 49"/>
+          <p:cNvSpPr txBox="1"/>
+          <p:nvPr/>
+        </p:nvSpPr>
+        <p:spPr>
+          <a:xfrm>
+            <a:off x="5340812" y="5950033"/>
+            <a:ext cx="1795684" cy="307777"/>
+          </a:xfrm>
+          <a:prstGeom prst="rect">
+            <a:avLst/>
+          </a:prstGeom>
+          <a:noFill/>
+        </p:spPr>
+        <p:txBody>
+          <a:bodyPr wrap="none" rtlCol="0">
+            <a:spAutoFit/>
+          </a:bodyPr>
+          <a:lstStyle/>
+          <a:p>
+            <a:r>
+              <a:rPr lang="en-GB" sz="1400" dirty="0" smtClean="0">
+                <a:latin typeface="Courier New" pitchFamily="49" charset="0"/>
+                <a:cs typeface="Courier New" pitchFamily="49" charset="0"/>
+              </a:rPr>
+              <a:t>labels_mniatlas</a:t>
+            </a:r>
+            <a:endParaRPr lang="en-GB" sz="1400" dirty="0" smtClean="0">
+              <a:latin typeface="Courier New" pitchFamily="49" charset="0"/>
+              <a:cs typeface="Courier New" pitchFamily="49" charset="0"/>
+            </a:endParaRPr>
+          </a:p>
+        </p:txBody>
+      </p:sp>
+      <p:sp>
+        <p:nvSpPr>
+          <p:cNvPr id="83" name="Rechteck 82"/>
+          <p:cNvSpPr/>
+          <p:nvPr/>
+        </p:nvSpPr>
+        <p:spPr>
+          <a:xfrm>
+            <a:off x="3354469" y="3368031"/>
+            <a:ext cx="360040" cy="363991"/>
+          </a:xfrm>
+          <a:prstGeom prst="rect">
+            <a:avLst/>
+          </a:prstGeom>
+          <a:solidFill>
+            <a:schemeClr val="bg1"/>
+          </a:solidFill>
+          <a:ln>
+            <a:solidFill>
+              <a:schemeClr val="bg1"/>
+            </a:solidFill>
+          </a:ln>
+        </p:spPr>
+        <p:style>
+          <a:lnRef idx="2">
+            <a:schemeClr val="accent1">
+              <a:shade val="50000"/>
+            </a:schemeClr>
+          </a:lnRef>
+          <a:fillRef idx="1">
+            <a:schemeClr val="accent1"/>
+          </a:fillRef>
+          <a:effectRef idx="0">
+            <a:schemeClr val="accent1"/>
+          </a:effectRef>
+          <a:fontRef idx="minor">
+            <a:schemeClr val="lt1"/>
+          </a:fontRef>
+        </p:style>
+        <p:txBody>
+          <a:bodyPr rtlCol="0" anchor="ctr"/>
+          <a:lstStyle/>
+          <a:p>
+            <a:pPr algn="ctr"/>
+            <a:endParaRPr lang="en-GB"/>
+          </a:p>
+        </p:txBody>
+      </p:sp>
+      <p:sp>
+        <p:nvSpPr>
+          <p:cNvPr id="37" name="Abgerundetes Rechteck 36"/>
+          <p:cNvSpPr/>
+          <p:nvPr/>
+        </p:nvSpPr>
+        <p:spPr>
+          <a:xfrm>
+            <a:off x="2785170" y="3703270"/>
+            <a:ext cx="1423579" cy="360040"/>
+          </a:xfrm>
+          <a:prstGeom prst="roundRect">
+            <a:avLst/>
+          </a:prstGeom>
+          <a:noFill/>
+          <a:ln w="19050">
+            <a:solidFill>
+              <a:schemeClr val="tx1"/>
+            </a:solidFill>
+          </a:ln>
+        </p:spPr>
+        <p:style>
+          <a:lnRef idx="2">
+            <a:schemeClr val="accent1">
+              <a:shade val="50000"/>
+            </a:schemeClr>
+          </a:lnRef>
+          <a:fillRef idx="1">
+            <a:schemeClr val="accent1"/>
+          </a:fillRef>
+          <a:effectRef idx="0">
+            <a:schemeClr val="accent1"/>
+          </a:effectRef>
+          <a:fontRef idx="minor">
+            <a:schemeClr val="lt1"/>
+          </a:fontRef>
+        </p:style>
+        <p:txBody>
+          <a:bodyPr rtlCol="0" anchor="ctr"/>
+          <a:lstStyle/>
+          <a:p>
+            <a:pPr algn="ctr"/>
+            <a:endParaRPr lang="en-GB"/>
+          </a:p>
+        </p:txBody>
+      </p:sp>
+      <p:sp>
+        <p:nvSpPr>
+          <p:cNvPr id="39" name="Abgerundetes Rechteck 38"/>
+          <p:cNvSpPr/>
+          <p:nvPr/>
+        </p:nvSpPr>
+        <p:spPr>
+          <a:xfrm>
+            <a:off x="5310589" y="3715604"/>
+            <a:ext cx="1423579" cy="360040"/>
+          </a:xfrm>
+          <a:prstGeom prst="roundRect">
+            <a:avLst/>
+          </a:prstGeom>
+          <a:noFill/>
+          <a:ln w="19050">
+            <a:solidFill>
+              <a:schemeClr val="tx1"/>
+            </a:solidFill>
+          </a:ln>
+        </p:spPr>
+        <p:style>
+          <a:lnRef idx="2">
+            <a:schemeClr val="accent1">
+              <a:shade val="50000"/>
+            </a:schemeClr>
+          </a:lnRef>
+          <a:fillRef idx="1">
+            <a:schemeClr val="accent1"/>
+          </a:fillRef>
+          <a:effectRef idx="0">
+            <a:schemeClr val="accent1"/>
+          </a:effectRef>
+          <a:fontRef idx="minor">
+            <a:schemeClr val="lt1"/>
+          </a:fontRef>
+        </p:style>
+        <p:txBody>
+          <a:bodyPr rtlCol="0" anchor="ctr"/>
+          <a:lstStyle/>
+          <a:p>
+            <a:pPr algn="ctr"/>
+            <a:endParaRPr lang="en-GB"/>
+          </a:p>
+        </p:txBody>
+      </p:sp>
+      <p:sp>
+        <p:nvSpPr>
+          <p:cNvPr id="100" name="Textfeld 99"/>
+          <p:cNvSpPr txBox="1"/>
+          <p:nvPr/>
+        </p:nvSpPr>
+        <p:spPr>
+          <a:xfrm>
+            <a:off x="7886740" y="3713132"/>
+            <a:ext cx="543739" cy="307777"/>
+          </a:xfrm>
+          <a:prstGeom prst="rect">
+            <a:avLst/>
+          </a:prstGeom>
+          <a:noFill/>
+        </p:spPr>
+        <p:txBody>
+          <a:bodyPr wrap="none" rtlCol="0">
+            <a:spAutoFit/>
+          </a:bodyPr>
+          <a:lstStyle/>
+          <a:p>
+            <a:r>
+              <a:rPr lang="en-GB" sz="1400" dirty="0" smtClean="0">
+                <a:latin typeface="Times New Roman" pitchFamily="18" charset="0"/>
+                <a:cs typeface="Times New Roman" pitchFamily="18" charset="0"/>
+              </a:rPr>
+              <a:t>Dice</a:t>
+            </a:r>
+            <a:endParaRPr lang="en-GB" sz="1100" dirty="0">
+              <a:latin typeface="Times New Roman" pitchFamily="18" charset="0"/>
+              <a:cs typeface="Times New Roman" pitchFamily="18" charset="0"/>
+            </a:endParaRPr>
+          </a:p>
+        </p:txBody>
+      </p:sp>
+      <p:sp>
+        <p:nvSpPr>
+          <p:cNvPr id="101" name="Abgerundetes Rechteck 100"/>
+          <p:cNvSpPr/>
+          <p:nvPr/>
+        </p:nvSpPr>
+        <p:spPr>
+          <a:xfrm>
+            <a:off x="7685701" y="3692527"/>
+            <a:ext cx="918747" cy="360040"/>
+          </a:xfrm>
+          <a:prstGeom prst="roundRect">
+            <a:avLst/>
+          </a:prstGeom>
+          <a:noFill/>
+          <a:ln w="19050">
+            <a:solidFill>
+              <a:schemeClr val="tx1"/>
+            </a:solidFill>
+          </a:ln>
+        </p:spPr>
+        <p:style>
+          <a:lnRef idx="2">
+            <a:schemeClr val="accent1">
+              <a:shade val="50000"/>
+            </a:schemeClr>
+          </a:lnRef>
+          <a:fillRef idx="1">
+            <a:schemeClr val="accent1"/>
+          </a:fillRef>
+          <a:effectRef idx="0">
+            <a:schemeClr val="accent1"/>
+          </a:effectRef>
+          <a:fontRef idx="minor">
+            <a:schemeClr val="lt1"/>
+          </a:fontRef>
+        </p:style>
+        <p:txBody>
+          <a:bodyPr rtlCol="0" anchor="ctr"/>
+          <a:lstStyle/>
+          <a:p>
+            <a:pPr algn="ctr"/>
+            <a:endParaRPr lang="en-GB"/>
+          </a:p>
+        </p:txBody>
+      </p:sp>
       <p:cxnSp>
         <p:nvCxnSpPr>
-          <p:cNvPr id="27" name="Gerade Verbindung mit Pfeil 26"/>
+          <p:cNvPr id="1039" name="Gerade Verbindung mit Pfeil 1038"/>
           <p:cNvCxnSpPr/>
           <p:nvPr/>
         </p:nvCxnSpPr>
         <p:spPr>
           <a:xfrm>
-            <a:off x="2314844" y="2873899"/>
-            <a:ext cx="1679142" cy="0"/>
+            <a:off x="955221" y="3221335"/>
+            <a:ext cx="0" cy="363991"/>
           </a:xfrm>
           <a:prstGeom prst="straightConnector1">
             <a:avLst/>
           </a:prstGeom>
-          <a:ln w="28575">
+          <a:ln>
             <a:solidFill>
               <a:schemeClr val="tx1"/>
             </a:solidFill>
@@ -12932,19 +18269,19 @@
       </p:cxnSp>
       <p:cxnSp>
         <p:nvCxnSpPr>
-          <p:cNvPr id="28" name="Gerade Verbindung mit Pfeil 27"/>
+          <p:cNvPr id="104" name="Gerade Verbindung mit Pfeil 103"/>
           <p:cNvCxnSpPr/>
           <p:nvPr/>
         </p:nvCxnSpPr>
         <p:spPr>
           <a:xfrm>
-            <a:off x="2366426" y="5083519"/>
-            <a:ext cx="1537076" cy="0"/>
+            <a:off x="3496959" y="3198466"/>
+            <a:ext cx="0" cy="363991"/>
           </a:xfrm>
           <a:prstGeom prst="straightConnector1">
             <a:avLst/>
           </a:prstGeom>
-          <a:ln w="28575">
+          <a:ln>
             <a:solidFill>
               <a:schemeClr val="tx1"/>
             </a:solidFill>
@@ -12966,342 +18303,226 @@
           </a:fontRef>
         </p:style>
       </p:cxnSp>
-      <p:sp>
-        <p:nvSpPr>
-          <p:cNvPr id="33" name="Textfeld 32"/>
-          <p:cNvSpPr txBox="1"/>
+      <p:cxnSp>
+        <p:nvCxnSpPr>
+          <p:cNvPr id="107" name="Gerade Verbindung mit Pfeil 106"/>
+          <p:cNvCxnSpPr/>
           <p:nvPr/>
-        </p:nvSpPr>
+        </p:nvCxnSpPr>
         <p:spPr>
           <a:xfrm>
-            <a:off x="2656308" y="4485508"/>
-            <a:ext cx="926857" cy="461665"/>
-          </a:xfrm>
-          <a:prstGeom prst="rect">
+            <a:off x="3492287" y="4259453"/>
+            <a:ext cx="0" cy="363991"/>
+          </a:xfrm>
+          <a:prstGeom prst="straightConnector1">
             <a:avLst/>
           </a:prstGeom>
-          <a:noFill/>
-        </p:spPr>
-        <p:txBody>
-          <a:bodyPr wrap="none" rtlCol="0">
-            <a:spAutoFit/>
-          </a:bodyPr>
-          <a:lstStyle/>
-          <a:p>
-            <a:r>
-              <a:rPr lang="en-GB" sz="2400" dirty="0">
-                <a:solidFill>
-                  <a:srgbClr val="000000"/>
-                </a:solidFill>
-                <a:latin typeface="Courier New" pitchFamily="49" charset="0"/>
-                <a:cs typeface="Courier New" pitchFamily="49" charset="0"/>
-              </a:rPr>
-              <a:t>T</a:t>
-            </a:r>
-            <a:r>
-              <a:rPr lang="en-GB" sz="1200" dirty="0">
-                <a:solidFill>
-                  <a:srgbClr val="000000"/>
-                </a:solidFill>
-                <a:latin typeface="Courier New" pitchFamily="49" charset="0"/>
-                <a:cs typeface="Courier New" pitchFamily="49" charset="0"/>
-              </a:rPr>
-              <a:t>Affine</a:t>
-            </a:r>
-          </a:p>
-        </p:txBody>
-      </p:sp>
-      <p:sp>
-        <p:nvSpPr>
-          <p:cNvPr id="5" name="Textfeld 4"/>
-          <p:cNvSpPr txBox="1"/>
+          <a:ln>
+            <a:solidFill>
+              <a:schemeClr val="tx1"/>
+            </a:solidFill>
+            <a:tailEnd type="arrow"/>
+          </a:ln>
+        </p:spPr>
+        <p:style>
+          <a:lnRef idx="1">
+            <a:schemeClr val="accent1"/>
+          </a:lnRef>
+          <a:fillRef idx="0">
+            <a:schemeClr val="accent1"/>
+          </a:fillRef>
+          <a:effectRef idx="0">
+            <a:schemeClr val="accent1"/>
+          </a:effectRef>
+          <a:fontRef idx="minor">
+            <a:schemeClr val="tx1"/>
+          </a:fontRef>
+        </p:style>
+      </p:cxnSp>
+      <p:cxnSp>
+        <p:nvCxnSpPr>
+          <p:cNvPr id="1041" name="Gerade Verbindung mit Pfeil 1040"/>
+          <p:cNvCxnSpPr/>
           <p:nvPr/>
-        </p:nvSpPr>
+        </p:nvCxnSpPr>
         <p:spPr>
-          <a:xfrm>
-            <a:off x="1090364" y="3451789"/>
-            <a:ext cx="1003095" cy="338554"/>
-          </a:xfrm>
-          <a:prstGeom prst="rect">
+          <a:xfrm flipV="1">
+            <a:off x="945456" y="4259453"/>
+            <a:ext cx="0" cy="368245"/>
+          </a:xfrm>
+          <a:prstGeom prst="straightConnector1">
             <a:avLst/>
           </a:prstGeom>
-          <a:noFill/>
-        </p:spPr>
-        <p:txBody>
-          <a:bodyPr wrap="none" rtlCol="0">
-            <a:spAutoFit/>
-          </a:bodyPr>
-          <a:lstStyle/>
-          <a:p>
-            <a:r>
-              <a:rPr lang="en-GB" sz="1600" dirty="0" smtClean="0"/>
-              <a:t>T1_native</a:t>
-            </a:r>
-            <a:endParaRPr lang="en-GB" dirty="0"/>
-          </a:p>
-        </p:txBody>
-      </p:sp>
-      <p:sp>
-        <p:nvSpPr>
-          <p:cNvPr id="34" name="Textfeld 33"/>
-          <p:cNvSpPr txBox="1"/>
+          <a:ln>
+            <a:solidFill>
+              <a:schemeClr val="tx1"/>
+            </a:solidFill>
+            <a:tailEnd type="arrow"/>
+          </a:ln>
+        </p:spPr>
+        <p:style>
+          <a:lnRef idx="1">
+            <a:schemeClr val="accent1"/>
+          </a:lnRef>
+          <a:fillRef idx="0">
+            <a:schemeClr val="accent1"/>
+          </a:fillRef>
+          <a:effectRef idx="0">
+            <a:schemeClr val="accent1"/>
+          </a:effectRef>
+          <a:fontRef idx="minor">
+            <a:schemeClr val="tx1"/>
+          </a:fontRef>
+        </p:style>
+      </p:cxnSp>
+      <p:cxnSp>
+        <p:nvCxnSpPr>
+          <p:cNvPr id="110" name="Gerade Verbindung mit Pfeil 109"/>
+          <p:cNvCxnSpPr/>
           <p:nvPr/>
-        </p:nvSpPr>
+        </p:nvCxnSpPr>
         <p:spPr>
-          <a:xfrm>
-            <a:off x="4168550" y="3439575"/>
-            <a:ext cx="880049" cy="338554"/>
-          </a:xfrm>
-          <a:prstGeom prst="rect">
+          <a:xfrm flipV="1">
+            <a:off x="6003292" y="4281301"/>
+            <a:ext cx="0" cy="368245"/>
+          </a:xfrm>
+          <a:prstGeom prst="straightConnector1">
             <a:avLst/>
           </a:prstGeom>
-          <a:noFill/>
-        </p:spPr>
-        <p:txBody>
-          <a:bodyPr wrap="none" rtlCol="0">
-            <a:spAutoFit/>
-          </a:bodyPr>
-          <a:lstStyle/>
-          <a:p>
-            <a:r>
-              <a:rPr lang="en-GB" sz="1600" dirty="0" smtClean="0"/>
-              <a:t>T1_atlas</a:t>
-            </a:r>
-            <a:endParaRPr lang="en-GB" dirty="0"/>
-          </a:p>
-        </p:txBody>
-      </p:sp>
-      <p:sp>
-        <p:nvSpPr>
-          <p:cNvPr id="35" name="Textfeld 34"/>
-          <p:cNvSpPr txBox="1"/>
+          <a:ln>
+            <a:solidFill>
+              <a:schemeClr val="tx1"/>
+            </a:solidFill>
+            <a:tailEnd type="arrow"/>
+          </a:ln>
+        </p:spPr>
+        <p:style>
+          <a:lnRef idx="1">
+            <a:schemeClr val="accent1"/>
+          </a:lnRef>
+          <a:fillRef idx="0">
+            <a:schemeClr val="accent1"/>
+          </a:fillRef>
+          <a:effectRef idx="0">
+            <a:schemeClr val="accent1"/>
+          </a:effectRef>
+          <a:fontRef idx="minor">
+            <a:schemeClr val="tx1"/>
+          </a:fontRef>
+        </p:style>
+      </p:cxnSp>
+      <p:cxnSp>
+        <p:nvCxnSpPr>
+          <p:cNvPr id="1043" name="Gerade Verbindung mit Pfeil 1042"/>
+          <p:cNvCxnSpPr/>
           <p:nvPr/>
-        </p:nvSpPr>
+        </p:nvCxnSpPr>
         <p:spPr>
           <a:xfrm>
-            <a:off x="967463" y="5699256"/>
-            <a:ext cx="1280415" cy="338554"/>
-          </a:xfrm>
-          <a:prstGeom prst="rect">
+            <a:off x="1907704" y="3895624"/>
+            <a:ext cx="596638" cy="0"/>
+          </a:xfrm>
+          <a:prstGeom prst="straightConnector1">
             <a:avLst/>
           </a:prstGeom>
-          <a:noFill/>
-        </p:spPr>
-        <p:txBody>
-          <a:bodyPr wrap="none" rtlCol="0">
-            <a:spAutoFit/>
-          </a:bodyPr>
-          <a:lstStyle/>
-          <a:p>
-            <a:r>
-              <a:rPr lang="en-GB" sz="1600" dirty="0" smtClean="0"/>
-              <a:t>labels_native</a:t>
-            </a:r>
-            <a:endParaRPr lang="en-GB" dirty="0"/>
-          </a:p>
-        </p:txBody>
-      </p:sp>
-      <p:sp>
-        <p:nvSpPr>
-          <p:cNvPr id="38" name="Textfeld 37"/>
-          <p:cNvSpPr txBox="1"/>
+          <a:ln>
+            <a:solidFill>
+              <a:schemeClr val="tx1"/>
+            </a:solidFill>
+            <a:tailEnd type="arrow"/>
+          </a:ln>
+        </p:spPr>
+        <p:style>
+          <a:lnRef idx="1">
+            <a:schemeClr val="accent1"/>
+          </a:lnRef>
+          <a:fillRef idx="0">
+            <a:schemeClr val="accent1"/>
+          </a:fillRef>
+          <a:effectRef idx="0">
+            <a:schemeClr val="accent1"/>
+          </a:effectRef>
+          <a:fontRef idx="minor">
+            <a:schemeClr val="tx1"/>
+          </a:fontRef>
+        </p:style>
+      </p:cxnSp>
+      <p:cxnSp>
+        <p:nvCxnSpPr>
+          <p:cNvPr id="113" name="Gerade Verbindung mit Pfeil 112"/>
+          <p:cNvCxnSpPr/>
           <p:nvPr/>
-        </p:nvSpPr>
+        </p:nvCxnSpPr>
         <p:spPr>
           <a:xfrm>
-            <a:off x="6800793" y="2612289"/>
-            <a:ext cx="926857" cy="461665"/>
-          </a:xfrm>
-          <a:prstGeom prst="rect">
+            <a:off x="4440269" y="3895624"/>
+            <a:ext cx="596638" cy="0"/>
+          </a:xfrm>
+          <a:prstGeom prst="straightConnector1">
             <a:avLst/>
           </a:prstGeom>
-          <a:noFill/>
-        </p:spPr>
-        <p:txBody>
-          <a:bodyPr wrap="none" rtlCol="0">
-            <a:spAutoFit/>
-          </a:bodyPr>
-          <a:lstStyle/>
-          <a:p>
-            <a:r>
-              <a:rPr lang="en-GB" sz="2400" dirty="0">
-                <a:solidFill>
-                  <a:srgbClr val="000000"/>
-                </a:solidFill>
-                <a:latin typeface="Courier New" pitchFamily="49" charset="0"/>
-                <a:cs typeface="Courier New" pitchFamily="49" charset="0"/>
-              </a:rPr>
-              <a:t>T</a:t>
-            </a:r>
-            <a:r>
-              <a:rPr lang="en-GB" sz="1200" dirty="0">
-                <a:solidFill>
-                  <a:srgbClr val="000000"/>
-                </a:solidFill>
-                <a:latin typeface="Courier New" pitchFamily="49" charset="0"/>
-                <a:cs typeface="Courier New" pitchFamily="49" charset="0"/>
-              </a:rPr>
-              <a:t>Affine</a:t>
-            </a:r>
-          </a:p>
-        </p:txBody>
-      </p:sp>
-      <p:sp>
-        <p:nvSpPr>
-          <p:cNvPr id="7" name="Pfeil nach rechts 6"/>
-          <p:cNvSpPr/>
-          <p:nvPr/>
-        </p:nvSpPr>
-        <p:spPr>
-          <a:xfrm>
-            <a:off x="5908061" y="2813246"/>
-            <a:ext cx="626127" cy="151830"/>
-          </a:xfrm>
-          <a:prstGeom prst="rightArrow">
-            <a:avLst>
-              <a:gd name="adj1" fmla="val 50000"/>
-              <a:gd name="adj2" fmla="val 89429"/>
-            </a:avLst>
-          </a:prstGeom>
-          <a:solidFill>
-            <a:schemeClr val="tx1"/>
-          </a:solidFill>
+          <a:ln>
+            <a:solidFill>
+              <a:schemeClr val="tx1"/>
+            </a:solidFill>
+            <a:tailEnd type="arrow"/>
+          </a:ln>
         </p:spPr>
         <p:style>
-          <a:lnRef idx="2">
-            <a:schemeClr val="dk1">
-              <a:shade val="50000"/>
-            </a:schemeClr>
+          <a:lnRef idx="1">
+            <a:schemeClr val="accent1"/>
           </a:lnRef>
-          <a:fillRef idx="1">
-            <a:schemeClr val="dk1"/>
+          <a:fillRef idx="0">
+            <a:schemeClr val="accent1"/>
           </a:fillRef>
           <a:effectRef idx="0">
-            <a:schemeClr val="dk1"/>
+            <a:schemeClr val="accent1"/>
           </a:effectRef>
           <a:fontRef idx="minor">
-            <a:schemeClr val="lt1"/>
+            <a:schemeClr val="tx1"/>
           </a:fontRef>
         </p:style>
-        <p:txBody>
-          <a:bodyPr rtlCol="0" anchor="ctr"/>
-          <a:lstStyle/>
-          <a:p>
-            <a:pPr algn="ctr"/>
-            <a:endParaRPr lang="en-GB"/>
-          </a:p>
-        </p:txBody>
-      </p:sp>
-      <p:sp>
-        <p:nvSpPr>
-          <p:cNvPr id="42" name="Pfeil nach rechts 41"/>
-          <p:cNvSpPr/>
+      </p:cxnSp>
+      <p:cxnSp>
+        <p:nvCxnSpPr>
+          <p:cNvPr id="114" name="Gerade Verbindung mit Pfeil 113"/>
+          <p:cNvCxnSpPr/>
           <p:nvPr/>
-        </p:nvSpPr>
+        </p:nvCxnSpPr>
         <p:spPr>
           <a:xfrm>
-            <a:off x="5867844" y="5008728"/>
-            <a:ext cx="626127" cy="151830"/>
-          </a:xfrm>
-          <a:prstGeom prst="rightArrow">
-            <a:avLst>
-              <a:gd name="adj1" fmla="val 50000"/>
-              <a:gd name="adj2" fmla="val 89429"/>
-            </a:avLst>
+            <a:off x="6912832" y="3876473"/>
+            <a:ext cx="596638" cy="0"/>
+          </a:xfrm>
+          <a:prstGeom prst="straightConnector1">
+            <a:avLst/>
           </a:prstGeom>
-          <a:solidFill>
-            <a:schemeClr val="tx1"/>
-          </a:solidFill>
+          <a:ln>
+            <a:solidFill>
+              <a:schemeClr val="tx1"/>
+            </a:solidFill>
+            <a:tailEnd type="arrow"/>
+          </a:ln>
         </p:spPr>
         <p:style>
-          <a:lnRef idx="2">
-            <a:schemeClr val="dk1">
-              <a:shade val="50000"/>
-            </a:schemeClr>
+          <a:lnRef idx="1">
+            <a:schemeClr val="accent1"/>
           </a:lnRef>
-          <a:fillRef idx="1">
-            <a:schemeClr val="dk1"/>
+          <a:fillRef idx="0">
+            <a:schemeClr val="accent1"/>
           </a:fillRef>
           <a:effectRef idx="0">
-            <a:schemeClr val="dk1"/>
+            <a:schemeClr val="accent1"/>
           </a:effectRef>
           <a:fontRef idx="minor">
-            <a:schemeClr val="lt1"/>
+            <a:schemeClr val="tx1"/>
           </a:fontRef>
         </p:style>
-        <p:txBody>
-          <a:bodyPr rtlCol="0" anchor="ctr"/>
-          <a:lstStyle/>
-          <a:p>
-            <a:pPr algn="ctr"/>
-            <a:endParaRPr lang="en-GB"/>
-          </a:p>
-        </p:txBody>
-      </p:sp>
-      <p:sp>
-        <p:nvSpPr>
-          <p:cNvPr id="43" name="Textfeld 42"/>
-          <p:cNvSpPr txBox="1"/>
-          <p:nvPr/>
-        </p:nvSpPr>
-        <p:spPr>
-          <a:xfrm>
-            <a:off x="3877524" y="5699256"/>
-            <a:ext cx="1506759" cy="338554"/>
-          </a:xfrm>
-          <a:prstGeom prst="rect">
-            <a:avLst/>
-          </a:prstGeom>
-          <a:noFill/>
-        </p:spPr>
-        <p:txBody>
-          <a:bodyPr wrap="none" rtlCol="0">
-            <a:spAutoFit/>
-          </a:bodyPr>
-          <a:lstStyle/>
-          <a:p>
-            <a:r>
-              <a:rPr lang="en-GB" sz="1600" dirty="0" smtClean="0"/>
-              <a:t>labels_registerd</a:t>
-            </a:r>
-            <a:endParaRPr lang="en-GB" dirty="0"/>
-          </a:p>
-        </p:txBody>
-      </p:sp>
-      <p:sp>
-        <p:nvSpPr>
-          <p:cNvPr id="44" name="Textfeld 43"/>
-          <p:cNvSpPr txBox="1"/>
-          <p:nvPr/>
-        </p:nvSpPr>
-        <p:spPr>
-          <a:xfrm>
-            <a:off x="6744842" y="4915366"/>
-            <a:ext cx="1506759" cy="338554"/>
-          </a:xfrm>
-          <a:prstGeom prst="rect">
-            <a:avLst/>
-          </a:prstGeom>
-          <a:noFill/>
-        </p:spPr>
-        <p:txBody>
-          <a:bodyPr wrap="none" rtlCol="0">
-            <a:spAutoFit/>
-          </a:bodyPr>
-          <a:lstStyle/>
-          <a:p>
-            <a:r>
-              <a:rPr lang="en-GB" sz="1600" dirty="0" smtClean="0"/>
-              <a:t>labels_registerd</a:t>
-            </a:r>
-            <a:endParaRPr lang="en-GB" dirty="0"/>
-          </a:p>
-        </p:txBody>
-      </p:sp>
+      </p:cxnSp>
     </p:spTree>
     <p:extLst>
       <p:ext uri="{BB962C8B-B14F-4D97-AF65-F5344CB8AC3E}">
-        <p14:creationId xmlns:p14="http://schemas.microsoft.com/office/powerpoint/2010/main" val="1047289988"/>
+        <p14:creationId xmlns:p14="http://schemas.microsoft.com/office/powerpoint/2010/main" val="1536979656"/>
       </p:ext>
     </p:extLst>
   </p:cSld>
@@ -13342,7 +18563,7 @@
                                           </p:stCondLst>
                                         </p:cTn>
                                         <p:tgtEl>
-                                          <p:spTgt spid="23"/>
+                                          <p:spTgt spid="43"/>
                                         </p:tgtEl>
                                         <p:attrNameLst>
                                           <p:attrName>style.visibility</p:attrName>
@@ -13356,7 +18577,7 @@
                                 </p:cTn>
                               </p:par>
                               <p:par>
-                                <p:cTn id="7" presetID="1" presetClass="entr" presetSubtype="0" fill="hold" nodeType="withEffect">
+                                <p:cTn id="7" presetID="1" presetClass="entr" presetSubtype="0" fill="hold" grpId="0" nodeType="withEffect">
                                   <p:stCondLst>
                                     <p:cond delay="0"/>
                                   </p:stCondLst>
@@ -13369,7 +18590,7 @@
                                           </p:stCondLst>
                                         </p:cTn>
                                         <p:tgtEl>
-                                          <p:spTgt spid="24"/>
+                                          <p:spTgt spid="44"/>
                                         </p:tgtEl>
                                         <p:attrNameLst>
                                           <p:attrName>style.visibility</p:attrName>
@@ -13396,7 +18617,7 @@
                                           </p:stCondLst>
                                         </p:cTn>
                                         <p:tgtEl>
-                                          <p:spTgt spid="28"/>
+                                          <p:spTgt spid="104"/>
                                         </p:tgtEl>
                                         <p:attrNameLst>
                                           <p:attrName>style.visibility</p:attrName>
@@ -13423,7 +18644,7 @@
                                           </p:stCondLst>
                                         </p:cTn>
                                         <p:tgtEl>
-                                          <p:spTgt spid="33"/>
+                                          <p:spTgt spid="92"/>
                                         </p:tgtEl>
                                         <p:attrNameLst>
                                           <p:attrName>style.visibility</p:attrName>
@@ -13437,7 +18658,7 @@
                                 </p:cTn>
                               </p:par>
                               <p:par>
-                                <p:cTn id="13" presetID="1" presetClass="entr" presetSubtype="0" fill="hold" grpId="0" nodeType="withEffect">
+                                <p:cTn id="13" presetID="1" presetClass="entr" presetSubtype="0" fill="hold" nodeType="withEffect">
                                   <p:stCondLst>
                                     <p:cond delay="0"/>
                                   </p:stCondLst>
@@ -13450,7 +18671,7 @@
                                           </p:stCondLst>
                                         </p:cTn>
                                         <p:tgtEl>
-                                          <p:spTgt spid="35"/>
+                                          <p:spTgt spid="45"/>
                                         </p:tgtEl>
                                         <p:attrNameLst>
                                           <p:attrName>style.visibility</p:attrName>
@@ -13477,7 +18698,7 @@
                                           </p:stCondLst>
                                         </p:cTn>
                                         <p:tgtEl>
-                                          <p:spTgt spid="42"/>
+                                          <p:spTgt spid="46"/>
                                         </p:tgtEl>
                                         <p:attrNameLst>
                                           <p:attrName>style.visibility</p:attrName>
@@ -13491,7 +18712,7 @@
                                 </p:cTn>
                               </p:par>
                               <p:par>
-                                <p:cTn id="17" presetID="1" presetClass="entr" presetSubtype="0" fill="hold" grpId="0" nodeType="withEffect">
+                                <p:cTn id="17" presetID="1" presetClass="entr" presetSubtype="0" fill="hold" nodeType="withEffect">
                                   <p:stCondLst>
                                     <p:cond delay="0"/>
                                   </p:stCondLst>
@@ -13504,7 +18725,52 @@
                                           </p:stCondLst>
                                         </p:cTn>
                                         <p:tgtEl>
-                                          <p:spTgt spid="43"/>
+                                          <p:spTgt spid="107"/>
+                                        </p:tgtEl>
+                                        <p:attrNameLst>
+                                          <p:attrName>style.visibility</p:attrName>
+                                        </p:attrNameLst>
+                                      </p:cBhvr>
+                                      <p:to>
+                                        <p:strVal val="visible"/>
+                                      </p:to>
+                                    </p:set>
+                                  </p:childTnLst>
+                                </p:cTn>
+                              </p:par>
+                            </p:childTnLst>
+                          </p:cTn>
+                        </p:par>
+                      </p:childTnLst>
+                    </p:cTn>
+                  </p:par>
+                  <p:par>
+                    <p:cTn id="19" fill="hold">
+                      <p:stCondLst>
+                        <p:cond delay="indefinite"/>
+                      </p:stCondLst>
+                      <p:childTnLst>
+                        <p:par>
+                          <p:cTn id="20" fill="hold">
+                            <p:stCondLst>
+                              <p:cond delay="0"/>
+                            </p:stCondLst>
+                            <p:childTnLst>
+                              <p:par>
+                                <p:cTn id="21" presetID="1" presetClass="entr" presetSubtype="0" fill="hold" nodeType="clickEffect">
+                                  <p:stCondLst>
+                                    <p:cond delay="0"/>
+                                  </p:stCondLst>
+                                  <p:childTnLst>
+                                    <p:set>
+                                      <p:cBhvr>
+                                        <p:cTn id="22" dur="1" fill="hold">
+                                          <p:stCondLst>
+                                            <p:cond delay="0"/>
+                                          </p:stCondLst>
+                                        </p:cTn>
+                                        <p:tgtEl>
+                                          <p:spTgt spid="106"/>
                                         </p:tgtEl>
                                         <p:attrNameLst>
                                           <p:attrName>style.visibility</p:attrName>
@@ -13518,20 +18784,128 @@
                                 </p:cTn>
                               </p:par>
                               <p:par>
-                                <p:cTn id="19" presetID="1" presetClass="entr" presetSubtype="0" fill="hold" grpId="0" nodeType="withEffect">
+                                <p:cTn id="23" presetID="1" presetClass="entr" presetSubtype="0" fill="hold" grpId="0" nodeType="withEffect">
                                   <p:stCondLst>
                                     <p:cond delay="0"/>
                                   </p:stCondLst>
                                   <p:childTnLst>
                                     <p:set>
                                       <p:cBhvr>
-                                        <p:cTn id="20" dur="1" fill="hold">
+                                        <p:cTn id="24" dur="1" fill="hold">
                                           <p:stCondLst>
                                             <p:cond delay="0"/>
                                           </p:stCondLst>
                                         </p:cTn>
                                         <p:tgtEl>
-                                          <p:spTgt spid="44"/>
+                                          <p:spTgt spid="47"/>
+                                        </p:tgtEl>
+                                        <p:attrNameLst>
+                                          <p:attrName>style.visibility</p:attrName>
+                                        </p:attrNameLst>
+                                      </p:cBhvr>
+                                      <p:to>
+                                        <p:strVal val="visible"/>
+                                      </p:to>
+                                    </p:set>
+                                  </p:childTnLst>
+                                </p:cTn>
+                              </p:par>
+                              <p:par>
+                                <p:cTn id="25" presetID="1" presetClass="entr" presetSubtype="0" fill="hold" nodeType="withEffect">
+                                  <p:stCondLst>
+                                    <p:cond delay="0"/>
+                                  </p:stCondLst>
+                                  <p:childTnLst>
+                                    <p:set>
+                                      <p:cBhvr>
+                                        <p:cTn id="26" dur="1" fill="hold">
+                                          <p:stCondLst>
+                                            <p:cond delay="0"/>
+                                          </p:stCondLst>
+                                        </p:cTn>
+                                        <p:tgtEl>
+                                          <p:spTgt spid="48"/>
+                                        </p:tgtEl>
+                                        <p:attrNameLst>
+                                          <p:attrName>style.visibility</p:attrName>
+                                        </p:attrNameLst>
+                                      </p:cBhvr>
+                                      <p:to>
+                                        <p:strVal val="visible"/>
+                                      </p:to>
+                                    </p:set>
+                                  </p:childTnLst>
+                                </p:cTn>
+                              </p:par>
+                              <p:par>
+                                <p:cTn id="27" presetID="1" presetClass="entr" presetSubtype="0" fill="hold" nodeType="withEffect">
+                                  <p:stCondLst>
+                                    <p:cond delay="0"/>
+                                  </p:stCondLst>
+                                  <p:childTnLst>
+                                    <p:set>
+                                      <p:cBhvr>
+                                        <p:cTn id="28" dur="1" fill="hold">
+                                          <p:stCondLst>
+                                            <p:cond delay="0"/>
+                                          </p:stCondLst>
+                                        </p:cTn>
+                                        <p:tgtEl>
+                                          <p:spTgt spid="49"/>
+                                        </p:tgtEl>
+                                        <p:attrNameLst>
+                                          <p:attrName>style.visibility</p:attrName>
+                                        </p:attrNameLst>
+                                      </p:cBhvr>
+                                      <p:to>
+                                        <p:strVal val="visible"/>
+                                      </p:to>
+                                    </p:set>
+                                  </p:childTnLst>
+                                </p:cTn>
+                              </p:par>
+                              <p:par>
+                                <p:cTn id="29" presetID="1" presetClass="entr" presetSubtype="0" fill="hold" grpId="0" nodeType="withEffect">
+                                  <p:stCondLst>
+                                    <p:cond delay="0"/>
+                                  </p:stCondLst>
+                                  <p:childTnLst>
+                                    <p:set>
+                                      <p:cBhvr>
+                                        <p:cTn id="30" dur="1" fill="hold">
+                                          <p:stCondLst>
+                                            <p:cond delay="0"/>
+                                          </p:stCondLst>
+                                        </p:cTn>
+                                        <p:tgtEl>
+                                          <p:spTgt spid="50"/>
+                                        </p:tgtEl>
+                                        <p:attrNameLst>
+                                          <p:attrName>style.visibility</p:attrName>
+                                        </p:attrNameLst>
+                                      </p:cBhvr>
+                                      <p:to>
+                                        <p:strVal val="visible"/>
+                                      </p:to>
+                                    </p:set>
+                                  </p:childTnLst>
+                                </p:cTn>
+                              </p:par>
+                              <p:par>
+                                <p:cTn id="31" presetID="1" presetClass="entr" presetSubtype="0" fill="hold" nodeType="withEffect">
+                                  <p:stCondLst>
+                                    <p:cond delay="0"/>
+                                  </p:stCondLst>
+                                  <p:childTnLst>
+                                    <p:set>
+                                      <p:cBhvr>
+                                        <p:cTn id="32" dur="1" fill="hold">
+                                          <p:stCondLst>
+                                            <p:cond delay="0"/>
+                                          </p:stCondLst>
+                                        </p:cTn>
+                                        <p:tgtEl>
+                                          <p:spTgt spid="110"/>
                                         </p:tgtEl>
                                         <p:attrNameLst>
                                           <p:attrName>style.visibility</p:attrName>
@@ -13572,11 +18946,11 @@
       </p:par>
     </p:tnLst>
     <p:bldLst>
-      <p:bldP spid="33" grpId="0"/>
-      <p:bldP spid="35" grpId="0"/>
-      <p:bldP spid="42" grpId="0" animBg="1"/>
-      <p:bldP spid="43" grpId="0"/>
+      <p:bldP spid="92" grpId="0" animBg="1"/>
       <p:bldP spid="44" grpId="0"/>
+      <p:bldP spid="46" grpId="0"/>
+      <p:bldP spid="47" grpId="0"/>
+      <p:bldP spid="50" grpId="0"/>
     </p:bldLst>
   </p:timing>
 </p:sld>
@@ -13676,18 +19050,18 @@
         <p:spPr>
           <a:xfrm>
             <a:off x="395536" y="432537"/>
-            <a:ext cx="6552728" cy="1080120"/>
+            <a:ext cx="5544616" cy="1080120"/>
           </a:xfrm>
         </p:spPr>
         <p:txBody>
           <a:bodyPr>
-            <a:normAutofit fontScale="90000"/>
+            <a:normAutofit/>
           </a:bodyPr>
           <a:lstStyle/>
           <a:p>
             <a:pPr algn="l"/>
             <a:r>
-              <a:rPr lang="en-GB" sz="3600" dirty="0" smtClean="0">
+              <a:rPr lang="en-US" sz="3600" dirty="0" smtClean="0">
                 <a:solidFill>
                   <a:schemeClr val="tx2">
                     <a:lumMod val="40000"/>
@@ -13697,9 +19071,9 @@
                 <a:latin typeface="Courier New" pitchFamily="49" charset="0"/>
                 <a:cs typeface="Courier New" pitchFamily="49" charset="0"/>
               </a:rPr>
-              <a:t>Introduction - evaluation</a:t>
-            </a:r>
-            <a:endParaRPr lang="en-GB" sz="2400" dirty="0">
+              <a:t>Affine</a:t>
+            </a:r>
+            <a:endParaRPr lang="en-GB" sz="3600" dirty="0">
               <a:solidFill>
                 <a:schemeClr val="tx2">
                   <a:lumMod val="40000"/>
@@ -13813,359 +19187,61 @@
       </p:cxnSp>
       <p:sp>
         <p:nvSpPr>
-          <p:cNvPr id="31" name="Rectangle 9"/>
-          <p:cNvSpPr>
-            <a:spLocks noChangeArrowheads="1"/>
+          <p:cNvPr id="9" name="Titel 3"/>
+          <p:cNvSpPr txBox="1">
+            <a:spLocks/>
           </p:cNvSpPr>
           <p:nvPr/>
         </p:nvSpPr>
-        <p:spPr bwMode="auto">
-          <a:xfrm>
-            <a:off x="6140397" y="3441110"/>
-            <a:ext cx="2623845" cy="338554"/>
+        <p:spPr>
+          <a:xfrm>
+            <a:off x="1619672" y="3212976"/>
+            <a:ext cx="5544616" cy="1080120"/>
           </a:xfrm>
           <a:prstGeom prst="rect">
             <a:avLst/>
           </a:prstGeom>
-          <a:solidFill>
-            <a:srgbClr val="FFFFFF"/>
-          </a:solidFill>
-          <a:ln w="9525">
-            <a:solidFill>
-              <a:schemeClr val="bg1"/>
-            </a:solidFill>
-            <a:miter lim="800000"/>
-            <a:headEnd/>
-            <a:tailEnd/>
-          </a:ln>
-          <a:effectLst/>
-          <a:extLst>
-            <a:ext uri="{AF507438-7753-43E0-B8FC-AC1667EBCBE1}">
-              <a14:hiddenEffects xmlns:a14="http://schemas.microsoft.com/office/drawing/2010/main">
-                <a:effectLst>
-                  <a:outerShdw dist="35921" dir="2700000" algn="ctr" rotWithShape="0">
-                    <a:schemeClr val="bg2"/>
-                  </a:outerShdw>
-                </a:effectLst>
-              </a14:hiddenEffects>
-            </a:ext>
-          </a:extLst>
-        </p:spPr>
-        <p:txBody>
-          <a:bodyPr vert="horz" wrap="square" lIns="91440" tIns="45720" rIns="91440" bIns="45720" numCol="1" anchor="ctr" anchorCtr="0" compatLnSpc="1">
-            <a:prstTxWarp prst="textNoShape">
-              <a:avLst/>
-            </a:prstTxWarp>
-            <a:spAutoFit/>
+        </p:spPr>
+        <p:txBody>
+          <a:bodyPr vert="horz" lIns="91440" tIns="45720" rIns="91440" bIns="45720" rtlCol="0" anchor="ctr">
+            <a:normAutofit/>
           </a:bodyPr>
-          <a:lstStyle/>
-          <a:p>
-            <a:pPr marL="0" marR="0" lvl="0" indent="0" algn="l" defTabSz="914400" rtl="0" eaLnBrk="1" fontAlgn="base" latinLnBrk="0" hangingPunct="1">
-              <a:lnSpc>
-                <a:spcPct val="100000"/>
-              </a:lnSpc>
+          <a:lstStyle>
+            <a:lvl1pPr algn="ctr" defTabSz="914400" rtl="0" eaLnBrk="1" latinLnBrk="0" hangingPunct="1">
               <a:spcBef>
                 <a:spcPct val="0"/>
               </a:spcBef>
-              <a:spcAft>
-                <a:spcPct val="0"/>
-              </a:spcAft>
-              <a:buClrTx/>
-              <a:buSzTx/>
-              <a:buFontTx/>
               <a:buNone/>
-              <a:tabLst/>
-            </a:pPr>
-            <a:r>
-              <a:rPr kumimoji="0" lang="en-GB" sz="1600" b="0" i="0" u="none" strike="noStrike" cap="none" normalizeH="0" baseline="0" dirty="0" smtClean="0">
-                <a:ln>
-                  <a:noFill/>
-                </a:ln>
-                <a:solidFill>
-                  <a:srgbClr val="000000"/>
-                </a:solidFill>
-                <a:effectLst/>
-                <a:latin typeface="Courier New" pitchFamily="49" charset="0"/>
-                <a:cs typeface="Courier New" pitchFamily="49" charset="0"/>
-              </a:rPr>
-              <a:t>Dice</a:t>
-            </a:r>
-            <a:r>
-              <a:rPr kumimoji="0" lang="de-DE" sz="1600" b="0" i="0" u="none" strike="noStrike" cap="none" normalizeH="0" baseline="0" dirty="0" smtClean="0">
-                <a:ln>
-                  <a:noFill/>
-                </a:ln>
-                <a:solidFill>
-                  <a:srgbClr val="000000"/>
-                </a:solidFill>
-                <a:effectLst/>
-                <a:latin typeface="Courier New" pitchFamily="49" charset="0"/>
-                <a:cs typeface="Courier New" pitchFamily="49" charset="0"/>
-              </a:rPr>
-              <a:t> </a:t>
-            </a:r>
-            <a:r>
-              <a:rPr kumimoji="0" lang="en-GB" sz="1600" b="0" i="0" u="none" strike="noStrike" cap="none" normalizeH="0" baseline="0" dirty="0" smtClean="0">
-                <a:ln>
-                  <a:noFill/>
-                </a:ln>
-                <a:solidFill>
-                  <a:srgbClr val="000000"/>
-                </a:solidFill>
-                <a:effectLst/>
-                <a:latin typeface="Courier New" pitchFamily="49" charset="0"/>
-                <a:cs typeface="Courier New" pitchFamily="49" charset="0"/>
-              </a:rPr>
-              <a:t>coefficients</a:t>
-            </a:r>
-            <a:endParaRPr kumimoji="0" lang="de-DE" sz="1600" b="0" i="0" u="none" strike="noStrike" cap="none" normalizeH="0" baseline="0" dirty="0" smtClean="0">
-              <a:ln>
-                <a:noFill/>
-              </a:ln>
+              <a:defRPr sz="4400" kern="1200">
+                <a:solidFill>
+                  <a:schemeClr val="tx1"/>
+                </a:solidFill>
+                <a:latin typeface="+mj-lt"/>
+                <a:ea typeface="+mj-ea"/>
+                <a:cs typeface="+mj-cs"/>
+              </a:defRPr>
+            </a:lvl1pPr>
+          </a:lstStyle>
+          <a:p>
+            <a:r>
+              <a:rPr lang="en-US" sz="3600" dirty="0" smtClean="0">
+                <a:solidFill>
+                  <a:schemeClr val="tx2">
+                    <a:lumMod val="40000"/>
+                    <a:lumOff val="60000"/>
+                  </a:schemeClr>
+                </a:solidFill>
+                <a:latin typeface="Courier New" pitchFamily="49" charset="0"/>
+                <a:cs typeface="Courier New" pitchFamily="49" charset="0"/>
+              </a:rPr>
+              <a:t>Affine</a:t>
+            </a:r>
+            <a:endParaRPr lang="en-GB" sz="3600" dirty="0">
               <a:solidFill>
-                <a:srgbClr val="000000"/>
-              </a:solidFill>
-              <a:effectLst/>
-              <a:latin typeface="Courier New" pitchFamily="49" charset="0"/>
-              <a:cs typeface="Courier New" pitchFamily="49" charset="0"/>
-            </a:endParaRPr>
-          </a:p>
-        </p:txBody>
-      </p:sp>
-      <p:pic>
-        <p:nvPicPr>
-          <p:cNvPr id="25" name="Picture 7"/>
-          <p:cNvPicPr>
-            <a:picLocks noChangeAspect="1" noChangeArrowheads="1"/>
-          </p:cNvPicPr>
-          <p:nvPr/>
-        </p:nvPicPr>
-        <p:blipFill>
-          <a:blip r:embed="rId4" cstate="print">
-            <a:extLst>
-              <a:ext uri="{28A0092B-C50C-407E-A947-70E740481C1C}">
-                <a14:useLocalDpi xmlns:a14="http://schemas.microsoft.com/office/drawing/2010/main" val="0"/>
-              </a:ext>
-            </a:extLst>
-          </a:blip>
-          <a:srcRect/>
-          <a:stretch>
-            <a:fillRect/>
-          </a:stretch>
-        </p:blipFill>
-        <p:spPr bwMode="auto">
-          <a:xfrm>
-            <a:off x="769554" y="2996996"/>
-            <a:ext cx="1159336" cy="1152000"/>
-          </a:xfrm>
-          <a:prstGeom prst="rect">
-            <a:avLst/>
-          </a:prstGeom>
-          <a:noFill/>
-          <a:ln>
-            <a:noFill/>
-          </a:ln>
-          <a:effectLst/>
-          <a:extLst>
-            <a:ext uri="{909E8E84-426E-40DD-AFC4-6F175D3DCCD1}">
-              <a14:hiddenFill xmlns:a14="http://schemas.microsoft.com/office/drawing/2010/main">
-                <a:solidFill>
-                  <a:schemeClr val="accent1"/>
-                </a:solidFill>
-              </a14:hiddenFill>
-            </a:ext>
-            <a:ext uri="{91240B29-F687-4F45-9708-019B960494DF}">
-              <a14:hiddenLine xmlns:a14="http://schemas.microsoft.com/office/drawing/2010/main" w="9525">
-                <a:solidFill>
-                  <a:schemeClr val="tx1"/>
-                </a:solidFill>
-                <a:miter lim="800000"/>
-                <a:headEnd/>
-                <a:tailEnd/>
-              </a14:hiddenLine>
-            </a:ext>
-            <a:ext uri="{AF507438-7753-43E0-B8FC-AC1667EBCBE1}">
-              <a14:hiddenEffects xmlns:a14="http://schemas.microsoft.com/office/drawing/2010/main">
-                <a:effectLst>
-                  <a:outerShdw dist="35921" dir="2700000" algn="ctr" rotWithShape="0">
-                    <a:schemeClr val="bg2"/>
-                  </a:outerShdw>
-                </a:effectLst>
-              </a14:hiddenEffects>
-            </a:ext>
-          </a:extLst>
-        </p:spPr>
-      </p:pic>
-      <p:sp>
-        <p:nvSpPr>
-          <p:cNvPr id="32" name="Textfeld 31"/>
-          <p:cNvSpPr txBox="1"/>
-          <p:nvPr/>
-        </p:nvSpPr>
-        <p:spPr>
-          <a:xfrm>
-            <a:off x="592630" y="4210744"/>
-            <a:ext cx="1506759" cy="338554"/>
-          </a:xfrm>
-          <a:prstGeom prst="rect">
-            <a:avLst/>
-          </a:prstGeom>
-          <a:noFill/>
-        </p:spPr>
-        <p:txBody>
-          <a:bodyPr wrap="none" rtlCol="0">
-            <a:spAutoFit/>
-          </a:bodyPr>
-          <a:lstStyle/>
-          <a:p>
-            <a:r>
-              <a:rPr lang="en-GB" sz="1600" dirty="0" smtClean="0"/>
-              <a:t>labels_registerd</a:t>
-            </a:r>
-            <a:endParaRPr lang="en-GB" dirty="0"/>
-          </a:p>
-        </p:txBody>
-      </p:sp>
-      <p:pic>
-        <p:nvPicPr>
-          <p:cNvPr id="36" name="Picture 7"/>
-          <p:cNvPicPr>
-            <a:picLocks noChangeAspect="1" noChangeArrowheads="1"/>
-          </p:cNvPicPr>
-          <p:nvPr/>
-        </p:nvPicPr>
-        <p:blipFill>
-          <a:blip r:embed="rId4" cstate="print">
-            <a:extLst>
-              <a:ext uri="{28A0092B-C50C-407E-A947-70E740481C1C}">
-                <a14:useLocalDpi xmlns:a14="http://schemas.microsoft.com/office/drawing/2010/main" val="0"/>
-              </a:ext>
-            </a:extLst>
-          </a:blip>
-          <a:srcRect/>
-          <a:stretch>
-            <a:fillRect/>
-          </a:stretch>
-        </p:blipFill>
-        <p:spPr bwMode="auto">
-          <a:xfrm>
-            <a:off x="3672157" y="2996952"/>
-            <a:ext cx="1159336" cy="1152000"/>
-          </a:xfrm>
-          <a:prstGeom prst="rect">
-            <a:avLst/>
-          </a:prstGeom>
-          <a:noFill/>
-          <a:ln>
-            <a:noFill/>
-          </a:ln>
-          <a:effectLst/>
-          <a:extLst>
-            <a:ext uri="{909E8E84-426E-40DD-AFC4-6F175D3DCCD1}">
-              <a14:hiddenFill xmlns:a14="http://schemas.microsoft.com/office/drawing/2010/main">
-                <a:solidFill>
-                  <a:schemeClr val="accent1"/>
-                </a:solidFill>
-              </a14:hiddenFill>
-            </a:ext>
-            <a:ext uri="{91240B29-F687-4F45-9708-019B960494DF}">
-              <a14:hiddenLine xmlns:a14="http://schemas.microsoft.com/office/drawing/2010/main" w="9525">
-                <a:solidFill>
-                  <a:schemeClr val="tx1"/>
-                </a:solidFill>
-                <a:miter lim="800000"/>
-                <a:headEnd/>
-                <a:tailEnd/>
-              </a14:hiddenLine>
-            </a:ext>
-            <a:ext uri="{AF507438-7753-43E0-B8FC-AC1667EBCBE1}">
-              <a14:hiddenEffects xmlns:a14="http://schemas.microsoft.com/office/drawing/2010/main">
-                <a:effectLst>
-                  <a:outerShdw dist="35921" dir="2700000" algn="ctr" rotWithShape="0">
-                    <a:schemeClr val="bg2"/>
-                  </a:outerShdw>
-                </a:effectLst>
-              </a14:hiddenEffects>
-            </a:ext>
-          </a:extLst>
-        </p:spPr>
-      </p:pic>
-      <p:sp>
-        <p:nvSpPr>
-          <p:cNvPr id="37" name="Textfeld 36"/>
-          <p:cNvSpPr txBox="1"/>
-          <p:nvPr/>
-        </p:nvSpPr>
-        <p:spPr>
-          <a:xfrm>
-            <a:off x="3514443" y="4210744"/>
-            <a:ext cx="1553310" cy="584775"/>
-          </a:xfrm>
-          <a:prstGeom prst="rect">
-            <a:avLst/>
-          </a:prstGeom>
-          <a:noFill/>
-        </p:spPr>
-        <p:txBody>
-          <a:bodyPr wrap="none" rtlCol="0">
-            <a:spAutoFit/>
-          </a:bodyPr>
-          <a:lstStyle/>
-          <a:p>
-            <a:r>
-              <a:rPr lang="en-GB" sz="1600" dirty="0" smtClean="0"/>
-              <a:t>labels_mniatlas/</a:t>
-            </a:r>
-          </a:p>
-          <a:p>
-            <a:r>
-              <a:rPr lang="en-GB" sz="1600" dirty="0"/>
-              <a:t>g</a:t>
-            </a:r>
-            <a:r>
-              <a:rPr lang="en-GB" sz="1600" dirty="0" smtClean="0"/>
-              <a:t>round truth</a:t>
-            </a:r>
-            <a:endParaRPr lang="en-GB" dirty="0"/>
-          </a:p>
-        </p:txBody>
-      </p:sp>
-      <p:sp>
-        <p:nvSpPr>
-          <p:cNvPr id="38" name="Textfeld 37"/>
-          <p:cNvSpPr txBox="1"/>
-          <p:nvPr/>
-        </p:nvSpPr>
-        <p:spPr>
-          <a:xfrm>
-            <a:off x="2184458" y="3013417"/>
-            <a:ext cx="1295547" cy="338554"/>
-          </a:xfrm>
-          <a:prstGeom prst="rect">
-            <a:avLst/>
-          </a:prstGeom>
-          <a:noFill/>
-        </p:spPr>
-        <p:txBody>
-          <a:bodyPr wrap="none" rtlCol="0">
-            <a:spAutoFit/>
-          </a:bodyPr>
-          <a:lstStyle/>
-          <a:p>
-            <a:pPr algn="ctr"/>
-            <a:r>
-              <a:rPr lang="en-GB" sz="1600" dirty="0" smtClean="0">
-                <a:solidFill>
-                  <a:srgbClr val="000000"/>
-                </a:solidFill>
-                <a:latin typeface="Courier New" pitchFamily="49" charset="0"/>
-                <a:cs typeface="Courier New" pitchFamily="49" charset="0"/>
-              </a:rPr>
-              <a:t>Evaluator</a:t>
-            </a:r>
-            <a:endParaRPr lang="en-GB" sz="1100" dirty="0">
-              <a:solidFill>
-                <a:srgbClr val="000000"/>
+                <a:schemeClr val="tx2">
+                  <a:lumMod val="40000"/>
+                  <a:lumOff val="60000"/>
+                </a:schemeClr>
               </a:solidFill>
               <a:latin typeface="Courier New" pitchFamily="49" charset="0"/>
               <a:cs typeface="Courier New" pitchFamily="49" charset="0"/>
@@ -14173,93 +19249,10 @@
           </a:p>
         </p:txBody>
       </p:sp>
-      <p:cxnSp>
-        <p:nvCxnSpPr>
-          <p:cNvPr id="3" name="Gerade Verbindung mit Pfeil 2"/>
-          <p:cNvCxnSpPr/>
-          <p:nvPr/>
-        </p:nvCxnSpPr>
-        <p:spPr>
-          <a:xfrm>
-            <a:off x="2195736" y="3610387"/>
-            <a:ext cx="1222505" cy="0"/>
-          </a:xfrm>
-          <a:prstGeom prst="straightConnector1">
-            <a:avLst/>
-          </a:prstGeom>
-          <a:ln w="28575">
-            <a:solidFill>
-              <a:schemeClr val="tx1"/>
-            </a:solidFill>
-            <a:headEnd type="arrow"/>
-            <a:tailEnd type="arrow"/>
-          </a:ln>
-        </p:spPr>
-        <p:style>
-          <a:lnRef idx="1">
-            <a:schemeClr val="accent1"/>
-          </a:lnRef>
-          <a:fillRef idx="0">
-            <a:schemeClr val="accent1"/>
-          </a:fillRef>
-          <a:effectRef idx="0">
-            <a:schemeClr val="accent1"/>
-          </a:effectRef>
-          <a:fontRef idx="minor">
-            <a:schemeClr val="tx1"/>
-          </a:fontRef>
-        </p:style>
-      </p:cxnSp>
-      <p:sp>
-        <p:nvSpPr>
-          <p:cNvPr id="39" name="Pfeil nach rechts 38"/>
-          <p:cNvSpPr/>
-          <p:nvPr/>
-        </p:nvSpPr>
-        <p:spPr>
-          <a:xfrm>
-            <a:off x="5242017" y="3534472"/>
-            <a:ext cx="626127" cy="151830"/>
-          </a:xfrm>
-          <a:prstGeom prst="rightArrow">
-            <a:avLst>
-              <a:gd name="adj1" fmla="val 50000"/>
-              <a:gd name="adj2" fmla="val 89429"/>
-            </a:avLst>
-          </a:prstGeom>
-          <a:solidFill>
-            <a:schemeClr val="tx1"/>
-          </a:solidFill>
-        </p:spPr>
-        <p:style>
-          <a:lnRef idx="2">
-            <a:schemeClr val="dk1">
-              <a:shade val="50000"/>
-            </a:schemeClr>
-          </a:lnRef>
-          <a:fillRef idx="1">
-            <a:schemeClr val="dk1"/>
-          </a:fillRef>
-          <a:effectRef idx="0">
-            <a:schemeClr val="dk1"/>
-          </a:effectRef>
-          <a:fontRef idx="minor">
-            <a:schemeClr val="lt1"/>
-          </a:fontRef>
-        </p:style>
-        <p:txBody>
-          <a:bodyPr rtlCol="0" anchor="ctr"/>
-          <a:lstStyle/>
-          <a:p>
-            <a:pPr algn="ctr"/>
-            <a:endParaRPr lang="en-GB"/>
-          </a:p>
-        </p:txBody>
-      </p:sp>
     </p:spTree>
     <p:extLst>
       <p:ext uri="{BB962C8B-B14F-4D97-AF65-F5344CB8AC3E}">
-        <p14:creationId xmlns:p14="http://schemas.microsoft.com/office/powerpoint/2010/main" val="2475656273"/>
+        <p14:creationId xmlns:p14="http://schemas.microsoft.com/office/powerpoint/2010/main" val="1976873355"/>
       </p:ext>
     </p:extLst>
   </p:cSld>
@@ -14391,7 +19384,7 @@
                 <a:latin typeface="Courier New" pitchFamily="49" charset="0"/>
                 <a:cs typeface="Courier New" pitchFamily="49" charset="0"/>
               </a:rPr>
-              <a:t>Methods - Affine</a:t>
+              <a:t>Affine Registration</a:t>
             </a:r>
             <a:endParaRPr lang="en-GB" sz="2400" dirty="0">
               <a:solidFill>
@@ -15696,7 +20689,7 @@
                 <a:latin typeface="Courier New" pitchFamily="49" charset="0"/>
                 <a:cs typeface="Courier New" pitchFamily="49" charset="0"/>
               </a:rPr>
-              <a:t>Simpleitk</a:t>
+              <a:t>SimpleITK</a:t>
             </a:r>
             <a:r>
               <a:rPr lang="de-DE" dirty="0" smtClean="0">
@@ -16001,7 +20994,7 @@
                 <a:latin typeface="Courier New" pitchFamily="49" charset="0"/>
                 <a:cs typeface="Courier New" pitchFamily="49" charset="0"/>
               </a:rPr>
-              <a:t>Methods - optimization</a:t>
+              <a:t>Optimization</a:t>
             </a:r>
             <a:endParaRPr lang="en-GB" sz="3600" dirty="0">
               <a:solidFill>
@@ -16123,8 +21116,8 @@
         </p:nvSpPr>
         <p:spPr>
           <a:xfrm>
-            <a:off x="425138" y="2780928"/>
-            <a:ext cx="8179310" cy="2585323"/>
+            <a:off x="425138" y="2636912"/>
+            <a:ext cx="8179310" cy="2092881"/>
           </a:xfrm>
           <a:prstGeom prst="rect">
             <a:avLst/>
@@ -16146,163 +21139,170 @@
           <a:lstStyle/>
           <a:p>
             <a:r>
-              <a:rPr lang="de-CH" b="1" dirty="0">
-                <a:latin typeface="Courier New" pitchFamily="49" charset="0"/>
-                <a:cs typeface="Courier New" pitchFamily="49" charset="0"/>
-              </a:rPr>
-              <a:t>For</a:t>
-            </a:r>
-            <a:r>
-              <a:rPr lang="de-CH" dirty="0" smtClean="0">
-                <a:latin typeface="Courier New" pitchFamily="49" charset="0"/>
-                <a:cs typeface="Courier New" pitchFamily="49" charset="0"/>
-              </a:rPr>
-              <a:t> </a:t>
-            </a:r>
-            <a:r>
-              <a:rPr lang="de-DE" dirty="0" smtClean="0">
-                <a:latin typeface="Courier New" pitchFamily="49" charset="0"/>
-                <a:cs typeface="Courier New" pitchFamily="49" charset="0"/>
-              </a:rPr>
-              <a:t>each Setting of parameters</a:t>
-            </a:r>
-            <a:endParaRPr lang="en-GB" dirty="0" smtClean="0">
+              <a:rPr lang="de-CH" sz="1400" b="1" dirty="0" smtClean="0">
+                <a:solidFill>
+                  <a:srgbClr val="000080"/>
+                </a:solidFill>
+                <a:latin typeface="Courier New" pitchFamily="49" charset="0"/>
+                <a:cs typeface="Courier New" pitchFamily="49" charset="0"/>
+              </a:rPr>
+              <a:t>FOR </a:t>
+            </a:r>
+            <a:r>
+              <a:rPr lang="de-DE" sz="1400" b="1" dirty="0" smtClean="0">
+                <a:solidFill>
+                  <a:srgbClr val="000080"/>
+                </a:solidFill>
+                <a:latin typeface="Courier New" pitchFamily="49" charset="0"/>
+                <a:cs typeface="Courier New" pitchFamily="49" charset="0"/>
+              </a:rPr>
+              <a:t>EACH </a:t>
+            </a:r>
+            <a:r>
+              <a:rPr lang="de-DE" sz="1400" dirty="0" smtClean="0">
+                <a:latin typeface="Courier New" pitchFamily="49" charset="0"/>
+                <a:cs typeface="Courier New" pitchFamily="49" charset="0"/>
+              </a:rPr>
+              <a:t>Setting of parameters</a:t>
+            </a:r>
+            <a:endParaRPr lang="en-GB" sz="1400" dirty="0" smtClean="0">
               <a:latin typeface="Courier New" pitchFamily="49" charset="0"/>
               <a:cs typeface="Courier New" pitchFamily="49" charset="0"/>
             </a:endParaRPr>
           </a:p>
           <a:p>
             <a:r>
-              <a:rPr lang="de-CH" dirty="0">
+              <a:rPr lang="de-CH" sz="1400" dirty="0">
                 <a:latin typeface="Courier New" pitchFamily="49" charset="0"/>
                 <a:cs typeface="Courier New" pitchFamily="49" charset="0"/>
               </a:rPr>
               <a:t>	</a:t>
             </a:r>
-            <a:endParaRPr lang="de-CH" dirty="0">
+          </a:p>
+          <a:p>
+            <a:r>
+              <a:rPr lang="de-CH" sz="1400" dirty="0" smtClean="0">
+                <a:latin typeface="Courier New" pitchFamily="49" charset="0"/>
+                <a:cs typeface="Courier New" pitchFamily="49" charset="0"/>
+              </a:rPr>
+              <a:t>	</a:t>
+            </a:r>
+            <a:r>
+              <a:rPr lang="de-CH" sz="1400" b="1" dirty="0" smtClean="0">
+                <a:solidFill>
+                  <a:srgbClr val="000080"/>
+                </a:solidFill>
+                <a:latin typeface="Courier New" pitchFamily="49" charset="0"/>
+                <a:cs typeface="Courier New" pitchFamily="49" charset="0"/>
+              </a:rPr>
+              <a:t>FOR</a:t>
+            </a:r>
+            <a:r>
+              <a:rPr lang="de-CH" sz="1400" dirty="0" smtClean="0">
+                <a:latin typeface="Courier New" pitchFamily="49" charset="0"/>
+                <a:cs typeface="Courier New" pitchFamily="49" charset="0"/>
+              </a:rPr>
+              <a:t> </a:t>
+            </a:r>
+            <a:r>
+              <a:rPr lang="de-CH" sz="1400" dirty="0" smtClean="0">
+                <a:latin typeface="Courier New" pitchFamily="49" charset="0"/>
+                <a:cs typeface="Courier New" pitchFamily="49" charset="0"/>
+              </a:rPr>
+              <a:t>10 patients</a:t>
+            </a:r>
+          </a:p>
+          <a:p>
+            <a:r>
+              <a:rPr lang="de-CH" sz="1400" dirty="0">
+                <a:latin typeface="Courier New" pitchFamily="49" charset="0"/>
+                <a:cs typeface="Courier New" pitchFamily="49" charset="0"/>
+              </a:rPr>
+              <a:t>	</a:t>
+            </a:r>
+            <a:r>
+              <a:rPr lang="de-CH" sz="1400" dirty="0" smtClean="0">
+                <a:latin typeface="Courier New" pitchFamily="49" charset="0"/>
+                <a:cs typeface="Courier New" pitchFamily="49" charset="0"/>
+              </a:rPr>
+              <a:t>	Dice[White, Grey, Ventricles] = evaluate()</a:t>
+            </a:r>
+            <a:endParaRPr lang="en-GB" sz="1400" dirty="0" smtClean="0">
               <a:latin typeface="Courier New" pitchFamily="49" charset="0"/>
               <a:cs typeface="Courier New" pitchFamily="49" charset="0"/>
             </a:endParaRPr>
           </a:p>
           <a:p>
-            <a:r>
-              <a:rPr lang="de-CH" dirty="0" smtClean="0">
-                <a:latin typeface="Courier New" pitchFamily="49" charset="0"/>
-                <a:cs typeface="Courier New" pitchFamily="49" charset="0"/>
-              </a:rPr>
-              <a:t>	</a:t>
-            </a:r>
-            <a:r>
-              <a:rPr lang="de-CH" b="1" dirty="0" smtClean="0">
-                <a:latin typeface="Courier New" pitchFamily="49" charset="0"/>
-                <a:cs typeface="Courier New" pitchFamily="49" charset="0"/>
-              </a:rPr>
-              <a:t>For</a:t>
-            </a:r>
-            <a:r>
-              <a:rPr lang="de-CH" dirty="0" smtClean="0">
-                <a:latin typeface="Courier New" pitchFamily="49" charset="0"/>
-                <a:cs typeface="Courier New" pitchFamily="49" charset="0"/>
-              </a:rPr>
-              <a:t> 10</a:t>
-            </a:r>
-            <a:r>
-              <a:rPr lang="de-CH" dirty="0" smtClean="0">
-                <a:latin typeface="Courier New" pitchFamily="49" charset="0"/>
-                <a:cs typeface="Courier New" pitchFamily="49" charset="0"/>
-              </a:rPr>
-              <a:t> </a:t>
-            </a:r>
-            <a:r>
-              <a:rPr lang="de-CH" dirty="0" smtClean="0">
-                <a:latin typeface="Courier New" pitchFamily="49" charset="0"/>
-                <a:cs typeface="Courier New" pitchFamily="49" charset="0"/>
-              </a:rPr>
-              <a:t>patients</a:t>
-            </a:r>
-          </a:p>
-          <a:p>
-            <a:r>
-              <a:rPr lang="de-CH" dirty="0">
-                <a:latin typeface="Courier New" pitchFamily="49" charset="0"/>
-                <a:cs typeface="Courier New" pitchFamily="49" charset="0"/>
-              </a:rPr>
-              <a:t>	</a:t>
-            </a:r>
-            <a:r>
-              <a:rPr lang="de-CH" dirty="0" smtClean="0">
-                <a:latin typeface="Courier New" pitchFamily="49" charset="0"/>
-                <a:cs typeface="Courier New" pitchFamily="49" charset="0"/>
-              </a:rPr>
-              <a:t>	Dice[White, Grey, Ventricles]</a:t>
-            </a:r>
-            <a:r>
-              <a:rPr lang="de-CH" dirty="0" smtClean="0">
-                <a:latin typeface="Courier New" pitchFamily="49" charset="0"/>
-                <a:cs typeface="Courier New" pitchFamily="49" charset="0"/>
-              </a:rPr>
-              <a:t> = evaluate()</a:t>
-            </a:r>
-            <a:endParaRPr lang="en-GB" dirty="0" smtClean="0">
+            <a:endParaRPr lang="en-GB" sz="1400" dirty="0" smtClean="0">
               <a:latin typeface="Courier New" pitchFamily="49" charset="0"/>
               <a:cs typeface="Courier New" pitchFamily="49" charset="0"/>
             </a:endParaRPr>
           </a:p>
           <a:p>
-            <a:endParaRPr lang="en-GB" dirty="0" smtClean="0">
+            <a:r>
+              <a:rPr lang="en-GB" sz="1400" dirty="0">
+                <a:latin typeface="Courier New" pitchFamily="49" charset="0"/>
+                <a:cs typeface="Courier New" pitchFamily="49" charset="0"/>
+              </a:rPr>
+              <a:t>	</a:t>
+            </a:r>
+            <a:r>
+              <a:rPr lang="en-GB" sz="1400" b="1" dirty="0" smtClean="0">
+                <a:solidFill>
+                  <a:srgbClr val="000080"/>
+                </a:solidFill>
+                <a:latin typeface="Courier New" pitchFamily="49" charset="0"/>
+                <a:cs typeface="Courier New" pitchFamily="49" charset="0"/>
+              </a:rPr>
+              <a:t>SAVE</a:t>
+            </a:r>
+            <a:r>
+              <a:rPr lang="en-GB" sz="1400" dirty="0" smtClean="0">
+                <a:latin typeface="Courier New" pitchFamily="49" charset="0"/>
+                <a:cs typeface="Courier New" pitchFamily="49" charset="0"/>
+              </a:rPr>
+              <a:t> </a:t>
+            </a:r>
+            <a:r>
+              <a:rPr lang="en-GB" sz="1400" dirty="0" smtClean="0">
+                <a:latin typeface="Courier New" pitchFamily="49" charset="0"/>
+                <a:cs typeface="Courier New" pitchFamily="49" charset="0"/>
+              </a:rPr>
+              <a:t>mean Dice over the 10 patients</a:t>
+            </a:r>
+          </a:p>
+          <a:p>
+            <a:endParaRPr lang="de-DE" sz="1400" dirty="0" smtClean="0">
               <a:latin typeface="Courier New" pitchFamily="49" charset="0"/>
               <a:cs typeface="Courier New" pitchFamily="49" charset="0"/>
             </a:endParaRPr>
           </a:p>
           <a:p>
             <a:r>
-              <a:rPr lang="en-GB" dirty="0">
-                <a:latin typeface="Courier New" pitchFamily="49" charset="0"/>
-                <a:cs typeface="Courier New" pitchFamily="49" charset="0"/>
-              </a:rPr>
-              <a:t>	</a:t>
-            </a:r>
-            <a:r>
-              <a:rPr lang="en-GB" b="1" dirty="0" smtClean="0">
-                <a:latin typeface="Courier New" pitchFamily="49" charset="0"/>
-                <a:cs typeface="Courier New" pitchFamily="49" charset="0"/>
-              </a:rPr>
-              <a:t>Save</a:t>
-            </a:r>
-            <a:r>
-              <a:rPr lang="en-GB" dirty="0" smtClean="0">
-                <a:latin typeface="Courier New" pitchFamily="49" charset="0"/>
-                <a:cs typeface="Courier New" pitchFamily="49" charset="0"/>
-              </a:rPr>
-              <a:t> mean Dice over the 10 patients</a:t>
-            </a:r>
-            <a:endParaRPr lang="en-GB" dirty="0" smtClean="0">
-              <a:latin typeface="Courier New" pitchFamily="49" charset="0"/>
-              <a:cs typeface="Courier New" pitchFamily="49" charset="0"/>
-            </a:endParaRPr>
-          </a:p>
-          <a:p>
-            <a:endParaRPr lang="de-DE" dirty="0" smtClean="0">
-              <a:latin typeface="Courier New" pitchFamily="49" charset="0"/>
-              <a:cs typeface="Courier New" pitchFamily="49" charset="0"/>
-            </a:endParaRPr>
-          </a:p>
-          <a:p>
-            <a:r>
-              <a:rPr lang="de-DE" b="1" dirty="0" smtClean="0">
-                <a:latin typeface="Courier New" pitchFamily="49" charset="0"/>
-                <a:cs typeface="Courier New" pitchFamily="49" charset="0"/>
-              </a:rPr>
-              <a:t>Choose </a:t>
-            </a:r>
-            <a:r>
-              <a:rPr lang="de-DE" dirty="0" smtClean="0">
+              <a:rPr lang="de-DE" sz="1400" b="1" dirty="0" smtClean="0">
+                <a:solidFill>
+                  <a:srgbClr val="000080"/>
+                </a:solidFill>
+                <a:latin typeface="Courier New" pitchFamily="49" charset="0"/>
+                <a:cs typeface="Courier New" pitchFamily="49" charset="0"/>
+              </a:rPr>
+              <a:t>CHOOSE</a:t>
+            </a:r>
+            <a:r>
+              <a:rPr lang="de-DE" sz="1400" b="1" dirty="0" smtClean="0">
+                <a:latin typeface="Courier New" pitchFamily="49" charset="0"/>
+                <a:cs typeface="Courier New" pitchFamily="49" charset="0"/>
+              </a:rPr>
+              <a:t> </a:t>
+            </a:r>
+            <a:r>
+              <a:rPr lang="de-DE" sz="1400" dirty="0" smtClean="0">
                 <a:latin typeface="Courier New" pitchFamily="49" charset="0"/>
                 <a:cs typeface="Courier New" pitchFamily="49" charset="0"/>
               </a:rPr>
               <a:t>setting with highest Dice</a:t>
             </a:r>
-            <a:endParaRPr lang="de-CH" dirty="0" smtClean="0">
+            <a:endParaRPr lang="de-CH" sz="1400" dirty="0" smtClean="0">
               <a:latin typeface="Courier New" pitchFamily="49" charset="0"/>
               <a:cs typeface="Courier New" pitchFamily="49" charset="0"/>
             </a:endParaRPr>
@@ -16605,7 +21605,20 @@
                 <a:latin typeface="Courier New" pitchFamily="49" charset="0"/>
                 <a:cs typeface="Courier New" pitchFamily="49" charset="0"/>
               </a:rPr>
-              <a:t>Result 1 - Affine</a:t>
+              <a:t>Result </a:t>
+            </a:r>
+            <a:r>
+              <a:rPr lang="en-US" sz="3600" dirty="0" smtClean="0">
+                <a:solidFill>
+                  <a:schemeClr val="tx2">
+                    <a:lumMod val="40000"/>
+                    <a:lumOff val="60000"/>
+                  </a:schemeClr>
+                </a:solidFill>
+                <a:latin typeface="Courier New" pitchFamily="49" charset="0"/>
+                <a:cs typeface="Courier New" pitchFamily="49" charset="0"/>
+              </a:rPr>
+              <a:t>1</a:t>
             </a:r>
             <a:endParaRPr lang="en-GB" sz="3600" dirty="0">
               <a:solidFill>
@@ -16742,8 +21755,8 @@
         </p:blipFill>
         <p:spPr bwMode="auto">
           <a:xfrm>
-            <a:off x="395536" y="1844824"/>
-            <a:ext cx="5258815" cy="4176464"/>
+            <a:off x="395536" y="2204864"/>
+            <a:ext cx="4805469" cy="3816424"/>
           </a:xfrm>
           <a:prstGeom prst="rect">
             <a:avLst/>
@@ -16791,7 +21804,7 @@
         </p:nvSpPr>
         <p:spPr>
           <a:xfrm>
-            <a:off x="6084168" y="3322507"/>
+            <a:off x="5652120" y="2276872"/>
             <a:ext cx="2390398" cy="1200329"/>
           </a:xfrm>
           <a:prstGeom prst="rect">
@@ -16810,6 +21823,69 @@
                 <a:latin typeface="Courier New" pitchFamily="49" charset="0"/>
                 <a:cs typeface="Courier New" pitchFamily="49" charset="0"/>
               </a:rPr>
+              <a:t>Best Parameters:</a:t>
+            </a:r>
+          </a:p>
+          <a:p>
+            <a:r>
+              <a:rPr lang="en-GB" dirty="0" smtClean="0">
+                <a:latin typeface="Courier New" pitchFamily="49" charset="0"/>
+                <a:cs typeface="Courier New" pitchFamily="49" charset="0"/>
+              </a:rPr>
+              <a:t>.</a:t>
+            </a:r>
+          </a:p>
+          <a:p>
+            <a:r>
+              <a:rPr lang="en-GB" dirty="0" smtClean="0">
+                <a:latin typeface="Courier New" pitchFamily="49" charset="0"/>
+                <a:cs typeface="Courier New" pitchFamily="49" charset="0"/>
+              </a:rPr>
+              <a:t>.</a:t>
+            </a:r>
+          </a:p>
+          <a:p>
+            <a:r>
+              <a:rPr lang="en-GB" dirty="0">
+                <a:latin typeface="Courier New" pitchFamily="49" charset="0"/>
+                <a:cs typeface="Courier New" pitchFamily="49" charset="0"/>
+              </a:rPr>
+              <a:t>.</a:t>
+            </a:r>
+            <a:endParaRPr lang="en-GB" dirty="0" smtClean="0">
+              <a:latin typeface="Courier New" pitchFamily="49" charset="0"/>
+              <a:cs typeface="Courier New" pitchFamily="49" charset="0"/>
+            </a:endParaRPr>
+          </a:p>
+        </p:txBody>
+      </p:sp>
+      <p:sp>
+        <p:nvSpPr>
+          <p:cNvPr id="10" name="Textfeld 9"/>
+          <p:cNvSpPr txBox="1"/>
+          <p:nvPr/>
+        </p:nvSpPr>
+        <p:spPr>
+          <a:xfrm>
+            <a:off x="5652120" y="3789040"/>
+            <a:ext cx="1563248" cy="1200329"/>
+          </a:xfrm>
+          <a:prstGeom prst="rect">
+            <a:avLst/>
+          </a:prstGeom>
+          <a:noFill/>
+        </p:spPr>
+        <p:txBody>
+          <a:bodyPr wrap="none" rtlCol="0">
+            <a:spAutoFit/>
+          </a:bodyPr>
+          <a:lstStyle/>
+          <a:p>
+            <a:r>
+              <a:rPr lang="en-GB" dirty="0" smtClean="0">
+                <a:latin typeface="Courier New" pitchFamily="49" charset="0"/>
+                <a:cs typeface="Courier New" pitchFamily="49" charset="0"/>
+              </a:rPr>
               <a:t>Best </a:t>
             </a:r>
             <a:r>
@@ -16817,15 +21893,26 @@
                 <a:latin typeface="Courier New" pitchFamily="49" charset="0"/>
                 <a:cs typeface="Courier New" pitchFamily="49" charset="0"/>
               </a:rPr>
-              <a:t>Parameters:</a:t>
-            </a:r>
-          </a:p>
-          <a:p>
+              <a:t>Dice</a:t>
+            </a:r>
             <a:r>
               <a:rPr lang="en-GB" dirty="0" smtClean="0">
                 <a:latin typeface="Courier New" pitchFamily="49" charset="0"/>
                 <a:cs typeface="Courier New" pitchFamily="49" charset="0"/>
               </a:rPr>
+              <a:t>:</a:t>
+            </a:r>
+            <a:endParaRPr lang="en-GB" dirty="0" smtClean="0">
+              <a:latin typeface="Courier New" pitchFamily="49" charset="0"/>
+              <a:cs typeface="Courier New" pitchFamily="49" charset="0"/>
+            </a:endParaRPr>
+          </a:p>
+          <a:p>
+            <a:r>
+              <a:rPr lang="en-GB" dirty="0" smtClean="0">
+                <a:latin typeface="Courier New" pitchFamily="49" charset="0"/>
+                <a:cs typeface="Courier New" pitchFamily="49" charset="0"/>
+              </a:rPr>
               <a:t>.</a:t>
             </a:r>
           </a:p>
@@ -16847,6 +21934,97 @@
               <a:t>.</a:t>
             </a:r>
             <a:endParaRPr lang="en-GB" dirty="0" smtClean="0">
+              <a:latin typeface="Courier New" pitchFamily="49" charset="0"/>
+              <a:cs typeface="Courier New" pitchFamily="49" charset="0"/>
+            </a:endParaRPr>
+          </a:p>
+        </p:txBody>
+      </p:sp>
+      <p:sp>
+        <p:nvSpPr>
+          <p:cNvPr id="11" name="Rectangle 9"/>
+          <p:cNvSpPr>
+            <a:spLocks noChangeArrowheads="1"/>
+          </p:cNvSpPr>
+          <p:nvPr/>
+        </p:nvSpPr>
+        <p:spPr bwMode="auto">
+          <a:xfrm>
+            <a:off x="395536" y="1657460"/>
+            <a:ext cx="6624736" cy="400110"/>
+          </a:xfrm>
+          <a:prstGeom prst="rect">
+            <a:avLst/>
+          </a:prstGeom>
+          <a:solidFill>
+            <a:srgbClr val="FFFFFF"/>
+          </a:solidFill>
+          <a:ln w="9525">
+            <a:solidFill>
+              <a:schemeClr val="bg1"/>
+            </a:solidFill>
+            <a:miter lim="800000"/>
+            <a:headEnd/>
+            <a:tailEnd/>
+          </a:ln>
+          <a:effectLst/>
+          <a:extLst>
+            <a:ext uri="{AF507438-7753-43E0-B8FC-AC1667EBCBE1}">
+              <a14:hiddenEffects xmlns:a14="http://schemas.microsoft.com/office/drawing/2010/main">
+                <a:effectLst>
+                  <a:outerShdw dist="35921" dir="2700000" algn="ctr" rotWithShape="0">
+                    <a:schemeClr val="bg2"/>
+                  </a:outerShdw>
+                </a:effectLst>
+              </a14:hiddenEffects>
+            </a:ext>
+          </a:extLst>
+        </p:spPr>
+        <p:txBody>
+          <a:bodyPr vert="horz" wrap="square" lIns="91440" tIns="45720" rIns="91440" bIns="45720" numCol="1" anchor="ctr" anchorCtr="0" compatLnSpc="1">
+            <a:prstTxWarp prst="textNoShape">
+              <a:avLst/>
+            </a:prstTxWarp>
+            <a:spAutoFit/>
+          </a:bodyPr>
+          <a:lstStyle/>
+          <a:p>
+            <a:pPr lvl="0" fontAlgn="base">
+              <a:spcBef>
+                <a:spcPct val="0"/>
+              </a:spcBef>
+              <a:spcAft>
+                <a:spcPct val="0"/>
+              </a:spcAft>
+            </a:pPr>
+            <a:r>
+              <a:rPr lang="de-DE" sz="2000" dirty="0" smtClean="0">
+                <a:solidFill>
+                  <a:srgbClr val="000000"/>
+                </a:solidFill>
+                <a:latin typeface="Courier New" pitchFamily="49" charset="0"/>
+                <a:cs typeface="Courier New" pitchFamily="49" charset="0"/>
+              </a:rPr>
+              <a:t>Affine </a:t>
+            </a:r>
+            <a:r>
+              <a:rPr lang="de-DE" sz="2000" dirty="0" err="1" smtClean="0">
+                <a:solidFill>
+                  <a:srgbClr val="000000"/>
+                </a:solidFill>
+                <a:latin typeface="Courier New" pitchFamily="49" charset="0"/>
+                <a:cs typeface="Courier New" pitchFamily="49" charset="0"/>
+              </a:rPr>
+              <a:t>transformation</a:t>
+            </a:r>
+            <a:endParaRPr kumimoji="0" lang="de-DE" sz="2000" b="0" i="0" u="none" strike="noStrike" cap="none" normalizeH="0" baseline="0" dirty="0" smtClean="0">
+              <a:ln>
+                <a:noFill/>
+              </a:ln>
+              <a:solidFill>
+                <a:srgbClr val="000000"/>
+              </a:solidFill>
+              <a:effectLst/>
               <a:latin typeface="Courier New" pitchFamily="49" charset="0"/>
               <a:cs typeface="Courier New" pitchFamily="49" charset="0"/>
             </a:endParaRPr>
@@ -16866,9 +22044,83 @@
   <p:timing>
     <p:tnLst>
       <p:par>
-        <p:cTn id="1" dur="indefinite" restart="never" nodeType="tmRoot"/>
+        <p:cTn id="1" dur="indefinite" restart="never" nodeType="tmRoot">
+          <p:childTnLst>
+            <p:seq concurrent="1" nextAc="seek">
+              <p:cTn id="2" dur="indefinite" nodeType="mainSeq">
+                <p:childTnLst>
+                  <p:par>
+                    <p:cTn id="3" fill="hold">
+                      <p:stCondLst>
+                        <p:cond delay="indefinite"/>
+                        <p:cond evt="onBegin" delay="0">
+                          <p:tn val="2"/>
+                        </p:cond>
+                      </p:stCondLst>
+                      <p:childTnLst>
+                        <p:par>
+                          <p:cTn id="4" fill="hold">
+                            <p:stCondLst>
+                              <p:cond delay="0"/>
+                            </p:stCondLst>
+                            <p:childTnLst>
+                              <p:par>
+                                <p:cTn id="5" presetID="1" presetClass="entr" presetSubtype="0" fill="hold" grpId="0" nodeType="withEffect">
+                                  <p:stCondLst>
+                                    <p:cond delay="0"/>
+                                  </p:stCondLst>
+                                  <p:childTnLst>
+                                    <p:set>
+                                      <p:cBhvr>
+                                        <p:cTn id="6" dur="1" fill="hold">
+                                          <p:stCondLst>
+                                            <p:cond delay="0"/>
+                                          </p:stCondLst>
+                                        </p:cTn>
+                                        <p:tgtEl>
+                                          <p:spTgt spid="11"/>
+                                        </p:tgtEl>
+                                        <p:attrNameLst>
+                                          <p:attrName>style.visibility</p:attrName>
+                                        </p:attrNameLst>
+                                      </p:cBhvr>
+                                      <p:to>
+                                        <p:strVal val="visible"/>
+                                      </p:to>
+                                    </p:set>
+                                  </p:childTnLst>
+                                </p:cTn>
+                              </p:par>
+                            </p:childTnLst>
+                          </p:cTn>
+                        </p:par>
+                      </p:childTnLst>
+                    </p:cTn>
+                  </p:par>
+                </p:childTnLst>
+              </p:cTn>
+              <p:prevCondLst>
+                <p:cond evt="onPrev" delay="0">
+                  <p:tgtEl>
+                    <p:sldTgt/>
+                  </p:tgtEl>
+                </p:cond>
+              </p:prevCondLst>
+              <p:nextCondLst>
+                <p:cond evt="onNext" delay="0">
+                  <p:tgtEl>
+                    <p:sldTgt/>
+                  </p:tgtEl>
+                </p:cond>
+              </p:nextCondLst>
+            </p:seq>
+          </p:childTnLst>
+        </p:cTn>
       </p:par>
     </p:tnLst>
+    <p:bldLst>
+      <p:bldP spid="11" grpId="0" animBg="1"/>
+    </p:bldLst>
   </p:timing>
 </p:sld>
 </file>
@@ -16978,7 +22230,7 @@
           <a:p>
             <a:pPr algn="l"/>
             <a:r>
-              <a:rPr lang="en-US" sz="3600" dirty="0" smtClean="0">
+              <a:rPr lang="en-US" sz="3600" dirty="0" err="1" smtClean="0">
                 <a:solidFill>
                   <a:schemeClr val="tx2">
                     <a:lumMod val="40000"/>
@@ -16988,7 +22240,7 @@
                 <a:latin typeface="Courier New" pitchFamily="49" charset="0"/>
                 <a:cs typeface="Courier New" pitchFamily="49" charset="0"/>
               </a:rPr>
-              <a:t>Bspline</a:t>
+              <a:t>BSpline</a:t>
             </a:r>
             <a:endParaRPr lang="en-GB" sz="3600" dirty="0">
               <a:solidFill>
@@ -17141,7 +22393,7 @@
           </a:lstStyle>
           <a:p>
             <a:r>
-              <a:rPr lang="en-US" sz="3600" smtClean="0">
+              <a:rPr lang="en-US" sz="3600" dirty="0" err="1" smtClean="0">
                 <a:solidFill>
                   <a:schemeClr val="tx2">
                     <a:lumMod val="40000"/>
@@ -17151,7 +22403,7 @@
                 <a:latin typeface="Courier New" pitchFamily="49" charset="0"/>
                 <a:cs typeface="Courier New" pitchFamily="49" charset="0"/>
               </a:rPr>
-              <a:t>Bspline</a:t>
+              <a:t>BSpline</a:t>
             </a:r>
             <a:endParaRPr lang="en-GB" sz="3600" dirty="0">
               <a:solidFill>

--- a/wd/Documentation/MIALab presentation.pptx
+++ b/wd/Documentation/MIALab presentation.pptx
@@ -7058,20 +7058,7 @@
                 <a:latin typeface="Courier New" pitchFamily="49" charset="0"/>
                 <a:cs typeface="Courier New" pitchFamily="49" charset="0"/>
               </a:rPr>
-              <a:t>Result </a:t>
-            </a:r>
-            <a:r>
-              <a:rPr lang="en-US" sz="3600" dirty="0" smtClean="0">
-                <a:solidFill>
-                  <a:schemeClr val="tx2">
-                    <a:lumMod val="40000"/>
-                    <a:lumOff val="60000"/>
-                  </a:schemeClr>
-                </a:solidFill>
-                <a:latin typeface="Courier New" pitchFamily="49" charset="0"/>
-                <a:cs typeface="Courier New" pitchFamily="49" charset="0"/>
-              </a:rPr>
-              <a:t>2</a:t>
+              <a:t>Result 2</a:t>
             </a:r>
             <a:endParaRPr lang="en-GB" sz="3100" dirty="0">
               <a:solidFill>
@@ -7155,7 +7142,7 @@
         </p:nvCxnSpPr>
         <p:spPr>
           <a:xfrm>
-            <a:off x="395536" y="1512657"/>
+            <a:off x="395537" y="1512657"/>
             <a:ext cx="8208912" cy="0"/>
           </a:xfrm>
           <a:prstGeom prst="line">
@@ -7218,7 +7205,7 @@
         </p:blipFill>
         <p:spPr bwMode="auto">
           <a:xfrm>
-            <a:off x="395537" y="2162174"/>
+            <a:off x="395537" y="2219325"/>
             <a:ext cx="5760640" cy="4089995"/>
           </a:xfrm>
           <a:prstGeom prst="rect">
@@ -7269,7 +7256,7 @@
         </p:nvSpPr>
         <p:spPr bwMode="auto">
           <a:xfrm>
-            <a:off x="395536" y="1638325"/>
+            <a:off x="395536" y="1660738"/>
             <a:ext cx="6624736" cy="400110"/>
           </a:xfrm>
           <a:prstGeom prst="rect">
@@ -7308,7 +7295,7 @@
           </a:bodyPr>
           <a:lstStyle/>
           <a:p>
-            <a:pPr lvl="0" fontAlgn="base">
+            <a:pPr fontAlgn="base">
               <a:spcBef>
                 <a:spcPct val="0"/>
               </a:spcBef>
@@ -7324,16 +7311,42 @@
                 <a:latin typeface="Courier New" pitchFamily="49" charset="0"/>
                 <a:cs typeface="Courier New" pitchFamily="49" charset="0"/>
               </a:rPr>
-              <a:t>Pseudocode for optimization</a:t>
-            </a:r>
-            <a:endParaRPr kumimoji="0" lang="de-DE" sz="2000" b="0" i="0" u="none" strike="noStrike" cap="none" normalizeH="0" baseline="0" dirty="0" smtClean="0">
-              <a:ln>
-                <a:noFill/>
-              </a:ln>
+              <a:t>Affine/ </a:t>
+            </a:r>
+            <a:r>
+              <a:rPr lang="de-DE" sz="2000" dirty="0" err="1" smtClean="0">
+                <a:solidFill>
+                  <a:srgbClr val="000000"/>
+                </a:solidFill>
+                <a:latin typeface="Courier New" pitchFamily="49" charset="0"/>
+                <a:cs typeface="Courier New" pitchFamily="49" charset="0"/>
+              </a:rPr>
+              <a:t>BSpline</a:t>
+            </a:r>
+            <a:r>
+              <a:rPr lang="de-DE" sz="2000" dirty="0" smtClean="0">
+                <a:solidFill>
+                  <a:srgbClr val="000000"/>
+                </a:solidFill>
+                <a:latin typeface="Courier New" pitchFamily="49" charset="0"/>
+                <a:cs typeface="Courier New" pitchFamily="49" charset="0"/>
+              </a:rPr>
+              <a:t> </a:t>
+            </a:r>
+            <a:r>
+              <a:rPr lang="de-DE" sz="2000" dirty="0" err="1" smtClean="0">
+                <a:solidFill>
+                  <a:srgbClr val="000000"/>
+                </a:solidFill>
+                <a:latin typeface="Courier New" pitchFamily="49" charset="0"/>
+                <a:cs typeface="Courier New" pitchFamily="49" charset="0"/>
+              </a:rPr>
+              <a:t>transformation</a:t>
+            </a:r>
+            <a:endParaRPr lang="de-DE" sz="2000" dirty="0">
               <a:solidFill>
                 <a:srgbClr val="000000"/>
               </a:solidFill>
-              <a:effectLst/>
               <a:latin typeface="Courier New" pitchFamily="49" charset="0"/>
               <a:cs typeface="Courier New" pitchFamily="49" charset="0"/>
             </a:endParaRPr>
@@ -9076,10 +9089,6 @@
               </a:rPr>
               <a:t>However, there are difficulties in choosing right parameters.</a:t>
             </a:r>
-            <a:endParaRPr lang="en-GB" sz="1600" dirty="0" smtClean="0">
-              <a:latin typeface="Courier New" pitchFamily="49" charset="0"/>
-              <a:cs typeface="Courier New" pitchFamily="49" charset="0"/>
-            </a:endParaRPr>
           </a:p>
           <a:p>
             <a:endParaRPr lang="en-GB" dirty="0" smtClean="0">
@@ -9908,17 +9917,7 @@
                 <a:latin typeface="Courier New" pitchFamily="49" charset="0"/>
                 <a:cs typeface="Courier New" pitchFamily="49" charset="0"/>
               </a:rPr>
-              <a:t>1. r</a:t>
-            </a:r>
-            <a:r>
-              <a:rPr lang="en-GB" sz="1600" dirty="0" smtClean="0">
-                <a:solidFill>
-                  <a:srgbClr val="000000"/>
-                </a:solidFill>
-                <a:latin typeface="Courier New" pitchFamily="49" charset="0"/>
-                <a:cs typeface="Courier New" pitchFamily="49" charset="0"/>
-              </a:rPr>
-              <a:t>egistration</a:t>
+              <a:t>1. registration</a:t>
             </a:r>
             <a:endParaRPr lang="en-GB" sz="1100" dirty="0">
               <a:solidFill>
@@ -10155,14 +10154,7 @@
                 <a:latin typeface="Courier New" pitchFamily="49" charset="0"/>
                 <a:cs typeface="Courier New" pitchFamily="49" charset="0"/>
               </a:rPr>
-              <a:t>labels</a:t>
-            </a:r>
-            <a:r>
-              <a:rPr lang="en-GB" sz="1400" dirty="0" smtClean="0">
-                <a:latin typeface="Courier New" pitchFamily="49" charset="0"/>
-                <a:cs typeface="Courier New" pitchFamily="49" charset="0"/>
-              </a:rPr>
-              <a:t>_</a:t>
+              <a:t>labels_</a:t>
             </a:r>
           </a:p>
           <a:p>
@@ -10207,14 +10199,7 @@
                 <a:latin typeface="Courier New" pitchFamily="49" charset="0"/>
                 <a:cs typeface="Courier New" pitchFamily="49" charset="0"/>
               </a:rPr>
-              <a:t>labels</a:t>
-            </a:r>
-            <a:r>
-              <a:rPr lang="en-GB" sz="1400" dirty="0" smtClean="0">
-                <a:latin typeface="Courier New" pitchFamily="49" charset="0"/>
-                <a:cs typeface="Courier New" pitchFamily="49" charset="0"/>
-              </a:rPr>
-              <a:t>_</a:t>
+              <a:t>labels_</a:t>
             </a:r>
           </a:p>
           <a:p>
@@ -10273,17 +10258,7 @@
                 <a:latin typeface="Courier New" pitchFamily="49" charset="0"/>
                 <a:cs typeface="Courier New" pitchFamily="49" charset="0"/>
               </a:rPr>
-              <a:t>2. t</a:t>
-            </a:r>
-            <a:r>
-              <a:rPr lang="en-GB" sz="1600" dirty="0" smtClean="0">
-                <a:solidFill>
-                  <a:srgbClr val="000000"/>
-                </a:solidFill>
-                <a:latin typeface="Courier New" pitchFamily="49" charset="0"/>
-                <a:cs typeface="Courier New" pitchFamily="49" charset="0"/>
-              </a:rPr>
-              <a:t>ransformation</a:t>
+              <a:t>2. transformation</a:t>
             </a:r>
             <a:endParaRPr lang="en-GB" sz="1100" dirty="0">
               <a:solidFill>
@@ -10450,28 +10425,17 @@
                 <a:latin typeface="Courier New" pitchFamily="49" charset="0"/>
                 <a:cs typeface="Courier New" pitchFamily="49" charset="0"/>
               </a:rPr>
-              <a:t>labels</a:t>
-            </a:r>
+              <a:t>labels_</a:t>
+            </a:r>
+          </a:p>
+          <a:p>
             <a:r>
               <a:rPr lang="en-GB" sz="1400" dirty="0" smtClean="0">
                 <a:latin typeface="Courier New" pitchFamily="49" charset="0"/>
                 <a:cs typeface="Courier New" pitchFamily="49" charset="0"/>
               </a:rPr>
-              <a:t>_</a:t>
-            </a:r>
-          </a:p>
-          <a:p>
-            <a:r>
-              <a:rPr lang="en-GB" sz="1400" dirty="0" smtClean="0">
-                <a:latin typeface="Courier New" pitchFamily="49" charset="0"/>
-                <a:cs typeface="Courier New" pitchFamily="49" charset="0"/>
-              </a:rPr>
               <a:t>mniatlas</a:t>
             </a:r>
-            <a:endParaRPr lang="en-GB" sz="1400" dirty="0" smtClean="0">
-              <a:latin typeface="Courier New" pitchFamily="49" charset="0"/>
-              <a:cs typeface="Courier New" pitchFamily="49" charset="0"/>
-            </a:endParaRPr>
           </a:p>
         </p:txBody>
       </p:sp>
@@ -10851,11 +10815,11 @@
   <p:clrMapOvr>
     <a:masterClrMapping/>
   </p:clrMapOvr>
-  <mc:AlternateContent xmlns:mc="http://schemas.openxmlformats.org/markup-compatibility/2006">
-    <mc:Choice xmlns:p14="http://schemas.microsoft.com/office/powerpoint/2010/main" Requires="p14">
+  <mc:AlternateContent xmlns:mc="http://schemas.openxmlformats.org/markup-compatibility/2006" xmlns:p14="http://schemas.microsoft.com/office/powerpoint/2010/main">
+    <mc:Choice Requires="p14">
       <p:transition spd="slow" p14:dur="2000"/>
     </mc:Choice>
-    <mc:Fallback>
+    <mc:Fallback xmlns="">
       <p:transition spd="slow"/>
     </mc:Fallback>
   </mc:AlternateContent>
@@ -12242,11 +12206,11 @@
   <p:clrMapOvr>
     <a:masterClrMapping/>
   </p:clrMapOvr>
-  <mc:AlternateContent xmlns:mc="http://schemas.openxmlformats.org/markup-compatibility/2006">
-    <mc:Choice xmlns:p14="http://schemas.microsoft.com/office/powerpoint/2010/main" Requires="p14">
+  <mc:AlternateContent xmlns:mc="http://schemas.openxmlformats.org/markup-compatibility/2006" xmlns:p14="http://schemas.microsoft.com/office/powerpoint/2010/main">
+    <mc:Choice Requires="p14">
       <p:transition spd="slow" p14:dur="2000"/>
     </mc:Choice>
-    <mc:Fallback>
+    <mc:Fallback xmlns="">
       <p:transition spd="slow"/>
     </mc:Fallback>
   </mc:AlternateContent>
@@ -13208,11 +13172,11 @@
   <p:clrMapOvr>
     <a:masterClrMapping/>
   </p:clrMapOvr>
-  <mc:AlternateContent xmlns:mc="http://schemas.openxmlformats.org/markup-compatibility/2006">
-    <mc:Choice xmlns:p14="http://schemas.microsoft.com/office/powerpoint/2010/main" Requires="p14">
+  <mc:AlternateContent xmlns:mc="http://schemas.openxmlformats.org/markup-compatibility/2006" xmlns:p14="http://schemas.microsoft.com/office/powerpoint/2010/main">
+    <mc:Choice Requires="p14">
       <p:transition spd="slow" p14:dur="2000"/>
     </mc:Choice>
-    <mc:Fallback>
+    <mc:Fallback xmlns="">
       <p:transition spd="slow"/>
     </mc:Fallback>
   </mc:AlternateContent>
@@ -15952,10 +15916,6 @@
               </a:rPr>
               <a:t>Methods</a:t>
             </a:r>
-            <a:endParaRPr lang="en-GB" dirty="0" smtClean="0">
-              <a:latin typeface="Courier New" pitchFamily="49" charset="0"/>
-              <a:cs typeface="Courier New" pitchFamily="49" charset="0"/>
-            </a:endParaRPr>
           </a:p>
           <a:p>
             <a:pPr marL="742950" lvl="1" indent="-285750">
@@ -16032,10 +15992,6 @@
               </a:rPr>
               <a:t>Methods</a:t>
             </a:r>
-            <a:endParaRPr lang="en-GB" dirty="0" smtClean="0">
-              <a:latin typeface="Courier New" pitchFamily="49" charset="0"/>
-              <a:cs typeface="Courier New" pitchFamily="49" charset="0"/>
-            </a:endParaRPr>
           </a:p>
           <a:p>
             <a:pPr marL="742950" lvl="1" indent="-285750">
@@ -16047,14 +16003,7 @@
                 <a:latin typeface="Courier New" pitchFamily="49" charset="0"/>
                 <a:cs typeface="Courier New" pitchFamily="49" charset="0"/>
               </a:rPr>
-              <a:t>Result </a:t>
-            </a:r>
-            <a:r>
-              <a:rPr lang="en-GB" dirty="0" smtClean="0">
-                <a:latin typeface="Courier New" pitchFamily="49" charset="0"/>
-                <a:cs typeface="Courier New" pitchFamily="49" charset="0"/>
-              </a:rPr>
-              <a:t>2</a:t>
+              <a:t>Result 2</a:t>
             </a:r>
           </a:p>
           <a:p>
@@ -18002,10 +17951,6 @@
               </a:rPr>
               <a:t>labels_mniatlas</a:t>
             </a:r>
-            <a:endParaRPr lang="en-GB" sz="1400" dirty="0" smtClean="0">
-              <a:latin typeface="Courier New" pitchFamily="49" charset="0"/>
-              <a:cs typeface="Courier New" pitchFamily="49" charset="0"/>
-            </a:endParaRPr>
           </a:p>
         </p:txBody>
       </p:sp>
@@ -21202,14 +21147,7 @@
                 <a:latin typeface="Courier New" pitchFamily="49" charset="0"/>
                 <a:cs typeface="Courier New" pitchFamily="49" charset="0"/>
               </a:rPr>
-              <a:t> </a:t>
-            </a:r>
-            <a:r>
-              <a:rPr lang="de-CH" sz="1400" dirty="0" smtClean="0">
-                <a:latin typeface="Courier New" pitchFamily="49" charset="0"/>
-                <a:cs typeface="Courier New" pitchFamily="49" charset="0"/>
-              </a:rPr>
-              <a:t>10 patients</a:t>
+              <a:t> 10 patients</a:t>
             </a:r>
           </a:p>
           <a:p>
@@ -21261,14 +21199,7 @@
                 <a:latin typeface="Courier New" pitchFamily="49" charset="0"/>
                 <a:cs typeface="Courier New" pitchFamily="49" charset="0"/>
               </a:rPr>
-              <a:t> </a:t>
-            </a:r>
-            <a:r>
-              <a:rPr lang="en-GB" sz="1400" dirty="0" smtClean="0">
-                <a:latin typeface="Courier New" pitchFamily="49" charset="0"/>
-                <a:cs typeface="Courier New" pitchFamily="49" charset="0"/>
-              </a:rPr>
-              <a:t>mean Dice over the 10 patients</a:t>
+              <a:t> mean Dice over the 10 patients</a:t>
             </a:r>
           </a:p>
           <a:p>
@@ -21605,20 +21536,7 @@
                 <a:latin typeface="Courier New" pitchFamily="49" charset="0"/>
                 <a:cs typeface="Courier New" pitchFamily="49" charset="0"/>
               </a:rPr>
-              <a:t>Result </a:t>
-            </a:r>
-            <a:r>
-              <a:rPr lang="en-US" sz="3600" dirty="0" smtClean="0">
-                <a:solidFill>
-                  <a:schemeClr val="tx2">
-                    <a:lumMod val="40000"/>
-                    <a:lumOff val="60000"/>
-                  </a:schemeClr>
-                </a:solidFill>
-                <a:latin typeface="Courier New" pitchFamily="49" charset="0"/>
-                <a:cs typeface="Courier New" pitchFamily="49" charset="0"/>
-              </a:rPr>
-              <a:t>1</a:t>
+              <a:t>Result 1</a:t>
             </a:r>
             <a:endParaRPr lang="en-GB" sz="3600" dirty="0">
               <a:solidFill>
@@ -21886,26 +21804,8 @@
                 <a:latin typeface="Courier New" pitchFamily="49" charset="0"/>
                 <a:cs typeface="Courier New" pitchFamily="49" charset="0"/>
               </a:rPr>
-              <a:t>Best </a:t>
-            </a:r>
-            <a:r>
-              <a:rPr lang="en-GB" dirty="0" smtClean="0">
-                <a:latin typeface="Courier New" pitchFamily="49" charset="0"/>
-                <a:cs typeface="Courier New" pitchFamily="49" charset="0"/>
-              </a:rPr>
-              <a:t>Dice</a:t>
-            </a:r>
-            <a:r>
-              <a:rPr lang="en-GB" dirty="0" smtClean="0">
-                <a:latin typeface="Courier New" pitchFamily="49" charset="0"/>
-                <a:cs typeface="Courier New" pitchFamily="49" charset="0"/>
-              </a:rPr>
-              <a:t>:</a:t>
-            </a:r>
-            <a:endParaRPr lang="en-GB" dirty="0" smtClean="0">
-              <a:latin typeface="Courier New" pitchFamily="49" charset="0"/>
-              <a:cs typeface="Courier New" pitchFamily="49" charset="0"/>
-            </a:endParaRPr>
+              <a:t>Best Dice:</a:t>
+            </a:r>
           </a:p>
           <a:p>
             <a:r>

--- a/wd/Documentation/MIALab presentation.pptx
+++ b/wd/Documentation/MIALab presentation.pptx
@@ -129,7 +129,27 @@
       </a:defRPr>
     </a:lvl9pPr>
   </p:defaultTextStyle>
+  <p:extLst>
+    <p:ext uri="{EFAFB233-063F-42B5-8137-9DF3F51BA10A}">
+      <p15:sldGuideLst xmlns:p15="http://schemas.microsoft.com/office/powerpoint/2012/main">
+        <p15:guide id="1" orient="horz" pos="2160">
+          <p15:clr>
+            <a:srgbClr val="A4A3A4"/>
+          </p15:clr>
+        </p15:guide>
+        <p15:guide id="2" pos="2880">
+          <p15:clr>
+            <a:srgbClr val="A4A3A4"/>
+          </p15:clr>
+        </p15:guide>
+      </p15:sldGuideLst>
+    </p:ext>
+  </p:extLst>
 </p:presentation>
+</file>
+
+<file path=ppt/revisionInfo.xml><?xml version="1.0" encoding="utf-8"?>
+<p1510:revInfo xmlns:a="http://schemas.openxmlformats.org/drawingml/2006/main" xmlns:r="http://schemas.openxmlformats.org/officeDocument/2006/relationships" xmlns:p1510="http://schemas.microsoft.com/office/powerpoint/2015/10/main"/>
 </file>
 
 <file path=ppt/notesMasters/notesMaster1.xml><?xml version="1.0" encoding="utf-8"?>
@@ -278,35 +298,35 @@
           <a:p>
             <a:pPr lvl="0"/>
             <a:r>
-              <a:rPr lang="de-DE" smtClean="0"/>
+              <a:rPr lang="de-DE"/>
               <a:t>Textmasterformat bearbeiten</a:t>
             </a:r>
           </a:p>
           <a:p>
             <a:pPr lvl="1"/>
             <a:r>
-              <a:rPr lang="de-DE" smtClean="0"/>
+              <a:rPr lang="de-DE"/>
               <a:t>Zweite Ebene</a:t>
             </a:r>
           </a:p>
           <a:p>
             <a:pPr lvl="2"/>
             <a:r>
-              <a:rPr lang="de-DE" smtClean="0"/>
+              <a:rPr lang="de-DE"/>
               <a:t>Dritte Ebene</a:t>
             </a:r>
           </a:p>
           <a:p>
             <a:pPr lvl="3"/>
             <a:r>
-              <a:rPr lang="de-DE" smtClean="0"/>
+              <a:rPr lang="de-DE"/>
               <a:t>Vierte Ebene</a:t>
             </a:r>
           </a:p>
           <a:p>
             <a:pPr lvl="4"/>
             <a:r>
-              <a:rPr lang="de-DE" smtClean="0"/>
+              <a:rPr lang="de-DE"/>
               <a:t>Fünfte Ebene</a:t>
             </a:r>
             <a:endParaRPr lang="de-CH"/>
@@ -863,54 +883,54 @@
           <a:lstStyle/>
           <a:p>
             <a:r>
-              <a:rPr lang="de-CH" dirty="0" err="1" smtClean="0"/>
+              <a:rPr lang="de-CH" dirty="0" err="1"/>
               <a:t>Ventricles</a:t>
             </a:r>
             <a:r>
-              <a:rPr lang="de-CH" dirty="0" smtClean="0"/>
+              <a:rPr lang="de-CH" dirty="0"/>
               <a:t> </a:t>
             </a:r>
             <a:r>
-              <a:rPr lang="de-CH" dirty="0" err="1" smtClean="0"/>
+              <a:rPr lang="de-CH" dirty="0" err="1"/>
               <a:t>very</a:t>
             </a:r>
             <a:r>
-              <a:rPr lang="de-CH" dirty="0" smtClean="0"/>
+              <a:rPr lang="de-CH" dirty="0"/>
               <a:t> different.</a:t>
             </a:r>
           </a:p>
           <a:p>
             <a:r>
-              <a:rPr lang="de-CH" dirty="0" smtClean="0"/>
+              <a:rPr lang="de-CH" dirty="0"/>
               <a:t>Volume</a:t>
             </a:r>
             <a:r>
-              <a:rPr lang="de-CH" baseline="0" dirty="0" smtClean="0"/>
+              <a:rPr lang="de-CH" baseline="0" dirty="0"/>
               <a:t> </a:t>
             </a:r>
             <a:r>
-              <a:rPr lang="de-CH" baseline="0" dirty="0" err="1" smtClean="0"/>
+              <a:rPr lang="de-CH" baseline="0" dirty="0" err="1"/>
               <a:t>factor</a:t>
             </a:r>
-            <a:endParaRPr lang="de-CH" baseline="0" dirty="0" smtClean="0"/>
-          </a:p>
-          <a:p>
-            <a:endParaRPr lang="de-CH" baseline="0" dirty="0" smtClean="0"/>
-          </a:p>
-          <a:p>
-            <a:r>
-              <a:rPr lang="de-CH" baseline="0" dirty="0" smtClean="0"/>
+            <a:endParaRPr lang="de-CH" baseline="0" dirty="0"/>
+          </a:p>
+          <a:p>
+            <a:endParaRPr lang="de-CH" baseline="0" dirty="0"/>
+          </a:p>
+          <a:p>
+            <a:r>
+              <a:rPr lang="de-CH" baseline="0" dirty="0"/>
               <a:t>0.6 still </a:t>
             </a:r>
             <a:r>
-              <a:rPr lang="de-CH" baseline="0" dirty="0" err="1" smtClean="0"/>
+              <a:rPr lang="de-CH" baseline="0" dirty="0" err="1"/>
               <a:t>low</a:t>
             </a:r>
-            <a:endParaRPr lang="de-CH" baseline="0" dirty="0" smtClean="0"/>
-          </a:p>
-          <a:p>
-            <a:r>
-              <a:rPr lang="de-CH" baseline="0" dirty="0" smtClean="0"/>
+            <a:endParaRPr lang="de-CH" baseline="0" dirty="0"/>
+          </a:p>
+          <a:p>
+            <a:r>
+              <a:rPr lang="de-CH" baseline="0" dirty="0"/>
               <a:t>Affine limited</a:t>
             </a:r>
             <a:endParaRPr lang="de-CH" dirty="0"/>
@@ -998,10 +1018,9 @@
           <a:lstStyle/>
           <a:p>
             <a:r>
-              <a:rPr lang="de-CH" dirty="0" smtClean="0"/>
+              <a:rPr lang="de-CH" dirty="0"/>
               <a:t>- </a:t>
             </a:r>
-            <a:endParaRPr lang="de-CH" dirty="0"/>
           </a:p>
         </p:txBody>
       </p:sp>
@@ -1086,54 +1105,54 @@
           <a:lstStyle/>
           <a:p>
             <a:r>
-              <a:rPr lang="de-CH" dirty="0" err="1" smtClean="0"/>
+              <a:rPr lang="de-CH" dirty="0" err="1"/>
               <a:t>Ventricles</a:t>
             </a:r>
             <a:r>
-              <a:rPr lang="de-CH" dirty="0" smtClean="0"/>
+              <a:rPr lang="de-CH" dirty="0"/>
               <a:t> </a:t>
             </a:r>
             <a:r>
-              <a:rPr lang="de-CH" dirty="0" err="1" smtClean="0"/>
+              <a:rPr lang="de-CH" dirty="0" err="1"/>
               <a:t>very</a:t>
             </a:r>
             <a:r>
-              <a:rPr lang="de-CH" dirty="0" smtClean="0"/>
+              <a:rPr lang="de-CH" dirty="0"/>
               <a:t> different.</a:t>
             </a:r>
           </a:p>
           <a:p>
             <a:r>
-              <a:rPr lang="de-CH" dirty="0" smtClean="0"/>
+              <a:rPr lang="de-CH" dirty="0"/>
               <a:t>Volume</a:t>
             </a:r>
             <a:r>
-              <a:rPr lang="de-CH" baseline="0" dirty="0" smtClean="0"/>
+              <a:rPr lang="de-CH" baseline="0" dirty="0"/>
               <a:t> </a:t>
             </a:r>
             <a:r>
-              <a:rPr lang="de-CH" baseline="0" dirty="0" err="1" smtClean="0"/>
+              <a:rPr lang="de-CH" baseline="0" dirty="0" err="1"/>
               <a:t>factor</a:t>
             </a:r>
-            <a:endParaRPr lang="de-CH" baseline="0" dirty="0" smtClean="0"/>
-          </a:p>
-          <a:p>
-            <a:endParaRPr lang="de-CH" baseline="0" dirty="0" smtClean="0"/>
-          </a:p>
-          <a:p>
-            <a:r>
-              <a:rPr lang="de-CH" baseline="0" dirty="0" smtClean="0"/>
+            <a:endParaRPr lang="de-CH" baseline="0" dirty="0"/>
+          </a:p>
+          <a:p>
+            <a:endParaRPr lang="de-CH" baseline="0" dirty="0"/>
+          </a:p>
+          <a:p>
+            <a:r>
+              <a:rPr lang="de-CH" baseline="0" dirty="0"/>
               <a:t>0.6 still </a:t>
             </a:r>
             <a:r>
-              <a:rPr lang="de-CH" baseline="0" dirty="0" err="1" smtClean="0"/>
+              <a:rPr lang="de-CH" baseline="0" dirty="0" err="1"/>
               <a:t>low</a:t>
             </a:r>
-            <a:endParaRPr lang="de-CH" baseline="0" dirty="0" smtClean="0"/>
-          </a:p>
-          <a:p>
-            <a:r>
-              <a:rPr lang="de-CH" baseline="0" dirty="0" smtClean="0"/>
+            <a:endParaRPr lang="de-CH" baseline="0" dirty="0"/>
+          </a:p>
+          <a:p>
+            <a:r>
+              <a:rPr lang="de-CH" baseline="0" dirty="0"/>
               <a:t>Affine limited</a:t>
             </a:r>
             <a:endParaRPr lang="de-CH" dirty="0"/>
@@ -1489,7 +1508,7 @@
               <a:tabLst/>
               <a:defRPr/>
             </a:pPr>
-            <a:endParaRPr lang="de-CH" dirty="0" smtClean="0"/>
+            <a:endParaRPr lang="de-CH" dirty="0"/>
           </a:p>
           <a:p>
             <a:pPr marL="0" marR="0" indent="0" algn="l" defTabSz="914400" rtl="0" eaLnBrk="1" fontAlgn="auto" latinLnBrk="0" hangingPunct="1">
@@ -1509,7 +1528,7 @@
               <a:tabLst/>
               <a:defRPr/>
             </a:pPr>
-            <a:endParaRPr lang="en-GB" sz="1200" dirty="0" smtClean="0">
+            <a:endParaRPr lang="en-GB" sz="1200" dirty="0">
               <a:sym typeface="Wingdings" pitchFamily="2" charset="2"/>
             </a:endParaRPr>
           </a:p>
@@ -1613,22 +1632,22 @@
               <a:defRPr/>
             </a:pPr>
             <a:r>
-              <a:rPr lang="de-CH" dirty="0" smtClean="0"/>
+              <a:rPr lang="de-CH" dirty="0"/>
               <a:t>First </a:t>
             </a:r>
             <a:r>
-              <a:rPr lang="de-CH" dirty="0" err="1" smtClean="0"/>
+              <a:rPr lang="de-CH" dirty="0" err="1"/>
               <a:t>registration</a:t>
             </a:r>
             <a:r>
-              <a:rPr lang="de-CH" dirty="0" smtClean="0"/>
+              <a:rPr lang="de-CH" dirty="0"/>
               <a:t> </a:t>
             </a:r>
             <a:r>
-              <a:rPr lang="de-CH" dirty="0" err="1" smtClean="0"/>
+              <a:rPr lang="de-CH" dirty="0" err="1"/>
               <a:t>approach</a:t>
             </a:r>
-            <a:endParaRPr lang="de-CH" dirty="0" smtClean="0"/>
+            <a:endParaRPr lang="de-CH" dirty="0"/>
           </a:p>
           <a:p>
             <a:pPr marL="0" marR="0" indent="0" algn="l" defTabSz="914400" rtl="0" eaLnBrk="1" fontAlgn="auto" latinLnBrk="0" hangingPunct="1">
@@ -1649,30 +1668,30 @@
               <a:defRPr/>
             </a:pPr>
             <a:r>
-              <a:rPr lang="en-GB" sz="1200" dirty="0" smtClean="0">
+              <a:rPr lang="en-GB" sz="1200" dirty="0">
                 <a:sym typeface="Wingdings" pitchFamily="2" charset="2"/>
               </a:rPr>
               <a:t>The</a:t>
             </a:r>
             <a:r>
-              <a:rPr lang="en-GB" sz="1200" baseline="0" dirty="0" smtClean="0">
+              <a:rPr lang="en-GB" sz="1200" baseline="0" dirty="0">
                 <a:sym typeface="Wingdings" pitchFamily="2" charset="2"/>
               </a:rPr>
               <a:t> way we </a:t>
             </a:r>
             <a:r>
-              <a:rPr lang="en-GB" sz="1200" baseline="0" dirty="0" err="1" smtClean="0">
+              <a:rPr lang="en-GB" sz="1200" baseline="0" dirty="0" err="1">
                 <a:sym typeface="Wingdings" pitchFamily="2" charset="2"/>
               </a:rPr>
               <a:t>optimzed</a:t>
             </a:r>
             <a:r>
-              <a:rPr lang="en-GB" sz="1200" baseline="0" dirty="0" smtClean="0">
+              <a:rPr lang="en-GB" sz="1200" baseline="0" dirty="0">
                 <a:sym typeface="Wingdings" pitchFamily="2" charset="2"/>
               </a:rPr>
               <a:t> our registration</a:t>
             </a:r>
-            <a:endParaRPr lang="en-GB" sz="1200" dirty="0" smtClean="0">
+            <a:endParaRPr lang="en-GB" sz="1200" dirty="0">
               <a:sym typeface="Wingdings" pitchFamily="2" charset="2"/>
             </a:endParaRPr>
           </a:p>
@@ -1775,7 +1794,7 @@
               <a:tabLst/>
               <a:defRPr/>
             </a:pPr>
-            <a:endParaRPr lang="de-CH" dirty="0" smtClean="0"/>
+            <a:endParaRPr lang="de-CH" dirty="0"/>
           </a:p>
           <a:p>
             <a:pPr marL="0" marR="0" indent="0" algn="l" defTabSz="914400" rtl="0" eaLnBrk="1" fontAlgn="auto" latinLnBrk="0" hangingPunct="1">
@@ -1795,7 +1814,7 @@
               <a:tabLst/>
               <a:defRPr/>
             </a:pPr>
-            <a:endParaRPr lang="en-GB" sz="1200" dirty="0" smtClean="0">
+            <a:endParaRPr lang="en-GB" sz="1200" dirty="0">
               <a:sym typeface="Wingdings" pitchFamily="2" charset="2"/>
             </a:endParaRPr>
           </a:p>
@@ -1898,7 +1917,7 @@
               <a:tabLst/>
               <a:defRPr/>
             </a:pPr>
-            <a:endParaRPr lang="de-CH" dirty="0" smtClean="0"/>
+            <a:endParaRPr lang="de-CH" dirty="0"/>
           </a:p>
           <a:p>
             <a:pPr marL="0" marR="0" indent="0" algn="l" defTabSz="914400" rtl="0" eaLnBrk="1" fontAlgn="auto" latinLnBrk="0" hangingPunct="1">
@@ -1918,7 +1937,7 @@
               <a:tabLst/>
               <a:defRPr/>
             </a:pPr>
-            <a:endParaRPr lang="en-GB" sz="1200" dirty="0" smtClean="0">
+            <a:endParaRPr lang="en-GB" sz="1200" dirty="0">
               <a:sym typeface="Wingdings" pitchFamily="2" charset="2"/>
             </a:endParaRPr>
           </a:p>
@@ -2021,7 +2040,7 @@
               <a:tabLst/>
               <a:defRPr/>
             </a:pPr>
-            <a:endParaRPr lang="de-CH" dirty="0" smtClean="0"/>
+            <a:endParaRPr lang="de-CH" dirty="0"/>
           </a:p>
           <a:p>
             <a:pPr marL="0" marR="0" indent="0" algn="l" defTabSz="914400" rtl="0" eaLnBrk="1" fontAlgn="auto" latinLnBrk="0" hangingPunct="1">
@@ -2041,7 +2060,7 @@
               <a:tabLst/>
               <a:defRPr/>
             </a:pPr>
-            <a:endParaRPr lang="en-GB" sz="1200" dirty="0" smtClean="0">
+            <a:endParaRPr lang="en-GB" sz="1200" dirty="0">
               <a:sym typeface="Wingdings" pitchFamily="2" charset="2"/>
             </a:endParaRPr>
           </a:p>
@@ -2229,30 +2248,30 @@
               <a:defRPr/>
             </a:pPr>
             <a:r>
-              <a:rPr lang="en-GB" sz="1200" dirty="0" smtClean="0">
+              <a:rPr lang="en-GB" sz="1200" dirty="0">
                 <a:sym typeface="Wingdings" pitchFamily="2" charset="2"/>
               </a:rPr>
               <a:t>You are all familiar</a:t>
             </a:r>
             <a:r>
-              <a:rPr lang="en-GB" sz="1200" baseline="0" dirty="0" smtClean="0">
+              <a:rPr lang="en-GB" sz="1200" baseline="0" dirty="0">
                 <a:sym typeface="Wingdings" pitchFamily="2" charset="2"/>
               </a:rPr>
               <a:t> with the MIA </a:t>
             </a:r>
             <a:r>
-              <a:rPr lang="en-GB" sz="1200" baseline="0" dirty="0" err="1" smtClean="0">
+              <a:rPr lang="en-GB" sz="1200" baseline="0" dirty="0" err="1">
                 <a:sym typeface="Wingdings" pitchFamily="2" charset="2"/>
               </a:rPr>
               <a:t>Pipepline</a:t>
             </a:r>
             <a:r>
-              <a:rPr lang="en-GB" sz="1200" baseline="0" dirty="0" smtClean="0">
+              <a:rPr lang="en-GB" sz="1200" baseline="0" dirty="0">
                 <a:sym typeface="Wingdings" pitchFamily="2" charset="2"/>
               </a:rPr>
               <a:t>. We did our work here in the registration, where we registered a T1…</a:t>
             </a:r>
-            <a:endParaRPr lang="en-GB" sz="1200" dirty="0" smtClean="0">
+            <a:endParaRPr lang="en-GB" sz="1200" dirty="0">
               <a:sym typeface="Wingdings" pitchFamily="2" charset="2"/>
             </a:endParaRPr>
           </a:p>
@@ -2275,25 +2294,25 @@
               <a:defRPr/>
             </a:pPr>
             <a:r>
-              <a:rPr lang="en-GB" sz="1200" dirty="0" smtClean="0">
+              <a:rPr lang="en-GB" sz="1200" dirty="0">
                 <a:sym typeface="Wingdings" pitchFamily="2" charset="2"/>
               </a:rPr>
               <a:t>One</a:t>
             </a:r>
             <a:r>
-              <a:rPr lang="en-GB" sz="1200" baseline="0" dirty="0" smtClean="0">
+              <a:rPr lang="en-GB" sz="1200" baseline="0" dirty="0">
                 <a:sym typeface="Wingdings" pitchFamily="2" charset="2"/>
               </a:rPr>
               <a:t> Example for this registration could be when a patient takes </a:t>
             </a:r>
             <a:r>
-              <a:rPr lang="en-GB" sz="1200" baseline="0" dirty="0" err="1" smtClean="0">
+              <a:rPr lang="en-GB" sz="1200" baseline="0" dirty="0" err="1">
                 <a:sym typeface="Wingdings" pitchFamily="2" charset="2"/>
               </a:rPr>
               <a:t>imagaes</a:t>
             </a:r>
             <a:r>
-              <a:rPr lang="en-GB" sz="1200" baseline="0" dirty="0" smtClean="0">
+              <a:rPr lang="en-GB" sz="1200" baseline="0" dirty="0">
                 <a:sym typeface="Wingdings" pitchFamily="2" charset="2"/>
               </a:rPr>
               <a:t> on different dates or locations and we have</a:t>
@@ -2318,12 +2337,12 @@
               <a:defRPr/>
             </a:pPr>
             <a:r>
-              <a:rPr lang="en-GB" sz="1200" baseline="0" dirty="0" smtClean="0">
+              <a:rPr lang="en-GB" sz="1200" baseline="0" dirty="0">
                 <a:sym typeface="Wingdings" pitchFamily="2" charset="2"/>
               </a:rPr>
               <a:t>To register the images to each other.</a:t>
             </a:r>
-            <a:endParaRPr lang="de-CH" dirty="0" smtClean="0"/>
+            <a:endParaRPr lang="de-CH" dirty="0"/>
           </a:p>
         </p:txBody>
       </p:sp>
@@ -2425,30 +2444,30 @@
               <a:defRPr/>
             </a:pPr>
             <a:r>
-              <a:rPr lang="en-GB" sz="1200" dirty="0" smtClean="0">
+              <a:rPr lang="en-GB" sz="1200" dirty="0">
                 <a:sym typeface="Wingdings" pitchFamily="2" charset="2"/>
               </a:rPr>
               <a:t>You are all familiar</a:t>
             </a:r>
             <a:r>
-              <a:rPr lang="en-GB" sz="1200" baseline="0" dirty="0" smtClean="0">
+              <a:rPr lang="en-GB" sz="1200" baseline="0" dirty="0">
                 <a:sym typeface="Wingdings" pitchFamily="2" charset="2"/>
               </a:rPr>
               <a:t> with the MIA </a:t>
             </a:r>
             <a:r>
-              <a:rPr lang="en-GB" sz="1200" baseline="0" dirty="0" err="1" smtClean="0">
+              <a:rPr lang="en-GB" sz="1200" baseline="0" dirty="0" err="1">
                 <a:sym typeface="Wingdings" pitchFamily="2" charset="2"/>
               </a:rPr>
               <a:t>Pipepline</a:t>
             </a:r>
             <a:r>
-              <a:rPr lang="en-GB" sz="1200" baseline="0" dirty="0" smtClean="0">
+              <a:rPr lang="en-GB" sz="1200" baseline="0" dirty="0">
                 <a:sym typeface="Wingdings" pitchFamily="2" charset="2"/>
               </a:rPr>
               <a:t>. We did our work here in the registration, where we registered a T1…</a:t>
             </a:r>
-            <a:endParaRPr lang="en-GB" sz="1200" dirty="0" smtClean="0">
+            <a:endParaRPr lang="en-GB" sz="1200" dirty="0">
               <a:sym typeface="Wingdings" pitchFamily="2" charset="2"/>
             </a:endParaRPr>
           </a:p>
@@ -2471,25 +2490,25 @@
               <a:defRPr/>
             </a:pPr>
             <a:r>
-              <a:rPr lang="en-GB" sz="1200" dirty="0" smtClean="0">
+              <a:rPr lang="en-GB" sz="1200" dirty="0">
                 <a:sym typeface="Wingdings" pitchFamily="2" charset="2"/>
               </a:rPr>
               <a:t>One</a:t>
             </a:r>
             <a:r>
-              <a:rPr lang="en-GB" sz="1200" baseline="0" dirty="0" smtClean="0">
+              <a:rPr lang="en-GB" sz="1200" baseline="0" dirty="0">
                 <a:sym typeface="Wingdings" pitchFamily="2" charset="2"/>
               </a:rPr>
               <a:t> Example for this registration could be when a patient takes </a:t>
             </a:r>
             <a:r>
-              <a:rPr lang="en-GB" sz="1200" baseline="0" dirty="0" err="1" smtClean="0">
+              <a:rPr lang="en-GB" sz="1200" baseline="0" dirty="0" err="1">
                 <a:sym typeface="Wingdings" pitchFamily="2" charset="2"/>
               </a:rPr>
               <a:t>imagaes</a:t>
             </a:r>
             <a:r>
-              <a:rPr lang="en-GB" sz="1200" baseline="0" dirty="0" smtClean="0">
+              <a:rPr lang="en-GB" sz="1200" baseline="0" dirty="0">
                 <a:sym typeface="Wingdings" pitchFamily="2" charset="2"/>
               </a:rPr>
               <a:t> on different dates or locations and we have</a:t>
@@ -2514,12 +2533,12 @@
               <a:defRPr/>
             </a:pPr>
             <a:r>
-              <a:rPr lang="en-GB" sz="1200" baseline="0" dirty="0" smtClean="0">
+              <a:rPr lang="en-GB" sz="1200" baseline="0" dirty="0">
                 <a:sym typeface="Wingdings" pitchFamily="2" charset="2"/>
               </a:rPr>
               <a:t>To register the images to each other.</a:t>
             </a:r>
-            <a:endParaRPr lang="de-CH" dirty="0" smtClean="0"/>
+            <a:endParaRPr lang="de-CH" dirty="0"/>
           </a:p>
         </p:txBody>
       </p:sp>
@@ -2621,55 +2640,55 @@
               <a:defRPr/>
             </a:pPr>
             <a:r>
-              <a:rPr lang="de-CH" dirty="0" err="1" smtClean="0"/>
+              <a:rPr lang="de-CH" dirty="0" err="1"/>
               <a:t>Now</a:t>
             </a:r>
             <a:r>
-              <a:rPr lang="de-CH" dirty="0" smtClean="0"/>
+              <a:rPr lang="de-CH" dirty="0"/>
               <a:t>,</a:t>
             </a:r>
             <a:r>
-              <a:rPr lang="de-CH" baseline="0" dirty="0" smtClean="0"/>
+              <a:rPr lang="de-CH" baseline="0" dirty="0"/>
               <a:t> </a:t>
             </a:r>
             <a:r>
-              <a:rPr lang="de-CH" baseline="0" dirty="0" err="1" smtClean="0"/>
+              <a:rPr lang="de-CH" baseline="0" dirty="0" err="1"/>
               <a:t>how</a:t>
             </a:r>
             <a:r>
-              <a:rPr lang="de-CH" baseline="0" dirty="0" smtClean="0"/>
+              <a:rPr lang="de-CH" baseline="0" dirty="0"/>
               <a:t> do </a:t>
             </a:r>
             <a:r>
-              <a:rPr lang="de-CH" baseline="0" dirty="0" err="1" smtClean="0"/>
+              <a:rPr lang="de-CH" baseline="0" dirty="0" err="1"/>
               <a:t>we</a:t>
             </a:r>
             <a:r>
-              <a:rPr lang="de-CH" baseline="0" dirty="0" smtClean="0"/>
+              <a:rPr lang="de-CH" baseline="0" dirty="0"/>
               <a:t> </a:t>
             </a:r>
             <a:r>
-              <a:rPr lang="de-CH" baseline="0" dirty="0" err="1" smtClean="0"/>
+              <a:rPr lang="de-CH" baseline="0" dirty="0" err="1"/>
               <a:t>get</a:t>
             </a:r>
             <a:r>
-              <a:rPr lang="de-CH" baseline="0" dirty="0" smtClean="0"/>
+              <a:rPr lang="de-CH" baseline="0" dirty="0"/>
               <a:t> </a:t>
             </a:r>
             <a:r>
-              <a:rPr lang="de-CH" baseline="0" dirty="0" err="1" smtClean="0"/>
+              <a:rPr lang="de-CH" baseline="0" dirty="0" err="1"/>
               <a:t>the</a:t>
             </a:r>
             <a:r>
-              <a:rPr lang="de-CH" baseline="0" dirty="0" smtClean="0"/>
+              <a:rPr lang="de-CH" baseline="0" dirty="0"/>
               <a:t> </a:t>
             </a:r>
             <a:r>
-              <a:rPr lang="de-CH" baseline="0" dirty="0" err="1" smtClean="0"/>
+              <a:rPr lang="de-CH" baseline="0" dirty="0" err="1"/>
               <a:t>trasnformarion</a:t>
             </a:r>
             <a:r>
-              <a:rPr lang="de-CH" baseline="0" dirty="0" smtClean="0"/>
+              <a:rPr lang="de-CH" baseline="0" dirty="0"/>
               <a:t>?</a:t>
             </a:r>
           </a:p>
@@ -2692,50 +2711,50 @@
               <a:defRPr/>
             </a:pPr>
             <a:r>
-              <a:rPr lang="de-CH" baseline="0" dirty="0" smtClean="0"/>
+              <a:rPr lang="de-CH" baseline="0" dirty="0"/>
               <a:t>This </a:t>
             </a:r>
             <a:r>
-              <a:rPr lang="de-CH" baseline="0" dirty="0" err="1" smtClean="0"/>
+              <a:rPr lang="de-CH" baseline="0" dirty="0" err="1"/>
               <a:t>question</a:t>
             </a:r>
             <a:r>
-              <a:rPr lang="de-CH" baseline="0" dirty="0" smtClean="0"/>
+              <a:rPr lang="de-CH" baseline="0" dirty="0"/>
               <a:t> </a:t>
             </a:r>
             <a:r>
-              <a:rPr lang="de-CH" baseline="0" dirty="0" err="1" smtClean="0"/>
+              <a:rPr lang="de-CH" baseline="0" dirty="0" err="1"/>
               <a:t>is</a:t>
             </a:r>
             <a:r>
-              <a:rPr lang="de-CH" baseline="0" dirty="0" smtClean="0"/>
+              <a:rPr lang="de-CH" baseline="0" dirty="0"/>
               <a:t> </a:t>
             </a:r>
             <a:r>
-              <a:rPr lang="de-CH" baseline="0" dirty="0" err="1" smtClean="0"/>
+              <a:rPr lang="de-CH" baseline="0" dirty="0" err="1"/>
               <a:t>answered</a:t>
             </a:r>
             <a:r>
-              <a:rPr lang="de-CH" baseline="0" dirty="0" smtClean="0"/>
+              <a:rPr lang="de-CH" baseline="0" dirty="0"/>
               <a:t> </a:t>
             </a:r>
             <a:r>
-              <a:rPr lang="de-CH" baseline="0" dirty="0" err="1" smtClean="0"/>
+              <a:rPr lang="de-CH" baseline="0" dirty="0" err="1"/>
               <a:t>by</a:t>
             </a:r>
             <a:r>
-              <a:rPr lang="de-CH" baseline="0" dirty="0" smtClean="0"/>
+              <a:rPr lang="de-CH" baseline="0" dirty="0"/>
               <a:t> </a:t>
             </a:r>
             <a:r>
-              <a:rPr lang="de-CH" baseline="0" dirty="0" err="1" smtClean="0"/>
+              <a:rPr lang="de-CH" baseline="0" dirty="0" err="1"/>
               <a:t>jacob</a:t>
             </a:r>
             <a:r>
-              <a:rPr lang="de-CH" baseline="0" dirty="0" smtClean="0"/>
+              <a:rPr lang="de-CH" baseline="0" dirty="0"/>
               <a:t>.</a:t>
             </a:r>
-            <a:endParaRPr lang="de-CH" dirty="0" smtClean="0"/>
+            <a:endParaRPr lang="de-CH" dirty="0"/>
           </a:p>
           <a:p>
             <a:pPr marL="0" marR="0" indent="0" algn="l" defTabSz="914400" rtl="0" eaLnBrk="1" fontAlgn="auto" latinLnBrk="0" hangingPunct="1">
@@ -2755,7 +2774,7 @@
               <a:tabLst/>
               <a:defRPr/>
             </a:pPr>
-            <a:endParaRPr lang="en-GB" sz="1200" dirty="0" smtClean="0">
+            <a:endParaRPr lang="en-GB" sz="1200" dirty="0">
               <a:sym typeface="Wingdings" pitchFamily="2" charset="2"/>
             </a:endParaRPr>
           </a:p>
@@ -2943,34 +2962,34 @@
               <a:defRPr/>
             </a:pPr>
             <a:r>
-              <a:rPr lang="de-CH" dirty="0" err="1" smtClean="0"/>
+              <a:rPr lang="de-CH" dirty="0" err="1"/>
               <a:t>Uese</a:t>
             </a:r>
             <a:r>
-              <a:rPr lang="de-CH" dirty="0" smtClean="0"/>
+              <a:rPr lang="de-CH" dirty="0"/>
               <a:t> </a:t>
             </a:r>
             <a:r>
-              <a:rPr lang="de-CH" dirty="0" err="1" smtClean="0"/>
+              <a:rPr lang="de-CH" dirty="0" err="1"/>
               <a:t>method</a:t>
             </a:r>
             <a:r>
-              <a:rPr lang="de-CH" baseline="0" dirty="0" smtClean="0"/>
+              <a:rPr lang="de-CH" baseline="0" dirty="0"/>
               <a:t> </a:t>
             </a:r>
             <a:r>
-              <a:rPr lang="de-CH" baseline="0" dirty="0" err="1" smtClean="0"/>
+              <a:rPr lang="de-CH" baseline="0" dirty="0" err="1"/>
               <a:t>from</a:t>
             </a:r>
             <a:r>
-              <a:rPr lang="de-CH" baseline="0" dirty="0" smtClean="0"/>
+              <a:rPr lang="de-CH" baseline="0" dirty="0"/>
               <a:t> </a:t>
             </a:r>
             <a:r>
-              <a:rPr lang="de-CH" baseline="0" dirty="0" err="1" smtClean="0"/>
+              <a:rPr lang="de-CH" baseline="0" dirty="0" err="1"/>
               <a:t>SimpleITK</a:t>
             </a:r>
-            <a:endParaRPr lang="de-CH" baseline="0" dirty="0" smtClean="0"/>
+            <a:endParaRPr lang="de-CH" baseline="0" dirty="0"/>
           </a:p>
           <a:p>
             <a:pPr marL="0" marR="0" indent="0" algn="l" defTabSz="914400" rtl="0" eaLnBrk="1" fontAlgn="auto" latinLnBrk="0" hangingPunct="1">
@@ -2991,107 +3010,107 @@
               <a:defRPr/>
             </a:pPr>
             <a:r>
-              <a:rPr lang="de-CH" baseline="0" dirty="0" err="1" smtClean="0"/>
+              <a:rPr lang="de-CH" baseline="0" dirty="0" err="1"/>
               <a:t>There</a:t>
             </a:r>
             <a:r>
-              <a:rPr lang="de-CH" baseline="0" dirty="0" smtClean="0"/>
+              <a:rPr lang="de-CH" baseline="0" dirty="0"/>
               <a:t> </a:t>
             </a:r>
             <a:r>
-              <a:rPr lang="de-CH" baseline="0" dirty="0" err="1" smtClean="0"/>
+              <a:rPr lang="de-CH" baseline="0" dirty="0" err="1"/>
               <a:t>are</a:t>
             </a:r>
             <a:r>
-              <a:rPr lang="de-CH" baseline="0" dirty="0" smtClean="0"/>
+              <a:rPr lang="de-CH" baseline="0" dirty="0"/>
               <a:t> </a:t>
             </a:r>
             <a:r>
-              <a:rPr lang="de-CH" baseline="0" dirty="0" err="1" smtClean="0"/>
+              <a:rPr lang="de-CH" baseline="0" dirty="0" err="1"/>
               <a:t>alot</a:t>
             </a:r>
             <a:r>
-              <a:rPr lang="de-CH" baseline="0" dirty="0" smtClean="0"/>
+              <a:rPr lang="de-CH" baseline="0" dirty="0"/>
               <a:t> </a:t>
             </a:r>
             <a:r>
-              <a:rPr lang="de-CH" baseline="0" dirty="0" err="1" smtClean="0"/>
+              <a:rPr lang="de-CH" baseline="0" dirty="0" err="1"/>
               <a:t>of</a:t>
             </a:r>
             <a:r>
-              <a:rPr lang="de-CH" baseline="0" dirty="0" smtClean="0"/>
+              <a:rPr lang="de-CH" baseline="0" dirty="0"/>
               <a:t> </a:t>
             </a:r>
             <a:r>
-              <a:rPr lang="de-CH" baseline="0" dirty="0" err="1" smtClean="0"/>
+              <a:rPr lang="de-CH" baseline="0" dirty="0" err="1"/>
               <a:t>parameters</a:t>
             </a:r>
             <a:r>
-              <a:rPr lang="de-CH" baseline="0" dirty="0" smtClean="0"/>
+              <a:rPr lang="de-CH" baseline="0" dirty="0"/>
               <a:t> in </a:t>
             </a:r>
             <a:r>
-              <a:rPr lang="de-CH" baseline="0" dirty="0" err="1" smtClean="0"/>
+              <a:rPr lang="de-CH" baseline="0" dirty="0" err="1"/>
               <a:t>to</a:t>
             </a:r>
             <a:r>
-              <a:rPr lang="de-CH" baseline="0" dirty="0" smtClean="0"/>
+              <a:rPr lang="de-CH" baseline="0" dirty="0"/>
               <a:t> </a:t>
             </a:r>
             <a:r>
-              <a:rPr lang="de-CH" baseline="0" dirty="0" err="1" smtClean="0"/>
+              <a:rPr lang="de-CH" baseline="0" dirty="0" err="1"/>
               <a:t>set</a:t>
             </a:r>
             <a:r>
-              <a:rPr lang="de-CH" baseline="0" dirty="0" smtClean="0"/>
+              <a:rPr lang="de-CH" baseline="0" dirty="0"/>
               <a:t>, </a:t>
             </a:r>
             <a:r>
-              <a:rPr lang="de-CH" baseline="0" dirty="0" err="1" smtClean="0"/>
+              <a:rPr lang="de-CH" baseline="0" dirty="0" err="1"/>
               <a:t>we</a:t>
             </a:r>
             <a:r>
-              <a:rPr lang="de-CH" baseline="0" dirty="0" smtClean="0"/>
+              <a:rPr lang="de-CH" baseline="0" dirty="0"/>
               <a:t> </a:t>
             </a:r>
             <a:r>
-              <a:rPr lang="de-CH" baseline="0" dirty="0" err="1" smtClean="0"/>
+              <a:rPr lang="de-CH" baseline="0" dirty="0" err="1"/>
               <a:t>tried</a:t>
             </a:r>
             <a:r>
-              <a:rPr lang="de-CH" baseline="0" dirty="0" smtClean="0"/>
+              <a:rPr lang="de-CH" baseline="0" dirty="0"/>
               <a:t> </a:t>
             </a:r>
             <a:r>
-              <a:rPr lang="de-CH" baseline="0" dirty="0" err="1" smtClean="0"/>
+              <a:rPr lang="de-CH" baseline="0" dirty="0" err="1"/>
               <a:t>to</a:t>
             </a:r>
             <a:r>
-              <a:rPr lang="de-CH" baseline="0" dirty="0" smtClean="0"/>
+              <a:rPr lang="de-CH" baseline="0" dirty="0"/>
               <a:t> </a:t>
             </a:r>
             <a:r>
-              <a:rPr lang="de-CH" baseline="0" dirty="0" err="1" smtClean="0"/>
+              <a:rPr lang="de-CH" baseline="0" dirty="0" err="1"/>
               <a:t>opzimize</a:t>
             </a:r>
             <a:r>
-              <a:rPr lang="de-CH" baseline="0" dirty="0" smtClean="0"/>
+              <a:rPr lang="de-CH" baseline="0" dirty="0"/>
               <a:t> </a:t>
             </a:r>
             <a:r>
-              <a:rPr lang="de-CH" baseline="0" dirty="0" err="1" smtClean="0"/>
+              <a:rPr lang="de-CH" baseline="0" dirty="0" err="1"/>
               <a:t>the</a:t>
             </a:r>
             <a:r>
-              <a:rPr lang="de-CH" baseline="0" dirty="0" smtClean="0"/>
+              <a:rPr lang="de-CH" baseline="0" dirty="0"/>
               <a:t> </a:t>
             </a:r>
             <a:r>
-              <a:rPr lang="de-CH" baseline="0" dirty="0" err="1" smtClean="0"/>
+              <a:rPr lang="de-CH" baseline="0" dirty="0" err="1"/>
               <a:t>following</a:t>
             </a:r>
             <a:r>
-              <a:rPr lang="de-CH" baseline="0" dirty="0" smtClean="0"/>
+              <a:rPr lang="de-CH" baseline="0" dirty="0"/>
               <a:t>:</a:t>
             </a:r>
           </a:p>
@@ -3114,11 +3133,11 @@
               <a:defRPr/>
             </a:pPr>
             <a:r>
-              <a:rPr lang="de-CH" baseline="0" dirty="0" err="1" smtClean="0"/>
+              <a:rPr lang="de-CH" baseline="0" dirty="0" err="1"/>
               <a:t>Metric</a:t>
             </a:r>
             <a:r>
-              <a:rPr lang="de-CH" baseline="0" dirty="0" smtClean="0"/>
+              <a:rPr lang="de-CH" baseline="0" dirty="0"/>
               <a:t>: Mutual Information</a:t>
             </a:r>
           </a:p>
@@ -3141,18 +3160,18 @@
               <a:defRPr/>
             </a:pPr>
             <a:r>
-              <a:rPr lang="de-CH" baseline="0" dirty="0" err="1" smtClean="0"/>
+              <a:rPr lang="de-CH" baseline="0" dirty="0" err="1"/>
               <a:t>Optimizer</a:t>
             </a:r>
             <a:r>
-              <a:rPr lang="de-CH" baseline="0" dirty="0" smtClean="0"/>
+              <a:rPr lang="de-CH" baseline="0" dirty="0"/>
               <a:t>: </a:t>
             </a:r>
             <a:r>
-              <a:rPr lang="de-CH" baseline="0" dirty="0" err="1" smtClean="0"/>
+              <a:rPr lang="de-CH" baseline="0" dirty="0" err="1"/>
               <a:t>RegularStepGradientDescent</a:t>
             </a:r>
-            <a:endParaRPr lang="de-CH" baseline="0" dirty="0" smtClean="0"/>
+            <a:endParaRPr lang="de-CH" baseline="0" dirty="0"/>
           </a:p>
           <a:p>
             <a:pPr marL="0" marR="0" indent="0" algn="l" defTabSz="914400" rtl="0" eaLnBrk="1" fontAlgn="auto" latinLnBrk="0" hangingPunct="1">
@@ -3173,22 +3192,22 @@
               <a:defRPr/>
             </a:pPr>
             <a:r>
-              <a:rPr lang="de-CH" baseline="0" dirty="0" smtClean="0"/>
+              <a:rPr lang="de-CH" baseline="0" dirty="0"/>
               <a:t>Multi </a:t>
             </a:r>
             <a:r>
-              <a:rPr lang="de-CH" baseline="0" dirty="0" err="1" smtClean="0"/>
+              <a:rPr lang="de-CH" baseline="0" dirty="0" err="1"/>
               <a:t>resolution</a:t>
             </a:r>
             <a:r>
-              <a:rPr lang="de-CH" baseline="0" dirty="0" smtClean="0"/>
+              <a:rPr lang="de-CH" baseline="0" dirty="0"/>
               <a:t> </a:t>
             </a:r>
             <a:r>
-              <a:rPr lang="de-CH" baseline="0" dirty="0" err="1" smtClean="0"/>
+              <a:rPr lang="de-CH" baseline="0" dirty="0" err="1"/>
               <a:t>setup</a:t>
             </a:r>
-            <a:endParaRPr lang="de-CH" baseline="0" dirty="0" smtClean="0"/>
+            <a:endParaRPr lang="de-CH" baseline="0" dirty="0"/>
           </a:p>
           <a:p>
             <a:pPr marL="0" marR="0" indent="0" algn="l" defTabSz="914400" rtl="0" eaLnBrk="1" fontAlgn="auto" latinLnBrk="0" hangingPunct="1">
@@ -3209,50 +3228,50 @@
               <a:defRPr/>
             </a:pPr>
             <a:r>
-              <a:rPr lang="de-CH" dirty="0" smtClean="0"/>
+              <a:rPr lang="de-CH" dirty="0"/>
               <a:t>Time:</a:t>
             </a:r>
             <a:r>
-              <a:rPr lang="de-CH" baseline="0" dirty="0" smtClean="0"/>
+              <a:rPr lang="de-CH" baseline="0" dirty="0"/>
               <a:t> </a:t>
             </a:r>
             <a:r>
-              <a:rPr lang="de-CH" baseline="0" dirty="0" err="1" smtClean="0"/>
+              <a:rPr lang="de-CH" baseline="0" dirty="0" err="1"/>
               <a:t>higher</a:t>
             </a:r>
             <a:r>
-              <a:rPr lang="de-CH" baseline="0" dirty="0" smtClean="0"/>
+              <a:rPr lang="de-CH" baseline="0" dirty="0"/>
               <a:t> </a:t>
             </a:r>
             <a:r>
-              <a:rPr lang="de-CH" baseline="0" dirty="0" err="1" smtClean="0"/>
+              <a:rPr lang="de-CH" baseline="0" dirty="0" err="1"/>
               <a:t>more</a:t>
             </a:r>
             <a:r>
-              <a:rPr lang="de-CH" baseline="0" dirty="0" smtClean="0"/>
+              <a:rPr lang="de-CH" baseline="0" dirty="0"/>
               <a:t> </a:t>
             </a:r>
             <a:r>
-              <a:rPr lang="de-CH" baseline="0" dirty="0" err="1" smtClean="0"/>
+              <a:rPr lang="de-CH" baseline="0" dirty="0" err="1"/>
               <a:t>sampling</a:t>
             </a:r>
             <a:r>
-              <a:rPr lang="de-CH" baseline="0" dirty="0" smtClean="0"/>
+              <a:rPr lang="de-CH" baseline="0" dirty="0"/>
               <a:t> = </a:t>
             </a:r>
             <a:r>
-              <a:rPr lang="de-CH" baseline="0" dirty="0" err="1" smtClean="0"/>
+              <a:rPr lang="de-CH" baseline="0" dirty="0" err="1"/>
               <a:t>longer</a:t>
             </a:r>
             <a:r>
-              <a:rPr lang="de-CH" baseline="0" dirty="0" smtClean="0"/>
+              <a:rPr lang="de-CH" baseline="0" dirty="0"/>
               <a:t> </a:t>
             </a:r>
             <a:r>
-              <a:rPr lang="de-CH" baseline="0" dirty="0" err="1" smtClean="0"/>
+              <a:rPr lang="de-CH" baseline="0" dirty="0" err="1"/>
               <a:t>duration</a:t>
             </a:r>
-            <a:endParaRPr lang="de-CH" dirty="0" smtClean="0"/>
+            <a:endParaRPr lang="de-CH" dirty="0"/>
           </a:p>
         </p:txBody>
       </p:sp>
@@ -3337,41 +3356,41 @@
           <a:lstStyle/>
           <a:p>
             <a:r>
-              <a:rPr lang="en-GB" noProof="0" dirty="0" smtClean="0"/>
+              <a:rPr lang="en-GB" noProof="0" dirty="0"/>
               <a:t>- Number of histogram bins</a:t>
             </a:r>
           </a:p>
           <a:p>
             <a:r>
-              <a:rPr lang="en-GB" noProof="0" dirty="0" smtClean="0"/>
+              <a:rPr lang="en-GB" noProof="0" dirty="0"/>
               <a:t>- Learning rate</a:t>
             </a:r>
           </a:p>
           <a:p>
             <a:r>
-              <a:rPr lang="en-GB" noProof="0" dirty="0" smtClean="0"/>
+              <a:rPr lang="en-GB" noProof="0" dirty="0"/>
               <a:t>- Step size</a:t>
             </a:r>
           </a:p>
           <a:p>
             <a:r>
-              <a:rPr lang="en-GB" noProof="0" dirty="0" smtClean="0"/>
+              <a:rPr lang="en-GB" noProof="0" dirty="0"/>
               <a:t>- Number of iteration</a:t>
             </a:r>
           </a:p>
           <a:p>
             <a:r>
-              <a:rPr lang="en-GB" noProof="0" dirty="0" smtClean="0"/>
+              <a:rPr lang="en-GB" noProof="0" dirty="0"/>
               <a:t>- Shrinking factor</a:t>
             </a:r>
           </a:p>
           <a:p>
             <a:r>
-              <a:rPr lang="en-GB" noProof="0" dirty="0" smtClean="0"/>
+              <a:rPr lang="en-GB" noProof="0" dirty="0"/>
               <a:t>- Smoothing</a:t>
             </a:r>
             <a:r>
-              <a:rPr lang="en-GB" baseline="0" noProof="0" dirty="0" smtClean="0"/>
+              <a:rPr lang="en-GB" baseline="0" noProof="0" dirty="0"/>
               <a:t> sigma</a:t>
             </a:r>
             <a:endParaRPr lang="en-GB" noProof="0" dirty="0"/>
@@ -3459,69 +3478,69 @@
           <a:lstStyle/>
           <a:p>
             <a:r>
-              <a:rPr lang="de-CH" dirty="0" err="1" smtClean="0"/>
+              <a:rPr lang="de-CH" dirty="0" err="1"/>
               <a:t>Approximatly</a:t>
             </a:r>
             <a:r>
-              <a:rPr lang="de-CH" dirty="0" smtClean="0"/>
+              <a:rPr lang="de-CH" dirty="0"/>
               <a:t> </a:t>
             </a:r>
             <a:r>
-              <a:rPr lang="de-CH" dirty="0" err="1" smtClean="0"/>
+              <a:rPr lang="de-CH" dirty="0" err="1"/>
               <a:t>tested</a:t>
             </a:r>
             <a:r>
-              <a:rPr lang="de-CH" baseline="0" dirty="0" smtClean="0"/>
+              <a:rPr lang="de-CH" baseline="0" dirty="0"/>
               <a:t> 930 </a:t>
             </a:r>
             <a:r>
-              <a:rPr lang="de-CH" baseline="0" dirty="0" err="1" smtClean="0"/>
+              <a:rPr lang="de-CH" baseline="0" dirty="0" err="1"/>
               <a:t>parameter</a:t>
             </a:r>
             <a:r>
-              <a:rPr lang="de-CH" baseline="0" dirty="0" smtClean="0"/>
+              <a:rPr lang="de-CH" baseline="0" dirty="0"/>
               <a:t> </a:t>
             </a:r>
             <a:r>
-              <a:rPr lang="de-CH" baseline="0" dirty="0" err="1" smtClean="0"/>
+              <a:rPr lang="de-CH" baseline="0" dirty="0" err="1"/>
               <a:t>combinations</a:t>
             </a:r>
             <a:r>
-              <a:rPr lang="de-CH" baseline="0" dirty="0" smtClean="0"/>
+              <a:rPr lang="de-CH" baseline="0" dirty="0"/>
               <a:t>. 14 sec pro </a:t>
             </a:r>
             <a:r>
-              <a:rPr lang="de-CH" baseline="0" dirty="0" err="1" smtClean="0"/>
+              <a:rPr lang="de-CH" baseline="0" dirty="0" err="1"/>
               <a:t>patient</a:t>
             </a:r>
-            <a:endParaRPr lang="de-CH" baseline="0" dirty="0" smtClean="0"/>
-          </a:p>
-          <a:p>
-            <a:r>
-              <a:rPr lang="de-CH" baseline="0" dirty="0" err="1" smtClean="0"/>
+            <a:endParaRPr lang="de-CH" baseline="0" dirty="0"/>
+          </a:p>
+          <a:p>
+            <a:r>
+              <a:rPr lang="de-CH" baseline="0" dirty="0" err="1"/>
               <a:t>Mean</a:t>
             </a:r>
-            <a:endParaRPr lang="de-CH" baseline="0" dirty="0" smtClean="0"/>
-          </a:p>
-          <a:p>
-            <a:r>
-              <a:rPr lang="de-CH" baseline="0" dirty="0" err="1" smtClean="0"/>
+            <a:endParaRPr lang="de-CH" baseline="0" dirty="0"/>
+          </a:p>
+          <a:p>
+            <a:r>
+              <a:rPr lang="de-CH" baseline="0" dirty="0" err="1"/>
               <a:t>Ventricles</a:t>
             </a:r>
             <a:r>
-              <a:rPr lang="de-CH" baseline="0" dirty="0" smtClean="0"/>
+              <a:rPr lang="de-CH" baseline="0" dirty="0"/>
               <a:t> </a:t>
             </a:r>
             <a:r>
-              <a:rPr lang="de-CH" baseline="0" dirty="0" err="1" smtClean="0"/>
+              <a:rPr lang="de-CH" baseline="0" dirty="0" err="1"/>
               <a:t>big</a:t>
             </a:r>
             <a:r>
-              <a:rPr lang="de-CH" baseline="0" dirty="0" smtClean="0"/>
+              <a:rPr lang="de-CH" baseline="0" dirty="0"/>
               <a:t> </a:t>
             </a:r>
             <a:r>
-              <a:rPr lang="de-CH" baseline="0" dirty="0" err="1" smtClean="0"/>
+              <a:rPr lang="de-CH" baseline="0" dirty="0" err="1"/>
               <a:t>ranges</a:t>
             </a:r>
             <a:endParaRPr lang="de-CH" dirty="0"/>
@@ -3602,7 +3621,7 @@
           <a:lstStyle/>
           <a:p>
             <a:r>
-              <a:rPr lang="de-DE" smtClean="0"/>
+              <a:rPr lang="de-DE"/>
               <a:t>Titelmasterformat durch Klicken bearbeiten</a:t>
             </a:r>
             <a:endParaRPr lang="de-CH"/>
@@ -3721,7 +3740,7 @@
           </a:lstStyle>
           <a:p>
             <a:r>
-              <a:rPr lang="de-DE" smtClean="0"/>
+              <a:rPr lang="de-DE"/>
               <a:t>Formatvorlage des Untertitelmasters durch Klicken bearbeiten</a:t>
             </a:r>
             <a:endParaRPr lang="de-CH"/>
@@ -3839,7 +3858,7 @@
           <a:lstStyle/>
           <a:p>
             <a:r>
-              <a:rPr lang="de-DE" smtClean="0"/>
+              <a:rPr lang="de-DE"/>
               <a:t>Titelmasterformat durch Klicken bearbeiten</a:t>
             </a:r>
             <a:endParaRPr lang="de-CH"/>
@@ -3863,35 +3882,35 @@
           <a:p>
             <a:pPr lvl="0"/>
             <a:r>
-              <a:rPr lang="de-DE" smtClean="0"/>
+              <a:rPr lang="de-DE"/>
               <a:t>Textmasterformat bearbeiten</a:t>
             </a:r>
           </a:p>
           <a:p>
             <a:pPr lvl="1"/>
             <a:r>
-              <a:rPr lang="de-DE" smtClean="0"/>
+              <a:rPr lang="de-DE"/>
               <a:t>Zweite Ebene</a:t>
             </a:r>
           </a:p>
           <a:p>
             <a:pPr lvl="2"/>
             <a:r>
-              <a:rPr lang="de-DE" smtClean="0"/>
+              <a:rPr lang="de-DE"/>
               <a:t>Dritte Ebene</a:t>
             </a:r>
           </a:p>
           <a:p>
             <a:pPr lvl="3"/>
             <a:r>
-              <a:rPr lang="de-DE" smtClean="0"/>
+              <a:rPr lang="de-DE"/>
               <a:t>Vierte Ebene</a:t>
             </a:r>
           </a:p>
           <a:p>
             <a:pPr lvl="4"/>
             <a:r>
-              <a:rPr lang="de-DE" smtClean="0"/>
+              <a:rPr lang="de-DE"/>
               <a:t>Fünfte Ebene</a:t>
             </a:r>
             <a:endParaRPr lang="de-CH"/>
@@ -4014,7 +4033,7 @@
           <a:lstStyle/>
           <a:p>
             <a:r>
-              <a:rPr lang="de-DE" smtClean="0"/>
+              <a:rPr lang="de-DE"/>
               <a:t>Titelmasterformat durch Klicken bearbeiten</a:t>
             </a:r>
             <a:endParaRPr lang="de-CH"/>
@@ -4043,35 +4062,35 @@
           <a:p>
             <a:pPr lvl="0"/>
             <a:r>
-              <a:rPr lang="de-DE" smtClean="0"/>
+              <a:rPr lang="de-DE"/>
               <a:t>Textmasterformat bearbeiten</a:t>
             </a:r>
           </a:p>
           <a:p>
             <a:pPr lvl="1"/>
             <a:r>
-              <a:rPr lang="de-DE" smtClean="0"/>
+              <a:rPr lang="de-DE"/>
               <a:t>Zweite Ebene</a:t>
             </a:r>
           </a:p>
           <a:p>
             <a:pPr lvl="2"/>
             <a:r>
-              <a:rPr lang="de-DE" smtClean="0"/>
+              <a:rPr lang="de-DE"/>
               <a:t>Dritte Ebene</a:t>
             </a:r>
           </a:p>
           <a:p>
             <a:pPr lvl="3"/>
             <a:r>
-              <a:rPr lang="de-DE" smtClean="0"/>
+              <a:rPr lang="de-DE"/>
               <a:t>Vierte Ebene</a:t>
             </a:r>
           </a:p>
           <a:p>
             <a:pPr lvl="4"/>
             <a:r>
-              <a:rPr lang="de-DE" smtClean="0"/>
+              <a:rPr lang="de-DE"/>
               <a:t>Fünfte Ebene</a:t>
             </a:r>
             <a:endParaRPr lang="de-CH"/>
@@ -4189,7 +4208,7 @@
           <a:lstStyle/>
           <a:p>
             <a:r>
-              <a:rPr lang="de-DE" smtClean="0"/>
+              <a:rPr lang="de-DE"/>
               <a:t>Titelmasterformat durch Klicken bearbeiten</a:t>
             </a:r>
             <a:endParaRPr lang="de-CH"/>
@@ -4213,35 +4232,35 @@
           <a:p>
             <a:pPr lvl="0"/>
             <a:r>
-              <a:rPr lang="de-DE" smtClean="0"/>
+              <a:rPr lang="de-DE"/>
               <a:t>Textmasterformat bearbeiten</a:t>
             </a:r>
           </a:p>
           <a:p>
             <a:pPr lvl="1"/>
             <a:r>
-              <a:rPr lang="de-DE" smtClean="0"/>
+              <a:rPr lang="de-DE"/>
               <a:t>Zweite Ebene</a:t>
             </a:r>
           </a:p>
           <a:p>
             <a:pPr lvl="2"/>
             <a:r>
-              <a:rPr lang="de-DE" smtClean="0"/>
+              <a:rPr lang="de-DE"/>
               <a:t>Dritte Ebene</a:t>
             </a:r>
           </a:p>
           <a:p>
             <a:pPr lvl="3"/>
             <a:r>
-              <a:rPr lang="de-DE" smtClean="0"/>
+              <a:rPr lang="de-DE"/>
               <a:t>Vierte Ebene</a:t>
             </a:r>
           </a:p>
           <a:p>
             <a:pPr lvl="4"/>
             <a:r>
-              <a:rPr lang="de-DE" smtClean="0"/>
+              <a:rPr lang="de-DE"/>
               <a:t>Fünfte Ebene</a:t>
             </a:r>
             <a:endParaRPr lang="de-CH"/>
@@ -4368,7 +4387,7 @@
           </a:lstStyle>
           <a:p>
             <a:r>
-              <a:rPr lang="de-DE" smtClean="0"/>
+              <a:rPr lang="de-DE"/>
               <a:t>Titelmasterformat durch Klicken bearbeiten</a:t>
             </a:r>
             <a:endParaRPr lang="de-CH"/>
@@ -4488,7 +4507,7 @@
           <a:p>
             <a:pPr lvl="0"/>
             <a:r>
-              <a:rPr lang="de-DE" smtClean="0"/>
+              <a:rPr lang="de-DE"/>
               <a:t>Textmasterformat bearbeiten</a:t>
             </a:r>
           </a:p>
@@ -4605,7 +4624,7 @@
           <a:lstStyle/>
           <a:p>
             <a:r>
-              <a:rPr lang="de-DE" smtClean="0"/>
+              <a:rPr lang="de-DE"/>
               <a:t>Titelmasterformat durch Klicken bearbeiten</a:t>
             </a:r>
             <a:endParaRPr lang="de-CH"/>
@@ -4662,35 +4681,35 @@
           <a:p>
             <a:pPr lvl="0"/>
             <a:r>
-              <a:rPr lang="de-DE" smtClean="0"/>
+              <a:rPr lang="de-DE"/>
               <a:t>Textmasterformat bearbeiten</a:t>
             </a:r>
           </a:p>
           <a:p>
             <a:pPr lvl="1"/>
             <a:r>
-              <a:rPr lang="de-DE" smtClean="0"/>
+              <a:rPr lang="de-DE"/>
               <a:t>Zweite Ebene</a:t>
             </a:r>
           </a:p>
           <a:p>
             <a:pPr lvl="2"/>
             <a:r>
-              <a:rPr lang="de-DE" smtClean="0"/>
+              <a:rPr lang="de-DE"/>
               <a:t>Dritte Ebene</a:t>
             </a:r>
           </a:p>
           <a:p>
             <a:pPr lvl="3"/>
             <a:r>
-              <a:rPr lang="de-DE" smtClean="0"/>
+              <a:rPr lang="de-DE"/>
               <a:t>Vierte Ebene</a:t>
             </a:r>
           </a:p>
           <a:p>
             <a:pPr lvl="4"/>
             <a:r>
-              <a:rPr lang="de-DE" smtClean="0"/>
+              <a:rPr lang="de-DE"/>
               <a:t>Fünfte Ebene</a:t>
             </a:r>
             <a:endParaRPr lang="de-CH"/>
@@ -4747,35 +4766,35 @@
           <a:p>
             <a:pPr lvl="0"/>
             <a:r>
-              <a:rPr lang="de-DE" smtClean="0"/>
+              <a:rPr lang="de-DE"/>
               <a:t>Textmasterformat bearbeiten</a:t>
             </a:r>
           </a:p>
           <a:p>
             <a:pPr lvl="1"/>
             <a:r>
-              <a:rPr lang="de-DE" smtClean="0"/>
+              <a:rPr lang="de-DE"/>
               <a:t>Zweite Ebene</a:t>
             </a:r>
           </a:p>
           <a:p>
             <a:pPr lvl="2"/>
             <a:r>
-              <a:rPr lang="de-DE" smtClean="0"/>
+              <a:rPr lang="de-DE"/>
               <a:t>Dritte Ebene</a:t>
             </a:r>
           </a:p>
           <a:p>
             <a:pPr lvl="3"/>
             <a:r>
-              <a:rPr lang="de-DE" smtClean="0"/>
+              <a:rPr lang="de-DE"/>
               <a:t>Vierte Ebene</a:t>
             </a:r>
           </a:p>
           <a:p>
             <a:pPr lvl="4"/>
             <a:r>
-              <a:rPr lang="de-DE" smtClean="0"/>
+              <a:rPr lang="de-DE"/>
               <a:t>Fünfte Ebene</a:t>
             </a:r>
             <a:endParaRPr lang="de-CH"/>
@@ -4897,7 +4916,7 @@
           </a:lstStyle>
           <a:p>
             <a:r>
-              <a:rPr lang="de-DE" smtClean="0"/>
+              <a:rPr lang="de-DE"/>
               <a:t>Titelmasterformat durch Klicken bearbeiten</a:t>
             </a:r>
             <a:endParaRPr lang="de-CH"/>
@@ -4963,7 +4982,7 @@
           <a:p>
             <a:pPr lvl="0"/>
             <a:r>
-              <a:rPr lang="de-DE" smtClean="0"/>
+              <a:rPr lang="de-DE"/>
               <a:t>Textmasterformat bearbeiten</a:t>
             </a:r>
           </a:p>
@@ -5019,35 +5038,35 @@
           <a:p>
             <a:pPr lvl="0"/>
             <a:r>
-              <a:rPr lang="de-DE" smtClean="0"/>
+              <a:rPr lang="de-DE"/>
               <a:t>Textmasterformat bearbeiten</a:t>
             </a:r>
           </a:p>
           <a:p>
             <a:pPr lvl="1"/>
             <a:r>
-              <a:rPr lang="de-DE" smtClean="0"/>
+              <a:rPr lang="de-DE"/>
               <a:t>Zweite Ebene</a:t>
             </a:r>
           </a:p>
           <a:p>
             <a:pPr lvl="2"/>
             <a:r>
-              <a:rPr lang="de-DE" smtClean="0"/>
+              <a:rPr lang="de-DE"/>
               <a:t>Dritte Ebene</a:t>
             </a:r>
           </a:p>
           <a:p>
             <a:pPr lvl="3"/>
             <a:r>
-              <a:rPr lang="de-DE" smtClean="0"/>
+              <a:rPr lang="de-DE"/>
               <a:t>Vierte Ebene</a:t>
             </a:r>
           </a:p>
           <a:p>
             <a:pPr lvl="4"/>
             <a:r>
-              <a:rPr lang="de-DE" smtClean="0"/>
+              <a:rPr lang="de-DE"/>
               <a:t>Fünfte Ebene</a:t>
             </a:r>
             <a:endParaRPr lang="de-CH"/>
@@ -5113,7 +5132,7 @@
           <a:p>
             <a:pPr lvl="0"/>
             <a:r>
-              <a:rPr lang="de-DE" smtClean="0"/>
+              <a:rPr lang="de-DE"/>
               <a:t>Textmasterformat bearbeiten</a:t>
             </a:r>
           </a:p>
@@ -5169,35 +5188,35 @@
           <a:p>
             <a:pPr lvl="0"/>
             <a:r>
-              <a:rPr lang="de-DE" smtClean="0"/>
+              <a:rPr lang="de-DE"/>
               <a:t>Textmasterformat bearbeiten</a:t>
             </a:r>
           </a:p>
           <a:p>
             <a:pPr lvl="1"/>
             <a:r>
-              <a:rPr lang="de-DE" smtClean="0"/>
+              <a:rPr lang="de-DE"/>
               <a:t>Zweite Ebene</a:t>
             </a:r>
           </a:p>
           <a:p>
             <a:pPr lvl="2"/>
             <a:r>
-              <a:rPr lang="de-DE" smtClean="0"/>
+              <a:rPr lang="de-DE"/>
               <a:t>Dritte Ebene</a:t>
             </a:r>
           </a:p>
           <a:p>
             <a:pPr lvl="3"/>
             <a:r>
-              <a:rPr lang="de-DE" smtClean="0"/>
+              <a:rPr lang="de-DE"/>
               <a:t>Vierte Ebene</a:t>
             </a:r>
           </a:p>
           <a:p>
             <a:pPr lvl="4"/>
             <a:r>
-              <a:rPr lang="de-DE" smtClean="0"/>
+              <a:rPr lang="de-DE"/>
               <a:t>Fünfte Ebene</a:t>
             </a:r>
             <a:endParaRPr lang="de-CH"/>
@@ -5315,7 +5334,7 @@
           <a:lstStyle/>
           <a:p>
             <a:r>
-              <a:rPr lang="de-DE" smtClean="0"/>
+              <a:rPr lang="de-DE"/>
               <a:t>Titelmasterformat durch Klicken bearbeiten</a:t>
             </a:r>
             <a:endParaRPr lang="de-CH"/>
@@ -5537,7 +5556,7 @@
           </a:lstStyle>
           <a:p>
             <a:r>
-              <a:rPr lang="de-DE" smtClean="0"/>
+              <a:rPr lang="de-DE"/>
               <a:t>Titelmasterformat durch Klicken bearbeiten</a:t>
             </a:r>
             <a:endParaRPr lang="de-CH"/>
@@ -5594,35 +5613,35 @@
           <a:p>
             <a:pPr lvl="0"/>
             <a:r>
-              <a:rPr lang="de-DE" smtClean="0"/>
+              <a:rPr lang="de-DE"/>
               <a:t>Textmasterformat bearbeiten</a:t>
             </a:r>
           </a:p>
           <a:p>
             <a:pPr lvl="1"/>
             <a:r>
-              <a:rPr lang="de-DE" smtClean="0"/>
+              <a:rPr lang="de-DE"/>
               <a:t>Zweite Ebene</a:t>
             </a:r>
           </a:p>
           <a:p>
             <a:pPr lvl="2"/>
             <a:r>
-              <a:rPr lang="de-DE" smtClean="0"/>
+              <a:rPr lang="de-DE"/>
               <a:t>Dritte Ebene</a:t>
             </a:r>
           </a:p>
           <a:p>
             <a:pPr lvl="3"/>
             <a:r>
-              <a:rPr lang="de-DE" smtClean="0"/>
+              <a:rPr lang="de-DE"/>
               <a:t>Vierte Ebene</a:t>
             </a:r>
           </a:p>
           <a:p>
             <a:pPr lvl="4"/>
             <a:r>
-              <a:rPr lang="de-DE" smtClean="0"/>
+              <a:rPr lang="de-DE"/>
               <a:t>Fünfte Ebene</a:t>
             </a:r>
             <a:endParaRPr lang="de-CH"/>
@@ -5688,7 +5707,7 @@
           <a:p>
             <a:pPr lvl="0"/>
             <a:r>
-              <a:rPr lang="de-DE" smtClean="0"/>
+              <a:rPr lang="de-DE"/>
               <a:t>Textmasterformat bearbeiten</a:t>
             </a:r>
           </a:p>
@@ -5814,7 +5833,7 @@
           </a:lstStyle>
           <a:p>
             <a:r>
-              <a:rPr lang="de-DE" smtClean="0"/>
+              <a:rPr lang="de-DE"/>
               <a:t>Titelmasterformat durch Klicken bearbeiten</a:t>
             </a:r>
             <a:endParaRPr lang="de-CH"/>
@@ -5941,7 +5960,7 @@
           <a:p>
             <a:pPr lvl="0"/>
             <a:r>
-              <a:rPr lang="de-DE" smtClean="0"/>
+              <a:rPr lang="de-DE"/>
               <a:t>Textmasterformat bearbeiten</a:t>
             </a:r>
           </a:p>
@@ -6073,7 +6092,7 @@
           <a:lstStyle/>
           <a:p>
             <a:r>
-              <a:rPr lang="de-DE" smtClean="0"/>
+              <a:rPr lang="de-DE"/>
               <a:t>Titelmasterformat durch Klicken bearbeiten</a:t>
             </a:r>
             <a:endParaRPr lang="de-CH"/>
@@ -6107,35 +6126,35 @@
           <a:p>
             <a:pPr lvl="0"/>
             <a:r>
-              <a:rPr lang="de-DE" smtClean="0"/>
+              <a:rPr lang="de-DE"/>
               <a:t>Textmasterformat bearbeiten</a:t>
             </a:r>
           </a:p>
           <a:p>
             <a:pPr lvl="1"/>
             <a:r>
-              <a:rPr lang="de-DE" smtClean="0"/>
+              <a:rPr lang="de-DE"/>
               <a:t>Zweite Ebene</a:t>
             </a:r>
           </a:p>
           <a:p>
             <a:pPr lvl="2"/>
             <a:r>
-              <a:rPr lang="de-DE" smtClean="0"/>
+              <a:rPr lang="de-DE"/>
               <a:t>Dritte Ebene</a:t>
             </a:r>
           </a:p>
           <a:p>
             <a:pPr lvl="3"/>
             <a:r>
-              <a:rPr lang="de-DE" smtClean="0"/>
+              <a:rPr lang="de-DE"/>
               <a:t>Vierte Ebene</a:t>
             </a:r>
           </a:p>
           <a:p>
             <a:pPr lvl="4"/>
             <a:r>
-              <a:rPr lang="de-DE" smtClean="0"/>
+              <a:rPr lang="de-DE"/>
               <a:t>Fünfte Ebene</a:t>
             </a:r>
             <a:endParaRPr lang="de-CH"/>
@@ -6787,7 +6806,7 @@
           <a:p>
             <a:pPr algn="l"/>
             <a:r>
-              <a:rPr lang="de-CH" sz="2400" dirty="0" smtClean="0">
+              <a:rPr lang="de-CH" sz="2400" dirty="0">
                 <a:solidFill>
                   <a:schemeClr val="tx1"/>
                 </a:solidFill>
@@ -6795,7 +6814,7 @@
               <a:t>Luca Sahli, Jacob Rasmussen and Camilo</a:t>
             </a:r>
             <a:r>
-              <a:rPr lang="de-CH" dirty="0" smtClean="0">
+              <a:rPr lang="de-CH" dirty="0">
                 <a:solidFill>
                   <a:schemeClr val="tx1"/>
                 </a:solidFill>
@@ -6803,7 +6822,7 @@
               <a:t> </a:t>
             </a:r>
             <a:r>
-              <a:rPr lang="de-CH" sz="2400" dirty="0" smtClean="0">
+              <a:rPr lang="de-CH" sz="2400" dirty="0">
                 <a:solidFill>
                   <a:schemeClr val="tx1"/>
                 </a:solidFill>
@@ -6811,14 +6830,14 @@
               <a:t>Mendez</a:t>
             </a:r>
             <a:br>
-              <a:rPr lang="de-CH" sz="2400" dirty="0" smtClean="0">
+              <a:rPr lang="de-CH" sz="2400" dirty="0">
                 <a:solidFill>
                   <a:schemeClr val="tx1"/>
                 </a:solidFill>
               </a:rPr>
             </a:br>
             <a:r>
-              <a:rPr lang="de-CH" sz="2400" dirty="0" smtClean="0">
+              <a:rPr lang="de-CH" sz="2400" dirty="0">
                 <a:solidFill>
                   <a:schemeClr val="tx1"/>
                 </a:solidFill>
@@ -6828,23 +6847,15 @@
           </a:p>
           <a:p>
             <a:pPr algn="l"/>
-            <a:r>
-              <a:rPr lang="de-CH" sz="2400" dirty="0" smtClean="0">
+            <a:br>
+              <a:rPr lang="de-CH" sz="2400" dirty="0">
                 <a:solidFill>
                   <a:schemeClr val="tx1"/>
                 </a:solidFill>
               </a:rPr>
-              <a:t/>
-            </a:r>
-            <a:br>
-              <a:rPr lang="de-CH" sz="2400" dirty="0" smtClean="0">
-                <a:solidFill>
-                  <a:schemeClr val="tx1"/>
-                </a:solidFill>
-              </a:rPr>
             </a:br>
             <a:r>
-              <a:rPr lang="de-CH" sz="2400" dirty="0" smtClean="0">
+              <a:rPr lang="de-CH" sz="2400" dirty="0">
                 <a:solidFill>
                   <a:schemeClr val="tx1"/>
                 </a:solidFill>
@@ -6878,12 +6889,8 @@
           <a:p>
             <a:pPr algn="l"/>
             <a:r>
-              <a:rPr lang="en-GB" sz="2800" b="1" dirty="0" smtClean="0"/>
+              <a:rPr lang="en-GB" sz="2800" b="1" dirty="0"/>
               <a:t>MIA Pipeline – Registration</a:t>
-            </a:r>
-            <a:r>
-              <a:rPr lang="de-CH" dirty="0"/>
-              <a:t/>
             </a:r>
             <a:br>
               <a:rPr lang="de-CH" dirty="0"/>
@@ -6902,21 +6909,14 @@
   <p:clrMapOvr>
     <a:masterClrMapping/>
   </p:clrMapOvr>
-  <mc:AlternateContent xmlns:mc="http://schemas.openxmlformats.org/markup-compatibility/2006">
-    <mc:Choice xmlns:p14="http://schemas.microsoft.com/office/powerpoint/2010/main" Requires="p14">
+  <mc:AlternateContent xmlns:mc="http://schemas.openxmlformats.org/markup-compatibility/2006" xmlns:p14="http://schemas.microsoft.com/office/powerpoint/2010/main">
+    <mc:Choice Requires="p14">
       <p:transition spd="slow" p14:dur="2000" advTm="2240"/>
     </mc:Choice>
-    <mc:Fallback>
+    <mc:Fallback xmlns="">
       <p:transition spd="slow" advTm="2240"/>
     </mc:Fallback>
   </mc:AlternateContent>
-  <p:timing>
-    <p:tnLst>
-      <p:par>
-        <p:cTn id="1" dur="indefinite" restart="never" nodeType="tmRoot"/>
-      </p:par>
-    </p:tnLst>
-  </p:timing>
 </p:sld>
 </file>
 
@@ -7025,7 +7025,7 @@
           <a:p>
             <a:pPr algn="l"/>
             <a:r>
-              <a:rPr lang="en-US" sz="3600" dirty="0" err="1" smtClean="0">
+              <a:rPr lang="en-US" sz="3600" dirty="0" err="1">
                 <a:solidFill>
                   <a:schemeClr val="tx2">
                     <a:lumMod val="40000"/>
@@ -7188,7 +7188,7 @@
           </a:lstStyle>
           <a:p>
             <a:r>
-              <a:rPr lang="en-US" sz="3600" dirty="0" err="1" smtClean="0">
+              <a:rPr lang="en-US" sz="3600" dirty="0" err="1">
                 <a:solidFill>
                   <a:schemeClr val="tx2">
                     <a:lumMod val="40000"/>
@@ -7223,13 +7223,6 @@
   <p:clrMapOvr>
     <a:masterClrMapping/>
   </p:clrMapOvr>
-  <p:timing>
-    <p:tnLst>
-      <p:par>
-        <p:cTn id="1" dur="indefinite" restart="never" nodeType="tmRoot"/>
-      </p:par>
-    </p:tnLst>
-  </p:timing>
 </p:sld>
 </file>
 
@@ -7338,7 +7331,7 @@
           <a:p>
             <a:pPr algn="l"/>
             <a:r>
-              <a:rPr lang="en-US" sz="3600" dirty="0" err="1" smtClean="0">
+              <a:rPr lang="en-US" sz="3600" dirty="0" err="1">
                 <a:solidFill>
                   <a:schemeClr val="tx2">
                     <a:lumMod val="40000"/>
@@ -7536,42 +7529,42 @@
           <a:lstStyle/>
           <a:p>
             <a:r>
-              <a:rPr lang="en-GB" sz="2400" dirty="0" smtClean="0"/>
+              <a:rPr lang="en-GB" sz="2400" dirty="0"/>
               <a:t>Definition of a good Registration does not change from affine to </a:t>
             </a:r>
             <a:r>
-              <a:rPr lang="en-GB" sz="2400" dirty="0" err="1" smtClean="0"/>
+              <a:rPr lang="en-GB" sz="2400" dirty="0" err="1"/>
               <a:t>Bspline</a:t>
             </a:r>
-            <a:endParaRPr lang="en-GB" sz="2400" dirty="0" smtClean="0"/>
-          </a:p>
-          <a:p>
-            <a:endParaRPr lang="en-GB" sz="2400" dirty="0" smtClean="0"/>
-          </a:p>
-          <a:p>
-            <a:r>
-              <a:rPr lang="en-GB" sz="2400" dirty="0" smtClean="0"/>
+            <a:endParaRPr lang="en-GB" sz="2400" dirty="0"/>
+          </a:p>
+          <a:p>
+            <a:endParaRPr lang="en-GB" sz="2400" dirty="0"/>
+          </a:p>
+          <a:p>
+            <a:r>
+              <a:rPr lang="en-GB" sz="2400" dirty="0"/>
               <a:t>Optimizer changed from affine to </a:t>
             </a:r>
             <a:r>
-              <a:rPr lang="en-GB" sz="2400" dirty="0" err="1" smtClean="0"/>
+              <a:rPr lang="en-GB" sz="2400" dirty="0" err="1"/>
               <a:t>BSpline</a:t>
             </a:r>
-            <a:endParaRPr lang="en-GB" sz="2400" dirty="0" smtClean="0"/>
-          </a:p>
-          <a:p>
-            <a:r>
-              <a:rPr lang="en-GB" sz="2400" dirty="0" smtClean="0"/>
+            <a:endParaRPr lang="en-GB" sz="2400" dirty="0"/>
+          </a:p>
+          <a:p>
+            <a:r>
+              <a:rPr lang="en-GB" sz="2400" dirty="0"/>
               <a:t>Metric changed from affine to </a:t>
             </a:r>
             <a:r>
-              <a:rPr lang="en-GB" sz="2400" dirty="0" err="1" smtClean="0"/>
+              <a:rPr lang="en-GB" sz="2400" dirty="0" err="1"/>
               <a:t>BSpline</a:t>
             </a:r>
-            <a:endParaRPr lang="en-GB" sz="2400" dirty="0" smtClean="0"/>
-          </a:p>
-          <a:p>
-            <a:endParaRPr lang="en-GB" sz="2400" dirty="0" smtClean="0"/>
+            <a:endParaRPr lang="en-GB" sz="2400" dirty="0"/>
+          </a:p>
+          <a:p>
+            <a:endParaRPr lang="en-GB" sz="2400" dirty="0"/>
           </a:p>
           <a:p>
             <a:endParaRPr lang="en-GB" sz="2400" dirty="0"/>
@@ -7588,13 +7581,6 @@
   <p:clrMapOvr>
     <a:masterClrMapping/>
   </p:clrMapOvr>
-  <p:timing>
-    <p:tnLst>
-      <p:par>
-        <p:cTn id="1" dur="indefinite" restart="never" nodeType="tmRoot"/>
-      </p:par>
-    </p:tnLst>
-  </p:timing>
 </p:sld>
 </file>
 
@@ -7703,7 +7689,7 @@
           <a:p>
             <a:pPr algn="l"/>
             <a:r>
-              <a:rPr lang="en-US" sz="3600" dirty="0" smtClean="0">
+              <a:rPr lang="en-US" sz="3600" dirty="0">
                 <a:solidFill>
                   <a:schemeClr val="tx2">
                     <a:lumMod val="40000"/>
@@ -7959,7 +7945,7 @@
               </a:spcAft>
             </a:pPr>
             <a:r>
-              <a:rPr lang="de-DE" sz="2000" dirty="0" smtClean="0">
+              <a:rPr lang="de-DE" sz="2000" dirty="0">
                 <a:solidFill>
                   <a:srgbClr val="000000"/>
                 </a:solidFill>
@@ -7969,7 +7955,7 @@
               <a:t>Affine/ </a:t>
             </a:r>
             <a:r>
-              <a:rPr lang="de-DE" sz="2000" dirty="0" err="1" smtClean="0">
+              <a:rPr lang="de-DE" sz="2000" dirty="0" err="1">
                 <a:solidFill>
                   <a:srgbClr val="000000"/>
                 </a:solidFill>
@@ -7979,7 +7965,7 @@
               <a:t>BSpline</a:t>
             </a:r>
             <a:r>
-              <a:rPr lang="de-DE" sz="2000" dirty="0" smtClean="0">
+              <a:rPr lang="de-DE" sz="2000" dirty="0">
                 <a:solidFill>
                   <a:srgbClr val="000000"/>
                 </a:solidFill>
@@ -7989,7 +7975,7 @@
               <a:t> </a:t>
             </a:r>
             <a:r>
-              <a:rPr lang="de-DE" sz="2000" dirty="0" err="1" smtClean="0">
+              <a:rPr lang="de-DE" sz="2000" dirty="0" err="1">
                 <a:solidFill>
                   <a:srgbClr val="000000"/>
                 </a:solidFill>
@@ -8207,14 +8193,14 @@
           <a:p>
             <a:pPr algn="l"/>
             <a:r>
-              <a:rPr lang="en-GB" sz="3600" dirty="0" smtClean="0">
+              <a:rPr lang="en-GB" sz="3600" dirty="0">
                 <a:solidFill>
                   <a:schemeClr val="tx2">
                     <a:lumMod val="40000"/>
                     <a:lumOff val="60000"/>
                   </a:schemeClr>
                 </a:solidFill>
-                <a:latin typeface="Courier New" pitchFamily="49" charset="0"/>
+                <a:latin typeface="+mn-lt"/>
                 <a:cs typeface="Courier New" pitchFamily="49" charset="0"/>
               </a:rPr>
               <a:t>Discussion - Affine</a:t>
@@ -8226,7 +8212,7 @@
                   <a:lumOff val="60000"/>
                 </a:schemeClr>
               </a:solidFill>
-              <a:latin typeface="Courier New" pitchFamily="49" charset="0"/>
+              <a:latin typeface="+mn-lt"/>
               <a:cs typeface="Courier New" pitchFamily="49" charset="0"/>
             </a:endParaRPr>
           </a:p>
@@ -8399,7 +8385,7 @@
           </a:bodyPr>
           <a:lstStyle/>
           <a:p>
-            <a:endParaRPr lang="en-GB" dirty="0" smtClean="0">
+            <a:endParaRPr lang="en-GB" dirty="0">
               <a:latin typeface="Courier New" pitchFamily="49" charset="0"/>
               <a:cs typeface="Courier New" pitchFamily="49" charset="0"/>
             </a:endParaRPr>
@@ -8439,7 +8425,7 @@
         </p:blipFill>
         <p:spPr bwMode="auto">
           <a:xfrm>
-            <a:off x="539552" y="1989073"/>
+            <a:off x="565190" y="1836278"/>
             <a:ext cx="5258815" cy="4176464"/>
           </a:xfrm>
           <a:prstGeom prst="rect">
@@ -8503,8 +8489,8 @@
         </p:blipFill>
         <p:spPr bwMode="auto">
           <a:xfrm>
-            <a:off x="6354059" y="3900819"/>
-            <a:ext cx="1787702" cy="1764929"/>
+            <a:off x="6297857" y="3900819"/>
+            <a:ext cx="1843904" cy="1820415"/>
           </a:xfrm>
           <a:prstGeom prst="rect">
             <a:avLst/>
@@ -8616,13 +8602,6 @@
   <p:clrMapOvr>
     <a:masterClrMapping/>
   </p:clrMapOvr>
-  <p:timing>
-    <p:tnLst>
-      <p:par>
-        <p:cTn id="1" dur="indefinite" restart="never" nodeType="tmRoot"/>
-      </p:par>
-    </p:tnLst>
-  </p:timing>
 </p:sld>
 </file>
 
@@ -8731,7 +8710,7 @@
           <a:p>
             <a:pPr algn="l"/>
             <a:r>
-              <a:rPr lang="en-GB" sz="3600" dirty="0" smtClean="0">
+              <a:rPr lang="en-GB" sz="3600" dirty="0">
                 <a:solidFill>
                   <a:schemeClr val="tx2">
                     <a:lumMod val="40000"/>
@@ -8744,7 +8723,7 @@
               <a:t>Discussion - </a:t>
             </a:r>
             <a:r>
-              <a:rPr lang="en-GB" sz="3600" dirty="0" err="1" smtClean="0">
+              <a:rPr lang="en-GB" sz="3600" dirty="0" err="1">
                 <a:solidFill>
                   <a:schemeClr val="tx2">
                     <a:lumMod val="40000"/>
@@ -8936,7 +8915,7 @@
           </a:bodyPr>
           <a:lstStyle/>
           <a:p>
-            <a:endParaRPr lang="en-GB" dirty="0" smtClean="0">
+            <a:endParaRPr lang="en-GB" dirty="0">
               <a:latin typeface="Courier New" pitchFamily="49" charset="0"/>
               <a:cs typeface="Courier New" pitchFamily="49" charset="0"/>
             </a:endParaRPr>
@@ -9037,13 +9016,6 @@
   <p:clrMapOvr>
     <a:masterClrMapping/>
   </p:clrMapOvr>
-  <p:timing>
-    <p:tnLst>
-      <p:par>
-        <p:cTn id="1" dur="indefinite" restart="never" nodeType="tmRoot"/>
-      </p:par>
-    </p:tnLst>
-  </p:timing>
 </p:sld>
 </file>
 
@@ -9152,7 +9124,7 @@
           <a:p>
             <a:pPr algn="l"/>
             <a:r>
-              <a:rPr lang="en-GB" sz="3600" dirty="0" smtClean="0">
+              <a:rPr lang="en-GB" sz="3600" dirty="0">
                 <a:solidFill>
                   <a:schemeClr val="tx2">
                     <a:lumMod val="40000"/>
@@ -9165,7 +9137,7 @@
               <a:t>Discussion - </a:t>
             </a:r>
             <a:r>
-              <a:rPr lang="en-GB" sz="3600" dirty="0" err="1" smtClean="0">
+              <a:rPr lang="en-GB" sz="3600" dirty="0" err="1">
                 <a:solidFill>
                   <a:schemeClr val="tx2">
                     <a:lumMod val="40000"/>
@@ -9357,7 +9329,7 @@
           </a:bodyPr>
           <a:lstStyle/>
           <a:p>
-            <a:endParaRPr lang="en-GB" dirty="0" smtClean="0">
+            <a:endParaRPr lang="en-GB" dirty="0">
               <a:latin typeface="Courier New" pitchFamily="49" charset="0"/>
               <a:cs typeface="Courier New" pitchFamily="49" charset="0"/>
             </a:endParaRPr>
@@ -9792,7 +9764,7 @@
               </a:spcAft>
             </a:pPr>
             <a:r>
-              <a:rPr lang="de-CH" sz="1400" dirty="0" smtClean="0">
+              <a:rPr lang="de-CH" sz="1400" dirty="0">
                 <a:latin typeface="Courier New" pitchFamily="49" charset="0"/>
                 <a:cs typeface="Courier New" pitchFamily="49" charset="0"/>
               </a:rPr>
@@ -9808,7 +9780,7 @@
                 <a:spcPct val="0"/>
               </a:spcAft>
             </a:pPr>
-            <a:endParaRPr lang="de-CH" sz="1200" dirty="0" smtClean="0">
+            <a:endParaRPr lang="de-CH" sz="1200" dirty="0">
               <a:latin typeface="Courier New" pitchFamily="49" charset="0"/>
               <a:cs typeface="Courier New" pitchFamily="49" charset="0"/>
             </a:endParaRPr>
@@ -9826,21 +9798,21 @@
               </a:tabLst>
             </a:pPr>
             <a:r>
-              <a:rPr lang="de-CH" sz="1400" dirty="0" smtClean="0">
+              <a:rPr lang="de-CH" sz="1400" dirty="0">
                 <a:latin typeface="Courier New" pitchFamily="49" charset="0"/>
                 <a:cs typeface="Courier New" pitchFamily="49" charset="0"/>
               </a:rPr>
               <a:t>White</a:t>
             </a:r>
             <a:r>
-              <a:rPr lang="de-CH" sz="1050" dirty="0" smtClean="0">
+              <a:rPr lang="de-CH" sz="1050" dirty="0">
                 <a:latin typeface="Courier New" pitchFamily="49" charset="0"/>
                 <a:cs typeface="Courier New" pitchFamily="49" charset="0"/>
               </a:rPr>
               <a:t> </a:t>
             </a:r>
             <a:r>
-              <a:rPr lang="de-CH" sz="1400" dirty="0" smtClean="0">
+              <a:rPr lang="de-CH" sz="1400" dirty="0">
                 <a:latin typeface="Courier New" pitchFamily="49" charset="0"/>
                 <a:cs typeface="Courier New" pitchFamily="49" charset="0"/>
               </a:rPr>
@@ -9868,28 +9840,7 @@
                 <a:latin typeface="Courier New" pitchFamily="49" charset="0"/>
                 <a:cs typeface="Courier New" pitchFamily="49" charset="0"/>
               </a:rPr>
-              <a:t>Grey </a:t>
-            </a:r>
-            <a:r>
-              <a:rPr lang="de-CH" sz="1400" dirty="0" smtClean="0">
-                <a:latin typeface="Courier New" pitchFamily="49" charset="0"/>
-                <a:cs typeface="Courier New" pitchFamily="49" charset="0"/>
-              </a:rPr>
-              <a:t>matter	0.</a:t>
-            </a:r>
-            <a:r>
-              <a:rPr lang="de-CH" sz="1400" dirty="0">
-                <a:latin typeface="Courier New" pitchFamily="49" charset="0"/>
-                <a:cs typeface="Courier New" pitchFamily="49" charset="0"/>
-              </a:rPr>
-              <a:t>4</a:t>
-            </a:r>
-            <a:r>
-              <a:rPr lang="de-CH" sz="1400" dirty="0" smtClean="0">
-                <a:latin typeface="Courier New" pitchFamily="49" charset="0"/>
-                <a:cs typeface="Courier New" pitchFamily="49" charset="0"/>
-              </a:rPr>
-              <a:t>2</a:t>
+              <a:t>Grey matter	0.42</a:t>
             </a:r>
             <a:endParaRPr lang="de-DE" sz="1400" dirty="0">
               <a:latin typeface="Courier New" pitchFamily="49" charset="0"/>
@@ -9909,18 +9860,11 @@
               </a:tabLst>
             </a:pPr>
             <a:r>
-              <a:rPr lang="de-CH" sz="1400" dirty="0" smtClean="0">
-                <a:latin typeface="Courier New" pitchFamily="49" charset="0"/>
-                <a:cs typeface="Courier New" pitchFamily="49" charset="0"/>
-              </a:rPr>
-              <a:t>Ventricles	</a:t>
-            </a:r>
-            <a:r>
-              <a:rPr lang="de-CH" sz="1400" dirty="0" smtClean="0">
-                <a:latin typeface="Courier New" pitchFamily="49" charset="0"/>
-                <a:cs typeface="Courier New" pitchFamily="49" charset="0"/>
-              </a:rPr>
-              <a:t>0.33</a:t>
+              <a:rPr lang="de-CH" sz="1400" dirty="0">
+                <a:latin typeface="Courier New" pitchFamily="49" charset="0"/>
+                <a:cs typeface="Courier New" pitchFamily="49" charset="0"/>
+              </a:rPr>
+              <a:t>Ventricles	0.33</a:t>
             </a:r>
           </a:p>
         </p:txBody>
@@ -9969,7 +9913,7 @@
               </a:spcAft>
             </a:pPr>
             <a:r>
-              <a:rPr lang="de-CH" sz="1400" dirty="0" smtClean="0">
+              <a:rPr lang="de-CH" sz="1400" dirty="0">
                 <a:latin typeface="Courier New" pitchFamily="49" charset="0"/>
                 <a:cs typeface="Courier New" pitchFamily="49" charset="0"/>
               </a:rPr>
@@ -9985,7 +9929,7 @@
                 <a:spcPct val="0"/>
               </a:spcAft>
             </a:pPr>
-            <a:endParaRPr lang="de-CH" sz="1400" dirty="0" smtClean="0">
+            <a:endParaRPr lang="de-CH" sz="1400" dirty="0">
               <a:latin typeface="Courier New" pitchFamily="49" charset="0"/>
               <a:cs typeface="Courier New" pitchFamily="49" charset="0"/>
             </a:endParaRPr>
@@ -10003,13 +9947,13 @@
               </a:tabLst>
             </a:pPr>
             <a:r>
-              <a:rPr lang="de-CH" sz="1400" dirty="0" smtClean="0">
+              <a:rPr lang="de-CH" sz="1400" dirty="0">
                 <a:latin typeface="Courier New" pitchFamily="49" charset="0"/>
                 <a:cs typeface="Courier New" pitchFamily="49" charset="0"/>
               </a:rPr>
               <a:t>White matter  0.62</a:t>
             </a:r>
-            <a:endParaRPr lang="de-DE" sz="1400" dirty="0" smtClean="0">
+            <a:endParaRPr lang="de-DE" sz="1400" dirty="0">
               <a:solidFill>
                 <a:srgbClr val="000000"/>
               </a:solidFill>
@@ -10034,14 +9978,7 @@
                 <a:latin typeface="Courier New" pitchFamily="49" charset="0"/>
                 <a:cs typeface="Courier New" pitchFamily="49" charset="0"/>
               </a:rPr>
-              <a:t>Grey </a:t>
-            </a:r>
-            <a:r>
-              <a:rPr lang="de-CH" sz="1400" dirty="0" smtClean="0">
-                <a:latin typeface="Courier New" pitchFamily="49" charset="0"/>
-                <a:cs typeface="Courier New" pitchFamily="49" charset="0"/>
-              </a:rPr>
-              <a:t>matter   0.48</a:t>
+              <a:t>Grey matter   0.48</a:t>
             </a:r>
             <a:endParaRPr lang="de-DE" sz="1400" dirty="0">
               <a:latin typeface="Courier New" pitchFamily="49" charset="0"/>
@@ -10061,30 +9998,19 @@
               </a:tabLst>
             </a:pPr>
             <a:r>
-              <a:rPr lang="de-CH" sz="1400" dirty="0" err="1" smtClean="0">
+              <a:rPr lang="de-CH" sz="1400" dirty="0" err="1">
                 <a:latin typeface="Courier New" pitchFamily="49" charset="0"/>
                 <a:cs typeface="Courier New" pitchFamily="49" charset="0"/>
               </a:rPr>
               <a:t>Ventricles</a:t>
             </a:r>
             <a:r>
-              <a:rPr lang="de-CH" sz="1400" dirty="0" smtClean="0">
-                <a:latin typeface="Courier New" pitchFamily="49" charset="0"/>
-                <a:cs typeface="Courier New" pitchFamily="49" charset="0"/>
-              </a:rPr>
-              <a:t>    </a:t>
-            </a:r>
-            <a:r>
-              <a:rPr lang="de-CH" sz="1400" dirty="0" smtClean="0">
-                <a:latin typeface="Courier New" pitchFamily="49" charset="0"/>
-                <a:cs typeface="Courier New" pitchFamily="49" charset="0"/>
-              </a:rPr>
-              <a:t>0.64</a:t>
-            </a:r>
-            <a:endParaRPr lang="de-CH" sz="1400" dirty="0" smtClean="0">
-              <a:latin typeface="Courier New" pitchFamily="49" charset="0"/>
-              <a:cs typeface="Courier New" pitchFamily="49" charset="0"/>
-            </a:endParaRPr>
+              <a:rPr lang="de-CH" sz="1400" dirty="0">
+                <a:latin typeface="Courier New" pitchFamily="49" charset="0"/>
+                <a:cs typeface="Courier New" pitchFamily="49" charset="0"/>
+              </a:rPr>
+              <a:t>    0.64</a:t>
+            </a:r>
           </a:p>
         </p:txBody>
       </p:sp>
@@ -10132,7 +10058,7 @@
               </a:spcAft>
             </a:pPr>
             <a:r>
-              <a:rPr lang="de-CH" sz="1400" dirty="0" smtClean="0">
+              <a:rPr lang="de-CH" sz="1400" dirty="0">
                 <a:latin typeface="Courier New" pitchFamily="49" charset="0"/>
                 <a:cs typeface="Courier New" pitchFamily="49" charset="0"/>
               </a:rPr>
@@ -10148,7 +10074,7 @@
                 <a:spcPct val="0"/>
               </a:spcAft>
             </a:pPr>
-            <a:endParaRPr lang="de-CH" sz="1400" dirty="0" smtClean="0">
+            <a:endParaRPr lang="de-CH" sz="1400" dirty="0">
               <a:latin typeface="Courier New" pitchFamily="49" charset="0"/>
               <a:cs typeface="Courier New" pitchFamily="49" charset="0"/>
             </a:endParaRPr>
@@ -10167,13 +10093,13 @@
               </a:tabLst>
             </a:pPr>
             <a:r>
-              <a:rPr lang="de-CH" sz="1400" dirty="0" smtClean="0">
+              <a:rPr lang="de-CH" sz="1400" dirty="0">
                 <a:latin typeface="Courier New" pitchFamily="49" charset="0"/>
                 <a:cs typeface="Courier New" pitchFamily="49" charset="0"/>
               </a:rPr>
               <a:t>White matter  0.64</a:t>
             </a:r>
-            <a:endParaRPr lang="de-DE" sz="1400" dirty="0" smtClean="0">
+            <a:endParaRPr lang="de-DE" sz="1400" dirty="0">
               <a:solidFill>
                 <a:srgbClr val="000000"/>
               </a:solidFill>
@@ -10199,14 +10125,7 @@
                 <a:latin typeface="Courier New" pitchFamily="49" charset="0"/>
                 <a:cs typeface="Courier New" pitchFamily="49" charset="0"/>
               </a:rPr>
-              <a:t>Grey </a:t>
-            </a:r>
-            <a:r>
-              <a:rPr lang="de-CH" sz="1400" dirty="0" smtClean="0">
-                <a:latin typeface="Courier New" pitchFamily="49" charset="0"/>
-                <a:cs typeface="Courier New" pitchFamily="49" charset="0"/>
-              </a:rPr>
-              <a:t>matter   0.31</a:t>
+              <a:t>Grey matter   0.31</a:t>
             </a:r>
             <a:endParaRPr lang="de-DE" sz="1400" dirty="0">
               <a:latin typeface="Courier New" pitchFamily="49" charset="0"/>
@@ -10227,30 +10146,19 @@
               </a:tabLst>
             </a:pPr>
             <a:r>
-              <a:rPr lang="de-CH" sz="1400" dirty="0" err="1" smtClean="0">
+              <a:rPr lang="de-CH" sz="1400" dirty="0" err="1">
                 <a:latin typeface="Courier New" pitchFamily="49" charset="0"/>
                 <a:cs typeface="Courier New" pitchFamily="49" charset="0"/>
               </a:rPr>
               <a:t>Ventricles</a:t>
             </a:r>
             <a:r>
-              <a:rPr lang="de-CH" sz="1400" dirty="0" smtClean="0">
-                <a:latin typeface="Courier New" pitchFamily="49" charset="0"/>
-                <a:cs typeface="Courier New" pitchFamily="49" charset="0"/>
-              </a:rPr>
-              <a:t>    </a:t>
-            </a:r>
-            <a:r>
-              <a:rPr lang="de-CH" sz="1400" dirty="0" smtClean="0">
-                <a:latin typeface="Courier New" pitchFamily="49" charset="0"/>
-                <a:cs typeface="Courier New" pitchFamily="49" charset="0"/>
-              </a:rPr>
-              <a:t>0.51</a:t>
-            </a:r>
-            <a:endParaRPr lang="de-CH" sz="1400" dirty="0" smtClean="0">
-              <a:latin typeface="Courier New" pitchFamily="49" charset="0"/>
-              <a:cs typeface="Courier New" pitchFamily="49" charset="0"/>
-            </a:endParaRPr>
+              <a:rPr lang="de-CH" sz="1400" dirty="0">
+                <a:latin typeface="Courier New" pitchFamily="49" charset="0"/>
+                <a:cs typeface="Courier New" pitchFamily="49" charset="0"/>
+              </a:rPr>
+              <a:t>    0.51</a:t>
+            </a:r>
           </a:p>
         </p:txBody>
       </p:sp>
@@ -10264,13 +10172,6 @@
   <p:clrMapOvr>
     <a:masterClrMapping/>
   </p:clrMapOvr>
-  <p:timing>
-    <p:tnLst>
-      <p:par>
-        <p:cTn id="1" dur="indefinite" restart="never" nodeType="tmRoot"/>
-      </p:par>
-    </p:tnLst>
-  </p:timing>
 </p:sld>
 </file>
 
@@ -10379,7 +10280,7 @@
           <a:p>
             <a:pPr algn="l"/>
             <a:r>
-              <a:rPr lang="en-GB" sz="3600" dirty="0" smtClean="0">
+              <a:rPr lang="en-GB" sz="3600" dirty="0">
                 <a:solidFill>
                   <a:schemeClr val="tx2">
                     <a:lumMod val="40000"/>
@@ -10576,13 +10477,13 @@
               <a:buChar char="•"/>
             </a:pPr>
             <a:r>
-              <a:rPr lang="en-GB" sz="1600" dirty="0" smtClean="0">
+              <a:rPr lang="en-GB" sz="1600" dirty="0">
                 <a:latin typeface="Courier New" pitchFamily="49" charset="0"/>
                 <a:cs typeface="Courier New" pitchFamily="49" charset="0"/>
               </a:rPr>
               <a:t>SimpleElastix</a:t>
             </a:r>
-            <a:endParaRPr lang="en-GB" dirty="0" smtClean="0">
+            <a:endParaRPr lang="en-GB" dirty="0">
               <a:latin typeface="Courier New" pitchFamily="49" charset="0"/>
               <a:cs typeface="Courier New" pitchFamily="49" charset="0"/>
             </a:endParaRPr>
@@ -10609,21 +10510,6 @@
   <p:clrMapOvr>
     <a:masterClrMapping/>
   </p:clrMapOvr>
-  <mc:AlternateContent xmlns:mc="http://schemas.openxmlformats.org/markup-compatibility/2006">
-    <mc:Choice xmlns:p14="http://schemas.microsoft.com/office/powerpoint/2010/main" Requires="p14">
-      <p:transition spd="slow" p14:dur="2000"/>
-    </mc:Choice>
-    <mc:Fallback>
-      <p:transition spd="slow"/>
-    </mc:Fallback>
-  </mc:AlternateContent>
-  <p:timing>
-    <p:tnLst>
-      <p:par>
-        <p:cTn id="1" dur="indefinite" restart="never" nodeType="tmRoot"/>
-      </p:par>
-    </p:tnLst>
-  </p:timing>
 </p:sld>
 </file>
 
@@ -10732,7 +10618,7 @@
           <a:p>
             <a:pPr algn="l"/>
             <a:r>
-              <a:rPr lang="en-GB" sz="3600" dirty="0" smtClean="0">
+              <a:rPr lang="en-GB" sz="3600" dirty="0">
                 <a:solidFill>
                   <a:schemeClr val="tx2">
                     <a:lumMod val="40000"/>
@@ -10929,7 +10815,7 @@
               <a:buChar char="•"/>
             </a:pPr>
             <a:r>
-              <a:rPr lang="en-GB" sz="1600" dirty="0" smtClean="0">
+              <a:rPr lang="en-GB" sz="1600" dirty="0">
                 <a:latin typeface="Courier New" pitchFamily="49" charset="0"/>
                 <a:cs typeface="Courier New" pitchFamily="49" charset="0"/>
               </a:rPr>
@@ -10946,14 +10832,7 @@
                 <a:latin typeface="Courier New" pitchFamily="49" charset="0"/>
                 <a:cs typeface="Courier New" pitchFamily="49" charset="0"/>
               </a:rPr>
-              <a:t>c</a:t>
-            </a:r>
-            <a:r>
-              <a:rPr lang="en-GB" sz="1600" dirty="0" smtClean="0">
-                <a:latin typeface="Courier New" pitchFamily="49" charset="0"/>
-                <a:cs typeface="Courier New" pitchFamily="49" charset="0"/>
-              </a:rPr>
-              <a:t>ontains lots of implemented functions for registration</a:t>
+              <a:t>contains lots of implemented functions for registration</a:t>
             </a:r>
           </a:p>
           <a:p>
@@ -10961,7 +10840,7 @@
               <a:buFont typeface="Arial" pitchFamily="34" charset="0"/>
               <a:buChar char="•"/>
             </a:pPr>
-            <a:endParaRPr lang="en-GB" sz="1600" dirty="0" smtClean="0">
+            <a:endParaRPr lang="en-GB" sz="1600" dirty="0">
               <a:latin typeface="Courier New" pitchFamily="49" charset="0"/>
               <a:cs typeface="Courier New" pitchFamily="49" charset="0"/>
             </a:endParaRPr>
@@ -10972,7 +10851,7 @@
               <a:buChar char="•"/>
             </a:pPr>
             <a:r>
-              <a:rPr lang="en-GB" sz="1600" dirty="0" smtClean="0">
+              <a:rPr lang="en-GB" sz="1600" dirty="0">
                 <a:latin typeface="Courier New" pitchFamily="49" charset="0"/>
                 <a:cs typeface="Courier New" pitchFamily="49" charset="0"/>
               </a:rPr>
@@ -10984,7 +10863,7 @@
               <a:buFont typeface="Arial" pitchFamily="34" charset="0"/>
               <a:buChar char="•"/>
             </a:pPr>
-            <a:endParaRPr lang="en-GB" sz="1600" dirty="0" smtClean="0">
+            <a:endParaRPr lang="en-GB" sz="1600" dirty="0">
               <a:latin typeface="Courier New" pitchFamily="49" charset="0"/>
               <a:cs typeface="Courier New" pitchFamily="49" charset="0"/>
             </a:endParaRPr>
@@ -10995,21 +10874,21 @@
               <a:buChar char="•"/>
             </a:pPr>
             <a:r>
-              <a:rPr lang="en-GB" sz="1600" dirty="0" smtClean="0">
+              <a:rPr lang="en-GB" sz="1600" dirty="0">
                 <a:latin typeface="Courier New" pitchFamily="49" charset="0"/>
                 <a:cs typeface="Courier New" pitchFamily="49" charset="0"/>
               </a:rPr>
               <a:t>BSpline transformation seem to be very </a:t>
             </a:r>
             <a:r>
-              <a:rPr lang="en-US" sz="1600" dirty="0" smtClean="0">
+              <a:rPr lang="en-US" sz="1600" dirty="0">
                 <a:latin typeface="Courier New" pitchFamily="49" charset="0"/>
                 <a:cs typeface="Courier New" pitchFamily="49" charset="0"/>
               </a:rPr>
               <a:t>promising</a:t>
             </a:r>
             <a:r>
-              <a:rPr lang="en-GB" sz="1600" dirty="0" smtClean="0">
+              <a:rPr lang="en-GB" sz="1600" dirty="0">
                 <a:latin typeface="Courier New" pitchFamily="49" charset="0"/>
                 <a:cs typeface="Courier New" pitchFamily="49" charset="0"/>
               </a:rPr>
@@ -11022,7 +10901,7 @@
               <a:buChar char="•"/>
             </a:pPr>
             <a:r>
-              <a:rPr lang="en-GB" sz="1600" dirty="0" smtClean="0">
+              <a:rPr lang="en-GB" sz="1600" dirty="0">
                 <a:latin typeface="Courier New" pitchFamily="49" charset="0"/>
                 <a:cs typeface="Courier New" pitchFamily="49" charset="0"/>
               </a:rPr>
@@ -11035,7 +10914,7 @@
               <a:buChar char="•"/>
             </a:pPr>
             <a:r>
-              <a:rPr lang="en-GB" sz="1600" dirty="0" smtClean="0">
+              <a:rPr lang="en-GB" sz="1600" dirty="0">
                 <a:latin typeface="Courier New" pitchFamily="49" charset="0"/>
                 <a:cs typeface="Courier New" pitchFamily="49" charset="0"/>
               </a:rPr>
@@ -11043,7 +10922,7 @@
             </a:r>
           </a:p>
           <a:p>
-            <a:endParaRPr lang="en-GB" dirty="0" smtClean="0">
+            <a:endParaRPr lang="en-GB" dirty="0">
               <a:latin typeface="Courier New" pitchFamily="49" charset="0"/>
               <a:cs typeface="Courier New" pitchFamily="49" charset="0"/>
             </a:endParaRPr>
@@ -11070,21 +10949,6 @@
   <p:clrMapOvr>
     <a:masterClrMapping/>
   </p:clrMapOvr>
-  <mc:AlternateContent xmlns:mc="http://schemas.openxmlformats.org/markup-compatibility/2006">
-    <mc:Choice xmlns:p14="http://schemas.microsoft.com/office/powerpoint/2010/main" Requires="p14">
-      <p:transition spd="slow" p14:dur="2000"/>
-    </mc:Choice>
-    <mc:Fallback>
-      <p:transition spd="slow"/>
-    </mc:Fallback>
-  </mc:AlternateContent>
-  <p:timing>
-    <p:tnLst>
-      <p:par>
-        <p:cTn id="1" dur="indefinite" restart="never" nodeType="tmRoot"/>
-      </p:par>
-    </p:tnLst>
-  </p:timing>
 </p:sld>
 </file>
 
@@ -11193,7 +11057,7 @@
           <a:p>
             <a:pPr algn="l"/>
             <a:r>
-              <a:rPr lang="en-US" sz="3600" dirty="0" err="1" smtClean="0">
+              <a:rPr lang="en-US" sz="3600" dirty="0" err="1">
                 <a:solidFill>
                   <a:schemeClr val="tx2">
                     <a:lumMod val="40000"/>
@@ -11206,7 +11070,7 @@
               <a:t>BSpline</a:t>
             </a:r>
             <a:r>
-              <a:rPr lang="en-US" sz="3600" dirty="0" smtClean="0">
+              <a:rPr lang="en-US" sz="3600" dirty="0">
                 <a:solidFill>
                   <a:schemeClr val="tx2">
                     <a:lumMod val="40000"/>
@@ -11391,7 +11255,7 @@
               </a:spcAft>
             </a:pPr>
             <a:r>
-              <a:rPr lang="de-CH" sz="1400" dirty="0" err="1" smtClean="0">
+              <a:rPr lang="de-CH" sz="1400" dirty="0" err="1">
                 <a:solidFill>
                   <a:srgbClr val="000000"/>
                 </a:solidFill>
@@ -11401,7 +11265,7 @@
               <a:t>number_of_bins</a:t>
             </a:r>
             <a:r>
-              <a:rPr lang="de-CH" sz="1400" dirty="0" smtClean="0">
+              <a:rPr lang="de-CH" sz="1400" dirty="0">
                 <a:solidFill>
                   <a:srgbClr val="000000"/>
                 </a:solidFill>
@@ -11411,7 +11275,7 @@
               <a:t>: </a:t>
             </a:r>
             <a:r>
-              <a:rPr lang="de-CH" sz="1400" dirty="0" err="1" smtClean="0">
+              <a:rPr lang="de-CH" sz="1400" dirty="0" err="1">
                 <a:solidFill>
                   <a:srgbClr val="000080"/>
                 </a:solidFill>
@@ -11421,7 +11285,7 @@
               <a:t>int</a:t>
             </a:r>
             <a:r>
-              <a:rPr lang="de-CH" sz="1400" dirty="0" smtClean="0">
+              <a:rPr lang="de-CH" sz="1400" dirty="0">
                 <a:solidFill>
                   <a:srgbClr val="000000"/>
                 </a:solidFill>
@@ -11431,7 +11295,7 @@
               <a:t> = </a:t>
             </a:r>
             <a:r>
-              <a:rPr lang="de-CH" sz="1400" dirty="0" smtClean="0">
+              <a:rPr lang="de-CH" sz="1400" dirty="0">
                 <a:solidFill>
                   <a:srgbClr val="0000FF"/>
                 </a:solidFill>
@@ -11441,464 +11305,7 @@
               <a:t>50</a:t>
             </a:r>
             <a:r>
-              <a:rPr lang="de-CH" sz="1400" dirty="0" smtClean="0">
-                <a:solidFill>
-                  <a:srgbClr val="000000"/>
-                </a:solidFill>
-                <a:latin typeface="Courier New" pitchFamily="49" charset="0"/>
-                <a:cs typeface="Courier New" pitchFamily="49" charset="0"/>
-              </a:rPr>
-              <a:t>,</a:t>
-            </a:r>
-          </a:p>
-          <a:p>
-            <a:pPr marL="1073150" lvl="0" indent="-1073150" fontAlgn="base">
-              <a:spcBef>
-                <a:spcPct val="0"/>
-              </a:spcBef>
-              <a:spcAft>
-                <a:spcPct val="0"/>
-              </a:spcAft>
-            </a:pPr>
-            <a:endParaRPr lang="de-CH" sz="1400" dirty="0" smtClean="0">
-              <a:solidFill>
-                <a:srgbClr val="000000"/>
-              </a:solidFill>
-              <a:latin typeface="Courier New" pitchFamily="49" charset="0"/>
-              <a:cs typeface="Courier New" pitchFamily="49" charset="0"/>
-            </a:endParaRPr>
-          </a:p>
-          <a:p>
-            <a:pPr marL="1073150" indent="-1073150" defTabSz="893763" fontAlgn="base">
-              <a:spcBef>
-                <a:spcPct val="0"/>
-              </a:spcBef>
-              <a:spcAft>
-                <a:spcPct val="0"/>
-              </a:spcAft>
-            </a:pPr>
-            <a:r>
-              <a:rPr lang="de-CH" sz="1400" dirty="0" err="1" smtClean="0">
-                <a:solidFill>
-                  <a:srgbClr val="000000"/>
-                </a:solidFill>
-                <a:latin typeface="Courier New" pitchFamily="49" charset="0"/>
-                <a:cs typeface="Courier New" pitchFamily="49" charset="0"/>
-              </a:rPr>
-              <a:t>number_of_iterations</a:t>
-            </a:r>
-            <a:r>
-              <a:rPr lang="de-CH" sz="1400" dirty="0" smtClean="0">
-                <a:solidFill>
-                  <a:srgbClr val="000000"/>
-                </a:solidFill>
-                <a:latin typeface="Courier New" pitchFamily="49" charset="0"/>
-                <a:cs typeface="Courier New" pitchFamily="49" charset="0"/>
-              </a:rPr>
-              <a:t>: </a:t>
-            </a:r>
-            <a:r>
-              <a:rPr lang="de-CH" sz="1400" dirty="0" err="1" smtClean="0">
-                <a:solidFill>
-                  <a:srgbClr val="000080"/>
-                </a:solidFill>
-                <a:latin typeface="Courier New" pitchFamily="49" charset="0"/>
-                <a:cs typeface="Courier New" pitchFamily="49" charset="0"/>
-              </a:rPr>
-              <a:t>int</a:t>
-            </a:r>
-            <a:r>
-              <a:rPr lang="de-CH" sz="1400" dirty="0" smtClean="0">
-                <a:solidFill>
-                  <a:srgbClr val="000000"/>
-                </a:solidFill>
-                <a:latin typeface="Courier New" pitchFamily="49" charset="0"/>
-                <a:cs typeface="Courier New" pitchFamily="49" charset="0"/>
-              </a:rPr>
-              <a:t> = </a:t>
-            </a:r>
-            <a:r>
-              <a:rPr lang="de-CH" sz="1400" dirty="0" smtClean="0">
-                <a:solidFill>
-                  <a:srgbClr val="0000FF"/>
-                </a:solidFill>
-                <a:latin typeface="Courier New" pitchFamily="49" charset="0"/>
-                <a:cs typeface="Courier New" pitchFamily="49" charset="0"/>
-              </a:rPr>
-              <a:t>1500</a:t>
-            </a:r>
-            <a:r>
-              <a:rPr lang="de-CH" sz="1400" dirty="0" smtClean="0">
-                <a:solidFill>
-                  <a:srgbClr val="000000"/>
-                </a:solidFill>
-                <a:latin typeface="Courier New" pitchFamily="49" charset="0"/>
-                <a:cs typeface="Courier New" pitchFamily="49" charset="0"/>
-              </a:rPr>
-              <a:t>,</a:t>
-            </a:r>
-          </a:p>
-          <a:p>
-            <a:pPr marL="1073150" indent="-1073150" defTabSz="893763" fontAlgn="base">
-              <a:spcBef>
-                <a:spcPct val="0"/>
-              </a:spcBef>
-              <a:spcAft>
-                <a:spcPct val="0"/>
-              </a:spcAft>
-            </a:pPr>
-            <a:r>
-              <a:rPr lang="de-CH" sz="1400" dirty="0" err="1" smtClean="0">
-                <a:solidFill>
-                  <a:srgbClr val="000000"/>
-                </a:solidFill>
-                <a:latin typeface="Courier New" pitchFamily="49" charset="0"/>
-                <a:cs typeface="Courier New" pitchFamily="49" charset="0"/>
-              </a:rPr>
-              <a:t>gradient_Convergence_Tolerance</a:t>
-            </a:r>
-            <a:r>
-              <a:rPr lang="de-CH" sz="1400" dirty="0" smtClean="0">
-                <a:solidFill>
-                  <a:srgbClr val="000000"/>
-                </a:solidFill>
-                <a:latin typeface="Courier New" pitchFamily="49" charset="0"/>
-                <a:cs typeface="Courier New" pitchFamily="49" charset="0"/>
-              </a:rPr>
-              <a:t>: </a:t>
-            </a:r>
-            <a:r>
-              <a:rPr lang="de-CH" sz="1400" dirty="0" err="1" smtClean="0">
-                <a:solidFill>
-                  <a:srgbClr val="000080"/>
-                </a:solidFill>
-                <a:latin typeface="Courier New" pitchFamily="49" charset="0"/>
-                <a:cs typeface="Courier New" pitchFamily="49" charset="0"/>
-              </a:rPr>
-              <a:t>float</a:t>
-            </a:r>
-            <a:r>
-              <a:rPr lang="de-CH" sz="1400" dirty="0" smtClean="0">
-                <a:solidFill>
-                  <a:srgbClr val="000000"/>
-                </a:solidFill>
-                <a:latin typeface="Courier New" pitchFamily="49" charset="0"/>
-                <a:cs typeface="Courier New" pitchFamily="49" charset="0"/>
-              </a:rPr>
-              <a:t> = </a:t>
-            </a:r>
-            <a:r>
-              <a:rPr lang="de-CH" sz="1400" dirty="0" smtClean="0">
-                <a:solidFill>
-                  <a:srgbClr val="0000FF"/>
-                </a:solidFill>
-                <a:latin typeface="Courier New" pitchFamily="49" charset="0"/>
-                <a:cs typeface="Courier New" pitchFamily="49" charset="0"/>
-              </a:rPr>
-              <a:t>1e-5</a:t>
-            </a:r>
-            <a:r>
-              <a:rPr lang="de-CH" sz="1400" dirty="0" smtClean="0">
-                <a:solidFill>
-                  <a:srgbClr val="000000"/>
-                </a:solidFill>
-                <a:latin typeface="Courier New" pitchFamily="49" charset="0"/>
-                <a:cs typeface="Courier New" pitchFamily="49" charset="0"/>
-              </a:rPr>
-              <a:t>,</a:t>
-            </a:r>
-          </a:p>
-          <a:p>
-            <a:pPr marL="1073150" indent="-1073150" defTabSz="893763" fontAlgn="base">
-              <a:spcBef>
-                <a:spcPct val="0"/>
-              </a:spcBef>
-              <a:spcAft>
-                <a:spcPct val="0"/>
-              </a:spcAft>
-            </a:pPr>
-            <a:r>
-              <a:rPr lang="de-CH" sz="1400" dirty="0" err="1" smtClean="0">
-                <a:solidFill>
-                  <a:srgbClr val="000000"/>
-                </a:solidFill>
-                <a:latin typeface="Courier New" pitchFamily="49" charset="0"/>
-                <a:cs typeface="Courier New" pitchFamily="49" charset="0"/>
-              </a:rPr>
-              <a:t>max_number_of_corrections</a:t>
-            </a:r>
-            <a:r>
-              <a:rPr lang="de-CH" sz="1400" dirty="0" smtClean="0">
-                <a:solidFill>
-                  <a:srgbClr val="000000"/>
-                </a:solidFill>
-                <a:latin typeface="Courier New" pitchFamily="49" charset="0"/>
-                <a:cs typeface="Courier New" pitchFamily="49" charset="0"/>
-              </a:rPr>
-              <a:t>: </a:t>
-            </a:r>
-            <a:r>
-              <a:rPr lang="de-CH" sz="1400" dirty="0" err="1" smtClean="0">
-                <a:solidFill>
-                  <a:srgbClr val="000080"/>
-                </a:solidFill>
-                <a:latin typeface="Courier New" pitchFamily="49" charset="0"/>
-                <a:cs typeface="Courier New" pitchFamily="49" charset="0"/>
-              </a:rPr>
-              <a:t>int</a:t>
-            </a:r>
-            <a:r>
-              <a:rPr lang="de-CH" sz="1400" dirty="0" smtClean="0">
-                <a:solidFill>
-                  <a:srgbClr val="000000"/>
-                </a:solidFill>
-                <a:latin typeface="Courier New" pitchFamily="49" charset="0"/>
-                <a:cs typeface="Courier New" pitchFamily="49" charset="0"/>
-              </a:rPr>
-              <a:t> = </a:t>
-            </a:r>
-            <a:r>
-              <a:rPr lang="de-CH" sz="1400" dirty="0" smtClean="0">
-                <a:solidFill>
-                  <a:srgbClr val="0000FF"/>
-                </a:solidFill>
-                <a:latin typeface="Courier New" pitchFamily="49" charset="0"/>
-                <a:cs typeface="Courier New" pitchFamily="49" charset="0"/>
-              </a:rPr>
-              <a:t>100</a:t>
-            </a:r>
-            <a:r>
-              <a:rPr lang="de-CH" sz="1400" dirty="0" smtClean="0">
-                <a:solidFill>
-                  <a:srgbClr val="000000"/>
-                </a:solidFill>
-                <a:latin typeface="Courier New" pitchFamily="49" charset="0"/>
-                <a:cs typeface="Courier New" pitchFamily="49" charset="0"/>
-              </a:rPr>
-              <a:t>,</a:t>
-            </a:r>
-          </a:p>
-          <a:p>
-            <a:pPr marL="1073150" indent="-1073150" defTabSz="893763" fontAlgn="base">
-              <a:spcBef>
-                <a:spcPct val="0"/>
-              </a:spcBef>
-              <a:spcAft>
-                <a:spcPct val="0"/>
-              </a:spcAft>
-            </a:pPr>
-            <a:r>
-              <a:rPr lang="de-CH" sz="1400" dirty="0" err="1" smtClean="0">
-                <a:solidFill>
-                  <a:srgbClr val="000000"/>
-                </a:solidFill>
-                <a:latin typeface="Courier New" pitchFamily="49" charset="0"/>
-                <a:cs typeface="Courier New" pitchFamily="49" charset="0"/>
-              </a:rPr>
-              <a:t>max_number_of_function_evaluations</a:t>
-            </a:r>
-            <a:r>
-              <a:rPr lang="de-CH" sz="1400" dirty="0" smtClean="0">
-                <a:solidFill>
-                  <a:srgbClr val="000000"/>
-                </a:solidFill>
-                <a:latin typeface="Courier New" pitchFamily="49" charset="0"/>
-                <a:cs typeface="Courier New" pitchFamily="49" charset="0"/>
-              </a:rPr>
-              <a:t>: </a:t>
-            </a:r>
-            <a:r>
-              <a:rPr lang="de-CH" sz="1400" dirty="0" err="1" smtClean="0">
-                <a:solidFill>
-                  <a:srgbClr val="000080"/>
-                </a:solidFill>
-                <a:latin typeface="Courier New" pitchFamily="49" charset="0"/>
-                <a:cs typeface="Courier New" pitchFamily="49" charset="0"/>
-              </a:rPr>
-              <a:t>int</a:t>
-            </a:r>
-            <a:r>
-              <a:rPr lang="de-CH" sz="1400" dirty="0" smtClean="0">
-                <a:solidFill>
-                  <a:srgbClr val="000000"/>
-                </a:solidFill>
-                <a:latin typeface="Courier New" pitchFamily="49" charset="0"/>
-                <a:cs typeface="Courier New" pitchFamily="49" charset="0"/>
-              </a:rPr>
-              <a:t> = </a:t>
-            </a:r>
-            <a:r>
-              <a:rPr lang="de-CH" sz="1400" dirty="0" smtClean="0">
-                <a:solidFill>
-                  <a:srgbClr val="0000FF"/>
-                </a:solidFill>
-                <a:latin typeface="Courier New" pitchFamily="49" charset="0"/>
-                <a:cs typeface="Courier New" pitchFamily="49" charset="0"/>
-              </a:rPr>
-              <a:t>1000</a:t>
-            </a:r>
-            <a:r>
-              <a:rPr lang="de-CH" sz="1400" dirty="0" smtClean="0">
-                <a:solidFill>
-                  <a:srgbClr val="000000"/>
-                </a:solidFill>
-                <a:latin typeface="Courier New" pitchFamily="49" charset="0"/>
-                <a:cs typeface="Courier New" pitchFamily="49" charset="0"/>
-              </a:rPr>
-              <a:t>,</a:t>
-            </a:r>
-          </a:p>
-          <a:p>
-            <a:pPr marL="1073150" indent="-1073150" defTabSz="893763" fontAlgn="base">
-              <a:spcBef>
-                <a:spcPct val="0"/>
-              </a:spcBef>
-              <a:spcAft>
-                <a:spcPct val="0"/>
-              </a:spcAft>
-            </a:pPr>
-            <a:r>
-              <a:rPr lang="de-CH" sz="1400" dirty="0" err="1" smtClean="0">
-                <a:solidFill>
-                  <a:srgbClr val="000000"/>
-                </a:solidFill>
-                <a:latin typeface="Courier New" pitchFamily="49" charset="0"/>
-                <a:cs typeface="Courier New" pitchFamily="49" charset="0"/>
-              </a:rPr>
-              <a:t>cost_function_convergence_factor</a:t>
-            </a:r>
-            <a:r>
-              <a:rPr lang="de-CH" sz="1400" dirty="0" smtClean="0">
-                <a:solidFill>
-                  <a:srgbClr val="000000"/>
-                </a:solidFill>
-                <a:latin typeface="Courier New" pitchFamily="49" charset="0"/>
-                <a:cs typeface="Courier New" pitchFamily="49" charset="0"/>
-              </a:rPr>
-              <a:t>: </a:t>
-            </a:r>
-            <a:r>
-              <a:rPr lang="de-CH" sz="1400" dirty="0" err="1" smtClean="0">
-                <a:solidFill>
-                  <a:srgbClr val="000080"/>
-                </a:solidFill>
-                <a:latin typeface="Courier New" pitchFamily="49" charset="0"/>
-                <a:cs typeface="Courier New" pitchFamily="49" charset="0"/>
-              </a:rPr>
-              <a:t>float</a:t>
-            </a:r>
-            <a:r>
-              <a:rPr lang="de-CH" sz="1400" dirty="0" smtClean="0">
-                <a:solidFill>
-                  <a:srgbClr val="000000"/>
-                </a:solidFill>
-                <a:latin typeface="Courier New" pitchFamily="49" charset="0"/>
-                <a:cs typeface="Courier New" pitchFamily="49" charset="0"/>
-              </a:rPr>
-              <a:t> = </a:t>
-            </a:r>
-            <a:r>
-              <a:rPr lang="de-CH" sz="1400" dirty="0" smtClean="0">
-                <a:solidFill>
-                  <a:srgbClr val="0000FF"/>
-                </a:solidFill>
-                <a:latin typeface="Courier New" pitchFamily="49" charset="0"/>
-                <a:cs typeface="Courier New" pitchFamily="49" charset="0"/>
-              </a:rPr>
-              <a:t>1e+7</a:t>
-            </a:r>
-            <a:r>
-              <a:rPr lang="de-CH" sz="1400" dirty="0" smtClean="0">
-                <a:solidFill>
-                  <a:srgbClr val="000000"/>
-                </a:solidFill>
-                <a:latin typeface="Courier New" pitchFamily="49" charset="0"/>
-                <a:cs typeface="Courier New" pitchFamily="49" charset="0"/>
-              </a:rPr>
-              <a:t>,</a:t>
-            </a:r>
-          </a:p>
-          <a:p>
-            <a:pPr marL="1073150" lvl="0" indent="-1073150" fontAlgn="base">
-              <a:spcBef>
-                <a:spcPct val="0"/>
-              </a:spcBef>
-              <a:spcAft>
-                <a:spcPct val="0"/>
-              </a:spcAft>
-            </a:pPr>
-            <a:r>
-              <a:rPr lang="de-CH" sz="1400" dirty="0" smtClean="0">
-                <a:solidFill>
-                  <a:srgbClr val="000000"/>
-                </a:solidFill>
-                <a:latin typeface="Courier New" pitchFamily="49" charset="0"/>
-                <a:cs typeface="Courier New" pitchFamily="49" charset="0"/>
-              </a:rPr>
-              <a:t>	</a:t>
-            </a:r>
-          </a:p>
-          <a:p>
-            <a:pPr marL="1073150" lvl="0" indent="-1073150" fontAlgn="base">
-              <a:spcBef>
-                <a:spcPct val="0"/>
-              </a:spcBef>
-              <a:spcAft>
-                <a:spcPct val="0"/>
-              </a:spcAft>
-            </a:pPr>
-            <a:r>
-              <a:rPr lang="de-CH" sz="1400" dirty="0" err="1" smtClean="0">
-                <a:solidFill>
-                  <a:srgbClr val="000000"/>
-                </a:solidFill>
-                <a:latin typeface="Courier New" pitchFamily="49" charset="0"/>
-                <a:cs typeface="Courier New" pitchFamily="49" charset="0"/>
-              </a:rPr>
-              <a:t>sampling_percentage</a:t>
-            </a:r>
-            <a:r>
-              <a:rPr lang="de-CH" sz="1400" dirty="0" smtClean="0">
-                <a:solidFill>
-                  <a:srgbClr val="000000"/>
-                </a:solidFill>
-                <a:latin typeface="Courier New" pitchFamily="49" charset="0"/>
-                <a:cs typeface="Courier New" pitchFamily="49" charset="0"/>
-              </a:rPr>
-              <a:t>: </a:t>
-            </a:r>
-            <a:r>
-              <a:rPr lang="de-CH" sz="1400" dirty="0" err="1" smtClean="0">
-                <a:solidFill>
-                  <a:srgbClr val="000080"/>
-                </a:solidFill>
-                <a:latin typeface="Courier New" pitchFamily="49" charset="0"/>
-                <a:cs typeface="Courier New" pitchFamily="49" charset="0"/>
-              </a:rPr>
-              <a:t>float</a:t>
-            </a:r>
-            <a:r>
-              <a:rPr lang="de-CH" sz="1400" dirty="0" smtClean="0">
-                <a:solidFill>
-                  <a:srgbClr val="000000"/>
-                </a:solidFill>
-                <a:latin typeface="Courier New" pitchFamily="49" charset="0"/>
-                <a:cs typeface="Courier New" pitchFamily="49" charset="0"/>
-              </a:rPr>
-              <a:t> = </a:t>
-            </a:r>
-            <a:r>
-              <a:rPr lang="de-CH" sz="1400" dirty="0" smtClean="0">
-                <a:solidFill>
-                  <a:srgbClr val="0000FF"/>
-                </a:solidFill>
-                <a:latin typeface="Courier New" pitchFamily="49" charset="0"/>
-                <a:cs typeface="Courier New" pitchFamily="49" charset="0"/>
-              </a:rPr>
-              <a:t>0.2</a:t>
-            </a:r>
-            <a:r>
-              <a:rPr lang="de-CH" sz="1400" dirty="0" smtClean="0">
+              <a:rPr lang="de-CH" sz="1400" dirty="0">
                 <a:solidFill>
                   <a:srgbClr val="000000"/>
                 </a:solidFill>
@@ -11926,6 +11333,356 @@
             </a:endParaRPr>
           </a:p>
           <a:p>
+            <a:pPr marL="1073150" indent="-1073150" defTabSz="893763" fontAlgn="base">
+              <a:spcBef>
+                <a:spcPct val="0"/>
+              </a:spcBef>
+              <a:spcAft>
+                <a:spcPct val="0"/>
+              </a:spcAft>
+            </a:pPr>
+            <a:r>
+              <a:rPr lang="de-CH" sz="1400" dirty="0" err="1">
+                <a:solidFill>
+                  <a:srgbClr val="000000"/>
+                </a:solidFill>
+                <a:latin typeface="Courier New" pitchFamily="49" charset="0"/>
+                <a:cs typeface="Courier New" pitchFamily="49" charset="0"/>
+              </a:rPr>
+              <a:t>number_of_iterations</a:t>
+            </a:r>
+            <a:r>
+              <a:rPr lang="de-CH" sz="1400" dirty="0">
+                <a:solidFill>
+                  <a:srgbClr val="000000"/>
+                </a:solidFill>
+                <a:latin typeface="Courier New" pitchFamily="49" charset="0"/>
+                <a:cs typeface="Courier New" pitchFamily="49" charset="0"/>
+              </a:rPr>
+              <a:t>: </a:t>
+            </a:r>
+            <a:r>
+              <a:rPr lang="de-CH" sz="1400" dirty="0" err="1">
+                <a:solidFill>
+                  <a:srgbClr val="000080"/>
+                </a:solidFill>
+                <a:latin typeface="Courier New" pitchFamily="49" charset="0"/>
+                <a:cs typeface="Courier New" pitchFamily="49" charset="0"/>
+              </a:rPr>
+              <a:t>int</a:t>
+            </a:r>
+            <a:r>
+              <a:rPr lang="de-CH" sz="1400" dirty="0">
+                <a:solidFill>
+                  <a:srgbClr val="000000"/>
+                </a:solidFill>
+                <a:latin typeface="Courier New" pitchFamily="49" charset="0"/>
+                <a:cs typeface="Courier New" pitchFamily="49" charset="0"/>
+              </a:rPr>
+              <a:t> = </a:t>
+            </a:r>
+            <a:r>
+              <a:rPr lang="de-CH" sz="1400" dirty="0">
+                <a:solidFill>
+                  <a:srgbClr val="0000FF"/>
+                </a:solidFill>
+                <a:latin typeface="Courier New" pitchFamily="49" charset="0"/>
+                <a:cs typeface="Courier New" pitchFamily="49" charset="0"/>
+              </a:rPr>
+              <a:t>1500</a:t>
+            </a:r>
+            <a:r>
+              <a:rPr lang="de-CH" sz="1400" dirty="0">
+                <a:solidFill>
+                  <a:srgbClr val="000000"/>
+                </a:solidFill>
+                <a:latin typeface="Courier New" pitchFamily="49" charset="0"/>
+                <a:cs typeface="Courier New" pitchFamily="49" charset="0"/>
+              </a:rPr>
+              <a:t>,</a:t>
+            </a:r>
+          </a:p>
+          <a:p>
+            <a:pPr marL="1073150" indent="-1073150" defTabSz="893763" fontAlgn="base">
+              <a:spcBef>
+                <a:spcPct val="0"/>
+              </a:spcBef>
+              <a:spcAft>
+                <a:spcPct val="0"/>
+              </a:spcAft>
+            </a:pPr>
+            <a:r>
+              <a:rPr lang="de-CH" sz="1400" dirty="0" err="1">
+                <a:solidFill>
+                  <a:srgbClr val="000000"/>
+                </a:solidFill>
+                <a:latin typeface="Courier New" pitchFamily="49" charset="0"/>
+                <a:cs typeface="Courier New" pitchFamily="49" charset="0"/>
+              </a:rPr>
+              <a:t>gradient_Convergence_Tolerance</a:t>
+            </a:r>
+            <a:r>
+              <a:rPr lang="de-CH" sz="1400" dirty="0">
+                <a:solidFill>
+                  <a:srgbClr val="000000"/>
+                </a:solidFill>
+                <a:latin typeface="Courier New" pitchFamily="49" charset="0"/>
+                <a:cs typeface="Courier New" pitchFamily="49" charset="0"/>
+              </a:rPr>
+              <a:t>: </a:t>
+            </a:r>
+            <a:r>
+              <a:rPr lang="de-CH" sz="1400" dirty="0" err="1">
+                <a:solidFill>
+                  <a:srgbClr val="000080"/>
+                </a:solidFill>
+                <a:latin typeface="Courier New" pitchFamily="49" charset="0"/>
+                <a:cs typeface="Courier New" pitchFamily="49" charset="0"/>
+              </a:rPr>
+              <a:t>float</a:t>
+            </a:r>
+            <a:r>
+              <a:rPr lang="de-CH" sz="1400" dirty="0">
+                <a:solidFill>
+                  <a:srgbClr val="000000"/>
+                </a:solidFill>
+                <a:latin typeface="Courier New" pitchFamily="49" charset="0"/>
+                <a:cs typeface="Courier New" pitchFamily="49" charset="0"/>
+              </a:rPr>
+              <a:t> = </a:t>
+            </a:r>
+            <a:r>
+              <a:rPr lang="de-CH" sz="1400" dirty="0">
+                <a:solidFill>
+                  <a:srgbClr val="0000FF"/>
+                </a:solidFill>
+                <a:latin typeface="Courier New" pitchFamily="49" charset="0"/>
+                <a:cs typeface="Courier New" pitchFamily="49" charset="0"/>
+              </a:rPr>
+              <a:t>1e-5</a:t>
+            </a:r>
+            <a:r>
+              <a:rPr lang="de-CH" sz="1400" dirty="0">
+                <a:solidFill>
+                  <a:srgbClr val="000000"/>
+                </a:solidFill>
+                <a:latin typeface="Courier New" pitchFamily="49" charset="0"/>
+                <a:cs typeface="Courier New" pitchFamily="49" charset="0"/>
+              </a:rPr>
+              <a:t>,</a:t>
+            </a:r>
+          </a:p>
+          <a:p>
+            <a:pPr marL="1073150" indent="-1073150" defTabSz="893763" fontAlgn="base">
+              <a:spcBef>
+                <a:spcPct val="0"/>
+              </a:spcBef>
+              <a:spcAft>
+                <a:spcPct val="0"/>
+              </a:spcAft>
+            </a:pPr>
+            <a:r>
+              <a:rPr lang="de-CH" sz="1400" dirty="0" err="1">
+                <a:solidFill>
+                  <a:srgbClr val="000000"/>
+                </a:solidFill>
+                <a:latin typeface="Courier New" pitchFamily="49" charset="0"/>
+                <a:cs typeface="Courier New" pitchFamily="49" charset="0"/>
+              </a:rPr>
+              <a:t>max_number_of_corrections</a:t>
+            </a:r>
+            <a:r>
+              <a:rPr lang="de-CH" sz="1400" dirty="0">
+                <a:solidFill>
+                  <a:srgbClr val="000000"/>
+                </a:solidFill>
+                <a:latin typeface="Courier New" pitchFamily="49" charset="0"/>
+                <a:cs typeface="Courier New" pitchFamily="49" charset="0"/>
+              </a:rPr>
+              <a:t>: </a:t>
+            </a:r>
+            <a:r>
+              <a:rPr lang="de-CH" sz="1400" dirty="0" err="1">
+                <a:solidFill>
+                  <a:srgbClr val="000080"/>
+                </a:solidFill>
+                <a:latin typeface="Courier New" pitchFamily="49" charset="0"/>
+                <a:cs typeface="Courier New" pitchFamily="49" charset="0"/>
+              </a:rPr>
+              <a:t>int</a:t>
+            </a:r>
+            <a:r>
+              <a:rPr lang="de-CH" sz="1400" dirty="0">
+                <a:solidFill>
+                  <a:srgbClr val="000000"/>
+                </a:solidFill>
+                <a:latin typeface="Courier New" pitchFamily="49" charset="0"/>
+                <a:cs typeface="Courier New" pitchFamily="49" charset="0"/>
+              </a:rPr>
+              <a:t> = </a:t>
+            </a:r>
+            <a:r>
+              <a:rPr lang="de-CH" sz="1400" dirty="0">
+                <a:solidFill>
+                  <a:srgbClr val="0000FF"/>
+                </a:solidFill>
+                <a:latin typeface="Courier New" pitchFamily="49" charset="0"/>
+                <a:cs typeface="Courier New" pitchFamily="49" charset="0"/>
+              </a:rPr>
+              <a:t>100</a:t>
+            </a:r>
+            <a:r>
+              <a:rPr lang="de-CH" sz="1400" dirty="0">
+                <a:solidFill>
+                  <a:srgbClr val="000000"/>
+                </a:solidFill>
+                <a:latin typeface="Courier New" pitchFamily="49" charset="0"/>
+                <a:cs typeface="Courier New" pitchFamily="49" charset="0"/>
+              </a:rPr>
+              <a:t>,</a:t>
+            </a:r>
+          </a:p>
+          <a:p>
+            <a:pPr marL="1073150" indent="-1073150" defTabSz="893763" fontAlgn="base">
+              <a:spcBef>
+                <a:spcPct val="0"/>
+              </a:spcBef>
+              <a:spcAft>
+                <a:spcPct val="0"/>
+              </a:spcAft>
+            </a:pPr>
+            <a:r>
+              <a:rPr lang="de-CH" sz="1400" dirty="0" err="1">
+                <a:solidFill>
+                  <a:srgbClr val="000000"/>
+                </a:solidFill>
+                <a:latin typeface="Courier New" pitchFamily="49" charset="0"/>
+                <a:cs typeface="Courier New" pitchFamily="49" charset="0"/>
+              </a:rPr>
+              <a:t>max_number_of_function_evaluations</a:t>
+            </a:r>
+            <a:r>
+              <a:rPr lang="de-CH" sz="1400" dirty="0">
+                <a:solidFill>
+                  <a:srgbClr val="000000"/>
+                </a:solidFill>
+                <a:latin typeface="Courier New" pitchFamily="49" charset="0"/>
+                <a:cs typeface="Courier New" pitchFamily="49" charset="0"/>
+              </a:rPr>
+              <a:t>: </a:t>
+            </a:r>
+            <a:r>
+              <a:rPr lang="de-CH" sz="1400" dirty="0" err="1">
+                <a:solidFill>
+                  <a:srgbClr val="000080"/>
+                </a:solidFill>
+                <a:latin typeface="Courier New" pitchFamily="49" charset="0"/>
+                <a:cs typeface="Courier New" pitchFamily="49" charset="0"/>
+              </a:rPr>
+              <a:t>int</a:t>
+            </a:r>
+            <a:r>
+              <a:rPr lang="de-CH" sz="1400" dirty="0">
+                <a:solidFill>
+                  <a:srgbClr val="000000"/>
+                </a:solidFill>
+                <a:latin typeface="Courier New" pitchFamily="49" charset="0"/>
+                <a:cs typeface="Courier New" pitchFamily="49" charset="0"/>
+              </a:rPr>
+              <a:t> = </a:t>
+            </a:r>
+            <a:r>
+              <a:rPr lang="de-CH" sz="1400" dirty="0">
+                <a:solidFill>
+                  <a:srgbClr val="0000FF"/>
+                </a:solidFill>
+                <a:latin typeface="Courier New" pitchFamily="49" charset="0"/>
+                <a:cs typeface="Courier New" pitchFamily="49" charset="0"/>
+              </a:rPr>
+              <a:t>1000</a:t>
+            </a:r>
+            <a:r>
+              <a:rPr lang="de-CH" sz="1400" dirty="0">
+                <a:solidFill>
+                  <a:srgbClr val="000000"/>
+                </a:solidFill>
+                <a:latin typeface="Courier New" pitchFamily="49" charset="0"/>
+                <a:cs typeface="Courier New" pitchFamily="49" charset="0"/>
+              </a:rPr>
+              <a:t>,</a:t>
+            </a:r>
+          </a:p>
+          <a:p>
+            <a:pPr marL="1073150" indent="-1073150" defTabSz="893763" fontAlgn="base">
+              <a:spcBef>
+                <a:spcPct val="0"/>
+              </a:spcBef>
+              <a:spcAft>
+                <a:spcPct val="0"/>
+              </a:spcAft>
+            </a:pPr>
+            <a:r>
+              <a:rPr lang="de-CH" sz="1400" dirty="0" err="1">
+                <a:solidFill>
+                  <a:srgbClr val="000000"/>
+                </a:solidFill>
+                <a:latin typeface="Courier New" pitchFamily="49" charset="0"/>
+                <a:cs typeface="Courier New" pitchFamily="49" charset="0"/>
+              </a:rPr>
+              <a:t>cost_function_convergence_factor</a:t>
+            </a:r>
+            <a:r>
+              <a:rPr lang="de-CH" sz="1400" dirty="0">
+                <a:solidFill>
+                  <a:srgbClr val="000000"/>
+                </a:solidFill>
+                <a:latin typeface="Courier New" pitchFamily="49" charset="0"/>
+                <a:cs typeface="Courier New" pitchFamily="49" charset="0"/>
+              </a:rPr>
+              <a:t>: </a:t>
+            </a:r>
+            <a:r>
+              <a:rPr lang="de-CH" sz="1400" dirty="0" err="1">
+                <a:solidFill>
+                  <a:srgbClr val="000080"/>
+                </a:solidFill>
+                <a:latin typeface="Courier New" pitchFamily="49" charset="0"/>
+                <a:cs typeface="Courier New" pitchFamily="49" charset="0"/>
+              </a:rPr>
+              <a:t>float</a:t>
+            </a:r>
+            <a:r>
+              <a:rPr lang="de-CH" sz="1400" dirty="0">
+                <a:solidFill>
+                  <a:srgbClr val="000000"/>
+                </a:solidFill>
+                <a:latin typeface="Courier New" pitchFamily="49" charset="0"/>
+                <a:cs typeface="Courier New" pitchFamily="49" charset="0"/>
+              </a:rPr>
+              <a:t> = </a:t>
+            </a:r>
+            <a:r>
+              <a:rPr lang="de-CH" sz="1400" dirty="0">
+                <a:solidFill>
+                  <a:srgbClr val="0000FF"/>
+                </a:solidFill>
+                <a:latin typeface="Courier New" pitchFamily="49" charset="0"/>
+                <a:cs typeface="Courier New" pitchFamily="49" charset="0"/>
+              </a:rPr>
+              <a:t>1e+7</a:t>
+            </a:r>
+            <a:r>
+              <a:rPr lang="de-CH" sz="1400" dirty="0">
+                <a:solidFill>
+                  <a:srgbClr val="000000"/>
+                </a:solidFill>
+                <a:latin typeface="Courier New" pitchFamily="49" charset="0"/>
+                <a:cs typeface="Courier New" pitchFamily="49" charset="0"/>
+              </a:rPr>
+              <a:t>,</a:t>
+            </a:r>
+          </a:p>
+          <a:p>
             <a:pPr marL="1073150" lvl="0" indent="-1073150" fontAlgn="base">
               <a:spcBef>
                 <a:spcPct val="0"/>
@@ -11935,44 +11692,141 @@
               </a:spcAft>
             </a:pPr>
             <a:r>
-              <a:rPr lang="de-CH" sz="1400" dirty="0" err="1" smtClean="0">
+              <a:rPr lang="de-CH" sz="1400" dirty="0">
                 <a:solidFill>
                   <a:srgbClr val="000000"/>
                 </a:solidFill>
                 <a:latin typeface="Courier New" pitchFamily="49" charset="0"/>
                 <a:cs typeface="Courier New" pitchFamily="49" charset="0"/>
               </a:rPr>
+              <a:t>	</a:t>
+            </a:r>
+          </a:p>
+          <a:p>
+            <a:pPr marL="1073150" lvl="0" indent="-1073150" fontAlgn="base">
+              <a:spcBef>
+                <a:spcPct val="0"/>
+              </a:spcBef>
+              <a:spcAft>
+                <a:spcPct val="0"/>
+              </a:spcAft>
+            </a:pPr>
+            <a:r>
+              <a:rPr lang="de-CH" sz="1400" dirty="0" err="1">
+                <a:solidFill>
+                  <a:srgbClr val="000000"/>
+                </a:solidFill>
+                <a:latin typeface="Courier New" pitchFamily="49" charset="0"/>
+                <a:cs typeface="Courier New" pitchFamily="49" charset="0"/>
+              </a:rPr>
+              <a:t>sampling_percentage</a:t>
+            </a:r>
+            <a:r>
+              <a:rPr lang="de-CH" sz="1400" dirty="0">
+                <a:solidFill>
+                  <a:srgbClr val="000000"/>
+                </a:solidFill>
+                <a:latin typeface="Courier New" pitchFamily="49" charset="0"/>
+                <a:cs typeface="Courier New" pitchFamily="49" charset="0"/>
+              </a:rPr>
+              <a:t>: </a:t>
+            </a:r>
+            <a:r>
+              <a:rPr lang="de-CH" sz="1400" dirty="0" err="1">
+                <a:solidFill>
+                  <a:srgbClr val="000080"/>
+                </a:solidFill>
+                <a:latin typeface="Courier New" pitchFamily="49" charset="0"/>
+                <a:cs typeface="Courier New" pitchFamily="49" charset="0"/>
+              </a:rPr>
+              <a:t>float</a:t>
+            </a:r>
+            <a:r>
+              <a:rPr lang="de-CH" sz="1400" dirty="0">
+                <a:solidFill>
+                  <a:srgbClr val="000000"/>
+                </a:solidFill>
+                <a:latin typeface="Courier New" pitchFamily="49" charset="0"/>
+                <a:cs typeface="Courier New" pitchFamily="49" charset="0"/>
+              </a:rPr>
+              <a:t> = </a:t>
+            </a:r>
+            <a:r>
+              <a:rPr lang="de-CH" sz="1400" dirty="0">
+                <a:solidFill>
+                  <a:srgbClr val="0000FF"/>
+                </a:solidFill>
+                <a:latin typeface="Courier New" pitchFamily="49" charset="0"/>
+                <a:cs typeface="Courier New" pitchFamily="49" charset="0"/>
+              </a:rPr>
+              <a:t>0.2</a:t>
+            </a:r>
+            <a:r>
+              <a:rPr lang="de-CH" sz="1400" dirty="0">
+                <a:solidFill>
+                  <a:srgbClr val="000000"/>
+                </a:solidFill>
+                <a:latin typeface="Courier New" pitchFamily="49" charset="0"/>
+                <a:cs typeface="Courier New" pitchFamily="49" charset="0"/>
+              </a:rPr>
+              <a:t>,</a:t>
+            </a:r>
+          </a:p>
+          <a:p>
+            <a:pPr marL="1073150" lvl="0" indent="-1073150" fontAlgn="base">
+              <a:spcBef>
+                <a:spcPct val="0"/>
+              </a:spcBef>
+              <a:spcAft>
+                <a:spcPct val="0"/>
+              </a:spcAft>
+            </a:pPr>
+            <a:endParaRPr lang="de-CH" sz="1400" dirty="0">
+              <a:solidFill>
+                <a:srgbClr val="000000"/>
+              </a:solidFill>
+              <a:latin typeface="Courier New" pitchFamily="49" charset="0"/>
+              <a:cs typeface="Courier New" pitchFamily="49" charset="0"/>
+            </a:endParaRPr>
+          </a:p>
+          <a:p>
+            <a:pPr marL="1073150" lvl="0" indent="-1073150" fontAlgn="base">
+              <a:spcBef>
+                <a:spcPct val="0"/>
+              </a:spcBef>
+              <a:spcAft>
+                <a:spcPct val="0"/>
+              </a:spcAft>
+            </a:pPr>
+            <a:r>
+              <a:rPr lang="de-CH" sz="1400" dirty="0" err="1">
+                <a:solidFill>
+                  <a:srgbClr val="000000"/>
+                </a:solidFill>
+                <a:latin typeface="Courier New" pitchFamily="49" charset="0"/>
+                <a:cs typeface="Courier New" pitchFamily="49" charset="0"/>
+              </a:rPr>
               <a:t>transformDomainMeshSize</a:t>
             </a:r>
             <a:r>
-              <a:rPr lang="de-CH" sz="1400" dirty="0" smtClean="0">
+              <a:rPr lang="de-CH" sz="1400" dirty="0">
                 <a:solidFill>
                   <a:srgbClr val="000000"/>
                 </a:solidFill>
                 <a:latin typeface="Courier New" pitchFamily="49" charset="0"/>
                 <a:cs typeface="Courier New" pitchFamily="49" charset="0"/>
               </a:rPr>
-              <a:t> </a:t>
+              <a:t> = </a:t>
             </a:r>
             <a:r>
               <a:rPr lang="de-CH" sz="1400" dirty="0">
-                <a:solidFill>
-                  <a:srgbClr val="000000"/>
-                </a:solidFill>
-                <a:latin typeface="Courier New" pitchFamily="49" charset="0"/>
-                <a:cs typeface="Courier New" pitchFamily="49" charset="0"/>
-              </a:rPr>
-              <a:t>= </a:t>
-            </a:r>
-            <a:r>
-              <a:rPr lang="de-CH" sz="1400" dirty="0" smtClean="0">
                 <a:latin typeface="Courier New" pitchFamily="49" charset="0"/>
                 <a:cs typeface="Courier New" pitchFamily="49" charset="0"/>
               </a:rPr>
               <a:t>[</a:t>
             </a:r>
             <a:r>
-              <a:rPr lang="de-CH" sz="1400" dirty="0" smtClean="0">
+              <a:rPr lang="de-CH" sz="1400" dirty="0">
                 <a:solidFill>
                   <a:srgbClr val="0000FF"/>
                 </a:solidFill>
@@ -11982,7 +11836,7 @@
               <a:t>10,10,10</a:t>
             </a:r>
             <a:r>
-              <a:rPr lang="de-CH" sz="1400" dirty="0" smtClean="0">
+              <a:rPr lang="de-CH" sz="1400" dirty="0">
                 <a:latin typeface="Courier New" pitchFamily="49" charset="0"/>
                 <a:cs typeface="Courier New" pitchFamily="49" charset="0"/>
               </a:rPr>
@@ -12013,16 +11867,12 @@
               </a:spcAft>
             </a:pPr>
             <a:r>
-              <a:rPr lang="de-CH" sz="1400" dirty="0" smtClean="0">
+              <a:rPr lang="de-CH" sz="1400" dirty="0">
                 <a:latin typeface="Courier New" pitchFamily="49" charset="0"/>
                 <a:cs typeface="Courier New" pitchFamily="49" charset="0"/>
               </a:rPr>
               <a:t>...</a:t>
             </a:r>
-            <a:endParaRPr lang="de-CH" sz="1400" dirty="0">
-              <a:latin typeface="Courier New" pitchFamily="49" charset="0"/>
-              <a:cs typeface="Courier New" pitchFamily="49" charset="0"/>
-            </a:endParaRPr>
           </a:p>
         </p:txBody>
       </p:sp>
@@ -12086,7 +11936,7 @@
               <a:buChar char="•"/>
             </a:pPr>
             <a:r>
-              <a:rPr lang="de-DE" dirty="0" err="1" smtClean="0">
+              <a:rPr lang="de-DE" dirty="0" err="1">
                 <a:solidFill>
                   <a:srgbClr val="000000"/>
                 </a:solidFill>
@@ -12096,7 +11946,7 @@
               <a:t>We</a:t>
             </a:r>
             <a:r>
-              <a:rPr lang="de-DE" dirty="0" smtClean="0">
+              <a:rPr lang="de-DE" dirty="0">
                 <a:solidFill>
                   <a:srgbClr val="000000"/>
                 </a:solidFill>
@@ -12113,17 +11963,27 @@
                 <a:latin typeface="Courier New" pitchFamily="49" charset="0"/>
                 <a:cs typeface="Courier New" pitchFamily="49" charset="0"/>
               </a:rPr>
-              <a:t>u</a:t>
-            </a:r>
-            <a:r>
-              <a:rPr lang="de-DE" dirty="0" err="1" smtClean="0">
+              <a:t>use</a:t>
+            </a:r>
+            <a:r>
+              <a:rPr lang="de-DE" dirty="0">
                 <a:solidFill>
                   <a:srgbClr val="000000"/>
                 </a:solidFill>
                 <a:latin typeface="Courier New" pitchFamily="49" charset="0"/>
                 <a:cs typeface="Courier New" pitchFamily="49" charset="0"/>
               </a:rPr>
-              <a:t>se</a:t>
+              <a:t> </a:t>
+            </a:r>
+            <a:r>
+              <a:rPr lang="de-DE" dirty="0" err="1">
+                <a:solidFill>
+                  <a:srgbClr val="000000"/>
+                </a:solidFill>
+                <a:latin typeface="Courier New" pitchFamily="49" charset="0"/>
+                <a:cs typeface="Courier New" pitchFamily="49" charset="0"/>
+              </a:rPr>
+              <a:t>methods</a:t>
             </a:r>
             <a:r>
               <a:rPr lang="de-DE" dirty="0">
@@ -12136,17 +11996,17 @@
               <a:t> </a:t>
             </a:r>
             <a:r>
-              <a:rPr lang="de-DE" dirty="0" err="1" smtClean="0">
+              <a:rPr lang="de-DE" dirty="0" err="1">
                 <a:solidFill>
                   <a:srgbClr val="000000"/>
                 </a:solidFill>
                 <a:latin typeface="Courier New" pitchFamily="49" charset="0"/>
                 <a:cs typeface="Courier New" pitchFamily="49" charset="0"/>
               </a:rPr>
-              <a:t>methods</a:t>
-            </a:r>
-            <a:r>
-              <a:rPr lang="de-DE" dirty="0" smtClean="0">
+              <a:t>from</a:t>
+            </a:r>
+            <a:r>
+              <a:rPr lang="de-DE" dirty="0">
                 <a:solidFill>
                   <a:srgbClr val="000000"/>
                 </a:solidFill>
@@ -12156,17 +12016,17 @@
               <a:t> </a:t>
             </a:r>
             <a:r>
-              <a:rPr lang="de-DE" dirty="0" err="1" smtClean="0">
+              <a:rPr lang="de-DE" dirty="0" err="1">
                 <a:solidFill>
                   <a:srgbClr val="000000"/>
                 </a:solidFill>
                 <a:latin typeface="Courier New" pitchFamily="49" charset="0"/>
                 <a:cs typeface="Courier New" pitchFamily="49" charset="0"/>
               </a:rPr>
-              <a:t>from</a:t>
-            </a:r>
-            <a:r>
-              <a:rPr lang="de-DE" dirty="0" smtClean="0">
+              <a:t>the</a:t>
+            </a:r>
+            <a:r>
+              <a:rPr lang="de-DE" dirty="0">
                 <a:solidFill>
                   <a:srgbClr val="000000"/>
                 </a:solidFill>
@@ -12176,17 +12036,17 @@
               <a:t> </a:t>
             </a:r>
             <a:r>
-              <a:rPr lang="de-DE" dirty="0" err="1" smtClean="0">
+              <a:rPr lang="de-DE" dirty="0" err="1">
                 <a:solidFill>
                   <a:srgbClr val="000000"/>
                 </a:solidFill>
                 <a:latin typeface="Courier New" pitchFamily="49" charset="0"/>
                 <a:cs typeface="Courier New" pitchFamily="49" charset="0"/>
               </a:rPr>
-              <a:t>the</a:t>
-            </a:r>
-            <a:r>
-              <a:rPr lang="de-DE" dirty="0" smtClean="0">
+              <a:t>SimpleITK</a:t>
+            </a:r>
+            <a:r>
+              <a:rPr lang="de-DE" dirty="0">
                 <a:solidFill>
                   <a:srgbClr val="000000"/>
                 </a:solidFill>
@@ -12196,36 +12056,16 @@
               <a:t> </a:t>
             </a:r>
             <a:r>
-              <a:rPr lang="de-DE" dirty="0" err="1" smtClean="0">
+              <a:rPr lang="de-DE" dirty="0" err="1">
                 <a:solidFill>
                   <a:srgbClr val="000000"/>
                 </a:solidFill>
                 <a:latin typeface="Courier New" pitchFamily="49" charset="0"/>
                 <a:cs typeface="Courier New" pitchFamily="49" charset="0"/>
               </a:rPr>
-              <a:t>SimpleITK</a:t>
-            </a:r>
-            <a:r>
-              <a:rPr lang="de-DE" dirty="0">
-                <a:solidFill>
-                  <a:srgbClr val="000000"/>
-                </a:solidFill>
-                <a:latin typeface="Courier New" pitchFamily="49" charset="0"/>
-                <a:cs typeface="Courier New" pitchFamily="49" charset="0"/>
-              </a:rPr>
-              <a:t> </a:t>
-            </a:r>
-            <a:r>
-              <a:rPr lang="de-DE" dirty="0" err="1" smtClean="0">
-                <a:solidFill>
-                  <a:srgbClr val="000000"/>
-                </a:solidFill>
-                <a:latin typeface="Courier New" pitchFamily="49" charset="0"/>
-                <a:cs typeface="Courier New" pitchFamily="49" charset="0"/>
-              </a:rPr>
               <a:t>library</a:t>
             </a:r>
-            <a:endParaRPr lang="de-DE" dirty="0" smtClean="0">
+            <a:endParaRPr lang="de-DE" dirty="0">
               <a:solidFill>
                 <a:srgbClr val="000000"/>
               </a:solidFill>
@@ -12245,21 +12085,6 @@
   <p:clrMapOvr>
     <a:masterClrMapping/>
   </p:clrMapOvr>
-  <mc:AlternateContent xmlns:mc="http://schemas.openxmlformats.org/markup-compatibility/2006">
-    <mc:Choice xmlns:p14="http://schemas.microsoft.com/office/powerpoint/2010/main" Requires="p14">
-      <p:transition spd="slow" p14:dur="2000"/>
-    </mc:Choice>
-    <mc:Fallback>
-      <p:transition spd="slow"/>
-    </mc:Fallback>
-  </mc:AlternateContent>
-  <p:timing>
-    <p:tnLst>
-      <p:par>
-        <p:cTn id="1" dur="indefinite" restart="never" nodeType="tmRoot"/>
-      </p:par>
-    </p:tnLst>
-  </p:timing>
 </p:sld>
 </file>
 
@@ -12394,7 +12219,7 @@
               <a:t> </a:t>
             </a:r>
             <a:r>
-              <a:rPr lang="en-GB" sz="3200" dirty="0" smtClean="0">
+              <a:rPr lang="en-GB" sz="3200" dirty="0">
                 <a:solidFill>
                   <a:schemeClr val="tx2">
                     <a:lumMod val="40000"/>
@@ -12404,20 +12229,7 @@
                 <a:latin typeface="Courier New" pitchFamily="49" charset="0"/>
                 <a:cs typeface="Courier New" pitchFamily="49" charset="0"/>
               </a:rPr>
-              <a:t>Registration </a:t>
-            </a:r>
-            <a:r>
-              <a:rPr lang="en-GB" sz="3200" dirty="0">
-                <a:solidFill>
-                  <a:schemeClr val="tx2">
-                    <a:lumMod val="40000"/>
-                    <a:lumOff val="60000"/>
-                  </a:schemeClr>
-                </a:solidFill>
-                <a:latin typeface="Courier New" pitchFamily="49" charset="0"/>
-                <a:cs typeface="Courier New" pitchFamily="49" charset="0"/>
-              </a:rPr>
-              <a:t>Pipeline</a:t>
+              <a:t>Registration Pipeline</a:t>
             </a:r>
             <a:endParaRPr lang="en-GB" sz="2400" dirty="0">
               <a:solidFill>
@@ -12689,7 +12501,7 @@
           <a:lstStyle/>
           <a:p>
             <a:pPr algn="ctr"/>
-            <a:endParaRPr lang="en-GB" sz="1600" dirty="0" smtClean="0">
+            <a:endParaRPr lang="en-GB" sz="1600" dirty="0">
               <a:solidFill>
                 <a:srgbClr val="000000"/>
               </a:solidFill>
@@ -12700,7 +12512,7 @@
           <a:p>
             <a:pPr algn="ctr"/>
             <a:r>
-              <a:rPr lang="en-GB" sz="1600" dirty="0" smtClean="0">
+              <a:rPr lang="en-GB" sz="1600" dirty="0">
                 <a:solidFill>
                   <a:srgbClr val="000000"/>
                 </a:solidFill>
@@ -12742,7 +12554,7 @@
           <a:lstStyle/>
           <a:p>
             <a:r>
-              <a:rPr lang="en-GB" sz="1400" dirty="0" smtClean="0">
+              <a:rPr lang="en-GB" sz="1400" dirty="0">
                 <a:latin typeface="Courier New" pitchFamily="49" charset="0"/>
                 <a:cs typeface="Courier New" pitchFamily="49" charset="0"/>
               </a:rPr>
@@ -12778,7 +12590,7 @@
           <a:lstStyle/>
           <a:p>
             <a:r>
-              <a:rPr lang="en-GB" sz="1400" dirty="0" smtClean="0">
+              <a:rPr lang="en-GB" sz="1400" dirty="0">
                 <a:latin typeface="Courier New" pitchFamily="49" charset="0"/>
                 <a:cs typeface="Courier New" pitchFamily="49" charset="0"/>
               </a:rPr>
@@ -12940,7 +12752,7 @@
           <a:lstStyle/>
           <a:p>
             <a:r>
-              <a:rPr lang="en-GB" sz="1400" dirty="0" smtClean="0">
+              <a:rPr lang="en-GB" sz="1400" dirty="0">
                 <a:latin typeface="Courier New" pitchFamily="49" charset="0"/>
                 <a:cs typeface="Courier New" pitchFamily="49" charset="0"/>
               </a:rPr>
@@ -12949,7 +12761,7 @@
           </a:p>
           <a:p>
             <a:r>
-              <a:rPr lang="en-GB" sz="1400" dirty="0" smtClean="0">
+              <a:rPr lang="en-GB" sz="1400" dirty="0">
                 <a:latin typeface="Courier New" pitchFamily="49" charset="0"/>
                 <a:cs typeface="Courier New" pitchFamily="49" charset="0"/>
               </a:rPr>
@@ -12985,7 +12797,7 @@
           <a:lstStyle/>
           <a:p>
             <a:r>
-              <a:rPr lang="en-GB" sz="1400" dirty="0" smtClean="0">
+              <a:rPr lang="en-GB" sz="1400" dirty="0">
                 <a:latin typeface="Courier New" pitchFamily="49" charset="0"/>
                 <a:cs typeface="Courier New" pitchFamily="49" charset="0"/>
               </a:rPr>
@@ -12994,7 +12806,7 @@
           </a:p>
           <a:p>
             <a:r>
-              <a:rPr lang="en-GB" sz="1400" dirty="0" smtClean="0">
+              <a:rPr lang="en-GB" sz="1400" dirty="0">
                 <a:latin typeface="Courier New" pitchFamily="49" charset="0"/>
                 <a:cs typeface="Courier New" pitchFamily="49" charset="0"/>
               </a:rPr>
@@ -13030,7 +12842,7 @@
           <a:lstStyle/>
           <a:p>
             <a:pPr algn="ctr"/>
-            <a:endParaRPr lang="en-GB" sz="1600" dirty="0" smtClean="0">
+            <a:endParaRPr lang="en-GB" sz="1600" dirty="0">
               <a:solidFill>
                 <a:srgbClr val="000000"/>
               </a:solidFill>
@@ -13041,7 +12853,7 @@
           <a:p>
             <a:pPr algn="ctr"/>
             <a:r>
-              <a:rPr lang="en-GB" sz="1600" dirty="0" smtClean="0">
+              <a:rPr lang="en-GB" sz="1600" dirty="0">
                 <a:solidFill>
                   <a:srgbClr val="000000"/>
                 </a:solidFill>
@@ -13211,7 +13023,7 @@
           <a:lstStyle/>
           <a:p>
             <a:r>
-              <a:rPr lang="en-GB" sz="1400" dirty="0" smtClean="0">
+              <a:rPr lang="en-GB" sz="1400" dirty="0">
                 <a:latin typeface="Courier New" pitchFamily="49" charset="0"/>
                 <a:cs typeface="Courier New" pitchFamily="49" charset="0"/>
               </a:rPr>
@@ -13220,7 +13032,7 @@
           </a:p>
           <a:p>
             <a:r>
-              <a:rPr lang="en-GB" sz="1400" dirty="0" smtClean="0">
+              <a:rPr lang="en-GB" sz="1400" dirty="0">
                 <a:latin typeface="Courier New" pitchFamily="49" charset="0"/>
                 <a:cs typeface="Courier New" pitchFamily="49" charset="0"/>
               </a:rPr>
@@ -13253,7 +13065,7 @@
           <a:p>
             <a:pPr algn="ctr"/>
             <a:r>
-              <a:rPr lang="en-GB" sz="1600" dirty="0" smtClean="0">
+              <a:rPr lang="en-GB" sz="1600" dirty="0">
                 <a:solidFill>
                   <a:srgbClr val="000000"/>
                 </a:solidFill>
@@ -13295,7 +13107,7 @@
           <a:lstStyle/>
           <a:p>
             <a:r>
-              <a:rPr lang="en-GB" sz="1400" dirty="0" smtClean="0">
+              <a:rPr lang="en-GB" sz="1400" dirty="0">
                 <a:latin typeface="Courier New" pitchFamily="49" charset="0"/>
                 <a:cs typeface="Courier New" pitchFamily="49" charset="0"/>
               </a:rPr>
@@ -13304,7 +13116,7 @@
           </a:p>
           <a:p>
             <a:r>
-              <a:rPr lang="en-GB" sz="1400" dirty="0" smtClean="0">
+              <a:rPr lang="en-GB" sz="1400" dirty="0">
                 <a:latin typeface="Courier New" pitchFamily="49" charset="0"/>
                 <a:cs typeface="Courier New" pitchFamily="49" charset="0"/>
               </a:rPr>
@@ -13340,14 +13152,14 @@
           <a:lstStyle/>
           <a:p>
             <a:r>
-              <a:rPr lang="en-GB" sz="1100" b="1" dirty="0" smtClean="0">
+              <a:rPr lang="en-GB" sz="1100" b="1" dirty="0">
                 <a:latin typeface="Courier New" pitchFamily="49" charset="0"/>
                 <a:cs typeface="Courier New" pitchFamily="49" charset="0"/>
               </a:rPr>
               <a:t>T</a:t>
             </a:r>
             <a:r>
-              <a:rPr lang="en-GB" sz="700" b="1" dirty="0" smtClean="0">
+              <a:rPr lang="en-GB" sz="700" b="1" dirty="0">
                 <a:latin typeface="Courier New" pitchFamily="49" charset="0"/>
                 <a:cs typeface="Courier New" pitchFamily="49" charset="0"/>
               </a:rPr>
@@ -13435,14 +13247,14 @@
           <a:lstStyle/>
           <a:p>
             <a:r>
-              <a:rPr lang="en-GB" sz="1100" b="1" dirty="0" smtClean="0">
+              <a:rPr lang="en-GB" sz="1100" b="1" dirty="0">
                 <a:latin typeface="Courier New" pitchFamily="49" charset="0"/>
                 <a:cs typeface="Courier New" pitchFamily="49" charset="0"/>
               </a:rPr>
               <a:t>T</a:t>
             </a:r>
             <a:r>
-              <a:rPr lang="en-GB" sz="700" b="1" dirty="0" smtClean="0">
+              <a:rPr lang="en-GB" sz="700" b="1" dirty="0">
                 <a:latin typeface="Courier New" pitchFamily="49" charset="0"/>
                 <a:cs typeface="Courier New" pitchFamily="49" charset="0"/>
               </a:rPr>
@@ -13519,7 +13331,7 @@
               <a:tabLst/>
             </a:pPr>
             <a:r>
-              <a:rPr kumimoji="0" lang="en-GB" sz="1600" b="0" i="0" u="none" strike="noStrike" cap="none" normalizeH="0" baseline="0" dirty="0" smtClean="0">
+              <a:rPr kumimoji="0" lang="en-GB" sz="1600" b="0" i="0" u="none" strike="noStrike" cap="none" normalizeH="0" baseline="0" dirty="0">
                 <a:ln>
                   <a:noFill/>
                 </a:ln>
@@ -13532,7 +13344,7 @@
               </a:rPr>
               <a:t>Dice</a:t>
             </a:r>
-            <a:endParaRPr kumimoji="0" lang="de-DE" sz="1600" b="0" i="0" u="none" strike="noStrike" cap="none" normalizeH="0" baseline="0" dirty="0" smtClean="0">
+            <a:endParaRPr kumimoji="0" lang="de-DE" sz="1600" b="0" i="0" u="none" strike="noStrike" cap="none" normalizeH="0" baseline="0" dirty="0">
               <a:ln>
                 <a:noFill/>
               </a:ln>
@@ -13605,14 +13417,6 @@
   <p:clrMapOvr>
     <a:masterClrMapping/>
   </p:clrMapOvr>
-  <mc:AlternateContent xmlns:mc="http://schemas.openxmlformats.org/markup-compatibility/2006" xmlns:p14="http://schemas.microsoft.com/office/powerpoint/2010/main">
-    <mc:Choice Requires="p14">
-      <p:transition spd="slow" p14:dur="2000"/>
-    </mc:Choice>
-    <mc:Fallback xmlns="">
-      <p:transition spd="slow"/>
-    </mc:Fallback>
-  </mc:AlternateContent>
   <p:timing>
     <p:tnLst>
       <p:par>
@@ -13909,7 +13713,7 @@
           <a:p>
             <a:pPr algn="l"/>
             <a:r>
-              <a:rPr lang="en-GB" sz="3600" dirty="0" smtClean="0">
+              <a:rPr lang="en-GB" sz="3600" dirty="0">
                 <a:solidFill>
                   <a:schemeClr val="tx2">
                     <a:lumMod val="40000"/>
@@ -14060,7 +13864,7 @@
               <a:buChar char="•"/>
             </a:pPr>
             <a:r>
-              <a:rPr lang="en-GB" dirty="0" smtClean="0">
+              <a:rPr lang="en-GB" dirty="0">
                 <a:latin typeface="Courier New" pitchFamily="49" charset="0"/>
                 <a:cs typeface="Courier New" pitchFamily="49" charset="0"/>
               </a:rPr>
@@ -14083,7 +13887,7 @@
               <a:buChar char="•"/>
             </a:pPr>
             <a:r>
-              <a:rPr lang="en-GB" dirty="0" smtClean="0">
+              <a:rPr lang="en-GB" dirty="0">
                 <a:solidFill>
                   <a:srgbClr val="FF0000"/>
                 </a:solidFill>
@@ -14092,7 +13896,7 @@
               </a:rPr>
               <a:t>Evaluation</a:t>
             </a:r>
-            <a:endParaRPr lang="en-GB" sz="1600" dirty="0" smtClean="0">
+            <a:endParaRPr lang="en-GB" sz="1600" dirty="0">
               <a:solidFill>
                 <a:srgbClr val="FF0000"/>
               </a:solidFill>
@@ -14105,7 +13909,7 @@
               <a:buFont typeface="Arial" pitchFamily="34" charset="0"/>
               <a:buChar char="•"/>
             </a:pPr>
-            <a:endParaRPr lang="en-GB" sz="1600" dirty="0" smtClean="0">
+            <a:endParaRPr lang="en-GB" sz="1600" dirty="0">
               <a:latin typeface="Courier New" pitchFamily="49" charset="0"/>
               <a:cs typeface="Courier New" pitchFamily="49" charset="0"/>
             </a:endParaRPr>
@@ -14116,61 +13920,27 @@
               <a:buChar char="•"/>
             </a:pPr>
             <a:r>
-              <a:rPr lang="en-GB" dirty="0" smtClean="0">
+              <a:rPr lang="en-GB" dirty="0">
                 <a:latin typeface="Courier New" pitchFamily="49" charset="0"/>
                 <a:cs typeface="Courier New" pitchFamily="49" charset="0"/>
               </a:rPr>
               <a:t>Affine</a:t>
             </a:r>
             <a:r>
-              <a:rPr lang="en-GB" sz="1600" dirty="0" smtClean="0">
+              <a:rPr lang="en-GB" sz="1600" dirty="0">
                 <a:latin typeface="Courier New" pitchFamily="49" charset="0"/>
                 <a:cs typeface="Courier New" pitchFamily="49" charset="0"/>
               </a:rPr>
               <a:t> </a:t>
             </a:r>
             <a:r>
-              <a:rPr lang="en-GB" dirty="0" smtClean="0">
+              <a:rPr lang="en-GB" dirty="0">
                 <a:latin typeface="Courier New" pitchFamily="49" charset="0"/>
                 <a:cs typeface="Courier New" pitchFamily="49" charset="0"/>
               </a:rPr>
               <a:t>Registration</a:t>
             </a:r>
             <a:endParaRPr lang="en-GB" sz="1600" dirty="0">
-              <a:latin typeface="Courier New" pitchFamily="49" charset="0"/>
-              <a:cs typeface="Courier New" pitchFamily="49" charset="0"/>
-            </a:endParaRPr>
-          </a:p>
-          <a:p>
-            <a:pPr marL="285750" indent="-285750">
-              <a:buFont typeface="Arial" pitchFamily="34" charset="0"/>
-              <a:buChar char="•"/>
-            </a:pPr>
-            <a:endParaRPr lang="en-GB" dirty="0" smtClean="0">
-              <a:latin typeface="Courier New" pitchFamily="49" charset="0"/>
-              <a:cs typeface="Courier New" pitchFamily="49" charset="0"/>
-            </a:endParaRPr>
-          </a:p>
-          <a:p>
-            <a:pPr marL="285750" indent="-285750">
-              <a:buFont typeface="Arial" pitchFamily="34" charset="0"/>
-              <a:buChar char="•"/>
-            </a:pPr>
-            <a:r>
-              <a:rPr lang="en-GB" dirty="0" err="1" smtClean="0">
-                <a:latin typeface="Courier New" pitchFamily="49" charset="0"/>
-                <a:cs typeface="Courier New" pitchFamily="49" charset="0"/>
-              </a:rPr>
-              <a:t>BSpline</a:t>
-            </a:r>
-            <a:r>
-              <a:rPr lang="en-GB" dirty="0" smtClean="0">
-                <a:latin typeface="Courier New" pitchFamily="49" charset="0"/>
-                <a:cs typeface="Courier New" pitchFamily="49" charset="0"/>
-              </a:rPr>
-              <a:t> Registration</a:t>
-            </a:r>
-            <a:endParaRPr lang="en-GB" dirty="0">
               <a:latin typeface="Courier New" pitchFamily="49" charset="0"/>
               <a:cs typeface="Courier New" pitchFamily="49" charset="0"/>
             </a:endParaRPr>
@@ -14191,12 +13961,25 @@
               <a:buChar char="•"/>
             </a:pPr>
             <a:r>
-              <a:rPr lang="en-GB" dirty="0" smtClean="0">
-                <a:latin typeface="Courier New" pitchFamily="49" charset="0"/>
-                <a:cs typeface="Courier New" pitchFamily="49" charset="0"/>
-              </a:rPr>
-              <a:t>Discussion</a:t>
-            </a:r>
+              <a:rPr lang="en-GB" dirty="0" err="1">
+                <a:latin typeface="Courier New" pitchFamily="49" charset="0"/>
+                <a:cs typeface="Courier New" pitchFamily="49" charset="0"/>
+              </a:rPr>
+              <a:t>BSpline</a:t>
+            </a:r>
+            <a:r>
+              <a:rPr lang="en-GB" dirty="0">
+                <a:latin typeface="Courier New" pitchFamily="49" charset="0"/>
+                <a:cs typeface="Courier New" pitchFamily="49" charset="0"/>
+              </a:rPr>
+              <a:t> Registration</a:t>
+            </a:r>
+          </a:p>
+          <a:p>
+            <a:pPr marL="285750" indent="-285750">
+              <a:buFont typeface="Arial" pitchFamily="34" charset="0"/>
+              <a:buChar char="•"/>
+            </a:pPr>
             <a:endParaRPr lang="en-GB" dirty="0">
               <a:latin typeface="Courier New" pitchFamily="49" charset="0"/>
               <a:cs typeface="Courier New" pitchFamily="49" charset="0"/>
@@ -14207,27 +13990,36 @@
               <a:buFont typeface="Arial" pitchFamily="34" charset="0"/>
               <a:buChar char="•"/>
             </a:pPr>
-            <a:endParaRPr lang="en-GB" dirty="0" smtClean="0">
-              <a:latin typeface="Courier New" pitchFamily="49" charset="0"/>
-              <a:cs typeface="Courier New" pitchFamily="49" charset="0"/>
-            </a:endParaRPr>
+            <a:r>
+              <a:rPr lang="en-GB" dirty="0">
+                <a:latin typeface="Courier New" pitchFamily="49" charset="0"/>
+                <a:cs typeface="Courier New" pitchFamily="49" charset="0"/>
+              </a:rPr>
+              <a:t>Discussion</a:t>
+            </a:r>
           </a:p>
           <a:p>
             <a:pPr marL="285750" indent="-285750">
               <a:buFont typeface="Arial" pitchFamily="34" charset="0"/>
               <a:buChar char="•"/>
             </a:pPr>
-            <a:r>
-              <a:rPr lang="en-GB" dirty="0" smtClean="0">
-                <a:latin typeface="Courier New" pitchFamily="49" charset="0"/>
-                <a:cs typeface="Courier New" pitchFamily="49" charset="0"/>
-              </a:rPr>
-              <a:t>Outlook</a:t>
-            </a:r>
             <a:endParaRPr lang="en-GB" dirty="0">
               <a:latin typeface="Courier New" pitchFamily="49" charset="0"/>
               <a:cs typeface="Courier New" pitchFamily="49" charset="0"/>
             </a:endParaRPr>
+          </a:p>
+          <a:p>
+            <a:pPr marL="285750" indent="-285750">
+              <a:buFont typeface="Arial" pitchFamily="34" charset="0"/>
+              <a:buChar char="•"/>
+            </a:pPr>
+            <a:r>
+              <a:rPr lang="en-GB" dirty="0">
+                <a:latin typeface="Courier New" pitchFamily="49" charset="0"/>
+                <a:cs typeface="Courier New" pitchFamily="49" charset="0"/>
+              </a:rPr>
+              <a:t>Outlook</a:t>
+            </a:r>
           </a:p>
           <a:p>
             <a:pPr marL="285750" indent="-285750">
@@ -14251,13 +14043,6 @@
   <p:clrMapOvr>
     <a:masterClrMapping/>
   </p:clrMapOvr>
-  <p:timing>
-    <p:tnLst>
-      <p:par>
-        <p:cTn id="1" dur="indefinite" restart="never" nodeType="tmRoot"/>
-      </p:par>
-    </p:tnLst>
-  </p:timing>
 </p:sld>
 </file>
 
@@ -14366,7 +14151,7 @@
           <a:p>
             <a:pPr algn="l"/>
             <a:r>
-              <a:rPr lang="en-GB" sz="3600" dirty="0" smtClean="0">
+              <a:rPr lang="en-GB" sz="3600" dirty="0">
                 <a:solidFill>
                   <a:schemeClr val="tx2">
                     <a:lumMod val="40000"/>
@@ -14648,7 +14433,7 @@
           <a:lstStyle/>
           <a:p>
             <a:pPr algn="ctr"/>
-            <a:endParaRPr lang="en-GB" sz="1600" dirty="0" smtClean="0">
+            <a:endParaRPr lang="en-GB" sz="1600" dirty="0">
               <a:solidFill>
                 <a:srgbClr val="000000"/>
               </a:solidFill>
@@ -14659,7 +14444,7 @@
           <a:p>
             <a:pPr algn="ctr"/>
             <a:r>
-              <a:rPr lang="en-GB" sz="1600" dirty="0" smtClean="0">
+              <a:rPr lang="en-GB" sz="1600" dirty="0">
                 <a:solidFill>
                   <a:srgbClr val="000000"/>
                 </a:solidFill>
@@ -14908,7 +14693,7 @@
           <a:lstStyle/>
           <a:p>
             <a:r>
-              <a:rPr lang="en-GB" sz="1600" dirty="0" smtClean="0">
+              <a:rPr lang="en-GB" sz="1600" dirty="0">
                 <a:latin typeface="Courier New" pitchFamily="49" charset="0"/>
                 <a:cs typeface="Courier New" pitchFamily="49" charset="0"/>
               </a:rPr>
@@ -14944,7 +14729,7 @@
           <a:lstStyle/>
           <a:p>
             <a:r>
-              <a:rPr lang="en-GB" sz="1600" dirty="0" smtClean="0">
+              <a:rPr lang="en-GB" sz="1600" dirty="0">
                 <a:latin typeface="Courier New" pitchFamily="49" charset="0"/>
                 <a:cs typeface="Courier New" pitchFamily="49" charset="0"/>
               </a:rPr>
@@ -14980,7 +14765,7 @@
           <a:lstStyle/>
           <a:p>
             <a:r>
-              <a:rPr lang="en-GB" sz="1600" dirty="0" smtClean="0"/>
+              <a:rPr lang="en-GB" sz="1600" dirty="0"/>
               <a:t>labels_native</a:t>
             </a:r>
             <a:endParaRPr lang="en-GB" dirty="0"/>
@@ -15147,7 +14932,7 @@
           <a:lstStyle/>
           <a:p>
             <a:r>
-              <a:rPr lang="en-GB" sz="1600" dirty="0" smtClean="0">
+              <a:rPr lang="en-GB" sz="1600" dirty="0">
                 <a:latin typeface="Courier New" pitchFamily="49" charset="0"/>
                 <a:cs typeface="Courier New" pitchFamily="49" charset="0"/>
               </a:rPr>
@@ -15183,7 +14968,7 @@
           <a:lstStyle/>
           <a:p>
             <a:r>
-              <a:rPr lang="en-GB" sz="1600" dirty="0" smtClean="0">
+              <a:rPr lang="en-GB" sz="1600" dirty="0">
                 <a:latin typeface="Courier New" pitchFamily="49" charset="0"/>
                 <a:cs typeface="Courier New" pitchFamily="49" charset="0"/>
               </a:rPr>
@@ -15453,14 +15238,6 @@
   <p:clrMapOvr>
     <a:masterClrMapping/>
   </p:clrMapOvr>
-  <mc:AlternateContent xmlns:mc="http://schemas.openxmlformats.org/markup-compatibility/2006" xmlns:p14="http://schemas.microsoft.com/office/powerpoint/2010/main">
-    <mc:Choice Requires="p14">
-      <p:transition spd="slow" p14:dur="2000"/>
-    </mc:Choice>
-    <mc:Fallback xmlns="">
-      <p:transition spd="slow"/>
-    </mc:Fallback>
-  </mc:AlternateContent>
   <p:timing>
     <p:tnLst>
       <p:par>
@@ -15840,7 +15617,7 @@
           <a:p>
             <a:pPr algn="l"/>
             <a:r>
-              <a:rPr lang="en-GB" sz="3600" dirty="0" smtClean="0">
+              <a:rPr lang="en-GB" sz="3600" dirty="0">
                 <a:solidFill>
                   <a:schemeClr val="tx2">
                     <a:lumMod val="40000"/>
@@ -16030,7 +15807,7 @@
               <a:tabLst/>
             </a:pPr>
             <a:r>
-              <a:rPr kumimoji="0" lang="en-GB" sz="1600" b="0" i="0" u="none" strike="noStrike" cap="none" normalizeH="0" baseline="0" dirty="0" smtClean="0">
+              <a:rPr kumimoji="0" lang="en-GB" sz="1600" b="0" i="0" u="none" strike="noStrike" cap="none" normalizeH="0" baseline="0" dirty="0">
                 <a:ln>
                   <a:noFill/>
                 </a:ln>
@@ -16044,7 +15821,7 @@
               <a:t>Dice</a:t>
             </a:r>
             <a:r>
-              <a:rPr kumimoji="0" lang="de-DE" sz="1600" b="0" i="0" u="none" strike="noStrike" cap="none" normalizeH="0" baseline="0" dirty="0" smtClean="0">
+              <a:rPr kumimoji="0" lang="de-DE" sz="1600" b="0" i="0" u="none" strike="noStrike" cap="none" normalizeH="0" baseline="0" dirty="0">
                 <a:ln>
                   <a:noFill/>
                 </a:ln>
@@ -16058,7 +15835,7 @@
               <a:t> </a:t>
             </a:r>
             <a:r>
-              <a:rPr kumimoji="0" lang="en-GB" sz="1600" b="0" i="0" u="none" strike="noStrike" cap="none" normalizeH="0" baseline="0" dirty="0" smtClean="0">
+              <a:rPr kumimoji="0" lang="en-GB" sz="1600" b="0" i="0" u="none" strike="noStrike" cap="none" normalizeH="0" baseline="0" dirty="0">
                 <a:ln>
                   <a:noFill/>
                 </a:ln>
@@ -16071,7 +15848,7 @@
               </a:rPr>
               <a:t>coefficients</a:t>
             </a:r>
-            <a:endParaRPr kumimoji="0" lang="de-DE" sz="1600" b="0" i="0" u="none" strike="noStrike" cap="none" normalizeH="0" baseline="0" dirty="0" smtClean="0">
+            <a:endParaRPr kumimoji="0" lang="de-DE" sz="1600" b="0" i="0" u="none" strike="noStrike" cap="none" normalizeH="0" baseline="0" dirty="0">
               <a:ln>
                 <a:noFill/>
               </a:ln>
@@ -16172,7 +15949,7 @@
           <a:lstStyle/>
           <a:p>
             <a:r>
-              <a:rPr lang="en-GB" sz="1600" dirty="0" smtClean="0"/>
+              <a:rPr lang="en-GB" sz="1600" dirty="0"/>
               <a:t>labels_registerd</a:t>
             </a:r>
             <a:endParaRPr lang="en-GB" dirty="0"/>
@@ -16266,18 +16043,14 @@
           <a:lstStyle/>
           <a:p>
             <a:r>
-              <a:rPr lang="en-GB" sz="1600" dirty="0" smtClean="0"/>
+              <a:rPr lang="en-GB" sz="1600" dirty="0"/>
               <a:t>labels_mniatlas/</a:t>
             </a:r>
           </a:p>
           <a:p>
             <a:r>
               <a:rPr lang="en-GB" sz="1600" dirty="0"/>
-              <a:t>g</a:t>
-            </a:r>
-            <a:r>
-              <a:rPr lang="en-GB" sz="1600" dirty="0" smtClean="0"/>
-              <a:t>round truth</a:t>
+              <a:t>ground truth</a:t>
             </a:r>
             <a:endParaRPr lang="en-GB" dirty="0"/>
           </a:p>
@@ -16307,7 +16080,7 @@
           <a:p>
             <a:pPr algn="ctr"/>
             <a:r>
-              <a:rPr lang="en-GB" sz="1600" dirty="0" smtClean="0">
+              <a:rPr lang="en-GB" sz="1600" dirty="0">
                 <a:solidFill>
                   <a:srgbClr val="000000"/>
                 </a:solidFill>
@@ -16419,21 +16192,6 @@
   <p:clrMapOvr>
     <a:masterClrMapping/>
   </p:clrMapOvr>
-  <mc:AlternateContent xmlns:mc="http://schemas.openxmlformats.org/markup-compatibility/2006" xmlns:p14="http://schemas.microsoft.com/office/powerpoint/2010/main">
-    <mc:Choice Requires="p14">
-      <p:transition spd="slow" p14:dur="2000"/>
-    </mc:Choice>
-    <mc:Fallback xmlns="">
-      <p:transition spd="slow"/>
-    </mc:Fallback>
-  </mc:AlternateContent>
-  <p:timing>
-    <p:tnLst>
-      <p:par>
-        <p:cTn id="1" dur="indefinite" restart="never" nodeType="tmRoot"/>
-      </p:par>
-    </p:tnLst>
-  </p:timing>
 </p:sld>
 </file>
 
@@ -16542,7 +16300,7 @@
           <a:p>
             <a:pPr algn="l"/>
             <a:r>
-              <a:rPr lang="en-GB" sz="3600" dirty="0" smtClean="0">
+              <a:rPr lang="en-GB" sz="3600" dirty="0">
                 <a:solidFill>
                   <a:schemeClr val="tx2">
                     <a:lumMod val="40000"/>
@@ -16733,7 +16491,7 @@
               <a:tabLst/>
             </a:pPr>
             <a:r>
-              <a:rPr kumimoji="0" lang="de-DE" sz="900" b="0" u="none" strike="noStrike" cap="none" normalizeH="0" baseline="0" dirty="0" err="1" smtClean="0">
+              <a:rPr kumimoji="0" lang="de-DE" sz="900" b="0" u="none" strike="noStrike" cap="none" normalizeH="0" baseline="0" dirty="0" err="1">
                 <a:ln>
                   <a:noFill/>
                 </a:ln>
@@ -16744,7 +16502,7 @@
               <a:t>histList</a:t>
             </a:r>
             <a:r>
-              <a:rPr kumimoji="0" lang="de-DE" sz="900" b="0" u="none" strike="noStrike" cap="none" normalizeH="0" baseline="0" dirty="0" smtClean="0">
+              <a:rPr kumimoji="0" lang="de-DE" sz="900" b="0" u="none" strike="noStrike" cap="none" normalizeH="0" baseline="0" dirty="0">
                 <a:ln>
                   <a:noFill/>
                 </a:ln>
@@ -16765,7 +16523,7 @@
               <a:t>10, 50, 100, 200, 300</a:t>
             </a:r>
             <a:r>
-              <a:rPr kumimoji="0" lang="de-DE" sz="900" b="0" u="none" strike="noStrike" cap="none" normalizeH="0" baseline="0" dirty="0" smtClean="0">
+              <a:rPr kumimoji="0" lang="de-DE" sz="900" b="0" u="none" strike="noStrike" cap="none" normalizeH="0" baseline="0" dirty="0">
                 <a:ln>
                   <a:noFill/>
                 </a:ln>
@@ -16775,7 +16533,7 @@
               </a:rPr>
               <a:t>]</a:t>
             </a:r>
-            <a:endParaRPr kumimoji="0" lang="de-DE" sz="1800" b="0" u="none" strike="noStrike" cap="none" normalizeH="0" baseline="0" dirty="0" smtClean="0">
+            <a:endParaRPr kumimoji="0" lang="de-DE" sz="1800" b="0" u="none" strike="noStrike" cap="none" normalizeH="0" baseline="0" dirty="0">
               <a:ln>
                 <a:noFill/>
               </a:ln>
@@ -16857,7 +16615,7 @@
               <a:tabLst/>
             </a:pPr>
             <a:r>
-              <a:rPr kumimoji="0" lang="de-DE" sz="900" b="0" i="0" u="none" strike="noStrike" cap="none" normalizeH="0" baseline="0" dirty="0" err="1" smtClean="0">
+              <a:rPr kumimoji="0" lang="de-DE" sz="900" b="0" i="0" u="none" strike="noStrike" cap="none" normalizeH="0" baseline="0" dirty="0" err="1">
                 <a:ln>
                   <a:noFill/>
                 </a:ln>
@@ -16871,7 +16629,7 @@
               <a:t>learnRateList</a:t>
             </a:r>
             <a:r>
-              <a:rPr kumimoji="0" lang="de-DE" sz="900" b="0" i="0" u="none" strike="noStrike" cap="none" normalizeH="0" baseline="0" dirty="0" smtClean="0">
+              <a:rPr kumimoji="0" lang="de-DE" sz="900" b="0" i="0" u="none" strike="noStrike" cap="none" normalizeH="0" baseline="0" dirty="0">
                 <a:ln>
                   <a:noFill/>
                 </a:ln>
@@ -16885,7 +16643,7 @@
               <a:t> = [</a:t>
             </a:r>
             <a:r>
-              <a:rPr kumimoji="0" lang="de-DE" sz="900" b="0" i="0" u="none" strike="noStrike" cap="none" normalizeH="0" baseline="0" dirty="0" smtClean="0">
+              <a:rPr kumimoji="0" lang="de-DE" sz="900" b="0" i="0" u="none" strike="noStrike" cap="none" normalizeH="0" baseline="0" dirty="0">
                 <a:ln>
                   <a:noFill/>
                 </a:ln>
@@ -16899,7 +16657,7 @@
               <a:t>0.1</a:t>
             </a:r>
             <a:r>
-              <a:rPr kumimoji="0" lang="de-DE" sz="900" b="0" i="0" u="none" strike="noStrike" cap="none" normalizeH="0" baseline="0" dirty="0" smtClean="0">
+              <a:rPr kumimoji="0" lang="de-DE" sz="900" b="0" i="0" u="none" strike="noStrike" cap="none" normalizeH="0" baseline="0" dirty="0">
                 <a:ln>
                   <a:noFill/>
                 </a:ln>
@@ -16913,7 +16671,7 @@
               <a:t>, </a:t>
             </a:r>
             <a:r>
-              <a:rPr kumimoji="0" lang="de-DE" sz="900" b="0" i="0" u="none" strike="noStrike" cap="none" normalizeH="0" baseline="0" dirty="0" smtClean="0">
+              <a:rPr kumimoji="0" lang="de-DE" sz="900" b="0" i="0" u="none" strike="noStrike" cap="none" normalizeH="0" baseline="0" dirty="0">
                 <a:ln>
                   <a:noFill/>
                 </a:ln>
@@ -16927,7 +16685,7 @@
               <a:t>0.2</a:t>
             </a:r>
             <a:r>
-              <a:rPr kumimoji="0" lang="de-DE" sz="900" b="0" i="0" u="none" strike="noStrike" cap="none" normalizeH="0" baseline="0" dirty="0" smtClean="0">
+              <a:rPr kumimoji="0" lang="de-DE" sz="900" b="0" i="0" u="none" strike="noStrike" cap="none" normalizeH="0" baseline="0" dirty="0">
                 <a:ln>
                   <a:noFill/>
                 </a:ln>
@@ -16941,7 +16699,7 @@
               <a:t>, </a:t>
             </a:r>
             <a:r>
-              <a:rPr kumimoji="0" lang="de-DE" sz="900" b="0" i="0" u="none" strike="noStrike" cap="none" normalizeH="0" baseline="0" dirty="0" smtClean="0">
+              <a:rPr kumimoji="0" lang="de-DE" sz="900" b="0" i="0" u="none" strike="noStrike" cap="none" normalizeH="0" baseline="0" dirty="0">
                 <a:ln>
                   <a:noFill/>
                 </a:ln>
@@ -16955,7 +16713,7 @@
               <a:t>0.9</a:t>
             </a:r>
             <a:r>
-              <a:rPr kumimoji="0" lang="de-DE" sz="900" b="0" i="0" u="none" strike="noStrike" cap="none" normalizeH="0" baseline="0" dirty="0" smtClean="0">
+              <a:rPr kumimoji="0" lang="de-DE" sz="900" b="0" i="0" u="none" strike="noStrike" cap="none" normalizeH="0" baseline="0" dirty="0">
                 <a:ln>
                   <a:noFill/>
                 </a:ln>
@@ -16968,7 +16726,7 @@
               </a:rPr>
               <a:t>]</a:t>
             </a:r>
-            <a:endParaRPr kumimoji="0" lang="de-DE" sz="1800" b="0" i="0" u="none" strike="noStrike" cap="none" normalizeH="0" baseline="0" dirty="0" smtClean="0">
+            <a:endParaRPr kumimoji="0" lang="de-DE" sz="1800" b="0" i="0" u="none" strike="noStrike" cap="none" normalizeH="0" baseline="0" dirty="0">
               <a:ln>
                 <a:noFill/>
               </a:ln>
@@ -17053,7 +16811,7 @@
               <a:tabLst/>
             </a:pPr>
             <a:r>
-              <a:rPr kumimoji="0" lang="de-DE" sz="900" b="0" i="1" u="none" strike="noStrike" cap="none" normalizeH="0" baseline="0" dirty="0" err="1" smtClean="0">
+              <a:rPr kumimoji="0" lang="de-DE" sz="900" b="0" i="1" u="none" strike="noStrike" cap="none" normalizeH="0" baseline="0" dirty="0" err="1">
                 <a:ln>
                   <a:noFill/>
                 </a:ln>
@@ -17064,7 +16822,7 @@
               <a:t>iterList</a:t>
             </a:r>
             <a:r>
-              <a:rPr kumimoji="0" lang="de-DE" sz="900" b="0" i="1" u="none" strike="noStrike" cap="none" normalizeH="0" baseline="0" dirty="0" smtClean="0">
+              <a:rPr kumimoji="0" lang="de-DE" sz="900" b="0" i="1" u="none" strike="noStrike" cap="none" normalizeH="0" baseline="0" dirty="0">
                 <a:ln>
                   <a:noFill/>
                 </a:ln>
@@ -17085,7 +16843,7 @@
               <a:t>100, 200, 1000</a:t>
             </a:r>
             <a:r>
-              <a:rPr kumimoji="0" lang="de-DE" sz="900" b="0" i="1" u="none" strike="noStrike" cap="none" normalizeH="0" baseline="0" dirty="0" smtClean="0">
+              <a:rPr kumimoji="0" lang="de-DE" sz="900" b="0" i="1" u="none" strike="noStrike" cap="none" normalizeH="0" baseline="0" dirty="0">
                 <a:ln>
                   <a:noFill/>
                 </a:ln>
@@ -17095,7 +16853,7 @@
               </a:rPr>
               <a:t>]</a:t>
             </a:r>
-            <a:endParaRPr kumimoji="0" lang="de-DE" sz="1800" b="0" i="0" u="none" strike="noStrike" cap="none" normalizeH="0" baseline="0" dirty="0" smtClean="0">
+            <a:endParaRPr kumimoji="0" lang="de-DE" sz="1800" b="0" i="0" u="none" strike="noStrike" cap="none" normalizeH="0" baseline="0" dirty="0">
               <a:ln>
                 <a:noFill/>
               </a:ln>
@@ -17177,13 +16935,13 @@
               <a:tabLst/>
             </a:pPr>
             <a:r>
-              <a:rPr lang="de-DE" sz="900" i="1" dirty="0" smtClean="0">
+              <a:rPr lang="de-DE" sz="900" i="1" dirty="0">
                 <a:latin typeface="Courier New" pitchFamily="49" charset="0"/>
                 <a:cs typeface="Courier New" pitchFamily="49" charset="0"/>
               </a:rPr>
               <a:t>Patient 1</a:t>
             </a:r>
-            <a:endParaRPr kumimoji="0" lang="de-DE" sz="1800" b="0" i="0" u="none" strike="noStrike" cap="none" normalizeH="0" baseline="0" dirty="0" smtClean="0">
+            <a:endParaRPr kumimoji="0" lang="de-DE" sz="1800" b="0" i="0" u="none" strike="noStrike" cap="none" normalizeH="0" baseline="0" dirty="0">
               <a:ln>
                 <a:noFill/>
               </a:ln>
@@ -17260,7 +17018,7 @@
               <a:tabLst/>
             </a:pPr>
             <a:r>
-              <a:rPr lang="de-DE" sz="1100" dirty="0" smtClean="0">
+              <a:rPr lang="de-DE" sz="1100" dirty="0">
                 <a:solidFill>
                   <a:srgbClr val="000000"/>
                 </a:solidFill>
@@ -17288,7 +17046,7 @@
               <a:tabLst/>
             </a:pPr>
             <a:r>
-              <a:rPr kumimoji="0" lang="de-DE" sz="1100" b="0" i="0" u="none" strike="noStrike" cap="none" normalizeH="0" baseline="0" dirty="0" smtClean="0">
+              <a:rPr kumimoji="0" lang="de-DE" sz="1100" b="0" i="0" u="none" strike="noStrike" cap="none" normalizeH="0" baseline="0" dirty="0">
                 <a:ln>
                   <a:noFill/>
                 </a:ln>
@@ -17320,7 +17078,7 @@
               <a:tabLst/>
             </a:pPr>
             <a:r>
-              <a:rPr lang="de-DE" sz="1100" dirty="0" smtClean="0">
+              <a:rPr lang="de-DE" sz="1100" dirty="0">
                 <a:solidFill>
                   <a:srgbClr val="000000"/>
                 </a:solidFill>
@@ -17398,7 +17156,7 @@
               <a:tabLst/>
             </a:pPr>
             <a:r>
-              <a:rPr kumimoji="0" lang="de-DE" sz="1100" b="0" i="0" u="none" strike="noStrike" cap="none" normalizeH="0" baseline="0" dirty="0" err="1" smtClean="0">
+              <a:rPr kumimoji="0" lang="de-DE" sz="1100" b="0" i="0" u="none" strike="noStrike" cap="none" normalizeH="0" baseline="0" dirty="0" err="1">
                 <a:ln>
                   <a:noFill/>
                 </a:ln>
@@ -17411,7 +17169,7 @@
               </a:rPr>
               <a:t>mean</a:t>
             </a:r>
-            <a:endParaRPr lang="de-DE" sz="1100" dirty="0" smtClean="0">
+            <a:endParaRPr lang="de-DE" sz="1100" dirty="0">
               <a:solidFill>
                 <a:srgbClr val="000000"/>
               </a:solidFill>
@@ -17492,13 +17250,13 @@
               <a:tabLst/>
             </a:pPr>
             <a:r>
-              <a:rPr lang="de-DE" sz="900" i="1" dirty="0" smtClean="0">
+              <a:rPr lang="de-DE" sz="900" i="1" dirty="0">
                 <a:latin typeface="Courier New" pitchFamily="49" charset="0"/>
                 <a:cs typeface="Courier New" pitchFamily="49" charset="0"/>
               </a:rPr>
               <a:t>Patient 2</a:t>
             </a:r>
-            <a:endParaRPr kumimoji="0" lang="de-DE" sz="1800" b="0" i="0" u="none" strike="noStrike" cap="none" normalizeH="0" baseline="0" dirty="0" smtClean="0">
+            <a:endParaRPr kumimoji="0" lang="de-DE" sz="1800" b="0" i="0" u="none" strike="noStrike" cap="none" normalizeH="0" baseline="0" dirty="0">
               <a:ln>
                 <a:noFill/>
               </a:ln>
@@ -17575,7 +17333,7 @@
               <a:tabLst/>
             </a:pPr>
             <a:r>
-              <a:rPr lang="de-DE" sz="1100" dirty="0" smtClean="0">
+              <a:rPr lang="de-DE" sz="1100" dirty="0">
                 <a:solidFill>
                   <a:srgbClr val="000000"/>
                 </a:solidFill>
@@ -17603,7 +17361,7 @@
               <a:tabLst/>
             </a:pPr>
             <a:r>
-              <a:rPr kumimoji="0" lang="de-DE" sz="1100" b="0" i="0" u="none" strike="noStrike" cap="none" normalizeH="0" baseline="0" dirty="0" smtClean="0">
+              <a:rPr kumimoji="0" lang="de-DE" sz="1100" b="0" i="0" u="none" strike="noStrike" cap="none" normalizeH="0" baseline="0" dirty="0">
                 <a:ln>
                   <a:noFill/>
                 </a:ln>
@@ -17635,7 +17393,7 @@
               <a:tabLst/>
             </a:pPr>
             <a:r>
-              <a:rPr lang="de-DE" sz="1100" dirty="0" smtClean="0">
+              <a:rPr lang="de-DE" sz="1100" dirty="0">
                 <a:solidFill>
                   <a:srgbClr val="000000"/>
                 </a:solidFill>
@@ -17718,13 +17476,13 @@
               <a:tabLst/>
             </a:pPr>
             <a:r>
-              <a:rPr lang="de-DE" sz="900" i="1" dirty="0" smtClean="0">
+              <a:rPr lang="de-DE" sz="900" i="1" dirty="0">
                 <a:latin typeface="Courier New" pitchFamily="49" charset="0"/>
                 <a:cs typeface="Courier New" pitchFamily="49" charset="0"/>
               </a:rPr>
               <a:t>Patient 3</a:t>
             </a:r>
-            <a:endParaRPr kumimoji="0" lang="de-DE" sz="1800" b="0" i="0" u="none" strike="noStrike" cap="none" normalizeH="0" baseline="0" dirty="0" smtClean="0">
+            <a:endParaRPr kumimoji="0" lang="de-DE" sz="1800" b="0" i="0" u="none" strike="noStrike" cap="none" normalizeH="0" baseline="0" dirty="0">
               <a:ln>
                 <a:noFill/>
               </a:ln>
@@ -17801,7 +17559,7 @@
               <a:tabLst/>
             </a:pPr>
             <a:r>
-              <a:rPr lang="de-DE" sz="1100" dirty="0" smtClean="0">
+              <a:rPr lang="de-DE" sz="1100" dirty="0">
                 <a:solidFill>
                   <a:srgbClr val="000000"/>
                 </a:solidFill>
@@ -17829,7 +17587,7 @@
               <a:tabLst/>
             </a:pPr>
             <a:r>
-              <a:rPr kumimoji="0" lang="de-DE" sz="1100" b="0" i="0" u="none" strike="noStrike" cap="none" normalizeH="0" baseline="0" dirty="0" smtClean="0">
+              <a:rPr kumimoji="0" lang="de-DE" sz="1100" b="0" i="0" u="none" strike="noStrike" cap="none" normalizeH="0" baseline="0" dirty="0">
                 <a:ln>
                   <a:noFill/>
                 </a:ln>
@@ -17861,7 +17619,7 @@
               <a:tabLst/>
             </a:pPr>
             <a:r>
-              <a:rPr lang="de-DE" sz="1100" dirty="0" smtClean="0">
+              <a:rPr lang="de-DE" sz="1100" dirty="0">
                 <a:solidFill>
                   <a:srgbClr val="000000"/>
                 </a:solidFill>
@@ -17944,13 +17702,13 @@
               <a:tabLst/>
             </a:pPr>
             <a:r>
-              <a:rPr lang="de-DE" sz="900" i="1" dirty="0" smtClean="0">
+              <a:rPr lang="de-DE" sz="900" i="1" dirty="0">
                 <a:latin typeface="Courier New" pitchFamily="49" charset="0"/>
                 <a:cs typeface="Courier New" pitchFamily="49" charset="0"/>
               </a:rPr>
               <a:t>Patient 10</a:t>
             </a:r>
-            <a:endParaRPr kumimoji="0" lang="de-DE" sz="1800" b="0" i="0" u="none" strike="noStrike" cap="none" normalizeH="0" baseline="0" dirty="0" smtClean="0">
+            <a:endParaRPr kumimoji="0" lang="de-DE" sz="1800" b="0" i="0" u="none" strike="noStrike" cap="none" normalizeH="0" baseline="0" dirty="0">
               <a:ln>
                 <a:noFill/>
               </a:ln>
@@ -18027,7 +17785,7 @@
               <a:tabLst/>
             </a:pPr>
             <a:r>
-              <a:rPr lang="de-DE" sz="1100" dirty="0" smtClean="0">
+              <a:rPr lang="de-DE" sz="1100" dirty="0">
                 <a:solidFill>
                   <a:srgbClr val="000000"/>
                 </a:solidFill>
@@ -18055,7 +17813,7 @@
               <a:tabLst/>
             </a:pPr>
             <a:r>
-              <a:rPr kumimoji="0" lang="de-DE" sz="1100" b="0" i="0" u="none" strike="noStrike" cap="none" normalizeH="0" baseline="0" dirty="0" smtClean="0">
+              <a:rPr kumimoji="0" lang="de-DE" sz="1100" b="0" i="0" u="none" strike="noStrike" cap="none" normalizeH="0" baseline="0" dirty="0">
                 <a:ln>
                   <a:noFill/>
                 </a:ln>
@@ -18087,7 +17845,7 @@
               <a:tabLst/>
             </a:pPr>
             <a:r>
-              <a:rPr lang="de-DE" sz="1100" dirty="0" smtClean="0">
+              <a:rPr lang="de-DE" sz="1100" dirty="0">
                 <a:solidFill>
                   <a:srgbClr val="000000"/>
                 </a:solidFill>
@@ -18170,13 +17928,13 @@
               <a:tabLst/>
             </a:pPr>
             <a:r>
-              <a:rPr lang="de-DE" sz="900" i="1" dirty="0" smtClean="0">
+              <a:rPr lang="de-DE" sz="900" i="1" dirty="0">
                 <a:latin typeface="Courier New" pitchFamily="49" charset="0"/>
                 <a:cs typeface="Courier New" pitchFamily="49" charset="0"/>
               </a:rPr>
               <a:t>…</a:t>
             </a:r>
-            <a:endParaRPr kumimoji="0" lang="de-DE" sz="1800" b="0" i="0" u="none" strike="noStrike" cap="none" normalizeH="0" baseline="0" dirty="0" smtClean="0">
+            <a:endParaRPr kumimoji="0" lang="de-DE" sz="1800" b="0" i="0" u="none" strike="noStrike" cap="none" normalizeH="0" baseline="0" dirty="0">
               <a:ln>
                 <a:noFill/>
               </a:ln>
@@ -18253,7 +18011,7 @@
               <a:tabLst/>
             </a:pPr>
             <a:r>
-              <a:rPr lang="de-DE" sz="1100" dirty="0" smtClean="0">
+              <a:rPr lang="de-DE" sz="1100" dirty="0">
                 <a:solidFill>
                   <a:srgbClr val="000000"/>
                 </a:solidFill>
@@ -18281,7 +18039,7 @@
               <a:tabLst/>
             </a:pPr>
             <a:r>
-              <a:rPr kumimoji="0" lang="de-DE" sz="1100" b="0" i="0" u="none" strike="noStrike" cap="none" normalizeH="0" baseline="0" dirty="0" smtClean="0">
+              <a:rPr kumimoji="0" lang="de-DE" sz="1100" b="0" i="0" u="none" strike="noStrike" cap="none" normalizeH="0" baseline="0" dirty="0">
                 <a:ln>
                   <a:noFill/>
                 </a:ln>
@@ -18313,7 +18071,7 @@
               <a:tabLst/>
             </a:pPr>
             <a:r>
-              <a:rPr lang="de-DE" sz="1100" dirty="0" smtClean="0">
+              <a:rPr lang="de-DE" sz="1100" dirty="0">
                 <a:solidFill>
                   <a:srgbClr val="000000"/>
                 </a:solidFill>
@@ -18523,7 +18281,7 @@
               <a:tabLst/>
             </a:pPr>
             <a:r>
-              <a:rPr lang="de-DE" sz="1100" dirty="0" smtClean="0">
+              <a:rPr lang="de-DE" sz="1100" dirty="0">
                 <a:solidFill>
                   <a:srgbClr val="000000"/>
                 </a:solidFill>
@@ -18551,7 +18309,7 @@
               <a:tabLst/>
             </a:pPr>
             <a:r>
-              <a:rPr kumimoji="0" lang="de-DE" sz="1100" b="0" i="0" u="none" strike="noStrike" cap="none" normalizeH="0" baseline="0" dirty="0" smtClean="0">
+              <a:rPr kumimoji="0" lang="de-DE" sz="1100" b="0" i="0" u="none" strike="noStrike" cap="none" normalizeH="0" baseline="0" dirty="0">
                 <a:ln>
                   <a:noFill/>
                 </a:ln>
@@ -18583,7 +18341,7 @@
               <a:tabLst/>
             </a:pPr>
             <a:r>
-              <a:rPr lang="de-DE" sz="1100" dirty="0" smtClean="0">
+              <a:rPr lang="de-DE" sz="1100" dirty="0">
                 <a:solidFill>
                   <a:srgbClr val="000000"/>
                 </a:solidFill>
@@ -18605,14 +18363,6 @@
   <p:clrMapOvr>
     <a:masterClrMapping/>
   </p:clrMapOvr>
-  <mc:AlternateContent xmlns:mc="http://schemas.openxmlformats.org/markup-compatibility/2006" xmlns:p14="http://schemas.microsoft.com/office/powerpoint/2010/main">
-    <mc:Choice Requires="p14">
-      <p:transition spd="slow" p14:dur="2000"/>
-    </mc:Choice>
-    <mc:Fallback xmlns="">
-      <p:transition spd="slow"/>
-    </mc:Fallback>
-  </mc:AlternateContent>
   <p:timing>
     <p:tnLst>
       <p:par>
@@ -18980,20 +18730,7 @@
                 <a:latin typeface="Courier New" pitchFamily="49" charset="0"/>
                 <a:cs typeface="Courier New" pitchFamily="49" charset="0"/>
               </a:rPr>
-              <a:t>Result </a:t>
-            </a:r>
-            <a:r>
-              <a:rPr lang="en-US" sz="3200" dirty="0" smtClean="0">
-                <a:solidFill>
-                  <a:srgbClr val="1F497D">
-                    <a:lumMod val="40000"/>
-                    <a:lumOff val="60000"/>
-                  </a:srgbClr>
-                </a:solidFill>
-                <a:latin typeface="Courier New" pitchFamily="49" charset="0"/>
-                <a:cs typeface="Courier New" pitchFamily="49" charset="0"/>
-              </a:rPr>
-              <a:t>2</a:t>
+              <a:t>Result 2</a:t>
             </a:r>
             <a:endParaRPr lang="en-GB" sz="3600" dirty="0">
               <a:solidFill>
@@ -19337,7 +19074,7 @@
               </a:spcAft>
             </a:pPr>
             <a:r>
-              <a:rPr lang="de-CH" sz="1400" dirty="0" smtClean="0">
+              <a:rPr lang="de-CH" sz="1400" dirty="0">
                 <a:latin typeface="Courier New" pitchFamily="49" charset="0"/>
                 <a:cs typeface="Courier New" pitchFamily="49" charset="0"/>
               </a:rPr>
@@ -19353,7 +19090,7 @@
                 <a:spcPct val="0"/>
               </a:spcAft>
             </a:pPr>
-            <a:endParaRPr lang="de-CH" sz="1200" dirty="0" smtClean="0">
+            <a:endParaRPr lang="de-CH" sz="1200" dirty="0">
               <a:latin typeface="Courier New" pitchFamily="49" charset="0"/>
               <a:cs typeface="Courier New" pitchFamily="49" charset="0"/>
             </a:endParaRPr>
@@ -19371,21 +19108,21 @@
               </a:tabLst>
             </a:pPr>
             <a:r>
-              <a:rPr lang="de-CH" sz="1400" dirty="0" smtClean="0">
+              <a:rPr lang="de-CH" sz="1400" dirty="0">
                 <a:latin typeface="Courier New" pitchFamily="49" charset="0"/>
                 <a:cs typeface="Courier New" pitchFamily="49" charset="0"/>
               </a:rPr>
               <a:t>White</a:t>
             </a:r>
             <a:r>
-              <a:rPr lang="de-CH" sz="1050" dirty="0" smtClean="0">
+              <a:rPr lang="de-CH" sz="1050" dirty="0">
                 <a:latin typeface="Courier New" pitchFamily="49" charset="0"/>
                 <a:cs typeface="Courier New" pitchFamily="49" charset="0"/>
               </a:rPr>
               <a:t> </a:t>
             </a:r>
             <a:r>
-              <a:rPr lang="de-CH" sz="1400" dirty="0" smtClean="0">
+              <a:rPr lang="de-CH" sz="1400" dirty="0">
                 <a:latin typeface="Courier New" pitchFamily="49" charset="0"/>
                 <a:cs typeface="Courier New" pitchFamily="49" charset="0"/>
               </a:rPr>
@@ -19413,28 +19150,7 @@
                 <a:latin typeface="Courier New" pitchFamily="49" charset="0"/>
                 <a:cs typeface="Courier New" pitchFamily="49" charset="0"/>
               </a:rPr>
-              <a:t>Grey </a:t>
-            </a:r>
-            <a:r>
-              <a:rPr lang="de-CH" sz="1400" dirty="0" smtClean="0">
-                <a:latin typeface="Courier New" pitchFamily="49" charset="0"/>
-                <a:cs typeface="Courier New" pitchFamily="49" charset="0"/>
-              </a:rPr>
-              <a:t>matter	0.</a:t>
-            </a:r>
-            <a:r>
-              <a:rPr lang="de-CH" sz="1400" dirty="0">
-                <a:latin typeface="Courier New" pitchFamily="49" charset="0"/>
-                <a:cs typeface="Courier New" pitchFamily="49" charset="0"/>
-              </a:rPr>
-              <a:t>4</a:t>
-            </a:r>
-            <a:r>
-              <a:rPr lang="de-CH" sz="1400" dirty="0" smtClean="0">
-                <a:latin typeface="Courier New" pitchFamily="49" charset="0"/>
-                <a:cs typeface="Courier New" pitchFamily="49" charset="0"/>
-              </a:rPr>
-              <a:t>2</a:t>
+              <a:t>Grey matter	0.42</a:t>
             </a:r>
             <a:endParaRPr lang="de-DE" sz="1400" dirty="0">
               <a:latin typeface="Courier New" pitchFamily="49" charset="0"/>
@@ -19454,7 +19170,7 @@
               </a:tabLst>
             </a:pPr>
             <a:r>
-              <a:rPr lang="de-CH" sz="1400" dirty="0" smtClean="0">
+              <a:rPr lang="de-CH" sz="1400" dirty="0">
                 <a:latin typeface="Courier New" pitchFamily="49" charset="0"/>
                 <a:cs typeface="Courier New" pitchFamily="49" charset="0"/>
               </a:rPr>
@@ -19491,23 +19207,19 @@
               </a:tabLst>
             </a:pPr>
             <a:r>
-              <a:rPr lang="de-CH" sz="1400" dirty="0" smtClean="0">
+              <a:rPr lang="de-CH" sz="1400" dirty="0">
                 <a:latin typeface="Courier New" pitchFamily="49" charset="0"/>
                 <a:cs typeface="Courier New" pitchFamily="49" charset="0"/>
               </a:rPr>
               <a:t>Mean	</a:t>
             </a:r>
             <a:r>
-              <a:rPr lang="de-CH" sz="1400" b="1" dirty="0" smtClean="0">
+              <a:rPr lang="de-CH" sz="1400" b="1" dirty="0">
                 <a:latin typeface="Courier New" pitchFamily="49" charset="0"/>
                 <a:cs typeface="Courier New" pitchFamily="49" charset="0"/>
               </a:rPr>
               <a:t>0.42</a:t>
             </a:r>
-            <a:endParaRPr lang="de-CH" sz="1400" b="1" dirty="0">
-              <a:latin typeface="Courier New" pitchFamily="49" charset="0"/>
-              <a:cs typeface="Courier New" pitchFamily="49" charset="0"/>
-            </a:endParaRPr>
           </a:p>
         </p:txBody>
       </p:sp>
@@ -19555,7 +19267,7 @@
               </a:spcAft>
             </a:pPr>
             <a:r>
-              <a:rPr lang="de-CH" sz="1400" dirty="0" smtClean="0">
+              <a:rPr lang="de-CH" sz="1400" dirty="0">
                 <a:latin typeface="Courier New" pitchFamily="49" charset="0"/>
                 <a:cs typeface="Courier New" pitchFamily="49" charset="0"/>
               </a:rPr>
@@ -19571,7 +19283,7 @@
                 <a:spcPct val="0"/>
               </a:spcAft>
             </a:pPr>
-            <a:endParaRPr lang="de-CH" sz="1400" dirty="0" smtClean="0">
+            <a:endParaRPr lang="de-CH" sz="1400" dirty="0">
               <a:latin typeface="Courier New" pitchFamily="49" charset="0"/>
               <a:cs typeface="Courier New" pitchFamily="49" charset="0"/>
             </a:endParaRPr>
@@ -19589,13 +19301,13 @@
               </a:tabLst>
             </a:pPr>
             <a:r>
-              <a:rPr lang="de-CH" sz="1400" dirty="0" smtClean="0">
+              <a:rPr lang="de-CH" sz="1400" dirty="0">
                 <a:latin typeface="Courier New" pitchFamily="49" charset="0"/>
                 <a:cs typeface="Courier New" pitchFamily="49" charset="0"/>
               </a:rPr>
               <a:t>White matter  0.62</a:t>
             </a:r>
-            <a:endParaRPr lang="de-DE" sz="1400" dirty="0" smtClean="0">
+            <a:endParaRPr lang="de-DE" sz="1400" dirty="0">
               <a:solidFill>
                 <a:srgbClr val="000000"/>
               </a:solidFill>
@@ -19620,14 +19332,7 @@
                 <a:latin typeface="Courier New" pitchFamily="49" charset="0"/>
                 <a:cs typeface="Courier New" pitchFamily="49" charset="0"/>
               </a:rPr>
-              <a:t>Grey </a:t>
-            </a:r>
-            <a:r>
-              <a:rPr lang="de-CH" sz="1400" dirty="0" smtClean="0">
-                <a:latin typeface="Courier New" pitchFamily="49" charset="0"/>
-                <a:cs typeface="Courier New" pitchFamily="49" charset="0"/>
-              </a:rPr>
-              <a:t>matter   0.48</a:t>
+              <a:t>Grey matter   0.48</a:t>
             </a:r>
             <a:endParaRPr lang="de-DE" sz="1400" dirty="0">
               <a:latin typeface="Courier New" pitchFamily="49" charset="0"/>
@@ -19647,7 +19352,7 @@
               </a:tabLst>
             </a:pPr>
             <a:r>
-              <a:rPr lang="de-CH" sz="1400" dirty="0" smtClean="0">
+              <a:rPr lang="de-CH" sz="1400" dirty="0">
                 <a:latin typeface="Courier New" pitchFamily="49" charset="0"/>
                 <a:cs typeface="Courier New" pitchFamily="49" charset="0"/>
               </a:rPr>
@@ -19684,23 +19389,19 @@
               </a:tabLst>
             </a:pPr>
             <a:r>
-              <a:rPr lang="de-CH" sz="1400" dirty="0" smtClean="0">
+              <a:rPr lang="de-CH" sz="1400" dirty="0">
                 <a:latin typeface="Courier New" pitchFamily="49" charset="0"/>
                 <a:cs typeface="Courier New" pitchFamily="49" charset="0"/>
               </a:rPr>
               <a:t>Mean          </a:t>
             </a:r>
             <a:r>
-              <a:rPr lang="de-CH" sz="1400" b="1" dirty="0" smtClean="0">
+              <a:rPr lang="de-CH" sz="1400" b="1" dirty="0">
                 <a:latin typeface="Courier New" pitchFamily="49" charset="0"/>
                 <a:cs typeface="Courier New" pitchFamily="49" charset="0"/>
               </a:rPr>
               <a:t>0.58</a:t>
             </a:r>
-            <a:endParaRPr lang="de-CH" sz="1400" b="1" dirty="0">
-              <a:latin typeface="Courier New" pitchFamily="49" charset="0"/>
-              <a:cs typeface="Courier New" pitchFamily="49" charset="0"/>
-            </a:endParaRPr>
           </a:p>
         </p:txBody>
       </p:sp>
@@ -19748,7 +19449,7 @@
               </a:spcAft>
             </a:pPr>
             <a:r>
-              <a:rPr lang="de-CH" sz="1400" dirty="0" smtClean="0">
+              <a:rPr lang="de-CH" sz="1400" dirty="0">
                 <a:latin typeface="Courier New" pitchFamily="49" charset="0"/>
                 <a:cs typeface="Courier New" pitchFamily="49" charset="0"/>
               </a:rPr>
@@ -19764,7 +19465,7 @@
                 <a:spcPct val="0"/>
               </a:spcAft>
             </a:pPr>
-            <a:endParaRPr lang="de-CH" sz="1400" dirty="0" smtClean="0">
+            <a:endParaRPr lang="de-CH" sz="1400" dirty="0">
               <a:latin typeface="Courier New" pitchFamily="49" charset="0"/>
               <a:cs typeface="Courier New" pitchFamily="49" charset="0"/>
             </a:endParaRPr>
@@ -19783,13 +19484,13 @@
               </a:tabLst>
             </a:pPr>
             <a:r>
-              <a:rPr lang="de-CH" sz="1400" dirty="0" smtClean="0">
+              <a:rPr lang="de-CH" sz="1400" dirty="0">
                 <a:latin typeface="Courier New" pitchFamily="49" charset="0"/>
                 <a:cs typeface="Courier New" pitchFamily="49" charset="0"/>
               </a:rPr>
               <a:t>White matter  0.64</a:t>
             </a:r>
-            <a:endParaRPr lang="de-DE" sz="1400" dirty="0" smtClean="0">
+            <a:endParaRPr lang="de-DE" sz="1400" dirty="0">
               <a:solidFill>
                 <a:srgbClr val="000000"/>
               </a:solidFill>
@@ -19815,14 +19516,7 @@
                 <a:latin typeface="Courier New" pitchFamily="49" charset="0"/>
                 <a:cs typeface="Courier New" pitchFamily="49" charset="0"/>
               </a:rPr>
-              <a:t>Grey </a:t>
-            </a:r>
-            <a:r>
-              <a:rPr lang="de-CH" sz="1400" dirty="0" smtClean="0">
-                <a:latin typeface="Courier New" pitchFamily="49" charset="0"/>
-                <a:cs typeface="Courier New" pitchFamily="49" charset="0"/>
-              </a:rPr>
-              <a:t>matter   0.31</a:t>
+              <a:t>Grey matter   0.31</a:t>
             </a:r>
             <a:endParaRPr lang="de-DE" sz="1400" dirty="0">
               <a:latin typeface="Courier New" pitchFamily="49" charset="0"/>
@@ -19843,7 +19537,7 @@
               </a:tabLst>
             </a:pPr>
             <a:r>
-              <a:rPr lang="de-CH" sz="1400" dirty="0" smtClean="0">
+              <a:rPr lang="de-CH" sz="1400" dirty="0">
                 <a:latin typeface="Courier New" pitchFamily="49" charset="0"/>
                 <a:cs typeface="Courier New" pitchFamily="49" charset="0"/>
               </a:rPr>
@@ -19882,14 +19576,14 @@
               </a:tabLst>
             </a:pPr>
             <a:r>
-              <a:rPr lang="de-CH" sz="1400" dirty="0" smtClean="0">
+              <a:rPr lang="de-CH" sz="1400" dirty="0">
                 <a:latin typeface="Courier New" pitchFamily="49" charset="0"/>
                 <a:cs typeface="Courier New" pitchFamily="49" charset="0"/>
               </a:rPr>
               <a:t>Mean          </a:t>
             </a:r>
             <a:r>
-              <a:rPr lang="de-CH" sz="1400" b="1" dirty="0" smtClean="0">
+              <a:rPr lang="de-CH" sz="1400" b="1" dirty="0">
                 <a:latin typeface="Courier New" pitchFamily="49" charset="0"/>
                 <a:cs typeface="Courier New" pitchFamily="49" charset="0"/>
               </a:rPr>
@@ -20003,7 +19697,7 @@
               </a:spcAft>
             </a:pPr>
             <a:r>
-              <a:rPr lang="de-DE" dirty="0" smtClean="0">
+              <a:rPr lang="de-DE" dirty="0">
                 <a:latin typeface="Courier New" pitchFamily="49" charset="0"/>
                 <a:cs typeface="Courier New" pitchFamily="49" charset="0"/>
               </a:rPr>
@@ -20060,7 +19754,7 @@
               </a:spcAft>
             </a:pPr>
             <a:r>
-              <a:rPr lang="de-DE" dirty="0" smtClean="0">
+              <a:rPr lang="de-DE" dirty="0">
                 <a:latin typeface="Courier New" pitchFamily="49" charset="0"/>
                 <a:cs typeface="Courier New" pitchFamily="49" charset="0"/>
               </a:rPr>
@@ -20147,21 +19841,6 @@
   <p:clrMapOvr>
     <a:masterClrMapping/>
   </p:clrMapOvr>
-  <mc:AlternateContent xmlns:mc="http://schemas.openxmlformats.org/markup-compatibility/2006">
-    <mc:Choice xmlns:p14="http://schemas.microsoft.com/office/powerpoint/2010/main" Requires="p14">
-      <p:transition spd="slow" p14:dur="2000"/>
-    </mc:Choice>
-    <mc:Fallback>
-      <p:transition spd="slow"/>
-    </mc:Fallback>
-  </mc:AlternateContent>
-  <p:timing>
-    <p:tnLst>
-      <p:par>
-        <p:cTn id="1" dur="indefinite" restart="never" nodeType="tmRoot"/>
-      </p:par>
-    </p:tnLst>
-  </p:timing>
 </p:sld>
 </file>
 
@@ -20270,7 +19949,7 @@
           <a:p>
             <a:pPr algn="l"/>
             <a:r>
-              <a:rPr lang="en-GB" sz="3600" dirty="0" smtClean="0">
+              <a:rPr lang="en-GB" sz="3600" dirty="0">
                 <a:solidFill>
                   <a:schemeClr val="tx2">
                     <a:lumMod val="40000"/>
@@ -20543,7 +20222,7 @@
           <a:lstStyle/>
           <a:p>
             <a:r>
-              <a:rPr lang="en-GB" sz="1600" dirty="0" smtClean="0">
+              <a:rPr lang="en-GB" sz="1600" dirty="0">
                 <a:latin typeface="Courier New" pitchFamily="49" charset="0"/>
                 <a:cs typeface="Courier New" pitchFamily="49" charset="0"/>
               </a:rPr>
@@ -20650,7 +20329,7 @@
           <a:lstStyle/>
           <a:p>
             <a:r>
-              <a:rPr lang="en-GB" sz="1600" dirty="0" smtClean="0">
+              <a:rPr lang="en-GB" sz="1600" dirty="0">
                 <a:latin typeface="Courier New" pitchFamily="49" charset="0"/>
                 <a:cs typeface="Courier New" pitchFamily="49" charset="0"/>
               </a:rPr>
@@ -20841,13 +20520,6 @@
   <p:clrMapOvr>
     <a:masterClrMapping/>
   </p:clrMapOvr>
-  <p:timing>
-    <p:tnLst>
-      <p:par>
-        <p:cTn id="1" dur="indefinite" restart="never" nodeType="tmRoot"/>
-      </p:par>
-    </p:tnLst>
-  </p:timing>
 </p:sld>
 </file>
 
@@ -20956,7 +20628,7 @@
           <a:p>
             <a:pPr algn="l"/>
             <a:r>
-              <a:rPr lang="en-GB" sz="3600" dirty="0" smtClean="0">
+              <a:rPr lang="en-GB" sz="3600" dirty="0">
                 <a:solidFill>
                   <a:schemeClr val="tx2">
                     <a:lumMod val="40000"/>
@@ -21119,7 +20791,7 @@
           </a:lstStyle>
           <a:p>
             <a:r>
-              <a:rPr lang="en-US" sz="3600" dirty="0" smtClean="0">
+              <a:rPr lang="en-US" sz="3600" dirty="0">
                 <a:solidFill>
                   <a:schemeClr val="tx2">
                     <a:lumMod val="40000"/>
@@ -21154,13 +20826,6 @@
   <p:clrMapOvr>
     <a:masterClrMapping/>
   </p:clrMapOvr>
-  <p:timing>
-    <p:tnLst>
-      <p:par>
-        <p:cTn id="1" dur="indefinite" restart="never" nodeType="tmRoot"/>
-      </p:par>
-    </p:tnLst>
-  </p:timing>
 </p:sld>
 </file>
 
@@ -21353,7 +21018,7 @@
           <a:p>
             <a:pPr algn="l"/>
             <a:r>
-              <a:rPr lang="en-GB" sz="3600" dirty="0" smtClean="0">
+              <a:rPr lang="en-GB" sz="3600" dirty="0">
                 <a:solidFill>
                   <a:schemeClr val="tx2">
                     <a:lumMod val="40000"/>
@@ -21564,7 +21229,7 @@
           <a:lstStyle/>
           <a:p>
             <a:r>
-              <a:rPr lang="en-GB" sz="1600" dirty="0" smtClean="0">
+              <a:rPr lang="en-GB" sz="1600" dirty="0">
                 <a:latin typeface="Courier New" pitchFamily="49" charset="0"/>
                 <a:cs typeface="Courier New" pitchFamily="49" charset="0"/>
               </a:rPr>
@@ -21671,7 +21336,7 @@
           <a:lstStyle/>
           <a:p>
             <a:r>
-              <a:rPr lang="en-GB" sz="1600" dirty="0" smtClean="0">
+              <a:rPr lang="en-GB" sz="1600" dirty="0">
                 <a:latin typeface="Courier New" pitchFamily="49" charset="0"/>
                 <a:cs typeface="Courier New" pitchFamily="49" charset="0"/>
               </a:rPr>
@@ -21805,14 +21470,7 @@
                 <a:latin typeface="Times New Roman" pitchFamily="18" charset="0"/>
                 <a:cs typeface="Times New Roman" pitchFamily="18" charset="0"/>
               </a:rPr>
-              <a:t>R</a:t>
-            </a:r>
-            <a:r>
-              <a:rPr lang="en-GB" sz="1400" dirty="0" smtClean="0">
-                <a:latin typeface="Times New Roman" pitchFamily="18" charset="0"/>
-                <a:cs typeface="Times New Roman" pitchFamily="18" charset="0"/>
-              </a:rPr>
-              <a:t>egistration</a:t>
+              <a:t>Registration</a:t>
             </a:r>
             <a:endParaRPr lang="en-GB" sz="1100" dirty="0">
               <a:latin typeface="Times New Roman" pitchFamily="18" charset="0"/>
@@ -21848,14 +21506,7 @@
                 <a:latin typeface="Times New Roman" pitchFamily="18" charset="0"/>
                 <a:cs typeface="Times New Roman" pitchFamily="18" charset="0"/>
               </a:rPr>
-              <a:t>T</a:t>
-            </a:r>
-            <a:r>
-              <a:rPr lang="en-GB" sz="1400" dirty="0" smtClean="0">
-                <a:latin typeface="Times New Roman" pitchFamily="18" charset="0"/>
-                <a:cs typeface="Times New Roman" pitchFamily="18" charset="0"/>
-              </a:rPr>
-              <a:t>ransformation</a:t>
+              <a:t>Transformation</a:t>
             </a:r>
             <a:endParaRPr lang="en-GB" sz="1100" dirty="0">
               <a:latin typeface="Times New Roman" pitchFamily="18" charset="0"/>
@@ -21891,14 +21542,7 @@
                 <a:latin typeface="Times New Roman" pitchFamily="18" charset="0"/>
                 <a:cs typeface="Times New Roman" pitchFamily="18" charset="0"/>
               </a:rPr>
-              <a:t>E</a:t>
-            </a:r>
-            <a:r>
-              <a:rPr lang="en-GB" sz="1400" dirty="0" smtClean="0">
-                <a:latin typeface="Times New Roman" pitchFamily="18" charset="0"/>
-                <a:cs typeface="Times New Roman" pitchFamily="18" charset="0"/>
-              </a:rPr>
-              <a:t>valuation</a:t>
+              <a:t>Evaluation</a:t>
             </a:r>
             <a:endParaRPr lang="en-GB" sz="1100" dirty="0">
               <a:latin typeface="Times New Roman" pitchFamily="18" charset="0"/>
@@ -21930,7 +21574,7 @@
           <a:lstStyle/>
           <a:p>
             <a:r>
-              <a:rPr lang="en-GB" sz="1400" b="1" dirty="0" smtClean="0">
+              <a:rPr lang="en-GB" sz="1400" b="1" dirty="0">
                 <a:latin typeface="Courier New" pitchFamily="49" charset="0"/>
                 <a:cs typeface="Courier New" pitchFamily="49" charset="0"/>
               </a:rPr>
@@ -22028,7 +21672,7 @@
           <a:lstStyle/>
           <a:p>
             <a:r>
-              <a:rPr lang="en-GB" sz="1400" dirty="0" smtClean="0">
+              <a:rPr lang="en-GB" sz="1400" dirty="0">
                 <a:latin typeface="Courier New" pitchFamily="49" charset="0"/>
                 <a:cs typeface="Courier New" pitchFamily="49" charset="0"/>
               </a:rPr>
@@ -22128,7 +21772,7 @@
           <a:lstStyle/>
           <a:p>
             <a:r>
-              <a:rPr lang="en-GB" sz="1400" dirty="0" smtClean="0">
+              <a:rPr lang="en-GB" sz="1400" dirty="0">
                 <a:latin typeface="Courier New" pitchFamily="49" charset="0"/>
                 <a:cs typeface="Courier New" pitchFamily="49" charset="0"/>
               </a:rPr>
@@ -22164,7 +21808,7 @@
           <a:lstStyle/>
           <a:p>
             <a:r>
-              <a:rPr lang="en-GB" sz="1400" dirty="0" smtClean="0">
+              <a:rPr lang="en-GB" sz="1400" dirty="0">
                 <a:latin typeface="Courier New" pitchFamily="49" charset="0"/>
                 <a:cs typeface="Courier New" pitchFamily="49" charset="0"/>
               </a:rPr>
@@ -22328,7 +21972,7 @@
           <a:lstStyle/>
           <a:p>
             <a:r>
-              <a:rPr lang="en-GB" sz="1400" dirty="0" smtClean="0">
+              <a:rPr lang="en-GB" sz="1400" dirty="0">
                 <a:latin typeface="Courier New" pitchFamily="49" charset="0"/>
                 <a:cs typeface="Courier New" pitchFamily="49" charset="0"/>
               </a:rPr>
@@ -22500,7 +22144,7 @@
           <a:lstStyle/>
           <a:p>
             <a:r>
-              <a:rPr lang="en-GB" sz="1400" dirty="0" smtClean="0">
+              <a:rPr lang="en-GB" sz="1400" dirty="0">
                 <a:latin typeface="Times New Roman" pitchFamily="18" charset="0"/>
                 <a:cs typeface="Times New Roman" pitchFamily="18" charset="0"/>
               </a:rPr>
@@ -23389,14 +23033,14 @@
           <a:p>
             <a:pPr algn="l"/>
             <a:r>
-              <a:rPr lang="en-US" sz="3600" dirty="0" smtClean="0">
+              <a:rPr lang="en-US" sz="3600" dirty="0">
                 <a:solidFill>
                   <a:schemeClr val="tx2">
                     <a:lumMod val="40000"/>
                     <a:lumOff val="60000"/>
                   </a:schemeClr>
                 </a:solidFill>
-                <a:latin typeface="Courier New" pitchFamily="49" charset="0"/>
+                <a:latin typeface="+mn-lt"/>
                 <a:cs typeface="Courier New" pitchFamily="49" charset="0"/>
               </a:rPr>
               <a:t>Affine</a:t>
@@ -23408,7 +23052,7 @@
                   <a:lumOff val="60000"/>
                 </a:schemeClr>
               </a:solidFill>
-              <a:latin typeface="Courier New" pitchFamily="49" charset="0"/>
+              <a:latin typeface="+mn-lt"/>
               <a:cs typeface="Courier New" pitchFamily="49" charset="0"/>
             </a:endParaRPr>
           </a:p>
@@ -23552,14 +23196,14 @@
           </a:lstStyle>
           <a:p>
             <a:r>
-              <a:rPr lang="en-US" sz="3600" dirty="0" smtClean="0">
+              <a:rPr lang="en-US" sz="3600" dirty="0">
                 <a:solidFill>
                   <a:schemeClr val="tx2">
                     <a:lumMod val="40000"/>
                     <a:lumOff val="60000"/>
                   </a:schemeClr>
                 </a:solidFill>
-                <a:latin typeface="Courier New" pitchFamily="49" charset="0"/>
+                <a:latin typeface="+mn-lt"/>
                 <a:cs typeface="Courier New" pitchFamily="49" charset="0"/>
               </a:rPr>
               <a:t>Affine</a:t>
@@ -23571,7 +23215,7 @@
                   <a:lumOff val="60000"/>
                 </a:schemeClr>
               </a:solidFill>
-              <a:latin typeface="Courier New" pitchFamily="49" charset="0"/>
+              <a:latin typeface="+mn-lt"/>
               <a:cs typeface="Courier New" pitchFamily="49" charset="0"/>
             </a:endParaRPr>
           </a:p>
@@ -23587,13 +23231,6 @@
   <p:clrMapOvr>
     <a:masterClrMapping/>
   </p:clrMapOvr>
-  <p:timing>
-    <p:tnLst>
-      <p:par>
-        <p:cTn id="1" dur="indefinite" restart="never" nodeType="tmRoot"/>
-      </p:par>
-    </p:tnLst>
-  </p:timing>
 </p:sld>
 </file>
 
@@ -23702,14 +23339,14 @@
           <a:p>
             <a:pPr algn="l"/>
             <a:r>
-              <a:rPr lang="en-GB" sz="3600" dirty="0" smtClean="0">
+              <a:rPr lang="en-GB" sz="3600" dirty="0">
                 <a:solidFill>
                   <a:schemeClr val="tx2">
                     <a:lumMod val="40000"/>
                     <a:lumOff val="60000"/>
                   </a:schemeClr>
                 </a:solidFill>
-                <a:latin typeface="Courier New" pitchFamily="49" charset="0"/>
+                <a:latin typeface="+mn-lt"/>
                 <a:cs typeface="Courier New" pitchFamily="49" charset="0"/>
               </a:rPr>
               <a:t>Affine Registration</a:t>
@@ -23721,7 +23358,7 @@
                   <a:lumOff val="60000"/>
                 </a:schemeClr>
               </a:solidFill>
-              <a:latin typeface="Courier New" pitchFamily="49" charset="0"/>
+              <a:latin typeface="+mn-lt"/>
               <a:cs typeface="Courier New" pitchFamily="49" charset="0"/>
             </a:endParaRPr>
           </a:p>
@@ -23887,7 +23524,7 @@
               </a:spcAft>
             </a:pPr>
             <a:r>
-              <a:rPr lang="en-GB" sz="1400" dirty="0" err="1" smtClean="0">
+              <a:rPr lang="en-GB" sz="1400" dirty="0" err="1">
                 <a:solidFill>
                   <a:srgbClr val="000000"/>
                 </a:solidFill>
@@ -23897,7 +23534,7 @@
               <a:t>number_of_histogram_bins</a:t>
             </a:r>
             <a:r>
-              <a:rPr lang="en-GB" sz="1400" dirty="0" smtClean="0">
+              <a:rPr lang="en-GB" sz="1400" dirty="0">
                 <a:solidFill>
                   <a:srgbClr val="000000"/>
                 </a:solidFill>
@@ -23964,7 +23601,7 @@
               </a:rPr>
               <a:t>]</a:t>
             </a:r>
-            <a:endParaRPr lang="en-GB" sz="1400" dirty="0" smtClean="0">
+            <a:endParaRPr lang="en-GB" sz="1400" dirty="0">
               <a:solidFill>
                 <a:srgbClr val="000000"/>
               </a:solidFill>
@@ -24007,7 +23644,7 @@
               </a:spcAft>
             </a:pPr>
             <a:r>
-              <a:rPr kumimoji="0" lang="en-GB" sz="1400" b="0" i="0" u="none" strike="noStrike" cap="none" normalizeH="0" baseline="0" dirty="0" err="1" smtClean="0">
+              <a:rPr kumimoji="0" lang="en-GB" sz="1400" b="0" i="0" u="none" strike="noStrike" cap="none" normalizeH="0" baseline="0" dirty="0" err="1">
                 <a:ln>
                   <a:noFill/>
                 </a:ln>
@@ -24021,7 +23658,7 @@
               <a:t>learning_rate</a:t>
             </a:r>
             <a:r>
-              <a:rPr kumimoji="0" lang="en-GB" sz="1400" b="0" i="0" u="none" strike="noStrike" cap="none" normalizeH="0" baseline="0" dirty="0" smtClean="0">
+              <a:rPr kumimoji="0" lang="en-GB" sz="1400" b="0" i="0" u="none" strike="noStrike" cap="none" normalizeH="0" baseline="0" dirty="0">
                 <a:ln>
                   <a:noFill/>
                 </a:ln>
@@ -24092,8 +23729,8 @@
               </a:rPr>
               <a:t>]</a:t>
             </a:r>
-            <a:r>
-              <a:rPr kumimoji="0" lang="en-GB" sz="1400" b="0" i="0" u="none" strike="noStrike" cap="none" normalizeH="0" baseline="0" dirty="0" smtClean="0">
+            <a:br>
+              <a:rPr kumimoji="0" lang="en-GB" sz="1400" b="0" i="0" u="none" strike="noStrike" cap="none" normalizeH="0" baseline="0" dirty="0">
                 <a:ln>
                   <a:noFill/>
                 </a:ln>
@@ -24104,10 +23741,9 @@
                 <a:latin typeface="Courier New" pitchFamily="49" charset="0"/>
                 <a:cs typeface="Courier New" pitchFamily="49" charset="0"/>
               </a:rPr>
-              <a:t/>
-            </a:r>
-            <a:br>
-              <a:rPr kumimoji="0" lang="en-GB" sz="1400" b="0" i="0" u="none" strike="noStrike" cap="none" normalizeH="0" baseline="0" dirty="0" smtClean="0">
+            </a:br>
+            <a:r>
+              <a:rPr kumimoji="0" lang="en-GB" sz="1400" b="0" i="0" u="none" strike="noStrike" cap="none" normalizeH="0" baseline="0" dirty="0" err="1">
                 <a:ln>
                   <a:noFill/>
                 </a:ln>
@@ -24118,9 +23754,10 @@
                 <a:latin typeface="Courier New" pitchFamily="49" charset="0"/>
                 <a:cs typeface="Courier New" pitchFamily="49" charset="0"/>
               </a:rPr>
-            </a:br>
-            <a:r>
-              <a:rPr kumimoji="0" lang="en-GB" sz="1400" b="0" i="0" u="none" strike="noStrike" cap="none" normalizeH="0" baseline="0" dirty="0" err="1" smtClean="0">
+              <a:t>step_size</a:t>
+            </a:r>
+            <a:r>
+              <a:rPr kumimoji="0" lang="en-GB" sz="1400" b="0" i="0" u="none" strike="noStrike" cap="none" normalizeH="0" baseline="0" dirty="0">
                 <a:ln>
                   <a:noFill/>
                 </a:ln>
@@ -24131,10 +23768,68 @@
                 <a:latin typeface="Courier New" pitchFamily="49" charset="0"/>
                 <a:cs typeface="Courier New" pitchFamily="49" charset="0"/>
               </a:rPr>
-              <a:t>step_size</a:t>
-            </a:r>
-            <a:r>
-              <a:rPr kumimoji="0" lang="en-GB" sz="1400" b="0" i="0" u="none" strike="noStrike" cap="none" normalizeH="0" baseline="0" dirty="0" smtClean="0">
+              <a:t>: </a:t>
+            </a:r>
+            <a:r>
+              <a:rPr lang="de-CH" sz="1400" dirty="0">
+                <a:latin typeface="Courier New" pitchFamily="49" charset="0"/>
+                <a:cs typeface="Courier New" pitchFamily="49" charset="0"/>
+              </a:rPr>
+              <a:t>[</a:t>
+            </a:r>
+            <a:r>
+              <a:rPr lang="de-CH" sz="1400" dirty="0">
+                <a:solidFill>
+                  <a:srgbClr val="0000FF"/>
+                </a:solidFill>
+                <a:latin typeface="Courier New" pitchFamily="49" charset="0"/>
+                <a:cs typeface="Courier New" pitchFamily="49" charset="0"/>
+              </a:rPr>
+              <a:t>0.001</a:t>
+            </a:r>
+            <a:r>
+              <a:rPr lang="de-CH" sz="1400" dirty="0">
+                <a:latin typeface="Courier New" pitchFamily="49" charset="0"/>
+                <a:cs typeface="Courier New" pitchFamily="49" charset="0"/>
+              </a:rPr>
+              <a:t>, </a:t>
+            </a:r>
+            <a:r>
+              <a:rPr lang="de-CH" sz="1400" dirty="0">
+                <a:solidFill>
+                  <a:srgbClr val="0000FF"/>
+                </a:solidFill>
+                <a:latin typeface="Courier New" pitchFamily="49" charset="0"/>
+                <a:cs typeface="Courier New" pitchFamily="49" charset="0"/>
+              </a:rPr>
+              <a:t>0.01</a:t>
+            </a:r>
+            <a:r>
+              <a:rPr lang="de-CH" sz="1400" dirty="0">
+                <a:latin typeface="Courier New" pitchFamily="49" charset="0"/>
+                <a:cs typeface="Courier New" pitchFamily="49" charset="0"/>
+              </a:rPr>
+              <a:t>, </a:t>
+            </a:r>
+            <a:r>
+              <a:rPr lang="de-CH" sz="1400" dirty="0">
+                <a:solidFill>
+                  <a:srgbClr val="0000FF"/>
+                </a:solidFill>
+                <a:latin typeface="Courier New" pitchFamily="49" charset="0"/>
+                <a:cs typeface="Courier New" pitchFamily="49" charset="0"/>
+              </a:rPr>
+              <a:t>0.1</a:t>
+            </a:r>
+            <a:r>
+              <a:rPr lang="de-CH" sz="1400" dirty="0">
+                <a:latin typeface="Courier New" pitchFamily="49" charset="0"/>
+                <a:cs typeface="Courier New" pitchFamily="49" charset="0"/>
+              </a:rPr>
+              <a:t>]</a:t>
+            </a:r>
+            <a:br>
+              <a:rPr kumimoji="0" lang="en-GB" sz="1400" b="0" i="0" u="none" strike="noStrike" cap="none" normalizeH="0" baseline="0" dirty="0">
                 <a:ln>
                   <a:noFill/>
                 </a:ln>
@@ -24145,68 +23840,9 @@
                 <a:latin typeface="Courier New" pitchFamily="49" charset="0"/>
                 <a:cs typeface="Courier New" pitchFamily="49" charset="0"/>
               </a:rPr>
-              <a:t>: </a:t>
-            </a:r>
-            <a:r>
-              <a:rPr lang="de-CH" sz="1400" dirty="0">
-                <a:latin typeface="Courier New" pitchFamily="49" charset="0"/>
-                <a:cs typeface="Courier New" pitchFamily="49" charset="0"/>
-              </a:rPr>
-              <a:t>[</a:t>
-            </a:r>
-            <a:r>
-              <a:rPr lang="de-CH" sz="1400" dirty="0">
-                <a:solidFill>
-                  <a:srgbClr val="0000FF"/>
-                </a:solidFill>
-                <a:latin typeface="Courier New" pitchFamily="49" charset="0"/>
-                <a:cs typeface="Courier New" pitchFamily="49" charset="0"/>
-              </a:rPr>
-              <a:t>0.001</a:t>
-            </a:r>
-            <a:r>
-              <a:rPr lang="de-CH" sz="1400" dirty="0">
-                <a:latin typeface="Courier New" pitchFamily="49" charset="0"/>
-                <a:cs typeface="Courier New" pitchFamily="49" charset="0"/>
-              </a:rPr>
-              <a:t>, </a:t>
-            </a:r>
-            <a:r>
-              <a:rPr lang="de-CH" sz="1400" dirty="0">
-                <a:solidFill>
-                  <a:srgbClr val="0000FF"/>
-                </a:solidFill>
-                <a:latin typeface="Courier New" pitchFamily="49" charset="0"/>
-                <a:cs typeface="Courier New" pitchFamily="49" charset="0"/>
-              </a:rPr>
-              <a:t>0.01</a:t>
-            </a:r>
-            <a:r>
-              <a:rPr lang="de-CH" sz="1400" dirty="0">
-                <a:latin typeface="Courier New" pitchFamily="49" charset="0"/>
-                <a:cs typeface="Courier New" pitchFamily="49" charset="0"/>
-              </a:rPr>
-              <a:t>, </a:t>
-            </a:r>
-            <a:r>
-              <a:rPr lang="de-CH" sz="1400" dirty="0">
-                <a:solidFill>
-                  <a:srgbClr val="0000FF"/>
-                </a:solidFill>
-                <a:latin typeface="Courier New" pitchFamily="49" charset="0"/>
-                <a:cs typeface="Courier New" pitchFamily="49" charset="0"/>
-              </a:rPr>
-              <a:t>0.1</a:t>
-            </a:r>
-            <a:r>
-              <a:rPr lang="de-CH" sz="1400" dirty="0" smtClean="0">
-                <a:latin typeface="Courier New" pitchFamily="49" charset="0"/>
-                <a:cs typeface="Courier New" pitchFamily="49" charset="0"/>
-              </a:rPr>
-              <a:t>]</a:t>
-            </a:r>
-            <a:r>
-              <a:rPr kumimoji="0" lang="en-GB" sz="1400" b="0" i="0" u="none" strike="noStrike" cap="none" normalizeH="0" baseline="0" dirty="0" smtClean="0">
+            </a:br>
+            <a:r>
+              <a:rPr kumimoji="0" lang="en-GB" sz="1400" b="0" i="0" u="none" strike="noStrike" cap="none" normalizeH="0" baseline="0" dirty="0" err="1">
                 <a:ln>
                   <a:noFill/>
                 </a:ln>
@@ -24217,10 +23853,10 @@
                 <a:latin typeface="Courier New" pitchFamily="49" charset="0"/>
                 <a:cs typeface="Courier New" pitchFamily="49" charset="0"/>
               </a:rPr>
-              <a:t/>
-            </a:r>
-            <a:br>
-              <a:rPr kumimoji="0" lang="en-GB" sz="1400" b="0" i="0" u="none" strike="noStrike" cap="none" normalizeH="0" baseline="0" dirty="0" smtClean="0">
+              <a:t>number_of_iterations</a:t>
+            </a:r>
+            <a:r>
+              <a:rPr kumimoji="0" lang="en-GB" sz="1400" b="0" i="0" u="none" strike="noStrike" cap="none" normalizeH="0" baseline="0" dirty="0">
                 <a:ln>
                   <a:noFill/>
                 </a:ln>
@@ -24231,9 +23867,68 @@
                 <a:latin typeface="Courier New" pitchFamily="49" charset="0"/>
                 <a:cs typeface="Courier New" pitchFamily="49" charset="0"/>
               </a:rPr>
-            </a:br>
-            <a:r>
-              <a:rPr kumimoji="0" lang="en-GB" sz="1400" b="0" i="0" u="none" strike="noStrike" cap="none" normalizeH="0" baseline="0" dirty="0" err="1" smtClean="0">
+              <a:t>: </a:t>
+            </a:r>
+            <a:r>
+              <a:rPr lang="de-CH" sz="1400" dirty="0">
+                <a:latin typeface="Courier New" pitchFamily="49" charset="0"/>
+                <a:cs typeface="Courier New" pitchFamily="49" charset="0"/>
+              </a:rPr>
+              <a:t>[</a:t>
+            </a:r>
+            <a:r>
+              <a:rPr lang="de-CH" sz="1400" dirty="0">
+                <a:solidFill>
+                  <a:srgbClr val="0000FF"/>
+                </a:solidFill>
+                <a:latin typeface="Courier New" pitchFamily="49" charset="0"/>
+                <a:cs typeface="Courier New" pitchFamily="49" charset="0"/>
+              </a:rPr>
+              <a:t>100</a:t>
+            </a:r>
+            <a:r>
+              <a:rPr lang="de-CH" sz="1400" dirty="0">
+                <a:latin typeface="Courier New" pitchFamily="49" charset="0"/>
+                <a:cs typeface="Courier New" pitchFamily="49" charset="0"/>
+              </a:rPr>
+              <a:t>, </a:t>
+            </a:r>
+            <a:r>
+              <a:rPr lang="de-CH" sz="1400" dirty="0">
+                <a:solidFill>
+                  <a:srgbClr val="0000FF"/>
+                </a:solidFill>
+                <a:latin typeface="Courier New" pitchFamily="49" charset="0"/>
+                <a:cs typeface="Courier New" pitchFamily="49" charset="0"/>
+              </a:rPr>
+              <a:t>200</a:t>
+            </a:r>
+            <a:r>
+              <a:rPr lang="de-CH" sz="1400" dirty="0">
+                <a:latin typeface="Courier New" pitchFamily="49" charset="0"/>
+                <a:cs typeface="Courier New" pitchFamily="49" charset="0"/>
+              </a:rPr>
+              <a:t>, </a:t>
+            </a:r>
+            <a:r>
+              <a:rPr lang="de-CH" sz="1400" dirty="0">
+                <a:solidFill>
+                  <a:srgbClr val="0000FF"/>
+                </a:solidFill>
+                <a:latin typeface="Courier New" pitchFamily="49" charset="0"/>
+                <a:cs typeface="Courier New" pitchFamily="49" charset="0"/>
+              </a:rPr>
+              <a:t>1000</a:t>
+            </a:r>
+            <a:r>
+              <a:rPr lang="de-CH" sz="1400" dirty="0">
+                <a:latin typeface="Courier New" pitchFamily="49" charset="0"/>
+                <a:cs typeface="Courier New" pitchFamily="49" charset="0"/>
+              </a:rPr>
+              <a:t>]</a:t>
+            </a:r>
+            <a:br>
+              <a:rPr kumimoji="0" lang="en-GB" sz="1400" b="0" i="0" u="none" strike="noStrike" cap="none" normalizeH="0" baseline="0" dirty="0">
                 <a:ln>
                   <a:noFill/>
                 </a:ln>
@@ -24244,10 +23939,9 @@
                 <a:latin typeface="Courier New" pitchFamily="49" charset="0"/>
                 <a:cs typeface="Courier New" pitchFamily="49" charset="0"/>
               </a:rPr>
-              <a:t>number_of_iterations</a:t>
-            </a:r>
-            <a:r>
-              <a:rPr kumimoji="0" lang="en-GB" sz="1400" b="0" i="0" u="none" strike="noStrike" cap="none" normalizeH="0" baseline="0" dirty="0" smtClean="0">
+            </a:br>
+            <a:br>
+              <a:rPr kumimoji="0" lang="en-GB" sz="1400" b="0" i="0" u="none" strike="noStrike" cap="none" normalizeH="0" baseline="0" dirty="0">
                 <a:ln>
                   <a:noFill/>
                 </a:ln>
@@ -24258,68 +23952,9 @@
                 <a:latin typeface="Courier New" pitchFamily="49" charset="0"/>
                 <a:cs typeface="Courier New" pitchFamily="49" charset="0"/>
               </a:rPr>
-              <a:t>: </a:t>
-            </a:r>
-            <a:r>
-              <a:rPr lang="de-CH" sz="1400" dirty="0">
-                <a:latin typeface="Courier New" pitchFamily="49" charset="0"/>
-                <a:cs typeface="Courier New" pitchFamily="49" charset="0"/>
-              </a:rPr>
-              <a:t>[</a:t>
-            </a:r>
-            <a:r>
-              <a:rPr lang="de-CH" sz="1400" dirty="0">
-                <a:solidFill>
-                  <a:srgbClr val="0000FF"/>
-                </a:solidFill>
-                <a:latin typeface="Courier New" pitchFamily="49" charset="0"/>
-                <a:cs typeface="Courier New" pitchFamily="49" charset="0"/>
-              </a:rPr>
-              <a:t>100</a:t>
-            </a:r>
-            <a:r>
-              <a:rPr lang="de-CH" sz="1400" dirty="0">
-                <a:latin typeface="Courier New" pitchFamily="49" charset="0"/>
-                <a:cs typeface="Courier New" pitchFamily="49" charset="0"/>
-              </a:rPr>
-              <a:t>, </a:t>
-            </a:r>
-            <a:r>
-              <a:rPr lang="de-CH" sz="1400" dirty="0">
-                <a:solidFill>
-                  <a:srgbClr val="0000FF"/>
-                </a:solidFill>
-                <a:latin typeface="Courier New" pitchFamily="49" charset="0"/>
-                <a:cs typeface="Courier New" pitchFamily="49" charset="0"/>
-              </a:rPr>
-              <a:t>200</a:t>
-            </a:r>
-            <a:r>
-              <a:rPr lang="de-CH" sz="1400" dirty="0">
-                <a:latin typeface="Courier New" pitchFamily="49" charset="0"/>
-                <a:cs typeface="Courier New" pitchFamily="49" charset="0"/>
-              </a:rPr>
-              <a:t>, </a:t>
-            </a:r>
-            <a:r>
-              <a:rPr lang="de-CH" sz="1400" dirty="0">
-                <a:solidFill>
-                  <a:srgbClr val="0000FF"/>
-                </a:solidFill>
-                <a:latin typeface="Courier New" pitchFamily="49" charset="0"/>
-                <a:cs typeface="Courier New" pitchFamily="49" charset="0"/>
-              </a:rPr>
-              <a:t>1000</a:t>
-            </a:r>
-            <a:r>
-              <a:rPr lang="de-CH" sz="1400" dirty="0">
-                <a:latin typeface="Courier New" pitchFamily="49" charset="0"/>
-                <a:cs typeface="Courier New" pitchFamily="49" charset="0"/>
-              </a:rPr>
-              <a:t>]</a:t>
-            </a:r>
-            <a:r>
-              <a:rPr kumimoji="0" lang="en-GB" sz="1400" b="0" i="0" u="none" strike="noStrike" cap="none" normalizeH="0" baseline="0" dirty="0" smtClean="0">
+            </a:br>
+            <a:r>
+              <a:rPr kumimoji="0" lang="en-GB" sz="1400" b="0" i="0" u="none" strike="noStrike" cap="none" normalizeH="0" baseline="0" dirty="0" err="1">
                 <a:ln>
                   <a:noFill/>
                 </a:ln>
@@ -24330,10 +23965,10 @@
                 <a:latin typeface="Courier New" pitchFamily="49" charset="0"/>
                 <a:cs typeface="Courier New" pitchFamily="49" charset="0"/>
               </a:rPr>
-              <a:t/>
-            </a:r>
-            <a:br>
-              <a:rPr kumimoji="0" lang="en-GB" sz="1400" b="0" i="0" u="none" strike="noStrike" cap="none" normalizeH="0" baseline="0" dirty="0" smtClean="0">
+              <a:t>shrink_factors</a:t>
+            </a:r>
+            <a:r>
+              <a:rPr kumimoji="0" lang="en-GB" sz="1400" b="0" i="0" u="none" strike="noStrike" cap="none" normalizeH="0" baseline="0" dirty="0">
                 <a:ln>
                   <a:noFill/>
                 </a:ln>
@@ -24344,9 +23979,170 @@
                 <a:latin typeface="Courier New" pitchFamily="49" charset="0"/>
                 <a:cs typeface="Courier New" pitchFamily="49" charset="0"/>
               </a:rPr>
-            </a:br>
-            <a:r>
-              <a:rPr kumimoji="0" lang="en-GB" sz="1400" b="0" i="0" u="none" strike="noStrike" cap="none" normalizeH="0" baseline="0" dirty="0" smtClean="0">
+              <a:t>: </a:t>
+            </a:r>
+            <a:r>
+              <a:rPr lang="de-CH" sz="1400" dirty="0">
+                <a:latin typeface="Courier New" pitchFamily="49" charset="0"/>
+                <a:cs typeface="Courier New" pitchFamily="49" charset="0"/>
+              </a:rPr>
+              <a:t>[(</a:t>
+            </a:r>
+            <a:r>
+              <a:rPr lang="de-CH" sz="1400" dirty="0">
+                <a:solidFill>
+                  <a:srgbClr val="0000FF"/>
+                </a:solidFill>
+                <a:latin typeface="Courier New" pitchFamily="49" charset="0"/>
+                <a:cs typeface="Courier New" pitchFamily="49" charset="0"/>
+              </a:rPr>
+              <a:t>2</a:t>
+            </a:r>
+            <a:r>
+              <a:rPr lang="de-CH" sz="1400" dirty="0">
+                <a:latin typeface="Courier New" pitchFamily="49" charset="0"/>
+                <a:cs typeface="Courier New" pitchFamily="49" charset="0"/>
+              </a:rPr>
+              <a:t>, </a:t>
+            </a:r>
+            <a:r>
+              <a:rPr lang="de-CH" sz="1400" dirty="0">
+                <a:solidFill>
+                  <a:srgbClr val="0000FF"/>
+                </a:solidFill>
+                <a:latin typeface="Courier New" pitchFamily="49" charset="0"/>
+                <a:cs typeface="Courier New" pitchFamily="49" charset="0"/>
+              </a:rPr>
+              <a:t>1</a:t>
+            </a:r>
+            <a:r>
+              <a:rPr lang="de-CH" sz="1400" dirty="0">
+                <a:latin typeface="Courier New" pitchFamily="49" charset="0"/>
+                <a:cs typeface="Courier New" pitchFamily="49" charset="0"/>
+              </a:rPr>
+              <a:t>, </a:t>
+            </a:r>
+            <a:r>
+              <a:rPr lang="de-CH" sz="1400" dirty="0">
+                <a:solidFill>
+                  <a:srgbClr val="0000FF"/>
+                </a:solidFill>
+                <a:latin typeface="Courier New" pitchFamily="49" charset="0"/>
+                <a:cs typeface="Courier New" pitchFamily="49" charset="0"/>
+              </a:rPr>
+              <a:t>1</a:t>
+            </a:r>
+            <a:r>
+              <a:rPr lang="de-CH" sz="1400" dirty="0">
+                <a:latin typeface="Courier New" pitchFamily="49" charset="0"/>
+                <a:cs typeface="Courier New" pitchFamily="49" charset="0"/>
+              </a:rPr>
+              <a:t>),  (</a:t>
+            </a:r>
+            <a:r>
+              <a:rPr lang="de-CH" sz="1400" dirty="0">
+                <a:solidFill>
+                  <a:srgbClr val="0000FF"/>
+                </a:solidFill>
+                <a:latin typeface="Courier New" pitchFamily="49" charset="0"/>
+                <a:cs typeface="Courier New" pitchFamily="49" charset="0"/>
+              </a:rPr>
+              <a:t>4</a:t>
+            </a:r>
+            <a:r>
+              <a:rPr lang="de-CH" sz="1400" dirty="0">
+                <a:latin typeface="Courier New" pitchFamily="49" charset="0"/>
+                <a:cs typeface="Courier New" pitchFamily="49" charset="0"/>
+              </a:rPr>
+              <a:t>, </a:t>
+            </a:r>
+            <a:r>
+              <a:rPr lang="de-CH" sz="1400" dirty="0">
+                <a:solidFill>
+                  <a:srgbClr val="0000FF"/>
+                </a:solidFill>
+                <a:latin typeface="Courier New" pitchFamily="49" charset="0"/>
+                <a:cs typeface="Courier New" pitchFamily="49" charset="0"/>
+              </a:rPr>
+              <a:t>2</a:t>
+            </a:r>
+            <a:r>
+              <a:rPr lang="de-CH" sz="1400" dirty="0">
+                <a:latin typeface="Courier New" pitchFamily="49" charset="0"/>
+                <a:cs typeface="Courier New" pitchFamily="49" charset="0"/>
+              </a:rPr>
+              <a:t>, </a:t>
+            </a:r>
+            <a:r>
+              <a:rPr lang="de-CH" sz="1400" dirty="0">
+                <a:solidFill>
+                  <a:srgbClr val="0000FF"/>
+                </a:solidFill>
+                <a:latin typeface="Courier New" pitchFamily="49" charset="0"/>
+                <a:cs typeface="Courier New" pitchFamily="49" charset="0"/>
+              </a:rPr>
+              <a:t>1</a:t>
+            </a:r>
+            <a:r>
+              <a:rPr lang="de-CH" sz="1400" dirty="0">
+                <a:latin typeface="Courier New" pitchFamily="49" charset="0"/>
+                <a:cs typeface="Courier New" pitchFamily="49" charset="0"/>
+              </a:rPr>
+              <a:t>),  (</a:t>
+            </a:r>
+            <a:r>
+              <a:rPr lang="de-CH" sz="1400" dirty="0">
+                <a:solidFill>
+                  <a:srgbClr val="0000FF"/>
+                </a:solidFill>
+                <a:latin typeface="Courier New" pitchFamily="49" charset="0"/>
+                <a:cs typeface="Courier New" pitchFamily="49" charset="0"/>
+              </a:rPr>
+              <a:t>8</a:t>
+            </a:r>
+            <a:r>
+              <a:rPr lang="de-CH" sz="1400" dirty="0">
+                <a:latin typeface="Courier New" pitchFamily="49" charset="0"/>
+                <a:cs typeface="Courier New" pitchFamily="49" charset="0"/>
+              </a:rPr>
+              <a:t>, </a:t>
+            </a:r>
+            <a:r>
+              <a:rPr lang="de-CH" sz="1400" dirty="0">
+                <a:solidFill>
+                  <a:srgbClr val="0000FF"/>
+                </a:solidFill>
+                <a:latin typeface="Courier New" pitchFamily="49" charset="0"/>
+                <a:cs typeface="Courier New" pitchFamily="49" charset="0"/>
+              </a:rPr>
+              <a:t>4</a:t>
+            </a:r>
+            <a:r>
+              <a:rPr lang="de-CH" sz="1400" dirty="0">
+                <a:latin typeface="Courier New" pitchFamily="49" charset="0"/>
+                <a:cs typeface="Courier New" pitchFamily="49" charset="0"/>
+              </a:rPr>
+              <a:t>, </a:t>
+            </a:r>
+            <a:r>
+              <a:rPr lang="de-CH" sz="1400" dirty="0">
+                <a:solidFill>
+                  <a:srgbClr val="0000FF"/>
+                </a:solidFill>
+                <a:latin typeface="Courier New" pitchFamily="49" charset="0"/>
+                <a:cs typeface="Courier New" pitchFamily="49" charset="0"/>
+              </a:rPr>
+              <a:t>1</a:t>
+            </a:r>
+            <a:r>
+              <a:rPr lang="de-CH" sz="1400" dirty="0">
+                <a:latin typeface="Courier New" pitchFamily="49" charset="0"/>
+                <a:cs typeface="Courier New" pitchFamily="49" charset="0"/>
+              </a:rPr>
+              <a:t>)]</a:t>
+            </a:r>
+            <a:br>
+              <a:rPr kumimoji="0" lang="en-GB" sz="1400" b="0" i="0" u="none" strike="noStrike" cap="none" normalizeH="0" baseline="0" dirty="0">
                 <a:ln>
                   <a:noFill/>
                 </a:ln>
@@ -24357,10 +24153,9 @@
                 <a:latin typeface="Courier New" pitchFamily="49" charset="0"/>
                 <a:cs typeface="Courier New" pitchFamily="49" charset="0"/>
               </a:rPr>
-              <a:t/>
-            </a:r>
-            <a:br>
-              <a:rPr kumimoji="0" lang="en-GB" sz="1400" b="0" i="0" u="none" strike="noStrike" cap="none" normalizeH="0" baseline="0" dirty="0" smtClean="0">
+            </a:br>
+            <a:r>
+              <a:rPr kumimoji="0" lang="en-GB" sz="1400" b="0" i="0" u="none" strike="noStrike" cap="none" normalizeH="0" baseline="0" dirty="0" err="1">
                 <a:ln>
                   <a:noFill/>
                 </a:ln>
@@ -24371,9 +24166,10 @@
                 <a:latin typeface="Courier New" pitchFamily="49" charset="0"/>
                 <a:cs typeface="Courier New" pitchFamily="49" charset="0"/>
               </a:rPr>
-            </a:br>
-            <a:r>
-              <a:rPr kumimoji="0" lang="en-GB" sz="1400" b="0" i="0" u="none" strike="noStrike" cap="none" normalizeH="0" baseline="0" dirty="0" err="1" smtClean="0">
+              <a:t>smoothing_sigmas</a:t>
+            </a:r>
+            <a:r>
+              <a:rPr kumimoji="0" lang="en-GB" sz="1400" b="0" i="0" u="none" strike="noStrike" cap="none" normalizeH="0" baseline="0" dirty="0">
                 <a:ln>
                   <a:noFill/>
                 </a:ln>
@@ -24384,20 +24180,6 @@
                 <a:latin typeface="Courier New" pitchFamily="49" charset="0"/>
                 <a:cs typeface="Courier New" pitchFamily="49" charset="0"/>
               </a:rPr>
-              <a:t>shrink_factors</a:t>
-            </a:r>
-            <a:r>
-              <a:rPr kumimoji="0" lang="en-GB" sz="1400" b="0" i="0" u="none" strike="noStrike" cap="none" normalizeH="0" baseline="0" dirty="0" smtClean="0">
-                <a:ln>
-                  <a:noFill/>
-                </a:ln>
-                <a:solidFill>
-                  <a:srgbClr val="000000"/>
-                </a:solidFill>
-                <a:effectLst/>
-                <a:latin typeface="Courier New" pitchFamily="49" charset="0"/>
-                <a:cs typeface="Courier New" pitchFamily="49" charset="0"/>
-              </a:rPr>
               <a:t>: </a:t>
             </a:r>
             <a:r>
@@ -24452,18 +24234,11 @@
               <a:t>1</a:t>
             </a:r>
             <a:r>
-              <a:rPr lang="de-CH" sz="1400" dirty="0" smtClean="0">
-                <a:latin typeface="Courier New" pitchFamily="49" charset="0"/>
-                <a:cs typeface="Courier New" pitchFamily="49" charset="0"/>
-              </a:rPr>
-              <a:t>),  </a:t>
-            </a:r>
-            <a:r>
               <a:rPr lang="de-CH" sz="1400" dirty="0">
                 <a:latin typeface="Courier New" pitchFamily="49" charset="0"/>
                 <a:cs typeface="Courier New" pitchFamily="49" charset="0"/>
               </a:rPr>
-              <a:t>(</a:t>
+              <a:t>),  (</a:t>
             </a:r>
             <a:r>
               <a:rPr lang="de-CH" sz="1400" dirty="0">
@@ -24510,18 +24285,11 @@
               <a:t>1</a:t>
             </a:r>
             <a:r>
-              <a:rPr lang="de-CH" sz="1400" dirty="0" smtClean="0">
-                <a:latin typeface="Courier New" pitchFamily="49" charset="0"/>
-                <a:cs typeface="Courier New" pitchFamily="49" charset="0"/>
-              </a:rPr>
-              <a:t>),  </a:t>
-            </a:r>
-            <a:r>
               <a:rPr lang="de-CH" sz="1400" dirty="0">
                 <a:latin typeface="Courier New" pitchFamily="49" charset="0"/>
                 <a:cs typeface="Courier New" pitchFamily="49" charset="0"/>
               </a:rPr>
-              <a:t>(</a:t>
+              <a:t>),  (</a:t>
             </a:r>
             <a:r>
               <a:rPr lang="de-CH" sz="1400" dirty="0">
@@ -24569,235 +24337,6 @@
             </a:r>
             <a:r>
               <a:rPr lang="de-CH" sz="1400" dirty="0">
-                <a:latin typeface="Courier New" pitchFamily="49" charset="0"/>
-                <a:cs typeface="Courier New" pitchFamily="49" charset="0"/>
-              </a:rPr>
-              <a:t>)]</a:t>
-            </a:r>
-            <a:r>
-              <a:rPr kumimoji="0" lang="en-GB" sz="1400" b="0" i="0" u="none" strike="noStrike" cap="none" normalizeH="0" baseline="0" dirty="0" smtClean="0">
-                <a:ln>
-                  <a:noFill/>
-                </a:ln>
-                <a:solidFill>
-                  <a:srgbClr val="000000"/>
-                </a:solidFill>
-                <a:effectLst/>
-                <a:latin typeface="Courier New" pitchFamily="49" charset="0"/>
-                <a:cs typeface="Courier New" pitchFamily="49" charset="0"/>
-              </a:rPr>
-              <a:t/>
-            </a:r>
-            <a:br>
-              <a:rPr kumimoji="0" lang="en-GB" sz="1400" b="0" i="0" u="none" strike="noStrike" cap="none" normalizeH="0" baseline="0" dirty="0" smtClean="0">
-                <a:ln>
-                  <a:noFill/>
-                </a:ln>
-                <a:solidFill>
-                  <a:srgbClr val="000000"/>
-                </a:solidFill>
-                <a:effectLst/>
-                <a:latin typeface="Courier New" pitchFamily="49" charset="0"/>
-                <a:cs typeface="Courier New" pitchFamily="49" charset="0"/>
-              </a:rPr>
-            </a:br>
-            <a:r>
-              <a:rPr kumimoji="0" lang="en-GB" sz="1400" b="0" i="0" u="none" strike="noStrike" cap="none" normalizeH="0" baseline="0" dirty="0" err="1" smtClean="0">
-                <a:ln>
-                  <a:noFill/>
-                </a:ln>
-                <a:solidFill>
-                  <a:srgbClr val="000000"/>
-                </a:solidFill>
-                <a:effectLst/>
-                <a:latin typeface="Courier New" pitchFamily="49" charset="0"/>
-                <a:cs typeface="Courier New" pitchFamily="49" charset="0"/>
-              </a:rPr>
-              <a:t>smoothing_sigmas</a:t>
-            </a:r>
-            <a:r>
-              <a:rPr kumimoji="0" lang="en-GB" sz="1400" b="0" i="0" u="none" strike="noStrike" cap="none" normalizeH="0" baseline="0" dirty="0" smtClean="0">
-                <a:ln>
-                  <a:noFill/>
-                </a:ln>
-                <a:solidFill>
-                  <a:srgbClr val="000000"/>
-                </a:solidFill>
-                <a:effectLst/>
-                <a:latin typeface="Courier New" pitchFamily="49" charset="0"/>
-                <a:cs typeface="Courier New" pitchFamily="49" charset="0"/>
-              </a:rPr>
-              <a:t>: </a:t>
-            </a:r>
-            <a:r>
-              <a:rPr lang="de-CH" sz="1400" dirty="0">
-                <a:latin typeface="Courier New" pitchFamily="49" charset="0"/>
-                <a:cs typeface="Courier New" pitchFamily="49" charset="0"/>
-              </a:rPr>
-              <a:t>[(</a:t>
-            </a:r>
-            <a:r>
-              <a:rPr lang="de-CH" sz="1400" dirty="0">
-                <a:solidFill>
-                  <a:srgbClr val="0000FF"/>
-                </a:solidFill>
-                <a:latin typeface="Courier New" pitchFamily="49" charset="0"/>
-                <a:cs typeface="Courier New" pitchFamily="49" charset="0"/>
-              </a:rPr>
-              <a:t>2</a:t>
-            </a:r>
-            <a:r>
-              <a:rPr lang="de-CH" sz="1400" dirty="0">
-                <a:latin typeface="Courier New" pitchFamily="49" charset="0"/>
-                <a:cs typeface="Courier New" pitchFamily="49" charset="0"/>
-              </a:rPr>
-              <a:t>, </a:t>
-            </a:r>
-            <a:r>
-              <a:rPr lang="de-CH" sz="1400" dirty="0">
-                <a:solidFill>
-                  <a:srgbClr val="0000FF"/>
-                </a:solidFill>
-                <a:latin typeface="Courier New" pitchFamily="49" charset="0"/>
-                <a:cs typeface="Courier New" pitchFamily="49" charset="0"/>
-              </a:rPr>
-              <a:t>1</a:t>
-            </a:r>
-            <a:r>
-              <a:rPr lang="de-CH" sz="1400" dirty="0">
-                <a:latin typeface="Courier New" pitchFamily="49" charset="0"/>
-                <a:cs typeface="Courier New" pitchFamily="49" charset="0"/>
-              </a:rPr>
-              <a:t>, </a:t>
-            </a:r>
-            <a:r>
-              <a:rPr lang="de-CH" sz="1400" dirty="0">
-                <a:solidFill>
-                  <a:srgbClr val="0000FF"/>
-                </a:solidFill>
-                <a:latin typeface="Courier New" pitchFamily="49" charset="0"/>
-                <a:cs typeface="Courier New" pitchFamily="49" charset="0"/>
-              </a:rPr>
-              <a:t>1</a:t>
-            </a:r>
-            <a:r>
-              <a:rPr lang="de-CH" sz="1400" dirty="0">
-                <a:latin typeface="Courier New" pitchFamily="49" charset="0"/>
-                <a:cs typeface="Courier New" pitchFamily="49" charset="0"/>
-              </a:rPr>
-              <a:t>), </a:t>
-            </a:r>
-            <a:r>
-              <a:rPr lang="de-CH" sz="1400" dirty="0" smtClean="0">
-                <a:latin typeface="Courier New" pitchFamily="49" charset="0"/>
-                <a:cs typeface="Courier New" pitchFamily="49" charset="0"/>
-              </a:rPr>
-              <a:t> (</a:t>
-            </a:r>
-            <a:r>
-              <a:rPr lang="de-CH" sz="1400" dirty="0">
-                <a:solidFill>
-                  <a:srgbClr val="0000FF"/>
-                </a:solidFill>
-                <a:latin typeface="Courier New" pitchFamily="49" charset="0"/>
-                <a:cs typeface="Courier New" pitchFamily="49" charset="0"/>
-              </a:rPr>
-              <a:t>4</a:t>
-            </a:r>
-            <a:r>
-              <a:rPr lang="de-CH" sz="1400" dirty="0">
-                <a:latin typeface="Courier New" pitchFamily="49" charset="0"/>
-                <a:cs typeface="Courier New" pitchFamily="49" charset="0"/>
-              </a:rPr>
-              <a:t>, </a:t>
-            </a:r>
-            <a:r>
-              <a:rPr lang="de-CH" sz="1400" dirty="0">
-                <a:solidFill>
-                  <a:srgbClr val="0000FF"/>
-                </a:solidFill>
-                <a:latin typeface="Courier New" pitchFamily="49" charset="0"/>
-                <a:cs typeface="Courier New" pitchFamily="49" charset="0"/>
-              </a:rPr>
-              <a:t>2</a:t>
-            </a:r>
-            <a:r>
-              <a:rPr lang="de-CH" sz="1400" dirty="0">
-                <a:latin typeface="Courier New" pitchFamily="49" charset="0"/>
-                <a:cs typeface="Courier New" pitchFamily="49" charset="0"/>
-              </a:rPr>
-              <a:t>, </a:t>
-            </a:r>
-            <a:r>
-              <a:rPr lang="de-CH" sz="1400" dirty="0">
-                <a:solidFill>
-                  <a:srgbClr val="0000FF"/>
-                </a:solidFill>
-                <a:latin typeface="Courier New" pitchFamily="49" charset="0"/>
-                <a:cs typeface="Courier New" pitchFamily="49" charset="0"/>
-              </a:rPr>
-              <a:t>1</a:t>
-            </a:r>
-            <a:r>
-              <a:rPr lang="de-CH" sz="1400" dirty="0">
-                <a:latin typeface="Courier New" pitchFamily="49" charset="0"/>
-                <a:cs typeface="Courier New" pitchFamily="49" charset="0"/>
-              </a:rPr>
-              <a:t>), </a:t>
-            </a:r>
-            <a:r>
-              <a:rPr lang="de-CH" sz="1400" dirty="0" smtClean="0">
-                <a:latin typeface="Courier New" pitchFamily="49" charset="0"/>
-                <a:cs typeface="Courier New" pitchFamily="49" charset="0"/>
-              </a:rPr>
-              <a:t> (</a:t>
-            </a:r>
-            <a:r>
-              <a:rPr lang="de-CH" sz="1400" dirty="0">
-                <a:solidFill>
-                  <a:srgbClr val="0000FF"/>
-                </a:solidFill>
-                <a:latin typeface="Courier New" pitchFamily="49" charset="0"/>
-                <a:cs typeface="Courier New" pitchFamily="49" charset="0"/>
-              </a:rPr>
-              <a:t>8</a:t>
-            </a:r>
-            <a:r>
-              <a:rPr lang="de-CH" sz="1400" dirty="0">
-                <a:latin typeface="Courier New" pitchFamily="49" charset="0"/>
-                <a:cs typeface="Courier New" pitchFamily="49" charset="0"/>
-              </a:rPr>
-              <a:t>, </a:t>
-            </a:r>
-            <a:r>
-              <a:rPr lang="de-CH" sz="1400" dirty="0">
-                <a:solidFill>
-                  <a:srgbClr val="0000FF"/>
-                </a:solidFill>
-                <a:latin typeface="Courier New" pitchFamily="49" charset="0"/>
-                <a:cs typeface="Courier New" pitchFamily="49" charset="0"/>
-              </a:rPr>
-              <a:t>4</a:t>
-            </a:r>
-            <a:r>
-              <a:rPr lang="de-CH" sz="1400" dirty="0">
-                <a:latin typeface="Courier New" pitchFamily="49" charset="0"/>
-                <a:cs typeface="Courier New" pitchFamily="49" charset="0"/>
-              </a:rPr>
-              <a:t>, </a:t>
-            </a:r>
-            <a:r>
-              <a:rPr lang="de-CH" sz="1400" dirty="0">
-                <a:solidFill>
-                  <a:srgbClr val="0000FF"/>
-                </a:solidFill>
-                <a:latin typeface="Courier New" pitchFamily="49" charset="0"/>
-                <a:cs typeface="Courier New" pitchFamily="49" charset="0"/>
-              </a:rPr>
-              <a:t>1</a:t>
-            </a:r>
-            <a:r>
-              <a:rPr lang="de-CH" sz="1400" dirty="0" smtClean="0">
                 <a:latin typeface="Courier New" pitchFamily="49" charset="0"/>
                 <a:cs typeface="Courier New" pitchFamily="49" charset="0"/>
               </a:rPr>
@@ -24816,8 +24355,8 @@
         </p:nvSpPr>
         <p:spPr bwMode="auto">
           <a:xfrm>
-            <a:off x="395536" y="1868631"/>
-            <a:ext cx="6624736" cy="1200329"/>
+            <a:off x="395536" y="2007130"/>
+            <a:ext cx="6624736" cy="923330"/>
           </a:xfrm>
           <a:prstGeom prst="rect">
             <a:avLst/>
@@ -24866,21 +24405,19 @@
               <a:buChar char="•"/>
             </a:pPr>
             <a:r>
-              <a:rPr lang="de-DE" dirty="0" err="1" smtClean="0">
+              <a:rPr lang="de-DE" dirty="0" err="1">
                 <a:solidFill>
                   <a:srgbClr val="000000"/>
                 </a:solidFill>
-                <a:latin typeface="Courier New" pitchFamily="49" charset="0"/>
                 <a:cs typeface="Courier New" pitchFamily="49" charset="0"/>
               </a:rPr>
               <a:t>We</a:t>
             </a:r>
             <a:r>
-              <a:rPr lang="de-DE" dirty="0" smtClean="0">
+              <a:rPr lang="de-DE" dirty="0">
                 <a:solidFill>
                   <a:srgbClr val="000000"/>
                 </a:solidFill>
-                <a:latin typeface="Courier New" pitchFamily="49" charset="0"/>
                 <a:cs typeface="Courier New" pitchFamily="49" charset="0"/>
               </a:rPr>
               <a:t> </a:t>
@@ -24890,37 +24427,96 @@
                 <a:solidFill>
                   <a:srgbClr val="000000"/>
                 </a:solidFill>
-                <a:latin typeface="Courier New" pitchFamily="49" charset="0"/>
-                <a:cs typeface="Courier New" pitchFamily="49" charset="0"/>
-              </a:rPr>
-              <a:t>u</a:t>
-            </a:r>
-            <a:r>
-              <a:rPr lang="de-DE" dirty="0" err="1" smtClean="0">
+                <a:cs typeface="Courier New" pitchFamily="49" charset="0"/>
+              </a:rPr>
+              <a:t>use</a:t>
+            </a:r>
+            <a:r>
+              <a:rPr lang="de-DE" dirty="0">
                 <a:solidFill>
                   <a:srgbClr val="000000"/>
                 </a:solidFill>
-                <a:latin typeface="Courier New" pitchFamily="49" charset="0"/>
-                <a:cs typeface="Courier New" pitchFamily="49" charset="0"/>
-              </a:rPr>
-              <a:t>se</a:t>
-            </a:r>
-            <a:r>
-              <a:rPr lang="de-DE" dirty="0" smtClean="0">
+                <a:cs typeface="Courier New" pitchFamily="49" charset="0"/>
+              </a:rPr>
+              <a:t> </a:t>
+            </a:r>
+            <a:r>
+              <a:rPr lang="de-DE" dirty="0" err="1">
                 <a:solidFill>
                   <a:srgbClr val="000000"/>
                 </a:solidFill>
-                <a:latin typeface="Courier New" pitchFamily="49" charset="0"/>
+                <a:cs typeface="Courier New" pitchFamily="49" charset="0"/>
+              </a:rPr>
+              <a:t>the</a:t>
+            </a:r>
+            <a:r>
+              <a:rPr lang="de-DE" dirty="0">
+                <a:solidFill>
+                  <a:srgbClr val="000000"/>
+                </a:solidFill>
+                <a:cs typeface="Courier New" pitchFamily="49" charset="0"/>
+              </a:rPr>
+              <a:t> affine </a:t>
+            </a:r>
+            <a:r>
+              <a:rPr lang="de-DE" dirty="0" err="1">
+                <a:solidFill>
+                  <a:srgbClr val="000000"/>
+                </a:solidFill>
+                <a:cs typeface="Courier New" pitchFamily="49" charset="0"/>
+              </a:rPr>
+              <a:t>registration</a:t>
+            </a:r>
+            <a:r>
+              <a:rPr lang="de-DE" dirty="0">
+                <a:solidFill>
+                  <a:srgbClr val="000000"/>
+                </a:solidFill>
                 <a:cs typeface="Courier New" pitchFamily="49" charset="0"/>
               </a:rPr>
               <a:t> </a:t>
             </a:r>
             <a:r>
-              <a:rPr lang="de-DE" dirty="0" err="1" smtClean="0">
+              <a:rPr lang="de-DE" dirty="0" err="1">
                 <a:solidFill>
                   <a:srgbClr val="000000"/>
                 </a:solidFill>
-                <a:latin typeface="Courier New" pitchFamily="49" charset="0"/>
+                <a:cs typeface="Courier New" pitchFamily="49" charset="0"/>
+              </a:rPr>
+              <a:t>class</a:t>
+            </a:r>
+            <a:r>
+              <a:rPr lang="de-DE" dirty="0">
+                <a:solidFill>
+                  <a:srgbClr val="000000"/>
+                </a:solidFill>
+                <a:cs typeface="Courier New" pitchFamily="49" charset="0"/>
+              </a:rPr>
+              <a:t> </a:t>
+            </a:r>
+            <a:r>
+              <a:rPr lang="de-DE" dirty="0" err="1">
+                <a:solidFill>
+                  <a:srgbClr val="000000"/>
+                </a:solidFill>
+                <a:cs typeface="Courier New" pitchFamily="49" charset="0"/>
+              </a:rPr>
+              <a:t>from</a:t>
+            </a:r>
+            <a:r>
+              <a:rPr lang="de-DE" dirty="0">
+                <a:solidFill>
+                  <a:srgbClr val="000000"/>
+                </a:solidFill>
+                <a:cs typeface="Courier New" pitchFamily="49" charset="0"/>
+              </a:rPr>
+              <a:t> </a:t>
+            </a:r>
+            <a:r>
+              <a:rPr lang="de-DE" dirty="0" err="1">
+                <a:solidFill>
+                  <a:srgbClr val="000000"/>
+                </a:solidFill>
                 <a:cs typeface="Courier New" pitchFamily="49" charset="0"/>
               </a:rPr>
               <a:t>the</a:t>
@@ -24930,97 +24526,6 @@
                 <a:solidFill>
                   <a:srgbClr val="000000"/>
                 </a:solidFill>
-                <a:latin typeface="Courier New" pitchFamily="49" charset="0"/>
-                <a:cs typeface="Courier New" pitchFamily="49" charset="0"/>
-              </a:rPr>
-              <a:t> </a:t>
-            </a:r>
-            <a:r>
-              <a:rPr lang="de-DE" dirty="0" smtClean="0">
-                <a:solidFill>
-                  <a:srgbClr val="000000"/>
-                </a:solidFill>
-                <a:latin typeface="Courier New" pitchFamily="49" charset="0"/>
-                <a:cs typeface="Courier New" pitchFamily="49" charset="0"/>
-              </a:rPr>
-              <a:t>affine </a:t>
-            </a:r>
-            <a:r>
-              <a:rPr lang="de-DE" dirty="0" err="1" smtClean="0">
-                <a:solidFill>
-                  <a:srgbClr val="000000"/>
-                </a:solidFill>
-                <a:latin typeface="Courier New" pitchFamily="49" charset="0"/>
-                <a:cs typeface="Courier New" pitchFamily="49" charset="0"/>
-              </a:rPr>
-              <a:t>registration</a:t>
-            </a:r>
-            <a:r>
-              <a:rPr lang="de-DE" dirty="0" smtClean="0">
-                <a:solidFill>
-                  <a:srgbClr val="000000"/>
-                </a:solidFill>
-                <a:latin typeface="Courier New" pitchFamily="49" charset="0"/>
-                <a:cs typeface="Courier New" pitchFamily="49" charset="0"/>
-              </a:rPr>
-              <a:t> </a:t>
-            </a:r>
-            <a:r>
-              <a:rPr lang="de-DE" dirty="0" err="1" smtClean="0">
-                <a:solidFill>
-                  <a:srgbClr val="000000"/>
-                </a:solidFill>
-                <a:latin typeface="Courier New" pitchFamily="49" charset="0"/>
-                <a:cs typeface="Courier New" pitchFamily="49" charset="0"/>
-              </a:rPr>
-              <a:t>class</a:t>
-            </a:r>
-            <a:r>
-              <a:rPr lang="de-DE" dirty="0" smtClean="0">
-                <a:solidFill>
-                  <a:srgbClr val="000000"/>
-                </a:solidFill>
-                <a:latin typeface="Courier New" pitchFamily="49" charset="0"/>
-                <a:cs typeface="Courier New" pitchFamily="49" charset="0"/>
-              </a:rPr>
-              <a:t> </a:t>
-            </a:r>
-            <a:r>
-              <a:rPr lang="de-DE" dirty="0" err="1" smtClean="0">
-                <a:solidFill>
-                  <a:srgbClr val="000000"/>
-                </a:solidFill>
-                <a:latin typeface="Courier New" pitchFamily="49" charset="0"/>
-                <a:cs typeface="Courier New" pitchFamily="49" charset="0"/>
-              </a:rPr>
-              <a:t>from</a:t>
-            </a:r>
-            <a:r>
-              <a:rPr lang="de-DE" dirty="0" smtClean="0">
-                <a:solidFill>
-                  <a:srgbClr val="000000"/>
-                </a:solidFill>
-                <a:latin typeface="Courier New" pitchFamily="49" charset="0"/>
-                <a:cs typeface="Courier New" pitchFamily="49" charset="0"/>
-              </a:rPr>
-              <a:t> </a:t>
-            </a:r>
-            <a:r>
-              <a:rPr lang="de-DE" dirty="0" err="1" smtClean="0">
-                <a:solidFill>
-                  <a:srgbClr val="000000"/>
-                </a:solidFill>
-                <a:latin typeface="Courier New" pitchFamily="49" charset="0"/>
-                <a:cs typeface="Courier New" pitchFamily="49" charset="0"/>
-              </a:rPr>
-              <a:t>the</a:t>
-            </a:r>
-            <a:r>
-              <a:rPr lang="de-DE" dirty="0" smtClean="0">
-                <a:solidFill>
-                  <a:srgbClr val="000000"/>
-                </a:solidFill>
-                <a:latin typeface="Courier New" pitchFamily="49" charset="0"/>
                 <a:cs typeface="Courier New" pitchFamily="49" charset="0"/>
               </a:rPr>
               <a:t> MIA Pipeline</a:t>
@@ -25037,11 +24542,10 @@
               <a:buFont typeface="Arial" pitchFamily="34" charset="0"/>
               <a:buChar char="•"/>
             </a:pPr>
-            <a:endParaRPr lang="de-DE" dirty="0" smtClean="0">
+            <a:endParaRPr lang="de-DE" dirty="0">
               <a:solidFill>
                 <a:srgbClr val="000000"/>
               </a:solidFill>
-              <a:latin typeface="Courier New" pitchFamily="49" charset="0"/>
               <a:cs typeface="Courier New" pitchFamily="49" charset="0"/>
             </a:endParaRPr>
           </a:p>
@@ -25057,80 +24561,63 @@
               <a:buChar char="•"/>
             </a:pPr>
             <a:r>
-              <a:rPr lang="de-DE" dirty="0" smtClean="0">
+              <a:rPr lang="de-DE" dirty="0">
                 <a:solidFill>
                   <a:srgbClr val="000000"/>
                 </a:solidFill>
-                <a:latin typeface="Courier New" pitchFamily="49" charset="0"/>
-                <a:cs typeface="Courier New" pitchFamily="49" charset="0"/>
-              </a:rPr>
-              <a:t>Defaul</a:t>
-            </a:r>
-            <a:r>
-              <a:rPr lang="de-DE" dirty="0" smtClean="0">
+                <a:cs typeface="Courier New" pitchFamily="49" charset="0"/>
+              </a:rPr>
+              <a:t>Default </a:t>
+            </a:r>
+            <a:r>
+              <a:rPr lang="de-DE" dirty="0" err="1">
                 <a:solidFill>
                   <a:srgbClr val="000000"/>
                 </a:solidFill>
-                <a:latin typeface="Courier New" pitchFamily="49" charset="0"/>
-                <a:cs typeface="Courier New" pitchFamily="49" charset="0"/>
-              </a:rPr>
-              <a:t>t </a:t>
-            </a:r>
-            <a:r>
-              <a:rPr lang="de-DE" dirty="0" err="1" smtClean="0">
+                <a:cs typeface="Courier New" pitchFamily="49" charset="0"/>
+              </a:rPr>
+              <a:t>parameters</a:t>
+            </a:r>
+            <a:r>
+              <a:rPr lang="de-DE" dirty="0">
                 <a:solidFill>
                   <a:srgbClr val="000000"/>
                 </a:solidFill>
-                <a:latin typeface="Courier New" pitchFamily="49" charset="0"/>
-                <a:cs typeface="Courier New" pitchFamily="49" charset="0"/>
-              </a:rPr>
-              <a:t>parameters</a:t>
-            </a:r>
-            <a:r>
-              <a:rPr lang="de-DE" dirty="0" smtClean="0">
+                <a:cs typeface="Courier New" pitchFamily="49" charset="0"/>
+              </a:rPr>
+              <a:t> </a:t>
+            </a:r>
+            <a:r>
+              <a:rPr lang="de-DE" dirty="0" err="1">
                 <a:solidFill>
                   <a:srgbClr val="000000"/>
                 </a:solidFill>
-                <a:latin typeface="Courier New" pitchFamily="49" charset="0"/>
+                <a:cs typeface="Courier New" pitchFamily="49" charset="0"/>
+              </a:rPr>
+              <a:t>from</a:t>
+            </a:r>
+            <a:r>
+              <a:rPr lang="de-DE" dirty="0">
+                <a:solidFill>
+                  <a:srgbClr val="000000"/>
+                </a:solidFill>
                 <a:cs typeface="Courier New" pitchFamily="49" charset="0"/>
               </a:rPr>
               <a:t> </a:t>
             </a:r>
             <a:r>
-              <a:rPr lang="de-DE" dirty="0" err="1" smtClean="0">
+              <a:rPr lang="de-DE" dirty="0" err="1">
                 <a:solidFill>
                   <a:srgbClr val="000000"/>
                 </a:solidFill>
-                <a:latin typeface="Courier New" pitchFamily="49" charset="0"/>
-                <a:cs typeface="Courier New" pitchFamily="49" charset="0"/>
-              </a:rPr>
-              <a:t>from</a:t>
-            </a:r>
-            <a:r>
-              <a:rPr lang="de-DE" dirty="0" smtClean="0">
-                <a:solidFill>
-                  <a:srgbClr val="000000"/>
-                </a:solidFill>
-                <a:latin typeface="Courier New" pitchFamily="49" charset="0"/>
-                <a:cs typeface="Courier New" pitchFamily="49" charset="0"/>
-              </a:rPr>
-              <a:t> </a:t>
-            </a:r>
-            <a:r>
-              <a:rPr lang="de-DE" dirty="0" err="1" smtClean="0">
-                <a:solidFill>
-                  <a:srgbClr val="000000"/>
-                </a:solidFill>
-                <a:latin typeface="Courier New" pitchFamily="49" charset="0"/>
                 <a:cs typeface="Courier New" pitchFamily="49" charset="0"/>
               </a:rPr>
               <a:t>SimpleITK</a:t>
             </a:r>
-            <a:endParaRPr lang="de-DE" dirty="0" smtClean="0">
+            <a:endParaRPr lang="de-DE" dirty="0">
               <a:solidFill>
                 <a:srgbClr val="000000"/>
               </a:solidFill>
-              <a:latin typeface="Courier New" pitchFamily="49" charset="0"/>
               <a:cs typeface="Courier New" pitchFamily="49" charset="0"/>
             </a:endParaRPr>
           </a:p>
@@ -25335,14 +24822,14 @@
           <a:p>
             <a:pPr algn="l"/>
             <a:r>
-              <a:rPr lang="en-US" sz="3600" dirty="0" smtClean="0">
+              <a:rPr lang="en-US" sz="3600" dirty="0">
                 <a:solidFill>
                   <a:schemeClr val="tx2">
                     <a:lumMod val="40000"/>
                     <a:lumOff val="60000"/>
                   </a:schemeClr>
                 </a:solidFill>
-                <a:latin typeface="Courier New" pitchFamily="49" charset="0"/>
+                <a:latin typeface="+mn-lt"/>
                 <a:cs typeface="Courier New" pitchFamily="49" charset="0"/>
               </a:rPr>
               <a:t>Optimization</a:t>
@@ -25354,7 +24841,7 @@
                   <a:lumOff val="60000"/>
                 </a:schemeClr>
               </a:solidFill>
-              <a:latin typeface="Courier New" pitchFamily="49" charset="0"/>
+              <a:latin typeface="+mn-lt"/>
               <a:cs typeface="Courier New" pitchFamily="49" charset="0"/>
             </a:endParaRPr>
           </a:p>
@@ -25490,7 +24977,7 @@
           <a:lstStyle/>
           <a:p>
             <a:r>
-              <a:rPr lang="de-CH" sz="1400" b="1" dirty="0" smtClean="0">
+              <a:rPr lang="de-CH" sz="1400" b="1" dirty="0">
                 <a:solidFill>
                   <a:srgbClr val="000080"/>
                 </a:solidFill>
@@ -25500,7 +24987,7 @@
               <a:t>FOR </a:t>
             </a:r>
             <a:r>
-              <a:rPr lang="de-DE" sz="1400" b="1" dirty="0" smtClean="0">
+              <a:rPr lang="de-DE" sz="1400" b="1" dirty="0">
                 <a:solidFill>
                   <a:srgbClr val="000080"/>
                 </a:solidFill>
@@ -25510,13 +24997,13 @@
               <a:t>EACH </a:t>
             </a:r>
             <a:r>
-              <a:rPr lang="de-DE" sz="1400" dirty="0" smtClean="0">
+              <a:rPr lang="de-DE" sz="1400" dirty="0">
                 <a:latin typeface="Courier New" pitchFamily="49" charset="0"/>
                 <a:cs typeface="Courier New" pitchFamily="49" charset="0"/>
               </a:rPr>
               <a:t>Setting of parameters</a:t>
             </a:r>
-            <a:endParaRPr lang="en-GB" sz="1400" dirty="0" smtClean="0">
+            <a:endParaRPr lang="en-GB" sz="1400" dirty="0">
               <a:latin typeface="Courier New" pitchFamily="49" charset="0"/>
               <a:cs typeface="Courier New" pitchFamily="49" charset="0"/>
             </a:endParaRPr>
@@ -25532,14 +25019,14 @@
           </a:p>
           <a:p>
             <a:r>
-              <a:rPr lang="de-CH" sz="1400" dirty="0" smtClean="0">
+              <a:rPr lang="de-CH" sz="1400" dirty="0">
                 <a:latin typeface="Courier New" pitchFamily="49" charset="0"/>
                 <a:cs typeface="Courier New" pitchFamily="49" charset="0"/>
               </a:rPr>
               <a:t>	</a:t>
             </a:r>
             <a:r>
-              <a:rPr lang="de-CH" sz="1400" b="1" dirty="0" smtClean="0">
+              <a:rPr lang="de-CH" sz="1400" b="1" dirty="0">
                 <a:solidFill>
                   <a:srgbClr val="000080"/>
                 </a:solidFill>
@@ -25549,7 +25036,7 @@
               <a:t>FOR</a:t>
             </a:r>
             <a:r>
-              <a:rPr lang="de-CH" sz="1400" dirty="0" smtClean="0">
+              <a:rPr lang="de-CH" sz="1400" dirty="0">
                 <a:latin typeface="Courier New" pitchFamily="49" charset="0"/>
                 <a:cs typeface="Courier New" pitchFamily="49" charset="0"/>
               </a:rPr>
@@ -25562,22 +25049,15 @@
                 <a:latin typeface="Courier New" pitchFamily="49" charset="0"/>
                 <a:cs typeface="Courier New" pitchFamily="49" charset="0"/>
               </a:rPr>
-              <a:t>	</a:t>
-            </a:r>
-            <a:r>
-              <a:rPr lang="de-CH" sz="1400" dirty="0" smtClean="0">
-                <a:latin typeface="Courier New" pitchFamily="49" charset="0"/>
-                <a:cs typeface="Courier New" pitchFamily="49" charset="0"/>
-              </a:rPr>
-              <a:t>	Dice[White, Grey, Ventricles] = evaluate()</a:t>
-            </a:r>
-            <a:endParaRPr lang="en-GB" sz="1400" dirty="0" smtClean="0">
+              <a:t>		Dice[White, Grey, Ventricles] = evaluate()</a:t>
+            </a:r>
+            <a:endParaRPr lang="en-GB" sz="1400" dirty="0">
               <a:latin typeface="Courier New" pitchFamily="49" charset="0"/>
               <a:cs typeface="Courier New" pitchFamily="49" charset="0"/>
             </a:endParaRPr>
           </a:p>
           <a:p>
-            <a:endParaRPr lang="en-GB" sz="1400" dirty="0" smtClean="0">
+            <a:endParaRPr lang="en-GB" sz="1400" dirty="0">
               <a:latin typeface="Courier New" pitchFamily="49" charset="0"/>
               <a:cs typeface="Courier New" pitchFamily="49" charset="0"/>
             </a:endParaRPr>
@@ -25591,7 +25071,7 @@
               <a:t>	</a:t>
             </a:r>
             <a:r>
-              <a:rPr lang="en-GB" sz="1400" b="1" dirty="0" smtClean="0">
+              <a:rPr lang="en-GB" sz="1400" b="1" dirty="0">
                 <a:solidFill>
                   <a:srgbClr val="000080"/>
                 </a:solidFill>
@@ -25601,7 +25081,7 @@
               <a:t>SAVE</a:t>
             </a:r>
             <a:r>
-              <a:rPr lang="en-GB" sz="1400" dirty="0" smtClean="0">
+              <a:rPr lang="en-GB" sz="1400" dirty="0">
                 <a:latin typeface="Courier New" pitchFamily="49" charset="0"/>
                 <a:cs typeface="Courier New" pitchFamily="49" charset="0"/>
               </a:rPr>
@@ -25609,14 +25089,14 @@
             </a:r>
           </a:p>
           <a:p>
-            <a:endParaRPr lang="de-DE" sz="1400" dirty="0" smtClean="0">
+            <a:endParaRPr lang="de-DE" sz="1400" dirty="0">
               <a:latin typeface="Courier New" pitchFamily="49" charset="0"/>
               <a:cs typeface="Courier New" pitchFamily="49" charset="0"/>
             </a:endParaRPr>
           </a:p>
           <a:p>
             <a:r>
-              <a:rPr lang="de-DE" sz="1400" b="1" dirty="0" smtClean="0">
+              <a:rPr lang="de-DE" sz="1400" b="1" dirty="0">
                 <a:solidFill>
                   <a:srgbClr val="000080"/>
                 </a:solidFill>
@@ -25626,20 +25106,20 @@
               <a:t>CHOOSE</a:t>
             </a:r>
             <a:r>
-              <a:rPr lang="de-DE" sz="1400" b="1" dirty="0" smtClean="0">
+              <a:rPr lang="de-DE" sz="1400" b="1" dirty="0">
                 <a:latin typeface="Courier New" pitchFamily="49" charset="0"/>
                 <a:cs typeface="Courier New" pitchFamily="49" charset="0"/>
               </a:rPr>
               <a:t> </a:t>
             </a:r>
             <a:r>
-              <a:rPr lang="de-DE" sz="1400" dirty="0" smtClean="0">
+              <a:rPr lang="de-DE" sz="1400" dirty="0">
                 <a:latin typeface="Courier New" pitchFamily="49" charset="0"/>
                 <a:cs typeface="Courier New" pitchFamily="49" charset="0"/>
               </a:rPr>
               <a:t>setting with highest Dice</a:t>
             </a:r>
-            <a:endParaRPr lang="de-CH" sz="1400" dirty="0" smtClean="0">
+            <a:endParaRPr lang="de-CH" sz="1400" dirty="0">
               <a:latin typeface="Courier New" pitchFamily="49" charset="0"/>
               <a:cs typeface="Courier New" pitchFamily="49" charset="0"/>
             </a:endParaRPr>
@@ -25710,16 +25190,15 @@
               </a:spcAft>
             </a:pPr>
             <a:r>
-              <a:rPr lang="de-DE" sz="2000" dirty="0" smtClean="0">
+              <a:rPr lang="de-DE" sz="2000" dirty="0">
                 <a:solidFill>
                   <a:srgbClr val="000000"/>
                 </a:solidFill>
-                <a:latin typeface="Courier New" pitchFamily="49" charset="0"/>
                 <a:cs typeface="Courier New" pitchFamily="49" charset="0"/>
               </a:rPr>
               <a:t>Pseudocode for optimization</a:t>
             </a:r>
-            <a:endParaRPr kumimoji="0" lang="de-DE" sz="2000" b="0" i="0" u="none" strike="noStrike" cap="none" normalizeH="0" baseline="0" dirty="0" smtClean="0">
+            <a:endParaRPr kumimoji="0" lang="de-DE" sz="2000" b="0" i="0" u="none" strike="noStrike" cap="none" normalizeH="0" baseline="0" dirty="0">
               <a:ln>
                 <a:noFill/>
               </a:ln>
@@ -25727,7 +25206,6 @@
                 <a:srgbClr val="000000"/>
               </a:solidFill>
               <a:effectLst/>
-              <a:latin typeface="Courier New" pitchFamily="49" charset="0"/>
               <a:cs typeface="Courier New" pitchFamily="49" charset="0"/>
             </a:endParaRPr>
           </a:p>
@@ -25932,17 +25410,17 @@
           <a:p>
             <a:pPr algn="l"/>
             <a:r>
-              <a:rPr lang="en-US" sz="3600" dirty="0" smtClean="0">
+              <a:rPr lang="en-US" sz="3600" dirty="0">
                 <a:solidFill>
                   <a:schemeClr val="tx2">
                     <a:lumMod val="40000"/>
                     <a:lumOff val="60000"/>
                   </a:schemeClr>
                 </a:solidFill>
-                <a:latin typeface="Courier New" pitchFamily="49" charset="0"/>
-                <a:cs typeface="Courier New" pitchFamily="49" charset="0"/>
-              </a:rPr>
-              <a:t>Result 1</a:t>
+                <a:latin typeface="+mn-lt"/>
+                <a:cs typeface="Courier New" pitchFamily="49" charset="0"/>
+              </a:rPr>
+              <a:t>Result</a:t>
             </a:r>
             <a:endParaRPr lang="en-GB" sz="3600" dirty="0">
               <a:solidFill>
@@ -25951,7 +25429,7 @@
                   <a:lumOff val="60000"/>
                 </a:schemeClr>
               </a:solidFill>
-              <a:latin typeface="Courier New" pitchFamily="49" charset="0"/>
+              <a:latin typeface="+mn-lt"/>
               <a:cs typeface="Courier New" pitchFamily="49" charset="0"/>
             </a:endParaRPr>
           </a:p>
@@ -26178,56 +25656,51 @@
               </a:spcAft>
             </a:pPr>
             <a:r>
-              <a:rPr lang="de-DE" sz="2000" dirty="0" err="1" smtClean="0">
+              <a:rPr lang="de-DE" sz="2000" dirty="0" err="1">
                 <a:solidFill>
                   <a:srgbClr val="000000"/>
                 </a:solidFill>
-                <a:latin typeface="Courier New" pitchFamily="49" charset="0"/>
                 <a:cs typeface="Courier New" pitchFamily="49" charset="0"/>
               </a:rPr>
               <a:t>Dice</a:t>
             </a:r>
             <a:r>
-              <a:rPr lang="de-DE" sz="2000" dirty="0" smtClean="0">
+              <a:rPr lang="de-DE" sz="2000" dirty="0">
                 <a:solidFill>
                   <a:srgbClr val="000000"/>
                 </a:solidFill>
-                <a:latin typeface="Courier New" pitchFamily="49" charset="0"/>
                 <a:cs typeface="Courier New" pitchFamily="49" charset="0"/>
               </a:rPr>
               <a:t> </a:t>
             </a:r>
             <a:r>
-              <a:rPr lang="de-DE" sz="2000" dirty="0" err="1" smtClean="0">
+              <a:rPr lang="de-DE" sz="2000" dirty="0" err="1">
                 <a:solidFill>
                   <a:srgbClr val="000000"/>
                 </a:solidFill>
-                <a:latin typeface="Courier New" pitchFamily="49" charset="0"/>
                 <a:cs typeface="Courier New" pitchFamily="49" charset="0"/>
               </a:rPr>
               <a:t>coefficients</a:t>
             </a:r>
             <a:r>
-              <a:rPr lang="de-DE" sz="2000" dirty="0" smtClean="0">
+              <a:rPr lang="de-DE" sz="2000" dirty="0">
                 <a:solidFill>
                   <a:srgbClr val="000000"/>
                 </a:solidFill>
-                <a:latin typeface="Courier New" pitchFamily="49" charset="0"/>
                 <a:cs typeface="Courier New" pitchFamily="49" charset="0"/>
               </a:rPr>
               <a:t> affine </a:t>
             </a:r>
             <a:r>
-              <a:rPr lang="de-DE" sz="2000" dirty="0" err="1" smtClean="0">
+              <a:rPr lang="de-DE" sz="2000" dirty="0" err="1">
                 <a:solidFill>
                   <a:srgbClr val="000000"/>
                 </a:solidFill>
-                <a:latin typeface="Courier New" pitchFamily="49" charset="0"/>
                 <a:cs typeface="Courier New" pitchFamily="49" charset="0"/>
               </a:rPr>
               <a:t>transformation</a:t>
             </a:r>
-            <a:endParaRPr kumimoji="0" lang="de-DE" sz="2000" b="0" i="0" u="none" strike="noStrike" cap="none" normalizeH="0" baseline="0" dirty="0" smtClean="0">
+            <a:endParaRPr kumimoji="0" lang="de-DE" sz="2000" b="0" i="0" u="none" strike="noStrike" cap="none" normalizeH="0" baseline="0" dirty="0">
               <a:ln>
                 <a:noFill/>
               </a:ln>
@@ -26235,7 +25708,6 @@
                 <a:srgbClr val="000000"/>
               </a:solidFill>
               <a:effectLst/>
-              <a:latin typeface="Courier New" pitchFamily="49" charset="0"/>
               <a:cs typeface="Courier New" pitchFamily="49" charset="0"/>
             </a:endParaRPr>
           </a:p>

--- a/wd/Documentation/MIALab presentation.pptx
+++ b/wd/Documentation/MIALab presentation.pptx
@@ -152,6 +152,63 @@
 <p1510:revInfo xmlns:a="http://schemas.openxmlformats.org/drawingml/2006/main" xmlns:r="http://schemas.openxmlformats.org/officeDocument/2006/relationships" xmlns:p1510="http://schemas.microsoft.com/office/powerpoint/2015/10/main"/>
 </file>
 
+<file path=ppt/ink/ink1.xml><?xml version="1.0" encoding="utf-8"?>
+<inkml:ink xmlns:inkml="http://www.w3.org/2003/InkML">
+  <inkml:definitions>
+    <inkml:context xml:id="ctx0">
+      <inkml:inkSource xml:id="inkSrc0">
+        <inkml:traceFormat>
+          <inkml:channel name="X" type="integer" min="-2.14748E9" max="2.14748E9" units="cm"/>
+          <inkml:channel name="Y" type="integer" min="-2.14748E9" max="2.14748E9" units="cm"/>
+        </inkml:traceFormat>
+        <inkml:channelProperties>
+          <inkml:channelProperty channel="X" name="resolution" value="1000" units="1/cm"/>
+          <inkml:channelProperty channel="Y" name="resolution" value="1000" units="1/cm"/>
+        </inkml:channelProperties>
+      </inkml:inkSource>
+      <inkml:timestamp xml:id="ts0" timeString="2017-12-19T11:44:06.993"/>
+    </inkml:context>
+    <inkml:brush xml:id="br0">
+      <inkml:brushProperty name="width" value="0.1" units="cm"/>
+      <inkml:brushProperty name="height" value="0.6" units="cm"/>
+      <inkml:brushProperty name="color" value="#849398"/>
+      <inkml:brushProperty name="ignorePressure" value="1"/>
+      <inkml:brushProperty name="inkEffects" value="pencil"/>
+    </inkml:brush>
+  </inkml:definitions>
+  <inkml:trace contextRef="#ctx0" brushRef="#br0">0 1,'0'0</inkml:trace>
+</inkml:ink>
+</file>
+
+<file path=ppt/ink/ink2.xml><?xml version="1.0" encoding="utf-8"?>
+<inkml:ink xmlns:inkml="http://www.w3.org/2003/InkML">
+  <inkml:definitions>
+    <inkml:context xml:id="ctx0">
+      <inkml:inkSource xml:id="inkSrc0">
+        <inkml:traceFormat>
+          <inkml:channel name="X" type="integer" min="-2.14748E9" max="2.14748E9" units="cm"/>
+          <inkml:channel name="Y" type="integer" min="-2.14748E9" max="2.14748E9" units="cm"/>
+        </inkml:traceFormat>
+        <inkml:channelProperties>
+          <inkml:channelProperty channel="X" name="resolution" value="1000" units="1/cm"/>
+          <inkml:channelProperty channel="Y" name="resolution" value="1000" units="1/cm"/>
+        </inkml:channelProperties>
+      </inkml:inkSource>
+      <inkml:timestamp xml:id="ts0" timeString="2017-12-19T11:44:06.413"/>
+    </inkml:context>
+    <inkml:brush xml:id="br0">
+      <inkml:brushProperty name="width" value="0.1" units="cm"/>
+      <inkml:brushProperty name="height" value="0.6" units="cm"/>
+      <inkml:brushProperty name="color" value="#849398"/>
+      <inkml:brushProperty name="ignorePressure" value="1"/>
+      <inkml:brushProperty name="inkEffects" value="pencil"/>
+    </inkml:brush>
+  </inkml:definitions>
+  <inkml:trace contextRef="#ctx0" brushRef="#br0">1 82,'0'0</inkml:trace>
+  <inkml:trace contextRef="#ctx0" brushRef="#br0" timeOffset="1260.8565">1 1,'0'0</inkml:trace>
+</inkml:ink>
+</file>
+
 <file path=ppt/notesMasters/notesMaster1.xml><?xml version="1.0" encoding="utf-8"?>
 <p:notesMaster xmlns:a="http://schemas.openxmlformats.org/drawingml/2006/main" xmlns:r="http://schemas.openxmlformats.org/officeDocument/2006/relationships" xmlns:p="http://schemas.openxmlformats.org/presentationml/2006/main">
   <p:cSld>
@@ -234,7 +291,7 @@
           <a:p>
             <a:fld id="{40E058F6-0855-4F41-9DFF-011A60BFA8DD}" type="datetimeFigureOut">
               <a:rPr lang="de-CH" smtClean="0"/>
-              <a:t>18.12.2017</a:t>
+              <a:t>19.12.2017</a:t>
             </a:fld>
             <a:endParaRPr lang="de-CH"/>
           </a:p>
@@ -3764,7 +3821,7 @@
           <a:p>
             <a:fld id="{A03FC283-BAF9-4C86-9590-3AD6D7A3D912}" type="datetimeFigureOut">
               <a:rPr lang="de-CH" smtClean="0"/>
-              <a:t>18.12.2017</a:t>
+              <a:t>19.12.2017</a:t>
             </a:fld>
             <a:endParaRPr lang="de-CH"/>
           </a:p>
@@ -3934,7 +3991,7 @@
           <a:p>
             <a:fld id="{A03FC283-BAF9-4C86-9590-3AD6D7A3D912}" type="datetimeFigureOut">
               <a:rPr lang="de-CH" smtClean="0"/>
-              <a:t>18.12.2017</a:t>
+              <a:t>19.12.2017</a:t>
             </a:fld>
             <a:endParaRPr lang="de-CH"/>
           </a:p>
@@ -4114,7 +4171,7 @@
           <a:p>
             <a:fld id="{A03FC283-BAF9-4C86-9590-3AD6D7A3D912}" type="datetimeFigureOut">
               <a:rPr lang="de-CH" smtClean="0"/>
-              <a:t>18.12.2017</a:t>
+              <a:t>19.12.2017</a:t>
             </a:fld>
             <a:endParaRPr lang="de-CH"/>
           </a:p>
@@ -4284,7 +4341,7 @@
           <a:p>
             <a:fld id="{A03FC283-BAF9-4C86-9590-3AD6D7A3D912}" type="datetimeFigureOut">
               <a:rPr lang="de-CH" smtClean="0"/>
-              <a:t>18.12.2017</a:t>
+              <a:t>19.12.2017</a:t>
             </a:fld>
             <a:endParaRPr lang="de-CH"/>
           </a:p>
@@ -4530,7 +4587,7 @@
           <a:p>
             <a:fld id="{A03FC283-BAF9-4C86-9590-3AD6D7A3D912}" type="datetimeFigureOut">
               <a:rPr lang="de-CH" smtClean="0"/>
-              <a:t>18.12.2017</a:t>
+              <a:t>19.12.2017</a:t>
             </a:fld>
             <a:endParaRPr lang="de-CH"/>
           </a:p>
@@ -4818,7 +4875,7 @@
           <a:p>
             <a:fld id="{A03FC283-BAF9-4C86-9590-3AD6D7A3D912}" type="datetimeFigureOut">
               <a:rPr lang="de-CH" smtClean="0"/>
-              <a:t>18.12.2017</a:t>
+              <a:t>19.12.2017</a:t>
             </a:fld>
             <a:endParaRPr lang="de-CH"/>
           </a:p>
@@ -5240,7 +5297,7 @@
           <a:p>
             <a:fld id="{A03FC283-BAF9-4C86-9590-3AD6D7A3D912}" type="datetimeFigureOut">
               <a:rPr lang="de-CH" smtClean="0"/>
-              <a:t>18.12.2017</a:t>
+              <a:t>19.12.2017</a:t>
             </a:fld>
             <a:endParaRPr lang="de-CH"/>
           </a:p>
@@ -5358,7 +5415,7 @@
           <a:p>
             <a:fld id="{A03FC283-BAF9-4C86-9590-3AD6D7A3D912}" type="datetimeFigureOut">
               <a:rPr lang="de-CH" smtClean="0"/>
-              <a:t>18.12.2017</a:t>
+              <a:t>19.12.2017</a:t>
             </a:fld>
             <a:endParaRPr lang="de-CH"/>
           </a:p>
@@ -5453,7 +5510,7 @@
           <a:p>
             <a:fld id="{A03FC283-BAF9-4C86-9590-3AD6D7A3D912}" type="datetimeFigureOut">
               <a:rPr lang="de-CH" smtClean="0"/>
-              <a:t>18.12.2017</a:t>
+              <a:t>19.12.2017</a:t>
             </a:fld>
             <a:endParaRPr lang="de-CH"/>
           </a:p>
@@ -5730,7 +5787,7 @@
           <a:p>
             <a:fld id="{A03FC283-BAF9-4C86-9590-3AD6D7A3D912}" type="datetimeFigureOut">
               <a:rPr lang="de-CH" smtClean="0"/>
-              <a:t>18.12.2017</a:t>
+              <a:t>19.12.2017</a:t>
             </a:fld>
             <a:endParaRPr lang="de-CH"/>
           </a:p>
@@ -5983,7 +6040,7 @@
           <a:p>
             <a:fld id="{A03FC283-BAF9-4C86-9590-3AD6D7A3D912}" type="datetimeFigureOut">
               <a:rPr lang="de-CH" smtClean="0"/>
-              <a:t>18.12.2017</a:t>
+              <a:t>19.12.2017</a:t>
             </a:fld>
             <a:endParaRPr lang="de-CH"/>
           </a:p>
@@ -6196,7 +6253,7 @@
           <a:p>
             <a:fld id="{A03FC283-BAF9-4C86-9590-3AD6D7A3D912}" type="datetimeFigureOut">
               <a:rPr lang="de-CH" smtClean="0"/>
-              <a:t>18.12.2017</a:t>
+              <a:t>19.12.2017</a:t>
             </a:fld>
             <a:endParaRPr lang="de-CH"/>
           </a:p>
@@ -7032,7 +7089,7 @@
                     <a:lumOff val="60000"/>
                   </a:schemeClr>
                 </a:solidFill>
-                <a:latin typeface="Courier New" pitchFamily="49" charset="0"/>
+                <a:latin typeface="+mn-lt"/>
                 <a:cs typeface="Courier New" pitchFamily="49" charset="0"/>
               </a:rPr>
               <a:t>BSpline</a:t>
@@ -7044,7 +7101,7 @@
                   <a:lumOff val="60000"/>
                 </a:schemeClr>
               </a:solidFill>
-              <a:latin typeface="Courier New" pitchFamily="49" charset="0"/>
+              <a:latin typeface="+mn-lt"/>
               <a:cs typeface="Courier New" pitchFamily="49" charset="0"/>
             </a:endParaRPr>
           </a:p>
@@ -7195,7 +7252,7 @@
                     <a:lumOff val="60000"/>
                   </a:schemeClr>
                 </a:solidFill>
-                <a:latin typeface="Courier New" pitchFamily="49" charset="0"/>
+                <a:latin typeface="+mn-lt"/>
                 <a:cs typeface="Courier New" pitchFamily="49" charset="0"/>
               </a:rPr>
               <a:t>BSpline</a:t>
@@ -7207,7 +7264,7 @@
                   <a:lumOff val="60000"/>
                 </a:schemeClr>
               </a:solidFill>
-              <a:latin typeface="Courier New" pitchFamily="49" charset="0"/>
+              <a:latin typeface="+mn-lt"/>
               <a:cs typeface="Courier New" pitchFamily="49" charset="0"/>
             </a:endParaRPr>
           </a:p>
@@ -7338,7 +7395,7 @@
                     <a:lumOff val="60000"/>
                   </a:schemeClr>
                 </a:solidFill>
-                <a:latin typeface="Courier New" pitchFamily="49" charset="0"/>
+                <a:latin typeface="+mn-lt"/>
                 <a:cs typeface="Courier New" pitchFamily="49" charset="0"/>
               </a:rPr>
               <a:t>BSpline</a:t>
@@ -7350,7 +7407,7 @@
                   <a:lumOff val="60000"/>
                 </a:schemeClr>
               </a:solidFill>
-              <a:latin typeface="Courier New" pitchFamily="49" charset="0"/>
+              <a:latin typeface="+mn-lt"/>
               <a:cs typeface="Courier New" pitchFamily="49" charset="0"/>
             </a:endParaRPr>
           </a:p>
@@ -7500,7 +7557,7 @@
                   <a:lumOff val="60000"/>
                 </a:schemeClr>
               </a:solidFill>
-              <a:latin typeface="Courier New" pitchFamily="49" charset="0"/>
+              <a:latin typeface="+mn-lt"/>
               <a:cs typeface="Courier New" pitchFamily="49" charset="0"/>
             </a:endParaRPr>
           </a:p>
@@ -7696,7 +7753,7 @@
                     <a:lumOff val="60000"/>
                   </a:schemeClr>
                 </a:solidFill>
-                <a:latin typeface="Courier New" pitchFamily="49" charset="0"/>
+                <a:latin typeface="+mn-lt"/>
                 <a:cs typeface="Courier New" pitchFamily="49" charset="0"/>
               </a:rPr>
               <a:t>Result 2</a:t>
@@ -7708,7 +7765,7 @@
                   <a:lumOff val="60000"/>
                 </a:schemeClr>
               </a:solidFill>
-              <a:latin typeface="Courier New" pitchFamily="49" charset="0"/>
+              <a:latin typeface="+mn-lt"/>
               <a:cs typeface="Courier New" pitchFamily="49" charset="0"/>
             </a:endParaRPr>
           </a:p>
@@ -7945,52 +8002,32 @@
               </a:spcAft>
             </a:pPr>
             <a:r>
-              <a:rPr lang="de-DE" sz="2000" dirty="0">
+              <a:rPr lang="en-GB" sz="2000" dirty="0">
                 <a:solidFill>
                   <a:srgbClr val="000000"/>
                 </a:solidFill>
-                <a:latin typeface="Courier New" pitchFamily="49" charset="0"/>
                 <a:cs typeface="Courier New" pitchFamily="49" charset="0"/>
               </a:rPr>
               <a:t>Affine/ </a:t>
             </a:r>
             <a:r>
-              <a:rPr lang="de-DE" sz="2000" dirty="0" err="1">
+              <a:rPr lang="en-GB" sz="2000" dirty="0" err="1">
                 <a:solidFill>
                   <a:srgbClr val="000000"/>
                 </a:solidFill>
-                <a:latin typeface="Courier New" pitchFamily="49" charset="0"/>
                 <a:cs typeface="Courier New" pitchFamily="49" charset="0"/>
               </a:rPr>
               <a:t>BSpline</a:t>
             </a:r>
             <a:r>
-              <a:rPr lang="de-DE" sz="2000" dirty="0">
+              <a:rPr lang="en-GB" sz="2000" dirty="0">
                 <a:solidFill>
                   <a:srgbClr val="000000"/>
                 </a:solidFill>
-                <a:latin typeface="Courier New" pitchFamily="49" charset="0"/>
-                <a:cs typeface="Courier New" pitchFamily="49" charset="0"/>
-              </a:rPr>
-              <a:t> </a:t>
-            </a:r>
-            <a:r>
-              <a:rPr lang="de-DE" sz="2000" dirty="0" err="1">
-                <a:solidFill>
-                  <a:srgbClr val="000000"/>
-                </a:solidFill>
-                <a:latin typeface="Courier New" pitchFamily="49" charset="0"/>
-                <a:cs typeface="Courier New" pitchFamily="49" charset="0"/>
-              </a:rPr>
-              <a:t>transformation</a:t>
-            </a:r>
-            <a:endParaRPr lang="de-DE" sz="2000" dirty="0">
-              <a:solidFill>
-                <a:srgbClr val="000000"/>
-              </a:solidFill>
-              <a:latin typeface="Courier New" pitchFamily="49" charset="0"/>
-              <a:cs typeface="Courier New" pitchFamily="49" charset="0"/>
-            </a:endParaRPr>
+                <a:cs typeface="Courier New" pitchFamily="49" charset="0"/>
+              </a:rPr>
+              <a:t> transformation</a:t>
+            </a:r>
           </a:p>
         </p:txBody>
       </p:sp>
@@ -8717,7 +8754,7 @@
                     <a:lumOff val="60000"/>
                   </a:schemeClr>
                 </a:solidFill>
-                <a:latin typeface="Courier New" pitchFamily="49" charset="0"/>
+                <a:latin typeface="+mn-lt"/>
                 <a:cs typeface="Courier New" pitchFamily="49" charset="0"/>
               </a:rPr>
               <a:t>Discussion - </a:t>
@@ -8730,7 +8767,7 @@
                     <a:lumOff val="60000"/>
                   </a:schemeClr>
                 </a:solidFill>
-                <a:latin typeface="Courier New" pitchFamily="49" charset="0"/>
+                <a:latin typeface="+mn-lt"/>
                 <a:cs typeface="Courier New" pitchFamily="49" charset="0"/>
               </a:rPr>
               <a:t>BSpline</a:t>
@@ -8742,7 +8779,7 @@
                   <a:lumOff val="60000"/>
                 </a:schemeClr>
               </a:solidFill>
-              <a:latin typeface="Courier New" pitchFamily="49" charset="0"/>
+              <a:latin typeface="+mn-lt"/>
               <a:cs typeface="Courier New" pitchFamily="49" charset="0"/>
             </a:endParaRPr>
           </a:p>
@@ -8889,7 +8926,9 @@
               <a:buFontTx/>
               <a:buChar char="-"/>
             </a:pPr>
-            <a:endParaRPr lang="en-GB" sz="3200" dirty="0"/>
+            <a:endParaRPr lang="en-GB" sz="3200" dirty="0">
+              <a:latin typeface="+mn-lt"/>
+            </a:endParaRPr>
           </a:p>
         </p:txBody>
       </p:sp>
@@ -8916,7 +8955,6 @@
           <a:lstStyle/>
           <a:p>
             <a:endParaRPr lang="en-GB" dirty="0">
-              <a:latin typeface="Courier New" pitchFamily="49" charset="0"/>
               <a:cs typeface="Courier New" pitchFamily="49" charset="0"/>
             </a:endParaRPr>
           </a:p>
@@ -8926,7 +8964,6 @@
               <a:buChar char="-"/>
             </a:pPr>
             <a:endParaRPr lang="en-GB" dirty="0">
-              <a:latin typeface="Courier New" pitchFamily="49" charset="0"/>
               <a:cs typeface="Courier New" pitchFamily="49" charset="0"/>
             </a:endParaRPr>
           </a:p>
@@ -10287,7 +10324,7 @@
                     <a:lumOff val="60000"/>
                   </a:schemeClr>
                 </a:solidFill>
-                <a:latin typeface="Courier New" pitchFamily="49" charset="0"/>
+                <a:latin typeface="+mn-lt"/>
                 <a:cs typeface="Courier New" pitchFamily="49" charset="0"/>
               </a:rPr>
               <a:t>Outlook</a:t>
@@ -10299,7 +10336,7 @@
                   <a:lumOff val="60000"/>
                 </a:schemeClr>
               </a:solidFill>
-              <a:latin typeface="Courier New" pitchFamily="49" charset="0"/>
+              <a:latin typeface="+mn-lt"/>
               <a:cs typeface="Courier New" pitchFamily="49" charset="0"/>
             </a:endParaRPr>
           </a:p>
@@ -10446,7 +10483,9 @@
               <a:buFontTx/>
               <a:buChar char="-"/>
             </a:pPr>
-            <a:endParaRPr lang="en-GB" sz="3200" dirty="0"/>
+            <a:endParaRPr lang="en-GB" sz="3200" dirty="0">
+              <a:latin typeface="+mn-lt"/>
+            </a:endParaRPr>
           </a:p>
         </p:txBody>
       </p:sp>
@@ -10459,7 +10498,7 @@
         <p:spPr>
           <a:xfrm>
             <a:off x="539552" y="1979548"/>
-            <a:ext cx="4104456" cy="615553"/>
+            <a:ext cx="6336704" cy="861774"/>
           </a:xfrm>
           <a:prstGeom prst="rect">
             <a:avLst/>
@@ -10478,13 +10517,35 @@
             </a:pPr>
             <a:r>
               <a:rPr lang="en-GB" sz="1600" dirty="0">
-                <a:latin typeface="Courier New" pitchFamily="49" charset="0"/>
+                <a:cs typeface="Courier New" pitchFamily="49" charset="0"/>
+              </a:rPr>
+              <a:t>Combine transformations (affine and </a:t>
+            </a:r>
+            <a:r>
+              <a:rPr lang="en-GB" sz="1600" dirty="0" err="1">
+                <a:cs typeface="Courier New" pitchFamily="49" charset="0"/>
+              </a:rPr>
+              <a:t>Bspline</a:t>
+            </a:r>
+            <a:r>
+              <a:rPr lang="en-GB" sz="1600" dirty="0">
+                <a:cs typeface="Courier New" pitchFamily="49" charset="0"/>
+              </a:rPr>
+              <a:t>)</a:t>
+            </a:r>
+          </a:p>
+          <a:p>
+            <a:pPr marL="285750" indent="-285750">
+              <a:buFont typeface="Arial" pitchFamily="34" charset="0"/>
+              <a:buChar char="•"/>
+            </a:pPr>
+            <a:r>
+              <a:rPr lang="en-GB" sz="1600" dirty="0" err="1">
                 <a:cs typeface="Courier New" pitchFamily="49" charset="0"/>
               </a:rPr>
               <a:t>SimpleElastix</a:t>
             </a:r>
             <a:endParaRPr lang="en-GB" dirty="0">
-              <a:latin typeface="Courier New" pitchFamily="49" charset="0"/>
               <a:cs typeface="Courier New" pitchFamily="49" charset="0"/>
             </a:endParaRPr>
           </a:p>
@@ -10494,7 +10555,6 @@
               <a:buChar char="-"/>
             </a:pPr>
             <a:endParaRPr lang="en-GB" dirty="0">
-              <a:latin typeface="Courier New" pitchFamily="49" charset="0"/>
               <a:cs typeface="Courier New" pitchFamily="49" charset="0"/>
             </a:endParaRPr>
           </a:p>
@@ -13865,7 +13925,6 @@
             </a:pPr>
             <a:r>
               <a:rPr lang="en-GB" dirty="0">
-                <a:latin typeface="Courier New" pitchFamily="49" charset="0"/>
                 <a:cs typeface="Courier New" pitchFamily="49" charset="0"/>
               </a:rPr>
               <a:t>Introduction</a:t>
@@ -13877,7 +13936,6 @@
               <a:buChar char="•"/>
             </a:pPr>
             <a:endParaRPr lang="en-GB" sz="1600" dirty="0">
-              <a:latin typeface="Courier New" pitchFamily="49" charset="0"/>
               <a:cs typeface="Courier New" pitchFamily="49" charset="0"/>
             </a:endParaRPr>
           </a:p>
@@ -13891,7 +13949,6 @@
                 <a:solidFill>
                   <a:srgbClr val="FF0000"/>
                 </a:solidFill>
-                <a:latin typeface="Courier New" pitchFamily="49" charset="0"/>
                 <a:cs typeface="Courier New" pitchFamily="49" charset="0"/>
               </a:rPr>
               <a:t>Evaluation</a:t>
@@ -13900,7 +13957,6 @@
               <a:solidFill>
                 <a:srgbClr val="FF0000"/>
               </a:solidFill>
-              <a:latin typeface="Courier New" pitchFamily="49" charset="0"/>
               <a:cs typeface="Courier New" pitchFamily="49" charset="0"/>
             </a:endParaRPr>
           </a:p>
@@ -13910,7 +13966,6 @@
               <a:buChar char="•"/>
             </a:pPr>
             <a:endParaRPr lang="en-GB" sz="1600" dirty="0">
-              <a:latin typeface="Courier New" pitchFamily="49" charset="0"/>
               <a:cs typeface="Courier New" pitchFamily="49" charset="0"/>
             </a:endParaRPr>
           </a:p>
@@ -13921,27 +13976,23 @@
             </a:pPr>
             <a:r>
               <a:rPr lang="en-GB" dirty="0">
-                <a:latin typeface="Courier New" pitchFamily="49" charset="0"/>
                 <a:cs typeface="Courier New" pitchFamily="49" charset="0"/>
               </a:rPr>
               <a:t>Affine</a:t>
             </a:r>
             <a:r>
               <a:rPr lang="en-GB" sz="1600" dirty="0">
-                <a:latin typeface="Courier New" pitchFamily="49" charset="0"/>
                 <a:cs typeface="Courier New" pitchFamily="49" charset="0"/>
               </a:rPr>
               <a:t> </a:t>
             </a:r>
             <a:r>
               <a:rPr lang="en-GB" dirty="0">
-                <a:latin typeface="Courier New" pitchFamily="49" charset="0"/>
                 <a:cs typeface="Courier New" pitchFamily="49" charset="0"/>
               </a:rPr>
               <a:t>Registration</a:t>
             </a:r>
             <a:endParaRPr lang="en-GB" sz="1600" dirty="0">
-              <a:latin typeface="Courier New" pitchFamily="49" charset="0"/>
               <a:cs typeface="Courier New" pitchFamily="49" charset="0"/>
             </a:endParaRPr>
           </a:p>
@@ -13951,7 +14002,6 @@
               <a:buChar char="•"/>
             </a:pPr>
             <a:endParaRPr lang="en-GB" dirty="0">
-              <a:latin typeface="Courier New" pitchFamily="49" charset="0"/>
               <a:cs typeface="Courier New" pitchFamily="49" charset="0"/>
             </a:endParaRPr>
           </a:p>
@@ -13962,14 +14012,12 @@
             </a:pPr>
             <a:r>
               <a:rPr lang="en-GB" dirty="0" err="1">
-                <a:latin typeface="Courier New" pitchFamily="49" charset="0"/>
                 <a:cs typeface="Courier New" pitchFamily="49" charset="0"/>
               </a:rPr>
               <a:t>BSpline</a:t>
             </a:r>
             <a:r>
               <a:rPr lang="en-GB" dirty="0">
-                <a:latin typeface="Courier New" pitchFamily="49" charset="0"/>
                 <a:cs typeface="Courier New" pitchFamily="49" charset="0"/>
               </a:rPr>
               <a:t> Registration</a:t>
@@ -13981,7 +14029,6 @@
               <a:buChar char="•"/>
             </a:pPr>
             <a:endParaRPr lang="en-GB" dirty="0">
-              <a:latin typeface="Courier New" pitchFamily="49" charset="0"/>
               <a:cs typeface="Courier New" pitchFamily="49" charset="0"/>
             </a:endParaRPr>
           </a:p>
@@ -13992,7 +14039,6 @@
             </a:pPr>
             <a:r>
               <a:rPr lang="en-GB" dirty="0">
-                <a:latin typeface="Courier New" pitchFamily="49" charset="0"/>
                 <a:cs typeface="Courier New" pitchFamily="49" charset="0"/>
               </a:rPr>
               <a:t>Discussion</a:t>
@@ -14004,7 +14050,6 @@
               <a:buChar char="•"/>
             </a:pPr>
             <a:endParaRPr lang="en-GB" dirty="0">
-              <a:latin typeface="Courier New" pitchFamily="49" charset="0"/>
               <a:cs typeface="Courier New" pitchFamily="49" charset="0"/>
             </a:endParaRPr>
           </a:p>
@@ -14015,7 +14060,6 @@
             </a:pPr>
             <a:r>
               <a:rPr lang="en-GB" dirty="0">
-                <a:latin typeface="Courier New" pitchFamily="49" charset="0"/>
                 <a:cs typeface="Courier New" pitchFamily="49" charset="0"/>
               </a:rPr>
               <a:t>Outlook</a:t>
@@ -14027,7 +14071,6 @@
               <a:buChar char="-"/>
             </a:pPr>
             <a:endParaRPr lang="en-GB" dirty="0">
-              <a:latin typeface="Courier New" pitchFamily="49" charset="0"/>
               <a:cs typeface="Courier New" pitchFamily="49" charset="0"/>
             </a:endParaRPr>
           </a:p>
@@ -20208,7 +20251,7 @@
         <p:spPr>
           <a:xfrm>
             <a:off x="1845495" y="5259287"/>
-            <a:ext cx="925253" cy="338554"/>
+            <a:ext cx="752129" cy="338554"/>
           </a:xfrm>
           <a:prstGeom prst="rect">
             <a:avLst/>
@@ -20223,13 +20266,17 @@
           <a:p>
             <a:r>
               <a:rPr lang="en-GB" sz="1600" dirty="0">
-                <a:latin typeface="Courier New" pitchFamily="49" charset="0"/>
-                <a:cs typeface="Courier New" pitchFamily="49" charset="0"/>
-              </a:rPr>
-              <a:t>T1_mni</a:t>
+                <a:cs typeface="Courier New" pitchFamily="49" charset="0"/>
+              </a:rPr>
+              <a:t>T1 </a:t>
+            </a:r>
+            <a:r>
+              <a:rPr lang="en-GB" sz="1600" dirty="0" err="1">
+                <a:cs typeface="Courier New" pitchFamily="49" charset="0"/>
+              </a:rPr>
+              <a:t>mni</a:t>
             </a:r>
             <a:endParaRPr lang="en-GB" dirty="0">
-              <a:latin typeface="Courier New" pitchFamily="49" charset="0"/>
               <a:cs typeface="Courier New" pitchFamily="49" charset="0"/>
             </a:endParaRPr>
           </a:p>
@@ -20315,7 +20362,7 @@
         <p:spPr>
           <a:xfrm>
             <a:off x="1844379" y="2246923"/>
-            <a:ext cx="1295547" cy="338554"/>
+            <a:ext cx="946991" cy="338554"/>
           </a:xfrm>
           <a:prstGeom prst="rect">
             <a:avLst/>
@@ -20330,13 +20377,11 @@
           <a:p>
             <a:r>
               <a:rPr lang="en-GB" sz="1600" dirty="0">
-                <a:latin typeface="Courier New" pitchFamily="49" charset="0"/>
-                <a:cs typeface="Courier New" pitchFamily="49" charset="0"/>
-              </a:rPr>
-              <a:t>T1_native</a:t>
+                <a:cs typeface="Courier New" pitchFamily="49" charset="0"/>
+              </a:rPr>
+              <a:t>T1 native</a:t>
             </a:r>
             <a:endParaRPr lang="en-GB" dirty="0">
-              <a:latin typeface="Courier New" pitchFamily="49" charset="0"/>
               <a:cs typeface="Courier New" pitchFamily="49" charset="0"/>
             </a:endParaRPr>
           </a:p>
@@ -20635,7 +20680,7 @@
                     <a:lumOff val="60000"/>
                   </a:schemeClr>
                 </a:solidFill>
-                <a:latin typeface="Courier New" pitchFamily="49" charset="0"/>
+                <a:latin typeface="+mn-lt"/>
                 <a:cs typeface="Courier New" pitchFamily="49" charset="0"/>
               </a:rPr>
               <a:t>MIA Pipeline</a:t>
@@ -20647,7 +20692,7 @@
                   <a:lumOff val="60000"/>
                 </a:schemeClr>
               </a:solidFill>
-              <a:latin typeface="Courier New" pitchFamily="49" charset="0"/>
+              <a:latin typeface="+mn-lt"/>
               <a:cs typeface="Courier New" pitchFamily="49" charset="0"/>
             </a:endParaRPr>
           </a:p>
@@ -20798,7 +20843,7 @@
                     <a:lumOff val="60000"/>
                   </a:schemeClr>
                 </a:solidFill>
-                <a:latin typeface="Courier New" pitchFamily="49" charset="0"/>
+                <a:latin typeface="+mn-lt"/>
                 <a:cs typeface="Courier New" pitchFamily="49" charset="0"/>
               </a:rPr>
               <a:t>Evaluation</a:t>
@@ -20810,7 +20855,7 @@
                   <a:lumOff val="60000"/>
                 </a:schemeClr>
               </a:solidFill>
-              <a:latin typeface="Courier New" pitchFamily="49" charset="0"/>
+              <a:latin typeface="+mn-lt"/>
               <a:cs typeface="Courier New" pitchFamily="49" charset="0"/>
             </a:endParaRPr>
           </a:p>
@@ -21025,7 +21070,7 @@
                     <a:lumOff val="60000"/>
                   </a:schemeClr>
                 </a:solidFill>
-                <a:latin typeface="Courier New" pitchFamily="49" charset="0"/>
+                <a:latin typeface="+mn-lt"/>
                 <a:cs typeface="Courier New" pitchFamily="49" charset="0"/>
               </a:rPr>
               <a:t>Evaluation</a:t>
@@ -21037,7 +21082,7 @@
                   <a:lumOff val="60000"/>
                 </a:schemeClr>
               </a:solidFill>
-              <a:latin typeface="Courier New" pitchFamily="49" charset="0"/>
+              <a:latin typeface="+mn-lt"/>
               <a:cs typeface="Courier New" pitchFamily="49" charset="0"/>
             </a:endParaRPr>
           </a:p>
@@ -21214,8 +21259,8 @@
         </p:nvSpPr>
         <p:spPr>
           <a:xfrm>
-            <a:off x="300976" y="5927333"/>
-            <a:ext cx="925253" cy="338554"/>
+            <a:off x="363487" y="5927333"/>
+            <a:ext cx="752129" cy="338554"/>
           </a:xfrm>
           <a:prstGeom prst="rect">
             <a:avLst/>
@@ -21230,13 +21275,17 @@
           <a:p>
             <a:r>
               <a:rPr lang="en-GB" sz="1600" dirty="0">
-                <a:latin typeface="Courier New" pitchFamily="49" charset="0"/>
-                <a:cs typeface="Courier New" pitchFamily="49" charset="0"/>
-              </a:rPr>
-              <a:t>T1_mni</a:t>
+                <a:cs typeface="Courier New" pitchFamily="49" charset="0"/>
+              </a:rPr>
+              <a:t>T1 </a:t>
+            </a:r>
+            <a:r>
+              <a:rPr lang="en-GB" sz="1600" dirty="0" err="1">
+                <a:cs typeface="Courier New" pitchFamily="49" charset="0"/>
+              </a:rPr>
+              <a:t>mni</a:t>
             </a:r>
             <a:endParaRPr lang="en-GB" dirty="0">
-              <a:latin typeface="Courier New" pitchFamily="49" charset="0"/>
               <a:cs typeface="Courier New" pitchFamily="49" charset="0"/>
             </a:endParaRPr>
           </a:p>
@@ -21321,8 +21370,8 @@
         </p:nvSpPr>
         <p:spPr>
           <a:xfrm>
-            <a:off x="302442" y="2854147"/>
-            <a:ext cx="1295547" cy="338554"/>
+            <a:off x="389994" y="2854147"/>
+            <a:ext cx="946991" cy="338554"/>
           </a:xfrm>
           <a:prstGeom prst="rect">
             <a:avLst/>
@@ -21337,13 +21386,11 @@
           <a:p>
             <a:r>
               <a:rPr lang="en-GB" sz="1600" dirty="0">
-                <a:latin typeface="Courier New" pitchFamily="49" charset="0"/>
-                <a:cs typeface="Courier New" pitchFamily="49" charset="0"/>
-              </a:rPr>
-              <a:t>T1_native</a:t>
+                <a:cs typeface="Courier New" pitchFamily="49" charset="0"/>
+              </a:rPr>
+              <a:t>T1 native</a:t>
             </a:r>
             <a:endParaRPr lang="en-GB" dirty="0">
-              <a:latin typeface="Courier New" pitchFamily="49" charset="0"/>
               <a:cs typeface="Courier New" pitchFamily="49" charset="0"/>
             </a:endParaRPr>
           </a:p>
@@ -21658,7 +21705,7 @@
         <p:spPr>
           <a:xfrm>
             <a:off x="2875043" y="2861133"/>
-            <a:ext cx="1580882" cy="307777"/>
+            <a:ext cx="1101392" cy="307777"/>
           </a:xfrm>
           <a:prstGeom prst="rect">
             <a:avLst/>
@@ -21673,13 +21720,11 @@
           <a:p>
             <a:r>
               <a:rPr lang="en-GB" sz="1400" dirty="0">
-                <a:latin typeface="Courier New" pitchFamily="49" charset="0"/>
-                <a:cs typeface="Courier New" pitchFamily="49" charset="0"/>
-              </a:rPr>
-              <a:t>labels_native</a:t>
+                <a:cs typeface="Courier New" pitchFamily="49" charset="0"/>
+              </a:rPr>
+              <a:t>labels native</a:t>
             </a:r>
             <a:endParaRPr lang="en-GB" sz="1600" dirty="0">
-              <a:latin typeface="Courier New" pitchFamily="49" charset="0"/>
               <a:cs typeface="Courier New" pitchFamily="49" charset="0"/>
             </a:endParaRPr>
           </a:p>
@@ -21758,7 +21803,7 @@
         <p:spPr>
           <a:xfrm>
             <a:off x="2875414" y="5929005"/>
-            <a:ext cx="1903085" cy="307777"/>
+            <a:ext cx="1387880" cy="307777"/>
           </a:xfrm>
           <a:prstGeom prst="rect">
             <a:avLst/>
@@ -21773,13 +21818,11 @@
           <a:p>
             <a:r>
               <a:rPr lang="en-GB" sz="1400" dirty="0">
-                <a:latin typeface="Courier New" pitchFamily="49" charset="0"/>
-                <a:cs typeface="Courier New" pitchFamily="49" charset="0"/>
-              </a:rPr>
-              <a:t>Labels_registerd</a:t>
+                <a:cs typeface="Courier New" pitchFamily="49" charset="0"/>
+              </a:rPr>
+              <a:t>labels registered</a:t>
             </a:r>
             <a:endParaRPr lang="en-GB" sz="1600" dirty="0">
-              <a:latin typeface="Courier New" pitchFamily="49" charset="0"/>
               <a:cs typeface="Courier New" pitchFamily="49" charset="0"/>
             </a:endParaRPr>
           </a:p>
@@ -21794,7 +21837,7 @@
         <p:spPr>
           <a:xfrm>
             <a:off x="5328904" y="2872853"/>
-            <a:ext cx="1903085" cy="307777"/>
+            <a:ext cx="1387880" cy="307777"/>
           </a:xfrm>
           <a:prstGeom prst="rect">
             <a:avLst/>
@@ -21809,13 +21852,11 @@
           <a:p>
             <a:r>
               <a:rPr lang="en-GB" sz="1400" dirty="0">
-                <a:latin typeface="Courier New" pitchFamily="49" charset="0"/>
-                <a:cs typeface="Courier New" pitchFamily="49" charset="0"/>
-              </a:rPr>
-              <a:t>labels_registerd</a:t>
+                <a:cs typeface="Courier New" pitchFamily="49" charset="0"/>
+              </a:rPr>
+              <a:t>labels registered</a:t>
             </a:r>
             <a:endParaRPr lang="en-GB" sz="1600" dirty="0">
-              <a:latin typeface="Courier New" pitchFamily="49" charset="0"/>
               <a:cs typeface="Courier New" pitchFamily="49" charset="0"/>
             </a:endParaRPr>
           </a:p>
@@ -21958,7 +21999,7 @@
         <p:spPr>
           <a:xfrm>
             <a:off x="5340812" y="5950033"/>
-            <a:ext cx="1795684" cy="307777"/>
+            <a:ext cx="1273041" cy="307777"/>
           </a:xfrm>
           <a:prstGeom prst="rect">
             <a:avLst/>
@@ -21973,11 +22014,19 @@
           <a:p>
             <a:r>
               <a:rPr lang="en-GB" sz="1400" dirty="0">
-                <a:latin typeface="Courier New" pitchFamily="49" charset="0"/>
-                <a:cs typeface="Courier New" pitchFamily="49" charset="0"/>
-              </a:rPr>
-              <a:t>labels_mniatlas</a:t>
-            </a:r>
+                <a:cs typeface="Courier New" pitchFamily="49" charset="0"/>
+              </a:rPr>
+              <a:t>labels </a:t>
+            </a:r>
+            <a:r>
+              <a:rPr lang="en-GB" sz="1400" dirty="0" err="1">
+                <a:cs typeface="Courier New" pitchFamily="49" charset="0"/>
+              </a:rPr>
+              <a:t>mniatlas</a:t>
+            </a:r>
+            <a:endParaRPr lang="en-GB" sz="1400" dirty="0">
+              <a:cs typeface="Courier New" pitchFamily="49" charset="0"/>
+            </a:endParaRPr>
           </a:p>
         </p:txBody>
       </p:sp>
@@ -22491,6 +22540,108 @@
           </a:fontRef>
         </p:style>
       </p:cxnSp>
+      <mc:AlternateContent xmlns:mc="http://schemas.openxmlformats.org/markup-compatibility/2006">
+        <mc:Choice xmlns:p14="http://schemas.microsoft.com/office/powerpoint/2010/main" xmlns:aink="http://schemas.microsoft.com/office/drawing/2016/ink" Requires="p14 aink">
+          <p:contentPart p14:bwMode="auto" r:id="rId9">
+            <p14:nvContentPartPr>
+              <p14:cNvPr id="6" name="Freihand 5">
+                <a:extLst>
+                  <a:ext uri="{FF2B5EF4-FFF2-40B4-BE49-F238E27FC236}">
+                    <a16:creationId xmlns:a16="http://schemas.microsoft.com/office/drawing/2014/main" id="{C5ED0E1B-4E97-4FFD-8142-1DD5309576B4}"/>
+                  </a:ext>
+                </a:extLst>
+              </p14:cNvPr>
+              <p14:cNvContentPartPr/>
+              <p14:nvPr/>
+            </p14:nvContentPartPr>
+            <p14:xfrm>
+              <a:off x="5953320" y="3044420"/>
+              <a:ext cx="360" cy="360"/>
+            </p14:xfrm>
+          </p:contentPart>
+        </mc:Choice>
+        <mc:Fallback>
+          <p:pic>
+            <p:nvPicPr>
+              <p:cNvPr id="6" name="Freihand 5">
+                <a:extLst>
+                  <a:ext uri="{FF2B5EF4-FFF2-40B4-BE49-F238E27FC236}">
+                    <a16:creationId xmlns:a16="http://schemas.microsoft.com/office/drawing/2014/main" id="{C5ED0E1B-4E97-4FFD-8142-1DD5309576B4}"/>
+                  </a:ext>
+                </a:extLst>
+              </p:cNvPr>
+              <p:cNvPicPr/>
+              <p:nvPr/>
+            </p:nvPicPr>
+            <p:blipFill>
+              <a:blip r:embed="rId10"/>
+              <a:stretch>
+                <a:fillRect/>
+              </a:stretch>
+            </p:blipFill>
+            <p:spPr>
+              <a:xfrm>
+                <a:off x="5935320" y="2936780"/>
+                <a:ext cx="36000" cy="216000"/>
+              </a:xfrm>
+              <a:prstGeom prst="rect">
+                <a:avLst/>
+              </a:prstGeom>
+            </p:spPr>
+          </p:pic>
+        </mc:Fallback>
+      </mc:AlternateContent>
+      <mc:AlternateContent xmlns:mc="http://schemas.openxmlformats.org/markup-compatibility/2006">
+        <mc:Choice xmlns:p14="http://schemas.microsoft.com/office/powerpoint/2010/main" xmlns:aink="http://schemas.microsoft.com/office/drawing/2016/ink" Requires="p14 aink">
+          <p:contentPart p14:bwMode="auto" r:id="rId11">
+            <p14:nvContentPartPr>
+              <p14:cNvPr id="8" name="Freihand 7">
+                <a:extLst>
+                  <a:ext uri="{FF2B5EF4-FFF2-40B4-BE49-F238E27FC236}">
+                    <a16:creationId xmlns:a16="http://schemas.microsoft.com/office/drawing/2014/main" id="{A3C38371-69A3-41A4-ACDB-4FA7FAB8A2A4}"/>
+                  </a:ext>
+                </a:extLst>
+              </p14:cNvPr>
+              <p14:cNvContentPartPr/>
+              <p14:nvPr/>
+            </p14:nvContentPartPr>
+            <p14:xfrm>
+              <a:off x="5778000" y="3034700"/>
+              <a:ext cx="360" cy="29520"/>
+            </p14:xfrm>
+          </p:contentPart>
+        </mc:Choice>
+        <mc:Fallback>
+          <p:pic>
+            <p:nvPicPr>
+              <p:cNvPr id="8" name="Freihand 7">
+                <a:extLst>
+                  <a:ext uri="{FF2B5EF4-FFF2-40B4-BE49-F238E27FC236}">
+                    <a16:creationId xmlns:a16="http://schemas.microsoft.com/office/drawing/2014/main" id="{A3C38371-69A3-41A4-ACDB-4FA7FAB8A2A4}"/>
+                  </a:ext>
+                </a:extLst>
+              </p:cNvPr>
+              <p:cNvPicPr/>
+              <p:nvPr/>
+            </p:nvPicPr>
+            <p:blipFill>
+              <a:blip r:embed="rId12"/>
+              <a:stretch>
+                <a:fillRect/>
+              </a:stretch>
+            </p:blipFill>
+            <p:spPr>
+              <a:xfrm>
+                <a:off x="5760360" y="2927060"/>
+                <a:ext cx="36000" cy="245160"/>
+              </a:xfrm>
+              <a:prstGeom prst="rect">
+                <a:avLst/>
+              </a:prstGeom>
+            </p:spPr>
+          </p:pic>
+        </mc:Fallback>
+      </mc:AlternateContent>
     </p:spTree>
     <p:extLst>
       <p:ext uri="{BB962C8B-B14F-4D97-AF65-F5344CB8AC3E}">
@@ -25656,51 +25807,15 @@
               </a:spcAft>
             </a:pPr>
             <a:r>
-              <a:rPr lang="de-DE" sz="2000" dirty="0" err="1">
+              <a:rPr lang="en-GB" sz="2000" dirty="0">
                 <a:solidFill>
                   <a:srgbClr val="000000"/>
                 </a:solidFill>
                 <a:cs typeface="Courier New" pitchFamily="49" charset="0"/>
               </a:rPr>
-              <a:t>Dice</a:t>
-            </a:r>
-            <a:r>
-              <a:rPr lang="de-DE" sz="2000" dirty="0">
-                <a:solidFill>
-                  <a:srgbClr val="000000"/>
-                </a:solidFill>
-                <a:cs typeface="Courier New" pitchFamily="49" charset="0"/>
-              </a:rPr>
-              <a:t> </a:t>
-            </a:r>
-            <a:r>
-              <a:rPr lang="de-DE" sz="2000" dirty="0" err="1">
-                <a:solidFill>
-                  <a:srgbClr val="000000"/>
-                </a:solidFill>
-                <a:cs typeface="Courier New" pitchFamily="49" charset="0"/>
-              </a:rPr>
-              <a:t>coefficients</a:t>
-            </a:r>
-            <a:r>
-              <a:rPr lang="de-DE" sz="2000" dirty="0">
-                <a:solidFill>
-                  <a:srgbClr val="000000"/>
-                </a:solidFill>
-                <a:cs typeface="Courier New" pitchFamily="49" charset="0"/>
-              </a:rPr>
-              <a:t> affine </a:t>
-            </a:r>
-            <a:r>
-              <a:rPr lang="de-DE" sz="2000" dirty="0" err="1">
-                <a:solidFill>
-                  <a:srgbClr val="000000"/>
-                </a:solidFill>
-                <a:cs typeface="Courier New" pitchFamily="49" charset="0"/>
-              </a:rPr>
-              <a:t>transformation</a:t>
-            </a:r>
-            <a:endParaRPr kumimoji="0" lang="de-DE" sz="2000" b="0" i="0" u="none" strike="noStrike" cap="none" normalizeH="0" baseline="0" dirty="0">
+              <a:t>Dice coefficients affine transformation</a:t>
+            </a:r>
+            <a:endParaRPr kumimoji="0" lang="en-GB" sz="2000" b="0" i="0" u="none" strike="noStrike" cap="none" normalizeH="0" baseline="0" dirty="0">
               <a:ln>
                 <a:noFill/>
               </a:ln>

--- a/wd/Documentation/MIALab presentation.pptx
+++ b/wd/Documentation/MIALab presentation.pptx
@@ -131,7 +131,7 @@
   </p:defaultTextStyle>
   <p:extLst>
     <p:ext uri="{EFAFB233-063F-42B5-8137-9DF3F51BA10A}">
-      <p15:sldGuideLst xmlns:p15="http://schemas.microsoft.com/office/powerpoint/2012/main">
+      <p15:sldGuideLst xmlns:p15="http://schemas.microsoft.com/office/powerpoint/2012/main" xmlns="">
         <p15:guide id="1" orient="horz" pos="2160">
           <p15:clr>
             <a:srgbClr val="A4A3A4"/>
@@ -6904,6 +6904,14 @@
           </a:p>
           <a:p>
             <a:pPr algn="l"/>
+            <a:r>
+              <a:rPr lang="de-CH" sz="2400" dirty="0">
+                <a:solidFill>
+                  <a:schemeClr val="tx1"/>
+                </a:solidFill>
+              </a:rPr>
+              <a:t/>
+            </a:r>
             <a:br>
               <a:rPr lang="de-CH" sz="2400" dirty="0">
                 <a:solidFill>
@@ -6948,6 +6956,10 @@
             <a:r>
               <a:rPr lang="en-GB" sz="2800" b="1" dirty="0"/>
               <a:t>MIA Pipeline – Registration</a:t>
+            </a:r>
+            <a:r>
+              <a:rPr lang="de-CH" dirty="0"/>
+              <a:t/>
             </a:r>
             <a:br>
               <a:rPr lang="de-CH" dirty="0"/>
@@ -6974,6 +6986,13 @@
       <p:transition spd="slow" advTm="2240"/>
     </mc:Fallback>
   </mc:AlternateContent>
+  <p:timing>
+    <p:tnLst>
+      <p:par>
+        <p:cTn id="1" dur="indefinite" restart="never" nodeType="tmRoot"/>
+      </p:par>
+    </p:tnLst>
+  </p:timing>
 </p:sld>
 </file>
 
@@ -7089,7 +7108,6 @@
                     <a:lumOff val="60000"/>
                   </a:schemeClr>
                 </a:solidFill>
-                <a:latin typeface="+mn-lt"/>
                 <a:cs typeface="Courier New" pitchFamily="49" charset="0"/>
               </a:rPr>
               <a:t>BSpline</a:t>
@@ -7101,7 +7119,6 @@
                   <a:lumOff val="60000"/>
                 </a:schemeClr>
               </a:solidFill>
-              <a:latin typeface="+mn-lt"/>
               <a:cs typeface="Courier New" pitchFamily="49" charset="0"/>
             </a:endParaRPr>
           </a:p>
@@ -7280,6 +7297,13 @@
   <p:clrMapOvr>
     <a:masterClrMapping/>
   </p:clrMapOvr>
+  <p:timing>
+    <p:tnLst>
+      <p:par>
+        <p:cTn id="1" dur="indefinite" restart="never" nodeType="tmRoot"/>
+      </p:par>
+    </p:tnLst>
+  </p:timing>
 </p:sld>
 </file>
 
@@ -7395,7 +7419,6 @@
                     <a:lumOff val="60000"/>
                   </a:schemeClr>
                 </a:solidFill>
-                <a:latin typeface="+mn-lt"/>
                 <a:cs typeface="Courier New" pitchFamily="49" charset="0"/>
               </a:rPr>
               <a:t>BSpline</a:t>
@@ -7407,7 +7430,6 @@
                   <a:lumOff val="60000"/>
                 </a:schemeClr>
               </a:solidFill>
-              <a:latin typeface="+mn-lt"/>
               <a:cs typeface="Courier New" pitchFamily="49" charset="0"/>
             </a:endParaRPr>
           </a:p>
@@ -7753,7 +7775,6 @@
                     <a:lumOff val="60000"/>
                   </a:schemeClr>
                 </a:solidFill>
-                <a:latin typeface="+mn-lt"/>
                 <a:cs typeface="Courier New" pitchFamily="49" charset="0"/>
               </a:rPr>
               <a:t>Result 2</a:t>
@@ -7765,7 +7786,6 @@
                   <a:lumOff val="60000"/>
                 </a:schemeClr>
               </a:solidFill>
-              <a:latin typeface="+mn-lt"/>
               <a:cs typeface="Courier New" pitchFamily="49" charset="0"/>
             </a:endParaRPr>
           </a:p>
@@ -8237,7 +8257,6 @@
                     <a:lumOff val="60000"/>
                   </a:schemeClr>
                 </a:solidFill>
-                <a:latin typeface="+mn-lt"/>
                 <a:cs typeface="Courier New" pitchFamily="49" charset="0"/>
               </a:rPr>
               <a:t>Discussion - Affine</a:t>
@@ -8249,7 +8268,6 @@
                   <a:lumOff val="60000"/>
                 </a:schemeClr>
               </a:solidFill>
-              <a:latin typeface="+mn-lt"/>
               <a:cs typeface="Courier New" pitchFamily="49" charset="0"/>
             </a:endParaRPr>
           </a:p>
@@ -8754,7 +8772,6 @@
                     <a:lumOff val="60000"/>
                   </a:schemeClr>
                 </a:solidFill>
-                <a:latin typeface="+mn-lt"/>
                 <a:cs typeface="Courier New" pitchFamily="49" charset="0"/>
               </a:rPr>
               <a:t>Discussion - </a:t>
@@ -8767,7 +8784,6 @@
                     <a:lumOff val="60000"/>
                   </a:schemeClr>
                 </a:solidFill>
-                <a:latin typeface="+mn-lt"/>
                 <a:cs typeface="Courier New" pitchFamily="49" charset="0"/>
               </a:rPr>
               <a:t>BSpline</a:t>
@@ -8779,7 +8795,6 @@
                   <a:lumOff val="60000"/>
                 </a:schemeClr>
               </a:solidFill>
-              <a:latin typeface="+mn-lt"/>
               <a:cs typeface="Courier New" pitchFamily="49" charset="0"/>
             </a:endParaRPr>
           </a:p>
@@ -9168,7 +9183,6 @@
                     <a:lumOff val="60000"/>
                   </a:schemeClr>
                 </a:solidFill>
-                <a:latin typeface="Courier New" pitchFamily="49" charset="0"/>
                 <a:cs typeface="Courier New" pitchFamily="49" charset="0"/>
               </a:rPr>
               <a:t>Discussion - </a:t>
@@ -9181,7 +9195,6 @@
                     <a:lumOff val="60000"/>
                   </a:schemeClr>
                 </a:solidFill>
-                <a:latin typeface="Courier New" pitchFamily="49" charset="0"/>
                 <a:cs typeface="Courier New" pitchFamily="49" charset="0"/>
               </a:rPr>
               <a:t>BSpline</a:t>
@@ -9193,7 +9206,6 @@
                   <a:lumOff val="60000"/>
                 </a:schemeClr>
               </a:solidFill>
-              <a:latin typeface="Courier New" pitchFamily="49" charset="0"/>
               <a:cs typeface="Courier New" pitchFamily="49" charset="0"/>
             </a:endParaRPr>
           </a:p>
@@ -10324,7 +10336,6 @@
                     <a:lumOff val="60000"/>
                   </a:schemeClr>
                 </a:solidFill>
-                <a:latin typeface="+mn-lt"/>
                 <a:cs typeface="Courier New" pitchFamily="49" charset="0"/>
               </a:rPr>
               <a:t>Outlook</a:t>
@@ -10336,7 +10347,6 @@
                   <a:lumOff val="60000"/>
                 </a:schemeClr>
               </a:solidFill>
-              <a:latin typeface="+mn-lt"/>
               <a:cs typeface="Courier New" pitchFamily="49" charset="0"/>
             </a:endParaRPr>
           </a:p>
@@ -11009,6 +11019,14 @@
   <p:clrMapOvr>
     <a:masterClrMapping/>
   </p:clrMapOvr>
+  <mc:AlternateContent xmlns:mc="http://schemas.openxmlformats.org/markup-compatibility/2006">
+    <mc:Choice xmlns:p14="http://schemas.microsoft.com/office/powerpoint/2010/main" Requires="p14">
+      <p:transition spd="slow" p14:dur="2000"/>
+    </mc:Choice>
+    <mc:Fallback>
+      <p:transition spd="slow"/>
+    </mc:Fallback>
+  </mc:AlternateContent>
 </p:sld>
 </file>
 
@@ -12145,6 +12163,14 @@
   <p:clrMapOvr>
     <a:masterClrMapping/>
   </p:clrMapOvr>
+  <mc:AlternateContent xmlns:mc="http://schemas.openxmlformats.org/markup-compatibility/2006">
+    <mc:Choice xmlns:p14="http://schemas.microsoft.com/office/powerpoint/2010/main" Requires="p14">
+      <p:transition spd="slow" p14:dur="2000"/>
+    </mc:Choice>
+    <mc:Fallback>
+      <p:transition spd="slow"/>
+    </mc:Fallback>
+  </mc:AlternateContent>
 </p:sld>
 </file>
 
@@ -13477,6 +13503,14 @@
   <p:clrMapOvr>
     <a:masterClrMapping/>
   </p:clrMapOvr>
+  <mc:AlternateContent xmlns:mc="http://schemas.openxmlformats.org/markup-compatibility/2006">
+    <mc:Choice xmlns:p14="http://schemas.microsoft.com/office/powerpoint/2010/main" Requires="p14">
+      <p:transition spd="slow" p14:dur="2000"/>
+    </mc:Choice>
+    <mc:Fallback>
+      <p:transition spd="slow"/>
+    </mc:Fallback>
+  </mc:AlternateContent>
   <p:timing>
     <p:tnLst>
       <p:par>
@@ -13780,7 +13814,6 @@
                     <a:lumOff val="60000"/>
                   </a:schemeClr>
                 </a:solidFill>
-                <a:latin typeface="Courier New" pitchFamily="49" charset="0"/>
                 <a:cs typeface="Courier New" pitchFamily="49" charset="0"/>
               </a:rPr>
               <a:t>Overview</a:t>
@@ -13792,7 +13825,6 @@
                   <a:lumOff val="60000"/>
                 </a:schemeClr>
               </a:solidFill>
-              <a:latin typeface="Courier New" pitchFamily="49" charset="0"/>
               <a:cs typeface="Courier New" pitchFamily="49" charset="0"/>
             </a:endParaRPr>
           </a:p>
@@ -14086,6 +14118,13 @@
   <p:clrMapOvr>
     <a:masterClrMapping/>
   </p:clrMapOvr>
+  <p:timing>
+    <p:tnLst>
+      <p:par>
+        <p:cTn id="1" dur="indefinite" restart="never" nodeType="tmRoot"/>
+      </p:par>
+    </p:tnLst>
+  </p:timing>
 </p:sld>
 </file>
 
@@ -15281,6 +15320,14 @@
   <p:clrMapOvr>
     <a:masterClrMapping/>
   </p:clrMapOvr>
+  <mc:AlternateContent xmlns:mc="http://schemas.openxmlformats.org/markup-compatibility/2006">
+    <mc:Choice xmlns:p14="http://schemas.microsoft.com/office/powerpoint/2010/main" Requires="p14">
+      <p:transition spd="slow" p14:dur="2000"/>
+    </mc:Choice>
+    <mc:Fallback>
+      <p:transition spd="slow"/>
+    </mc:Fallback>
+  </mc:AlternateContent>
   <p:timing>
     <p:tnLst>
       <p:par>
@@ -16235,6 +16282,14 @@
   <p:clrMapOvr>
     <a:masterClrMapping/>
   </p:clrMapOvr>
+  <mc:AlternateContent xmlns:mc="http://schemas.openxmlformats.org/markup-compatibility/2006">
+    <mc:Choice xmlns:p14="http://schemas.microsoft.com/office/powerpoint/2010/main" Requires="p14">
+      <p:transition spd="slow" p14:dur="2000"/>
+    </mc:Choice>
+    <mc:Fallback>
+      <p:transition spd="slow"/>
+    </mc:Fallback>
+  </mc:AlternateContent>
 </p:sld>
 </file>
 
@@ -18406,6 +18461,14 @@
   <p:clrMapOvr>
     <a:masterClrMapping/>
   </p:clrMapOvr>
+  <mc:AlternateContent xmlns:mc="http://schemas.openxmlformats.org/markup-compatibility/2006">
+    <mc:Choice xmlns:p14="http://schemas.microsoft.com/office/powerpoint/2010/main" Requires="p14">
+      <p:transition spd="slow" p14:dur="2000"/>
+    </mc:Choice>
+    <mc:Fallback>
+      <p:transition spd="slow"/>
+    </mc:Fallback>
+  </mc:AlternateContent>
   <p:timing>
     <p:tnLst>
       <p:par>
@@ -19884,6 +19947,14 @@
   <p:clrMapOvr>
     <a:masterClrMapping/>
   </p:clrMapOvr>
+  <mc:AlternateContent xmlns:mc="http://schemas.openxmlformats.org/markup-compatibility/2006">
+    <mc:Choice xmlns:p14="http://schemas.microsoft.com/office/powerpoint/2010/main" Requires="p14">
+      <p:transition spd="slow" p14:dur="2000"/>
+    </mc:Choice>
+    <mc:Fallback>
+      <p:transition spd="slow"/>
+    </mc:Fallback>
+  </mc:AlternateContent>
 </p:sld>
 </file>
 
@@ -19999,7 +20070,6 @@
                     <a:lumOff val="60000"/>
                   </a:schemeClr>
                 </a:solidFill>
-                <a:latin typeface="Courier New" pitchFamily="49" charset="0"/>
                 <a:cs typeface="Courier New" pitchFamily="49" charset="0"/>
               </a:rPr>
               <a:t>MIA Pipeline</a:t>
@@ -20011,7 +20081,6 @@
                   <a:lumOff val="60000"/>
                 </a:schemeClr>
               </a:solidFill>
-              <a:latin typeface="Courier New" pitchFamily="49" charset="0"/>
               <a:cs typeface="Courier New" pitchFamily="49" charset="0"/>
             </a:endParaRPr>
           </a:p>
@@ -20565,6 +20634,13 @@
   <p:clrMapOvr>
     <a:masterClrMapping/>
   </p:clrMapOvr>
+  <p:timing>
+    <p:tnLst>
+      <p:par>
+        <p:cTn id="1" dur="indefinite" restart="never" nodeType="tmRoot"/>
+      </p:par>
+    </p:tnLst>
+  </p:timing>
 </p:sld>
 </file>
 
@@ -20680,7 +20756,6 @@
                     <a:lumOff val="60000"/>
                   </a:schemeClr>
                 </a:solidFill>
-                <a:latin typeface="+mn-lt"/>
                 <a:cs typeface="Courier New" pitchFamily="49" charset="0"/>
               </a:rPr>
               <a:t>MIA Pipeline</a:t>
@@ -20692,7 +20767,6 @@
                   <a:lumOff val="60000"/>
                 </a:schemeClr>
               </a:solidFill>
-              <a:latin typeface="+mn-lt"/>
               <a:cs typeface="Courier New" pitchFamily="49" charset="0"/>
             </a:endParaRPr>
           </a:p>
@@ -20871,6 +20945,13 @@
   <p:clrMapOvr>
     <a:masterClrMapping/>
   </p:clrMapOvr>
+  <p:timing>
+    <p:tnLst>
+      <p:par>
+        <p:cTn id="1" dur="indefinite" restart="never" nodeType="tmRoot"/>
+      </p:par>
+    </p:tnLst>
+  </p:timing>
 </p:sld>
 </file>
 
@@ -21063,14 +21144,13 @@
           <a:p>
             <a:pPr algn="l"/>
             <a:r>
-              <a:rPr lang="en-GB" sz="3600" dirty="0">
+              <a:rPr lang="en-GB" sz="3600" dirty="0" smtClean="0">
                 <a:solidFill>
                   <a:schemeClr val="tx2">
                     <a:lumMod val="40000"/>
                     <a:lumOff val="60000"/>
                   </a:schemeClr>
                 </a:solidFill>
-                <a:latin typeface="+mn-lt"/>
                 <a:cs typeface="Courier New" pitchFamily="49" charset="0"/>
               </a:rPr>
               <a:t>Evaluation</a:t>
@@ -21082,7 +21162,6 @@
                   <a:lumOff val="60000"/>
                 </a:schemeClr>
               </a:solidFill>
-              <a:latin typeface="+mn-lt"/>
               <a:cs typeface="Courier New" pitchFamily="49" charset="0"/>
             </a:endParaRPr>
           </a:p>
@@ -21514,13 +21593,11 @@
           <a:p>
             <a:r>
               <a:rPr lang="en-GB" sz="1400" dirty="0">
-                <a:latin typeface="Times New Roman" pitchFamily="18" charset="0"/>
                 <a:cs typeface="Times New Roman" pitchFamily="18" charset="0"/>
               </a:rPr>
               <a:t>Registration</a:t>
             </a:r>
             <a:endParaRPr lang="en-GB" sz="1100" dirty="0">
-              <a:latin typeface="Times New Roman" pitchFamily="18" charset="0"/>
               <a:cs typeface="Times New Roman" pitchFamily="18" charset="0"/>
             </a:endParaRPr>
           </a:p>
@@ -21550,13 +21627,11 @@
           <a:p>
             <a:r>
               <a:rPr lang="en-GB" sz="1400" dirty="0">
-                <a:latin typeface="Times New Roman" pitchFamily="18" charset="0"/>
                 <a:cs typeface="Times New Roman" pitchFamily="18" charset="0"/>
               </a:rPr>
               <a:t>Transformation</a:t>
             </a:r>
             <a:endParaRPr lang="en-GB" sz="1100" dirty="0">
-              <a:latin typeface="Times New Roman" pitchFamily="18" charset="0"/>
               <a:cs typeface="Times New Roman" pitchFamily="18" charset="0"/>
             </a:endParaRPr>
           </a:p>
@@ -21586,13 +21661,11 @@
           <a:p>
             <a:r>
               <a:rPr lang="en-GB" sz="1400" dirty="0">
-                <a:latin typeface="Times New Roman" pitchFamily="18" charset="0"/>
                 <a:cs typeface="Times New Roman" pitchFamily="18" charset="0"/>
               </a:rPr>
               <a:t>Evaluation</a:t>
             </a:r>
             <a:endParaRPr lang="en-GB" sz="1100" dirty="0">
-              <a:latin typeface="Times New Roman" pitchFamily="18" charset="0"/>
               <a:cs typeface="Times New Roman" pitchFamily="18" charset="0"/>
             </a:endParaRPr>
           </a:p>
@@ -22179,7 +22252,7 @@
         <p:spPr>
           <a:xfrm>
             <a:off x="7886740" y="3713132"/>
-            <a:ext cx="543739" cy="307777"/>
+            <a:ext cx="502061" cy="307777"/>
           </a:xfrm>
           <a:prstGeom prst="rect">
             <a:avLst/>
@@ -22194,13 +22267,11 @@
           <a:p>
             <a:r>
               <a:rPr lang="en-GB" sz="1400" dirty="0">
-                <a:latin typeface="Times New Roman" pitchFamily="18" charset="0"/>
                 <a:cs typeface="Times New Roman" pitchFamily="18" charset="0"/>
               </a:rPr>
               <a:t>Dice</a:t>
             </a:r>
             <a:endParaRPr lang="en-GB" sz="1100" dirty="0">
-              <a:latin typeface="Times New Roman" pitchFamily="18" charset="0"/>
               <a:cs typeface="Times New Roman" pitchFamily="18" charset="0"/>
             </a:endParaRPr>
           </a:p>
@@ -22541,7 +22612,7 @@
         </p:style>
       </p:cxnSp>
       <mc:AlternateContent xmlns:mc="http://schemas.openxmlformats.org/markup-compatibility/2006">
-        <mc:Choice xmlns:p14="http://schemas.microsoft.com/office/powerpoint/2010/main" xmlns:aink="http://schemas.microsoft.com/office/drawing/2016/ink" Requires="p14 aink">
+        <mc:Choice xmlns:aink="http://schemas.microsoft.com/office/drawing/2016/ink" xmlns:p14="http://schemas.microsoft.com/office/powerpoint/2010/main" xmlns="" Requires="p14 aink">
           <p:contentPart p14:bwMode="auto" r:id="rId9">
             <p14:nvContentPartPr>
               <p14:cNvPr id="6" name="Freihand 5">
@@ -22566,7 +22637,7 @@
               <p:cNvPr id="6" name="Freihand 5">
                 <a:extLst>
                   <a:ext uri="{FF2B5EF4-FFF2-40B4-BE49-F238E27FC236}">
-                    <a16:creationId xmlns:a16="http://schemas.microsoft.com/office/drawing/2014/main" id="{C5ED0E1B-4E97-4FFD-8142-1DD5309576B4}"/>
+                    <a16:creationId xmlns:a16="http://schemas.microsoft.com/office/drawing/2014/main" xmlns="" id="{C5ED0E1B-4E97-4FFD-8142-1DD5309576B4}"/>
                   </a:ext>
                 </a:extLst>
               </p:cNvPr>
@@ -22592,7 +22663,7 @@
         </mc:Fallback>
       </mc:AlternateContent>
       <mc:AlternateContent xmlns:mc="http://schemas.openxmlformats.org/markup-compatibility/2006">
-        <mc:Choice xmlns:p14="http://schemas.microsoft.com/office/powerpoint/2010/main" xmlns:aink="http://schemas.microsoft.com/office/drawing/2016/ink" Requires="p14 aink">
+        <mc:Choice xmlns:aink="http://schemas.microsoft.com/office/drawing/2016/ink" xmlns:p14="http://schemas.microsoft.com/office/powerpoint/2010/main" xmlns="" Requires="p14 aink">
           <p:contentPart p14:bwMode="auto" r:id="rId11">
             <p14:nvContentPartPr>
               <p14:cNvPr id="8" name="Freihand 7">
@@ -22617,7 +22688,7 @@
               <p:cNvPr id="8" name="Freihand 7">
                 <a:extLst>
                   <a:ext uri="{FF2B5EF4-FFF2-40B4-BE49-F238E27FC236}">
-                    <a16:creationId xmlns:a16="http://schemas.microsoft.com/office/drawing/2014/main" id="{A3C38371-69A3-41A4-ACDB-4FA7FAB8A2A4}"/>
+                    <a16:creationId xmlns:a16="http://schemas.microsoft.com/office/drawing/2014/main" xmlns="" id="{A3C38371-69A3-41A4-ACDB-4FA7FAB8A2A4}"/>
                   </a:ext>
                 </a:extLst>
               </p:cNvPr>
@@ -23191,7 +23262,6 @@
                     <a:lumOff val="60000"/>
                   </a:schemeClr>
                 </a:solidFill>
-                <a:latin typeface="+mn-lt"/>
                 <a:cs typeface="Courier New" pitchFamily="49" charset="0"/>
               </a:rPr>
               <a:t>Affine</a:t>
@@ -23203,7 +23273,6 @@
                   <a:lumOff val="60000"/>
                 </a:schemeClr>
               </a:solidFill>
-              <a:latin typeface="+mn-lt"/>
               <a:cs typeface="Courier New" pitchFamily="49" charset="0"/>
             </a:endParaRPr>
           </a:p>
@@ -23382,6 +23451,13 @@
   <p:clrMapOvr>
     <a:masterClrMapping/>
   </p:clrMapOvr>
+  <p:timing>
+    <p:tnLst>
+      <p:par>
+        <p:cTn id="1" dur="indefinite" restart="never" nodeType="tmRoot"/>
+      </p:par>
+    </p:tnLst>
+  </p:timing>
 </p:sld>
 </file>
 
@@ -23497,7 +23573,6 @@
                     <a:lumOff val="60000"/>
                   </a:schemeClr>
                 </a:solidFill>
-                <a:latin typeface="+mn-lt"/>
                 <a:cs typeface="Courier New" pitchFamily="49" charset="0"/>
               </a:rPr>
               <a:t>Affine Registration</a:t>
@@ -23509,7 +23584,6 @@
                   <a:lumOff val="60000"/>
                 </a:schemeClr>
               </a:solidFill>
-              <a:latin typeface="+mn-lt"/>
               <a:cs typeface="Courier New" pitchFamily="49" charset="0"/>
             </a:endParaRPr>
           </a:p>
@@ -23880,6 +23954,20 @@
               </a:rPr>
               <a:t>]</a:t>
             </a:r>
+            <a:r>
+              <a:rPr kumimoji="0" lang="en-GB" sz="1400" b="0" i="0" u="none" strike="noStrike" cap="none" normalizeH="0" baseline="0" dirty="0">
+                <a:ln>
+                  <a:noFill/>
+                </a:ln>
+                <a:solidFill>
+                  <a:srgbClr val="000000"/>
+                </a:solidFill>
+                <a:effectLst/>
+                <a:latin typeface="Courier New" pitchFamily="49" charset="0"/>
+                <a:cs typeface="Courier New" pitchFamily="49" charset="0"/>
+              </a:rPr>
+              <a:t/>
+            </a:r>
             <a:br>
               <a:rPr kumimoji="0" lang="en-GB" sz="1400" b="0" i="0" u="none" strike="noStrike" cap="none" normalizeH="0" baseline="0" dirty="0">
                 <a:ln>
@@ -23979,6 +24067,20 @@
               </a:rPr>
               <a:t>]</a:t>
             </a:r>
+            <a:r>
+              <a:rPr kumimoji="0" lang="en-GB" sz="1400" b="0" i="0" u="none" strike="noStrike" cap="none" normalizeH="0" baseline="0" dirty="0">
+                <a:ln>
+                  <a:noFill/>
+                </a:ln>
+                <a:solidFill>
+                  <a:srgbClr val="000000"/>
+                </a:solidFill>
+                <a:effectLst/>
+                <a:latin typeface="Courier New" pitchFamily="49" charset="0"/>
+                <a:cs typeface="Courier New" pitchFamily="49" charset="0"/>
+              </a:rPr>
+              <a:t/>
+            </a:r>
             <a:br>
               <a:rPr kumimoji="0" lang="en-GB" sz="1400" b="0" i="0" u="none" strike="noStrike" cap="none" normalizeH="0" baseline="0" dirty="0">
                 <a:ln>
@@ -24078,6 +24180,20 @@
               </a:rPr>
               <a:t>]</a:t>
             </a:r>
+            <a:r>
+              <a:rPr kumimoji="0" lang="en-GB" sz="1400" b="0" i="0" u="none" strike="noStrike" cap="none" normalizeH="0" baseline="0" dirty="0">
+                <a:ln>
+                  <a:noFill/>
+                </a:ln>
+                <a:solidFill>
+                  <a:srgbClr val="000000"/>
+                </a:solidFill>
+                <a:effectLst/>
+                <a:latin typeface="Courier New" pitchFamily="49" charset="0"/>
+                <a:cs typeface="Courier New" pitchFamily="49" charset="0"/>
+              </a:rPr>
+              <a:t/>
+            </a:r>
             <a:br>
               <a:rPr kumimoji="0" lang="en-GB" sz="1400" b="0" i="0" u="none" strike="noStrike" cap="none" normalizeH="0" baseline="0" dirty="0">
                 <a:ln>
@@ -24091,6 +24207,20 @@
                 <a:cs typeface="Courier New" pitchFamily="49" charset="0"/>
               </a:rPr>
             </a:br>
+            <a:r>
+              <a:rPr kumimoji="0" lang="en-GB" sz="1400" b="0" i="0" u="none" strike="noStrike" cap="none" normalizeH="0" baseline="0" dirty="0">
+                <a:ln>
+                  <a:noFill/>
+                </a:ln>
+                <a:solidFill>
+                  <a:srgbClr val="000000"/>
+                </a:solidFill>
+                <a:effectLst/>
+                <a:latin typeface="Courier New" pitchFamily="49" charset="0"/>
+                <a:cs typeface="Courier New" pitchFamily="49" charset="0"/>
+              </a:rPr>
+              <a:t/>
+            </a:r>
             <a:br>
               <a:rPr kumimoji="0" lang="en-GB" sz="1400" b="0" i="0" u="none" strike="noStrike" cap="none" normalizeH="0" baseline="0" dirty="0">
                 <a:ln>
@@ -24291,6 +24421,20 @@
                 <a:cs typeface="Courier New" pitchFamily="49" charset="0"/>
               </a:rPr>
               <a:t>)]</a:t>
+            </a:r>
+            <a:r>
+              <a:rPr kumimoji="0" lang="en-GB" sz="1400" b="0" i="0" u="none" strike="noStrike" cap="none" normalizeH="0" baseline="0" dirty="0">
+                <a:ln>
+                  <a:noFill/>
+                </a:ln>
+                <a:solidFill>
+                  <a:srgbClr val="000000"/>
+                </a:solidFill>
+                <a:effectLst/>
+                <a:latin typeface="Courier New" pitchFamily="49" charset="0"/>
+                <a:cs typeface="Courier New" pitchFamily="49" charset="0"/>
+              </a:rPr>
+              <a:t/>
             </a:r>
             <a:br>
               <a:rPr kumimoji="0" lang="en-GB" sz="1400" b="0" i="0" u="none" strike="noStrike" cap="none" normalizeH="0" baseline="0" dirty="0">
@@ -24980,7 +25124,6 @@
                     <a:lumOff val="60000"/>
                   </a:schemeClr>
                 </a:solidFill>
-                <a:latin typeface="+mn-lt"/>
                 <a:cs typeface="Courier New" pitchFamily="49" charset="0"/>
               </a:rPr>
               <a:t>Optimization</a:t>
@@ -24992,7 +25135,6 @@
                   <a:lumOff val="60000"/>
                 </a:schemeClr>
               </a:solidFill>
-              <a:latin typeface="+mn-lt"/>
               <a:cs typeface="Courier New" pitchFamily="49" charset="0"/>
             </a:endParaRPr>
           </a:p>
@@ -25568,7 +25710,6 @@
                     <a:lumOff val="60000"/>
                   </a:schemeClr>
                 </a:solidFill>
-                <a:latin typeface="+mn-lt"/>
                 <a:cs typeface="Courier New" pitchFamily="49" charset="0"/>
               </a:rPr>
               <a:t>Result</a:t>
@@ -25580,7 +25721,6 @@
                   <a:lumOff val="60000"/>
                 </a:schemeClr>
               </a:solidFill>
-              <a:latin typeface="+mn-lt"/>
               <a:cs typeface="Courier New" pitchFamily="49" charset="0"/>
             </a:endParaRPr>
           </a:p>

--- a/wd/Documentation/MIALab presentation.pptx
+++ b/wd/Documentation/MIALab presentation.pptx
@@ -131,7 +131,7 @@
   </p:defaultTextStyle>
   <p:extLst>
     <p:ext uri="{EFAFB233-063F-42B5-8137-9DF3F51BA10A}">
-      <p15:sldGuideLst xmlns:p15="http://schemas.microsoft.com/office/powerpoint/2012/main" xmlns="">
+      <p15:sldGuideLst xmlns="" xmlns:p15="http://schemas.microsoft.com/office/powerpoint/2012/main">
         <p15:guide id="1" orient="horz" pos="2160">
           <p15:clr>
             <a:srgbClr val="A4A3A4"/>
@@ -11019,11 +11019,11 @@
   <p:clrMapOvr>
     <a:masterClrMapping/>
   </p:clrMapOvr>
-  <mc:AlternateContent xmlns:mc="http://schemas.openxmlformats.org/markup-compatibility/2006">
-    <mc:Choice xmlns:p14="http://schemas.microsoft.com/office/powerpoint/2010/main" Requires="p14">
+  <mc:AlternateContent xmlns:mc="http://schemas.openxmlformats.org/markup-compatibility/2006" xmlns:p14="http://schemas.microsoft.com/office/powerpoint/2010/main">
+    <mc:Choice Requires="p14">
       <p:transition spd="slow" p14:dur="2000"/>
     </mc:Choice>
-    <mc:Fallback>
+    <mc:Fallback xmlns="">
       <p:transition spd="slow"/>
     </mc:Fallback>
   </mc:AlternateContent>
@@ -12163,11 +12163,11 @@
   <p:clrMapOvr>
     <a:masterClrMapping/>
   </p:clrMapOvr>
-  <mc:AlternateContent xmlns:mc="http://schemas.openxmlformats.org/markup-compatibility/2006">
-    <mc:Choice xmlns:p14="http://schemas.microsoft.com/office/powerpoint/2010/main" Requires="p14">
+  <mc:AlternateContent xmlns:mc="http://schemas.openxmlformats.org/markup-compatibility/2006" xmlns:p14="http://schemas.microsoft.com/office/powerpoint/2010/main">
+    <mc:Choice Requires="p14">
       <p:transition spd="slow" p14:dur="2000"/>
     </mc:Choice>
-    <mc:Fallback>
+    <mc:Fallback xmlns="">
       <p:transition spd="slow"/>
     </mc:Fallback>
   </mc:AlternateContent>
@@ -13503,11 +13503,11 @@
   <p:clrMapOvr>
     <a:masterClrMapping/>
   </p:clrMapOvr>
-  <mc:AlternateContent xmlns:mc="http://schemas.openxmlformats.org/markup-compatibility/2006">
-    <mc:Choice xmlns:p14="http://schemas.microsoft.com/office/powerpoint/2010/main" Requires="p14">
+  <mc:AlternateContent xmlns:mc="http://schemas.openxmlformats.org/markup-compatibility/2006" xmlns:p14="http://schemas.microsoft.com/office/powerpoint/2010/main">
+    <mc:Choice Requires="p14">
       <p:transition spd="slow" p14:dur="2000"/>
     </mc:Choice>
-    <mc:Fallback>
+    <mc:Fallback xmlns="">
       <p:transition spd="slow"/>
     </mc:Fallback>
   </mc:AlternateContent>
@@ -15320,11 +15320,11 @@
   <p:clrMapOvr>
     <a:masterClrMapping/>
   </p:clrMapOvr>
-  <mc:AlternateContent xmlns:mc="http://schemas.openxmlformats.org/markup-compatibility/2006">
-    <mc:Choice xmlns:p14="http://schemas.microsoft.com/office/powerpoint/2010/main" Requires="p14">
+  <mc:AlternateContent xmlns:mc="http://schemas.openxmlformats.org/markup-compatibility/2006" xmlns:p14="http://schemas.microsoft.com/office/powerpoint/2010/main">
+    <mc:Choice Requires="p14">
       <p:transition spd="slow" p14:dur="2000"/>
     </mc:Choice>
-    <mc:Fallback>
+    <mc:Fallback xmlns="">
       <p:transition spd="slow"/>
     </mc:Fallback>
   </mc:AlternateContent>
@@ -16282,11 +16282,11 @@
   <p:clrMapOvr>
     <a:masterClrMapping/>
   </p:clrMapOvr>
-  <mc:AlternateContent xmlns:mc="http://schemas.openxmlformats.org/markup-compatibility/2006">
-    <mc:Choice xmlns:p14="http://schemas.microsoft.com/office/powerpoint/2010/main" Requires="p14">
+  <mc:AlternateContent xmlns:mc="http://schemas.openxmlformats.org/markup-compatibility/2006" xmlns:p14="http://schemas.microsoft.com/office/powerpoint/2010/main">
+    <mc:Choice Requires="p14">
       <p:transition spd="slow" p14:dur="2000"/>
     </mc:Choice>
-    <mc:Fallback>
+    <mc:Fallback xmlns="">
       <p:transition spd="slow"/>
     </mc:Fallback>
   </mc:AlternateContent>
@@ -18461,11 +18461,11 @@
   <p:clrMapOvr>
     <a:masterClrMapping/>
   </p:clrMapOvr>
-  <mc:AlternateContent xmlns:mc="http://schemas.openxmlformats.org/markup-compatibility/2006">
-    <mc:Choice xmlns:p14="http://schemas.microsoft.com/office/powerpoint/2010/main" Requires="p14">
+  <mc:AlternateContent xmlns:mc="http://schemas.openxmlformats.org/markup-compatibility/2006" xmlns:p14="http://schemas.microsoft.com/office/powerpoint/2010/main">
+    <mc:Choice Requires="p14">
       <p:transition spd="slow" p14:dur="2000"/>
     </mc:Choice>
-    <mc:Fallback>
+    <mc:Fallback xmlns="">
       <p:transition spd="slow"/>
     </mc:Fallback>
   </mc:AlternateContent>
@@ -19947,11 +19947,11 @@
   <p:clrMapOvr>
     <a:masterClrMapping/>
   </p:clrMapOvr>
-  <mc:AlternateContent xmlns:mc="http://schemas.openxmlformats.org/markup-compatibility/2006">
-    <mc:Choice xmlns:p14="http://schemas.microsoft.com/office/powerpoint/2010/main" Requires="p14">
+  <mc:AlternateContent xmlns:mc="http://schemas.openxmlformats.org/markup-compatibility/2006" xmlns:p14="http://schemas.microsoft.com/office/powerpoint/2010/main">
+    <mc:Choice Requires="p14">
       <p:transition spd="slow" p14:dur="2000"/>
     </mc:Choice>
-    <mc:Fallback>
+    <mc:Fallback xmlns="">
       <p:transition spd="slow"/>
     </mc:Fallback>
   </mc:AlternateContent>
@@ -21611,7 +21611,7 @@
         </p:nvSpPr>
         <p:spPr>
           <a:xfrm>
-            <a:off x="2881908" y="3725862"/>
+            <a:off x="2854388" y="3725862"/>
             <a:ext cx="1294072" cy="307777"/>
           </a:xfrm>
           <a:prstGeom prst="rect">
@@ -21645,7 +21645,7 @@
         </p:nvSpPr>
         <p:spPr>
           <a:xfrm>
-            <a:off x="5534671" y="3744912"/>
+            <a:off x="5547371" y="3744912"/>
             <a:ext cx="962123" cy="307777"/>
           </a:xfrm>
           <a:prstGeom prst="rect">
@@ -22159,7 +22159,7 @@
         </p:nvSpPr>
         <p:spPr>
           <a:xfrm>
-            <a:off x="2785170" y="3703270"/>
+            <a:off x="2788381" y="3703270"/>
             <a:ext cx="1423579" cy="360040"/>
           </a:xfrm>
           <a:prstGeom prst="roundRect">
@@ -22251,7 +22251,7 @@
         </p:nvSpPr>
         <p:spPr>
           <a:xfrm>
-            <a:off x="7886740" y="3713132"/>
+            <a:off x="7899440" y="3713132"/>
             <a:ext cx="502061" cy="307777"/>
           </a:xfrm>
           <a:prstGeom prst="rect">
@@ -22612,7 +22612,7 @@
         </p:style>
       </p:cxnSp>
       <mc:AlternateContent xmlns:mc="http://schemas.openxmlformats.org/markup-compatibility/2006">
-        <mc:Choice xmlns:aink="http://schemas.microsoft.com/office/drawing/2016/ink" xmlns:p14="http://schemas.microsoft.com/office/powerpoint/2010/main" xmlns="" Requires="p14 aink">
+        <mc:Choice xmlns="" xmlns:p14="http://schemas.microsoft.com/office/powerpoint/2010/main" xmlns:aink="http://schemas.microsoft.com/office/drawing/2016/ink" Requires="p14 aink">
           <p:contentPart p14:bwMode="auto" r:id="rId9">
             <p14:nvContentPartPr>
               <p14:cNvPr id="6" name="Freihand 5">
@@ -22637,7 +22637,7 @@
               <p:cNvPr id="6" name="Freihand 5">
                 <a:extLst>
                   <a:ext uri="{FF2B5EF4-FFF2-40B4-BE49-F238E27FC236}">
-                    <a16:creationId xmlns:a16="http://schemas.microsoft.com/office/drawing/2014/main" xmlns="" id="{C5ED0E1B-4E97-4FFD-8142-1DD5309576B4}"/>
+                    <a16:creationId xmlns="" xmlns:a16="http://schemas.microsoft.com/office/drawing/2014/main" id="{C5ED0E1B-4E97-4FFD-8142-1DD5309576B4}"/>
                   </a:ext>
                 </a:extLst>
               </p:cNvPr>
@@ -22663,7 +22663,7 @@
         </mc:Fallback>
       </mc:AlternateContent>
       <mc:AlternateContent xmlns:mc="http://schemas.openxmlformats.org/markup-compatibility/2006">
-        <mc:Choice xmlns:aink="http://schemas.microsoft.com/office/drawing/2016/ink" xmlns:p14="http://schemas.microsoft.com/office/powerpoint/2010/main" xmlns="" Requires="p14 aink">
+        <mc:Choice xmlns="" xmlns:p14="http://schemas.microsoft.com/office/powerpoint/2010/main" xmlns:aink="http://schemas.microsoft.com/office/drawing/2016/ink" Requires="p14 aink">
           <p:contentPart p14:bwMode="auto" r:id="rId11">
             <p14:nvContentPartPr>
               <p14:cNvPr id="8" name="Freihand 7">
@@ -22688,7 +22688,7 @@
               <p:cNvPr id="8" name="Freihand 7">
                 <a:extLst>
                   <a:ext uri="{FF2B5EF4-FFF2-40B4-BE49-F238E27FC236}">
-                    <a16:creationId xmlns:a16="http://schemas.microsoft.com/office/drawing/2014/main" xmlns="" id="{A3C38371-69A3-41A4-ACDB-4FA7FAB8A2A4}"/>
+                    <a16:creationId xmlns="" xmlns:a16="http://schemas.microsoft.com/office/drawing/2014/main" id="{A3C38371-69A3-41A4-ACDB-4FA7FAB8A2A4}"/>
                   </a:ext>
                 </a:extLst>
               </p:cNvPr>
